--- a/Documentação/Status_Report/Mod_Status_Report-PI20202.pptx
+++ b/Documentação/Status_Report/Mod_Status_Report-PI20202.pptx
@@ -1210,7 +1210,7 @@
             <a:fld id="{C3CD65D1-5C11-455D-9F9A-0E035F00A0DA}" type="datetimeFigureOut">
               <a:rPr lang="pt-BR" smtClean="0"/>
               <a:pPr/>
-              <a:t>04/03/2021</a:t>
+              <a:t>05/03/2021</a:t>
             </a:fld>
             <a:endParaRPr lang="pt-BR"/>
           </a:p>
@@ -29153,67 +29153,6 @@
 </file>
 
 <file path=customXml/item1.xml><?xml version="1.0" encoding="utf-8"?>
-<p:properties xmlns:p="http://schemas.microsoft.com/office/2006/metadata/properties" xmlns:xsi="http://www.w3.org/2001/XMLSchema-instance" xmlns:pc="http://schemas.microsoft.com/office/infopath/2007/PartnerControls">
-  <documentManagement>
-    <Is_Collaboration_Space_Locked xmlns="bbcd8c33-6940-4d4c-a587-bbc736ca1e4d" xsi:nil="true"/>
-    <TeamsChannelId xmlns="bbcd8c33-6940-4d4c-a587-bbc736ca1e4d" xsi:nil="true"/>
-    <Self_Registration_Enabled xmlns="bbcd8c33-6940-4d4c-a587-bbc736ca1e4d" xsi:nil="true"/>
-    <Math_Settings xmlns="bbcd8c33-6940-4d4c-a587-bbc736ca1e4d" xsi:nil="true"/>
-    <AppVersion xmlns="bbcd8c33-6940-4d4c-a587-bbc736ca1e4d" xsi:nil="true"/>
-    <Invited_Teachers xmlns="bbcd8c33-6940-4d4c-a587-bbc736ca1e4d" xsi:nil="true"/>
-    <LMS_Mappings xmlns="bbcd8c33-6940-4d4c-a587-bbc736ca1e4d" xsi:nil="true"/>
-    <IsNotebookLocked xmlns="bbcd8c33-6940-4d4c-a587-bbc736ca1e4d" xsi:nil="true"/>
-    <NotebookType xmlns="bbcd8c33-6940-4d4c-a587-bbc736ca1e4d" xsi:nil="true"/>
-    <Templates xmlns="bbcd8c33-6940-4d4c-a587-bbc736ca1e4d" xsi:nil="true"/>
-    <Owner xmlns="bbcd8c33-6940-4d4c-a587-bbc736ca1e4d">
-      <UserInfo>
-        <DisplayName/>
-        <AccountId xsi:nil="true"/>
-        <AccountType/>
-      </UserInfo>
-    </Owner>
-    <Teachers xmlns="bbcd8c33-6940-4d4c-a587-bbc736ca1e4d">
-      <UserInfo>
-        <DisplayName/>
-        <AccountId xsi:nil="true"/>
-        <AccountType/>
-      </UserInfo>
-    </Teachers>
-    <Students xmlns="bbcd8c33-6940-4d4c-a587-bbc736ca1e4d">
-      <UserInfo>
-        <DisplayName/>
-        <AccountId xsi:nil="true"/>
-        <AccountType/>
-      </UserInfo>
-    </Students>
-    <Student_Groups xmlns="bbcd8c33-6940-4d4c-a587-bbc736ca1e4d">
-      <UserInfo>
-        <DisplayName/>
-        <AccountId xsi:nil="true"/>
-        <AccountType/>
-      </UserInfo>
-    </Student_Groups>
-    <Distribution_Groups xmlns="bbcd8c33-6940-4d4c-a587-bbc736ca1e4d" xsi:nil="true"/>
-    <Self_Registration_Enabled0 xmlns="bbcd8c33-6940-4d4c-a587-bbc736ca1e4d" xsi:nil="true"/>
-    <Has_Teacher_Only_SectionGroup xmlns="bbcd8c33-6940-4d4c-a587-bbc736ca1e4d" xsi:nil="true"/>
-    <DefaultSectionNames xmlns="bbcd8c33-6940-4d4c-a587-bbc736ca1e4d" xsi:nil="true"/>
-    <Invited_Students xmlns="bbcd8c33-6940-4d4c-a587-bbc736ca1e4d" xsi:nil="true"/>
-    <FolderType xmlns="bbcd8c33-6940-4d4c-a587-bbc736ca1e4d" xsi:nil="true"/>
-    <CultureName xmlns="bbcd8c33-6940-4d4c-a587-bbc736ca1e4d" xsi:nil="true"/>
-  </documentManagement>
-</p:properties>
-</file>
-
-<file path=customXml/item2.xml><?xml version="1.0" encoding="utf-8"?>
-<?mso-contentType ?>
-<FormTemplates xmlns="http://schemas.microsoft.com/sharepoint/v3/contenttype/forms">
-  <Display>DocumentLibraryForm</Display>
-  <Edit>DocumentLibraryForm</Edit>
-  <New>DocumentLibraryForm</New>
-</FormTemplates>
-</file>
-
-<file path=customXml/item3.xml><?xml version="1.0" encoding="utf-8"?>
 <ct:contentTypeSchema xmlns:ct="http://schemas.microsoft.com/office/2006/metadata/contentType" xmlns:ma="http://schemas.microsoft.com/office/2006/metadata/properties/metaAttributes" ct:_="" ma:_="" ma:contentTypeName="Document" ma:contentTypeID="0x0101001132905C37EA9847A7207C4BBCCCD8F4" ma:contentTypeVersion="34" ma:contentTypeDescription="Create a new document." ma:contentTypeScope="" ma:versionID="2f28daba72ca6e92be87ea70ebe5bb94">
   <xsd:schema xmlns:xsd="http://www.w3.org/2001/XMLSchema" xmlns:xs="http://www.w3.org/2001/XMLSchema" xmlns:p="http://schemas.microsoft.com/office/2006/metadata/properties" xmlns:ns3="4327b14a-fe89-488e-9f6d-9658cacf372b" xmlns:ns4="bbcd8c33-6940-4d4c-a587-bbc736ca1e4d" targetNamespace="http://schemas.microsoft.com/office/2006/metadata/properties" ma:root="true" ma:fieldsID="df18e839ce2650f1975b41376e6cdb6b" ns3:_="" ns4:_="">
     <xsd:import namespace="4327b14a-fe89-488e-9f6d-9658cacf372b"/>
@@ -29630,32 +29569,68 @@
 </ct:contentTypeSchema>
 </file>
 
-<file path=customXml/itemProps1.xml><?xml version="1.0" encoding="utf-8"?>
-<ds:datastoreItem xmlns:ds="http://schemas.openxmlformats.org/officeDocument/2006/customXml" ds:itemID="{4B31267F-D399-4A8A-87F8-B75F56828412}">
-  <ds:schemaRefs>
-    <ds:schemaRef ds:uri="http://www.w3.org/XML/1998/namespace"/>
-    <ds:schemaRef ds:uri="http://schemas.microsoft.com/office/2006/documentManagement/types"/>
-    <ds:schemaRef ds:uri="bbcd8c33-6940-4d4c-a587-bbc736ca1e4d"/>
-    <ds:schemaRef ds:uri="http://purl.org/dc/elements/1.1/"/>
-    <ds:schemaRef ds:uri="http://purl.org/dc/dcmitype/"/>
-    <ds:schemaRef ds:uri="4327b14a-fe89-488e-9f6d-9658cacf372b"/>
-    <ds:schemaRef ds:uri="http://schemas.microsoft.com/office/infopath/2007/PartnerControls"/>
-    <ds:schemaRef ds:uri="http://schemas.openxmlformats.org/package/2006/metadata/core-properties"/>
-    <ds:schemaRef ds:uri="http://schemas.microsoft.com/office/2006/metadata/properties"/>
-    <ds:schemaRef ds:uri="http://purl.org/dc/terms/"/>
-  </ds:schemaRefs>
-</ds:datastoreItem>
+<file path=customXml/item2.xml><?xml version="1.0" encoding="utf-8"?>
+<?mso-contentType ?>
+<FormTemplates xmlns="http://schemas.microsoft.com/sharepoint/v3/contenttype/forms">
+  <Display>DocumentLibraryForm</Display>
+  <Edit>DocumentLibraryForm</Edit>
+  <New>DocumentLibraryForm</New>
+</FormTemplates>
 </file>
 
-<file path=customXml/itemProps2.xml><?xml version="1.0" encoding="utf-8"?>
-<ds:datastoreItem xmlns:ds="http://schemas.openxmlformats.org/officeDocument/2006/customXml" ds:itemID="{E2481852-F24E-4532-AF30-C154D705D105}">
-  <ds:schemaRefs>
-    <ds:schemaRef ds:uri="http://schemas.microsoft.com/sharepoint/v3/contenttype/forms"/>
-  </ds:schemaRefs>
-</ds:datastoreItem>
+<file path=customXml/item3.xml><?xml version="1.0" encoding="utf-8"?>
+<p:properties xmlns:p="http://schemas.microsoft.com/office/2006/metadata/properties" xmlns:xsi="http://www.w3.org/2001/XMLSchema-instance" xmlns:pc="http://schemas.microsoft.com/office/infopath/2007/PartnerControls">
+  <documentManagement>
+    <Is_Collaboration_Space_Locked xmlns="bbcd8c33-6940-4d4c-a587-bbc736ca1e4d" xsi:nil="true"/>
+    <TeamsChannelId xmlns="bbcd8c33-6940-4d4c-a587-bbc736ca1e4d" xsi:nil="true"/>
+    <Self_Registration_Enabled xmlns="bbcd8c33-6940-4d4c-a587-bbc736ca1e4d" xsi:nil="true"/>
+    <Math_Settings xmlns="bbcd8c33-6940-4d4c-a587-bbc736ca1e4d" xsi:nil="true"/>
+    <AppVersion xmlns="bbcd8c33-6940-4d4c-a587-bbc736ca1e4d" xsi:nil="true"/>
+    <Invited_Teachers xmlns="bbcd8c33-6940-4d4c-a587-bbc736ca1e4d" xsi:nil="true"/>
+    <LMS_Mappings xmlns="bbcd8c33-6940-4d4c-a587-bbc736ca1e4d" xsi:nil="true"/>
+    <IsNotebookLocked xmlns="bbcd8c33-6940-4d4c-a587-bbc736ca1e4d" xsi:nil="true"/>
+    <NotebookType xmlns="bbcd8c33-6940-4d4c-a587-bbc736ca1e4d" xsi:nil="true"/>
+    <Templates xmlns="bbcd8c33-6940-4d4c-a587-bbc736ca1e4d" xsi:nil="true"/>
+    <Owner xmlns="bbcd8c33-6940-4d4c-a587-bbc736ca1e4d">
+      <UserInfo>
+        <DisplayName/>
+        <AccountId xsi:nil="true"/>
+        <AccountType/>
+      </UserInfo>
+    </Owner>
+    <Teachers xmlns="bbcd8c33-6940-4d4c-a587-bbc736ca1e4d">
+      <UserInfo>
+        <DisplayName/>
+        <AccountId xsi:nil="true"/>
+        <AccountType/>
+      </UserInfo>
+    </Teachers>
+    <Students xmlns="bbcd8c33-6940-4d4c-a587-bbc736ca1e4d">
+      <UserInfo>
+        <DisplayName/>
+        <AccountId xsi:nil="true"/>
+        <AccountType/>
+      </UserInfo>
+    </Students>
+    <Student_Groups xmlns="bbcd8c33-6940-4d4c-a587-bbc736ca1e4d">
+      <UserInfo>
+        <DisplayName/>
+        <AccountId xsi:nil="true"/>
+        <AccountType/>
+      </UserInfo>
+    </Student_Groups>
+    <Distribution_Groups xmlns="bbcd8c33-6940-4d4c-a587-bbc736ca1e4d" xsi:nil="true"/>
+    <Self_Registration_Enabled0 xmlns="bbcd8c33-6940-4d4c-a587-bbc736ca1e4d" xsi:nil="true"/>
+    <Has_Teacher_Only_SectionGroup xmlns="bbcd8c33-6940-4d4c-a587-bbc736ca1e4d" xsi:nil="true"/>
+    <DefaultSectionNames xmlns="bbcd8c33-6940-4d4c-a587-bbc736ca1e4d" xsi:nil="true"/>
+    <Invited_Students xmlns="bbcd8c33-6940-4d4c-a587-bbc736ca1e4d" xsi:nil="true"/>
+    <FolderType xmlns="bbcd8c33-6940-4d4c-a587-bbc736ca1e4d" xsi:nil="true"/>
+    <CultureName xmlns="bbcd8c33-6940-4d4c-a587-bbc736ca1e4d" xsi:nil="true"/>
+  </documentManagement>
+</p:properties>
 </file>
 
-<file path=customXml/itemProps3.xml><?xml version="1.0" encoding="utf-8"?>
+<file path=customXml/itemProps1.xml><?xml version="1.0" encoding="utf-8"?>
 <ds:datastoreItem xmlns:ds="http://schemas.openxmlformats.org/officeDocument/2006/customXml" ds:itemID="{3BE6CAF6-1F55-4A70-B10C-21633F74987A}">
   <ds:schemaRefs>
     <ds:schemaRef ds:uri="http://schemas.microsoft.com/office/2006/metadata/contentType"/>
@@ -29672,4 +29647,29 @@
     <ds:schemaRef ds:uri="http://schemas.microsoft.com/internal/obd"/>
   </ds:schemaRefs>
 </ds:datastoreItem>
+</file>
+
+<file path=customXml/itemProps2.xml><?xml version="1.0" encoding="utf-8"?>
+<ds:datastoreItem xmlns:ds="http://schemas.openxmlformats.org/officeDocument/2006/customXml" ds:itemID="{E2481852-F24E-4532-AF30-C154D705D105}">
+  <ds:schemaRefs>
+    <ds:schemaRef ds:uri="http://schemas.microsoft.com/sharepoint/v3/contenttype/forms"/>
+  </ds:schemaRefs>
+</ds:datastoreItem>
+</file>
+
+<file path=customXml/itemProps3.xml><?xml version="1.0" encoding="utf-8"?>
+<ds:datastoreItem xmlns:ds="http://schemas.openxmlformats.org/officeDocument/2006/customXml" ds:itemID="{4B31267F-D399-4A8A-87F8-B75F56828412}">
+  <ds:schemaRefs>
+    <ds:schemaRef ds:uri="http://www.w3.org/XML/1998/namespace"/>
+    <ds:schemaRef ds:uri="http://schemas.microsoft.com/office/2006/documentManagement/types"/>
+    <ds:schemaRef ds:uri="bbcd8c33-6940-4d4c-a587-bbc736ca1e4d"/>
+    <ds:schemaRef ds:uri="http://purl.org/dc/elements/1.1/"/>
+    <ds:schemaRef ds:uri="http://purl.org/dc/dcmitype/"/>
+    <ds:schemaRef ds:uri="4327b14a-fe89-488e-9f6d-9658cacf372b"/>
+    <ds:schemaRef ds:uri="http://schemas.microsoft.com/office/infopath/2007/PartnerControls"/>
+    <ds:schemaRef ds:uri="http://schemas.openxmlformats.org/package/2006/metadata/core-properties"/>
+    <ds:schemaRef ds:uri="http://schemas.microsoft.com/office/2006/metadata/properties"/>
+    <ds:schemaRef ds:uri="http://purl.org/dc/terms/"/>
+  </ds:schemaRefs>
+</ds:datastoreItem>
 </file>
--- a/Documentação/Status_Report/Mod_Status_Report-PI20202.pptx
+++ b/Documentação/Status_Report/Mod_Status_Report-PI20202.pptx
@@ -7,16 +7,17 @@
     <p:sldMasterId id="2147483665" r:id="rId6"/>
   </p:sldMasterIdLst>
   <p:notesMasterIdLst>
-    <p:notesMasterId r:id="rId11"/>
+    <p:notesMasterId r:id="rId12"/>
   </p:notesMasterIdLst>
   <p:handoutMasterIdLst>
-    <p:handoutMasterId r:id="rId12"/>
+    <p:handoutMasterId r:id="rId13"/>
   </p:handoutMasterIdLst>
   <p:sldIdLst>
     <p:sldId id="256" r:id="rId7"/>
     <p:sldId id="344" r:id="rId8"/>
     <p:sldId id="471" r:id="rId9"/>
     <p:sldId id="472" r:id="rId10"/>
+    <p:sldId id="473" r:id="rId11"/>
   </p:sldIdLst>
   <p:sldSz cx="13442950" cy="7561263"/>
   <p:notesSz cx="7104063" cy="10234613"/>
@@ -128,6 +129,7 @@
             <p14:sldId id="344"/>
             <p14:sldId id="471"/>
             <p14:sldId id="472"/>
+            <p14:sldId id="473"/>
           </p14:sldIdLst>
         </p14:section>
       </p14:sectionLst>
@@ -1210,7 +1212,7 @@
             <a:fld id="{C3CD65D1-5C11-455D-9F9A-0E035F00A0DA}" type="datetimeFigureOut">
               <a:rPr lang="pt-BR" smtClean="0"/>
               <a:pPr/>
-              <a:t>05/03/2021</a:t>
+              <a:t>18/03/2021</a:t>
             </a:fld>
             <a:endParaRPr lang="pt-BR"/>
           </a:p>
@@ -1378,7 +1380,7 @@
             <a:fld id="{A05DA3EF-18EA-43DE-B1BB-402A3C558822}" type="datetimeFigureOut">
               <a:rPr lang="pt-BR" smtClean="0"/>
               <a:pPr/>
-              <a:t>04/03/2021</a:t>
+              <a:t>18/03/2021</a:t>
             </a:fld>
             <a:endParaRPr lang="pt-BR"/>
           </a:p>
@@ -1911,6 +1913,99 @@
     <p:extLst>
       <p:ext uri="{BB962C8B-B14F-4D97-AF65-F5344CB8AC3E}">
         <p14:creationId xmlns:p14="http://schemas.microsoft.com/office/powerpoint/2010/main" val="4196201079"/>
+      </p:ext>
+    </p:extLst>
+  </p:cSld>
+  <p:clrMapOvr>
+    <a:masterClrMapping/>
+  </p:clrMapOvr>
+</p:notes>
+</file>
+
+<file path=ppt/notesSlides/notesSlide4.xml><?xml version="1.0" encoding="utf-8"?>
+<p:notes xmlns:a="http://schemas.openxmlformats.org/drawingml/2006/main" xmlns:r="http://schemas.openxmlformats.org/officeDocument/2006/relationships" xmlns:p="http://schemas.openxmlformats.org/presentationml/2006/main">
+  <p:cSld>
+    <p:spTree>
+      <p:nvGrpSpPr>
+        <p:cNvPr id="1" name=""/>
+        <p:cNvGrpSpPr/>
+        <p:nvPr/>
+      </p:nvGrpSpPr>
+      <p:grpSpPr>
+        <a:xfrm>
+          <a:off x="0" y="0"/>
+          <a:ext cx="0" cy="0"/>
+          <a:chOff x="0" y="0"/>
+          <a:chExt cx="0" cy="0"/>
+        </a:xfrm>
+      </p:grpSpPr>
+      <p:sp>
+        <p:nvSpPr>
+          <p:cNvPr id="2" name="Slide Image Placeholder 1"/>
+          <p:cNvSpPr>
+            <a:spLocks noGrp="1" noRot="1" noChangeAspect="1"/>
+          </p:cNvSpPr>
+          <p:nvPr>
+            <p:ph type="sldImg"/>
+          </p:nvPr>
+        </p:nvSpPr>
+        <p:spPr/>
+      </p:sp>
+      <p:sp>
+        <p:nvSpPr>
+          <p:cNvPr id="3" name="Notes Placeholder 2"/>
+          <p:cNvSpPr>
+            <a:spLocks noGrp="1"/>
+          </p:cNvSpPr>
+          <p:nvPr>
+            <p:ph type="body" idx="1"/>
+          </p:nvPr>
+        </p:nvSpPr>
+        <p:spPr/>
+        <p:txBody>
+          <a:bodyPr/>
+          <a:lstStyle/>
+          <a:p>
+            <a:endParaRPr lang="en-US"/>
+          </a:p>
+        </p:txBody>
+      </p:sp>
+      <p:sp>
+        <p:nvSpPr>
+          <p:cNvPr id="4" name="Slide Number Placeholder 3"/>
+          <p:cNvSpPr>
+            <a:spLocks noGrp="1"/>
+          </p:cNvSpPr>
+          <p:nvPr>
+            <p:ph type="sldNum" sz="quarter" idx="10"/>
+          </p:nvPr>
+        </p:nvSpPr>
+        <p:spPr/>
+        <p:txBody>
+          <a:bodyPr/>
+          <a:lstStyle/>
+          <a:p>
+            <a:fld id="{B39AF3DB-B6A1-2444-9DD8-53D016F8E638}" type="slidenum">
+              <a:rPr lang="pt-BR" smtClean="0">
+                <a:solidFill>
+                  <a:prstClr val="black"/>
+                </a:solidFill>
+              </a:rPr>
+              <a:pPr/>
+              <a:t>5</a:t>
+            </a:fld>
+            <a:endParaRPr lang="pt-BR">
+              <a:solidFill>
+                <a:prstClr val="black"/>
+              </a:solidFill>
+            </a:endParaRPr>
+          </a:p>
+        </p:txBody>
+      </p:sp>
+    </p:spTree>
+    <p:extLst>
+      <p:ext uri="{BB962C8B-B14F-4D97-AF65-F5344CB8AC3E}">
+        <p14:creationId xmlns:p14="http://schemas.microsoft.com/office/powerpoint/2010/main" val="1318687605"/>
       </p:ext>
     </p:extLst>
   </p:cSld>
@@ -24891,8 +24986,8 @@
                 <a:solidFill>
                   <a:schemeClr val="tx1"/>
                 </a:solidFill>
-                <a:latin typeface="Calibri" panose="020F0502020204030204" pitchFamily="34" charset="0"/>
-                <a:cs typeface="Simplon BP Regular"/>
+                <a:latin typeface="Arial" panose="020B0604020202020204" pitchFamily="34" charset="0"/>
+                <a:cs typeface="Arial" panose="020B0604020202020204" pitchFamily="34" charset="0"/>
               </a:rPr>
               <a:t>Desenvolvemos a definição de Personas</a:t>
             </a:r>
@@ -24911,8 +25006,8 @@
                 <a:solidFill>
                   <a:schemeClr val="tx1"/>
                 </a:solidFill>
-                <a:latin typeface="Calibri" panose="020F0502020204030204" pitchFamily="34" charset="0"/>
-                <a:cs typeface="Simplon BP Regular"/>
+                <a:latin typeface="Arial" panose="020B0604020202020204" pitchFamily="34" charset="0"/>
+                <a:cs typeface="Arial" panose="020B0604020202020204" pitchFamily="34" charset="0"/>
               </a:rPr>
               <a:t>Desenvolvemos o “Mapa de Empatia”</a:t>
             </a:r>
@@ -24931,8 +25026,8 @@
                 <a:solidFill>
                   <a:schemeClr val="tx1"/>
                 </a:solidFill>
-                <a:latin typeface="Calibri" panose="020F0502020204030204" pitchFamily="34" charset="0"/>
-                <a:cs typeface="Simplon BP Regular"/>
+                <a:latin typeface="Arial" panose="020B0604020202020204" pitchFamily="34" charset="0"/>
+                <a:cs typeface="Arial" panose="020B0604020202020204" pitchFamily="34" charset="0"/>
               </a:rPr>
               <a:t>Desenvolvemos a Contextualização do projeto</a:t>
             </a:r>
@@ -24951,8 +25046,8 @@
                 <a:solidFill>
                   <a:schemeClr val="tx1"/>
                 </a:solidFill>
-                <a:latin typeface="Calibri" panose="020F0502020204030204" pitchFamily="34" charset="0"/>
-                <a:cs typeface="Simplon BP Regular"/>
+                <a:latin typeface="Arial" panose="020B0604020202020204" pitchFamily="34" charset="0"/>
+                <a:cs typeface="Arial" panose="020B0604020202020204" pitchFamily="34" charset="0"/>
               </a:rPr>
               <a:t>Desenvolvemos o levantamento de requisitos</a:t>
             </a:r>
@@ -24971,8 +25066,8 @@
                 <a:solidFill>
                   <a:schemeClr val="tx1"/>
                 </a:solidFill>
-                <a:latin typeface="Calibri" panose="020F0502020204030204" pitchFamily="34" charset="0"/>
-                <a:cs typeface="Simplon BP Regular"/>
+                <a:latin typeface="Arial" panose="020B0604020202020204" pitchFamily="34" charset="0"/>
+                <a:cs typeface="Arial" panose="020B0604020202020204" pitchFamily="34" charset="0"/>
               </a:rPr>
               <a:t>Desenvolvemos alguns </a:t>
             </a:r>
@@ -24981,8 +25076,8 @@
                 <a:solidFill>
                   <a:schemeClr val="tx1"/>
                 </a:solidFill>
-                <a:latin typeface="Calibri" panose="020F0502020204030204" pitchFamily="34" charset="0"/>
-                <a:cs typeface="Simplon BP Regular"/>
+                <a:latin typeface="Arial" panose="020B0604020202020204" pitchFamily="34" charset="0"/>
+                <a:cs typeface="Arial" panose="020B0604020202020204" pitchFamily="34" charset="0"/>
               </a:rPr>
               <a:t>User</a:t>
             </a:r>
@@ -24991,8 +25086,8 @@
                 <a:solidFill>
                   <a:schemeClr val="tx1"/>
                 </a:solidFill>
-                <a:latin typeface="Calibri" panose="020F0502020204030204" pitchFamily="34" charset="0"/>
-                <a:cs typeface="Simplon BP Regular"/>
+                <a:latin typeface="Arial" panose="020B0604020202020204" pitchFamily="34" charset="0"/>
+                <a:cs typeface="Arial" panose="020B0604020202020204" pitchFamily="34" charset="0"/>
               </a:rPr>
               <a:t> Stories</a:t>
             </a:r>
@@ -25011,8 +25106,8 @@
                 <a:solidFill>
                   <a:schemeClr val="tx1"/>
                 </a:solidFill>
-                <a:latin typeface="Calibri" panose="020F0502020204030204" pitchFamily="34" charset="0"/>
-                <a:cs typeface="Simplon BP Regular"/>
+                <a:latin typeface="Arial" panose="020B0604020202020204" pitchFamily="34" charset="0"/>
+                <a:cs typeface="Arial" panose="020B0604020202020204" pitchFamily="34" charset="0"/>
               </a:rPr>
               <a:t>Desenvolvemos o Diagrama de Solução – HLD</a:t>
             </a:r>
@@ -25028,8 +25123,8 @@
               <a:solidFill>
                 <a:schemeClr val="tx1"/>
               </a:solidFill>
-              <a:latin typeface="Calibri" panose="020F0502020204030204" pitchFamily="34" charset="0"/>
-              <a:cs typeface="Simplon BP Regular"/>
+              <a:latin typeface="Arial" panose="020B0604020202020204" pitchFamily="34" charset="0"/>
+              <a:cs typeface="Arial" panose="020B0604020202020204" pitchFamily="34" charset="0"/>
             </a:endParaRPr>
           </a:p>
           <a:p>
@@ -26792,8 +26887,8 @@
                 <a:solidFill>
                   <a:schemeClr val="tx1"/>
                 </a:solidFill>
-                <a:latin typeface="Calibri" panose="020F0502020204030204" pitchFamily="34" charset="0"/>
-                <a:cs typeface="Simplon BP Regular"/>
+                <a:latin typeface="Arial" panose="020B0604020202020204" pitchFamily="34" charset="0"/>
+                <a:cs typeface="Arial" panose="020B0604020202020204" pitchFamily="34" charset="0"/>
               </a:rPr>
               <a:t>Desenvolvemos a primeira versão do Diagrama de classe</a:t>
             </a:r>
@@ -26812,8 +26907,8 @@
                 <a:solidFill>
                   <a:schemeClr val="tx1"/>
                 </a:solidFill>
-                <a:latin typeface="Calibri" panose="020F0502020204030204" pitchFamily="34" charset="0"/>
-                <a:cs typeface="Simplon BP Regular"/>
+                <a:latin typeface="Arial" panose="020B0604020202020204" pitchFamily="34" charset="0"/>
+                <a:cs typeface="Arial" panose="020B0604020202020204" pitchFamily="34" charset="0"/>
               </a:rPr>
               <a:t>Desenvolvemos a simulação do login e </a:t>
             </a:r>
@@ -26822,8 +26917,8 @@
                 <a:solidFill>
                   <a:schemeClr val="tx1"/>
                 </a:solidFill>
-                <a:latin typeface="Calibri" panose="020F0502020204030204" pitchFamily="34" charset="0"/>
-                <a:cs typeface="Simplon BP Regular"/>
+                <a:latin typeface="Arial" panose="020B0604020202020204" pitchFamily="34" charset="0"/>
+                <a:cs typeface="Arial" panose="020B0604020202020204" pitchFamily="34" charset="0"/>
               </a:rPr>
               <a:t>logoff</a:t>
             </a:r>
@@ -26832,8 +26927,8 @@
                 <a:solidFill>
                   <a:schemeClr val="tx1"/>
                 </a:solidFill>
-                <a:latin typeface="Calibri" panose="020F0502020204030204" pitchFamily="34" charset="0"/>
-                <a:cs typeface="Simplon BP Regular"/>
+                <a:latin typeface="Arial" panose="020B0604020202020204" pitchFamily="34" charset="0"/>
+                <a:cs typeface="Arial" panose="020B0604020202020204" pitchFamily="34" charset="0"/>
               </a:rPr>
               <a:t> utilizando o </a:t>
             </a:r>
@@ -26842,8 +26937,8 @@
                 <a:solidFill>
                   <a:schemeClr val="tx1"/>
                 </a:solidFill>
-                <a:latin typeface="Calibri" panose="020F0502020204030204" pitchFamily="34" charset="0"/>
-                <a:cs typeface="Simplon BP Regular"/>
+                <a:latin typeface="Arial" panose="020B0604020202020204" pitchFamily="34" charset="0"/>
+                <a:cs typeface="Arial" panose="020B0604020202020204" pitchFamily="34" charset="0"/>
               </a:rPr>
               <a:t>postaman</a:t>
             </a:r>
@@ -26851,8 +26946,8 @@
               <a:solidFill>
                 <a:schemeClr val="tx1"/>
               </a:solidFill>
-              <a:latin typeface="Calibri" panose="020F0502020204030204" pitchFamily="34" charset="0"/>
-              <a:cs typeface="Simplon BP Regular"/>
+              <a:latin typeface="Arial" panose="020B0604020202020204" pitchFamily="34" charset="0"/>
+              <a:cs typeface="Arial" panose="020B0604020202020204" pitchFamily="34" charset="0"/>
             </a:endParaRPr>
           </a:p>
           <a:p>
@@ -26869,8 +26964,8 @@
                 <a:solidFill>
                   <a:schemeClr val="tx1"/>
                 </a:solidFill>
-                <a:latin typeface="Calibri" panose="020F0502020204030204" pitchFamily="34" charset="0"/>
-                <a:cs typeface="Simplon BP Regular"/>
+                <a:latin typeface="Arial" panose="020B0604020202020204" pitchFamily="34" charset="0"/>
+                <a:cs typeface="Arial" panose="020B0604020202020204" pitchFamily="34" charset="0"/>
               </a:rPr>
               <a:t>Desenvolvemos a primeira versão de 5 telas do protótipo do site institucional</a:t>
             </a:r>
@@ -26889,8 +26984,8 @@
                 <a:solidFill>
                   <a:schemeClr val="tx1"/>
                 </a:solidFill>
-                <a:latin typeface="Calibri" panose="020F0502020204030204" pitchFamily="34" charset="0"/>
-                <a:cs typeface="Simplon BP Regular"/>
+                <a:latin typeface="Arial" panose="020B0604020202020204" pitchFamily="34" charset="0"/>
+                <a:cs typeface="Arial" panose="020B0604020202020204" pitchFamily="34" charset="0"/>
               </a:rPr>
               <a:t>Desenvolvemos a Jornada de usuário</a:t>
             </a:r>
@@ -26909,8 +27004,8 @@
                 <a:solidFill>
                   <a:schemeClr val="tx1"/>
                 </a:solidFill>
-                <a:latin typeface="Calibri" panose="020F0502020204030204" pitchFamily="34" charset="0"/>
-                <a:cs typeface="Simplon BP Regular"/>
+                <a:latin typeface="Arial" panose="020B0604020202020204" pitchFamily="34" charset="0"/>
+                <a:cs typeface="Arial" panose="020B0604020202020204" pitchFamily="34" charset="0"/>
               </a:rPr>
               <a:t>Realizamos 182 entrevistas com usuários e 10 sugestões para novas funcionabilidades</a:t>
             </a:r>
@@ -26929,8 +27024,8 @@
                 <a:solidFill>
                   <a:schemeClr val="tx1"/>
                 </a:solidFill>
-                <a:latin typeface="Calibri" panose="020F0502020204030204" pitchFamily="34" charset="0"/>
-                <a:cs typeface="Simplon BP Regular"/>
+                <a:latin typeface="Arial" panose="020B0604020202020204" pitchFamily="34" charset="0"/>
+                <a:cs typeface="Arial" panose="020B0604020202020204" pitchFamily="34" charset="0"/>
               </a:rPr>
               <a:t>Decidimos a API que iremos utilizar</a:t>
             </a:r>
@@ -27685,6 +27780,1756 @@
     <p:extLst>
       <p:ext uri="{BB962C8B-B14F-4D97-AF65-F5344CB8AC3E}">
         <p14:creationId xmlns:p14="http://schemas.microsoft.com/office/powerpoint/2010/main" val="889660702"/>
+      </p:ext>
+    </p:extLst>
+  </p:cSld>
+  <p:clrMapOvr>
+    <a:masterClrMapping/>
+  </p:clrMapOvr>
+</p:sld>
+</file>
+
+<file path=ppt/slides/slide5.xml><?xml version="1.0" encoding="utf-8"?>
+<p:sld xmlns:a="http://schemas.openxmlformats.org/drawingml/2006/main" xmlns:r="http://schemas.openxmlformats.org/officeDocument/2006/relationships" xmlns:p="http://schemas.openxmlformats.org/presentationml/2006/main">
+  <p:cSld>
+    <p:spTree>
+      <p:nvGrpSpPr>
+        <p:cNvPr id="1" name=""/>
+        <p:cNvGrpSpPr/>
+        <p:nvPr/>
+      </p:nvGrpSpPr>
+      <p:grpSpPr>
+        <a:xfrm>
+          <a:off x="0" y="0"/>
+          <a:ext cx="0" cy="0"/>
+          <a:chOff x="0" y="0"/>
+          <a:chExt cx="0" cy="0"/>
+        </a:xfrm>
+      </p:grpSpPr>
+      <p:sp>
+        <p:nvSpPr>
+          <p:cNvPr id="43" name="Rectangle 42"/>
+          <p:cNvSpPr/>
+          <p:nvPr/>
+        </p:nvSpPr>
+        <p:spPr>
+          <a:xfrm>
+            <a:off x="7810905" y="1369526"/>
+            <a:ext cx="5351116" cy="2095826"/>
+          </a:xfrm>
+          <a:prstGeom prst="rect">
+            <a:avLst/>
+          </a:prstGeom>
+          <a:noFill/>
+          <a:ln w="12700">
+            <a:solidFill>
+              <a:schemeClr val="bg1">
+                <a:lumMod val="50000"/>
+              </a:schemeClr>
+            </a:solidFill>
+          </a:ln>
+        </p:spPr>
+        <p:style>
+          <a:lnRef idx="2">
+            <a:schemeClr val="accent4"/>
+          </a:lnRef>
+          <a:fillRef idx="1">
+            <a:schemeClr val="lt1"/>
+          </a:fillRef>
+          <a:effectRef idx="0">
+            <a:schemeClr val="accent4"/>
+          </a:effectRef>
+          <a:fontRef idx="minor">
+            <a:schemeClr val="dk1"/>
+          </a:fontRef>
+        </p:style>
+        <p:txBody>
+          <a:bodyPr tIns="105844" rtlCol="0" anchor="t"/>
+          <a:lstStyle/>
+          <a:p>
+            <a:pPr defTabSz="672130">
+              <a:spcAft>
+                <a:spcPts val="882"/>
+              </a:spcAft>
+            </a:pPr>
+            <a:endParaRPr lang="pt-BR" sz="1470" dirty="0">
+              <a:solidFill>
+                <a:schemeClr val="tx1"/>
+              </a:solidFill>
+              <a:latin typeface="Calibri" panose="020F0502020204030204" pitchFamily="34" charset="0"/>
+              <a:cs typeface="Simplon BP Regular"/>
+            </a:endParaRPr>
+          </a:p>
+        </p:txBody>
+      </p:sp>
+      <p:sp>
+        <p:nvSpPr>
+          <p:cNvPr id="3" name="Title 2"/>
+          <p:cNvSpPr>
+            <a:spLocks noGrp="1"/>
+          </p:cNvSpPr>
+          <p:nvPr>
+            <p:ph type="title"/>
+          </p:nvPr>
+        </p:nvSpPr>
+        <p:spPr>
+          <a:xfrm>
+            <a:off x="469692" y="185232"/>
+            <a:ext cx="12098020" cy="800352"/>
+          </a:xfrm>
+        </p:spPr>
+        <p:txBody>
+          <a:bodyPr vert="horz" wrap="square" lIns="105844" tIns="0" rIns="105844" bIns="0" numCol="1" anchor="t" anchorCtr="0" compatLnSpc="1">
+            <a:prstTxWarp prst="textNoShape">
+              <a:avLst/>
+            </a:prstTxWarp>
+            <a:noAutofit/>
+          </a:bodyPr>
+          <a:lstStyle/>
+          <a:p>
+            <a:pPr algn="l">
+              <a:spcAft>
+                <a:spcPts val="882"/>
+              </a:spcAft>
+            </a:pPr>
+            <a:r>
+              <a:rPr lang="en-US" sz="2646" dirty="0">
+                <a:solidFill>
+                  <a:prstClr val="black"/>
+                </a:solidFill>
+                <a:latin typeface="Simplon Oi Headline"/>
+                <a:cs typeface="Simplon Oi Headline"/>
+              </a:rPr>
+              <a:t>SEMANA 3- 11/02/2021</a:t>
+            </a:r>
+          </a:p>
+        </p:txBody>
+      </p:sp>
+      <p:sp>
+        <p:nvSpPr>
+          <p:cNvPr id="78" name="TextBox 118"/>
+          <p:cNvSpPr txBox="1"/>
+          <p:nvPr/>
+        </p:nvSpPr>
+        <p:spPr>
+          <a:xfrm>
+            <a:off x="11822773" y="576471"/>
+            <a:ext cx="899678" cy="179824"/>
+          </a:xfrm>
+          <a:prstGeom prst="rect">
+            <a:avLst/>
+          </a:prstGeom>
+          <a:noFill/>
+          <a:ln w="12700">
+            <a:noFill/>
+          </a:ln>
+        </p:spPr>
+        <p:style>
+          <a:lnRef idx="2">
+            <a:schemeClr val="accent4"/>
+          </a:lnRef>
+          <a:fillRef idx="1">
+            <a:schemeClr val="lt1"/>
+          </a:fillRef>
+          <a:effectRef idx="0">
+            <a:schemeClr val="accent4"/>
+          </a:effectRef>
+          <a:fontRef idx="minor">
+            <a:schemeClr val="dk1"/>
+          </a:fontRef>
+        </p:style>
+        <p:txBody>
+          <a:bodyPr wrap="none" lIns="52922" tIns="52922" rIns="52922" bIns="0" rtlCol="0" anchor="b"/>
+          <a:lstStyle>
+            <a:defPPr>
+              <a:defRPr lang="en-US"/>
+            </a:defPPr>
+            <a:lvl1pPr algn="ctr">
+              <a:defRPr sz="1000" b="1">
+                <a:latin typeface="Simplon BP Regular"/>
+                <a:cs typeface="Simplon BP Regular"/>
+              </a:defRPr>
+            </a:lvl1pPr>
+            <a:lvl2pPr>
+              <a:defRPr>
+                <a:solidFill>
+                  <a:schemeClr val="dk1"/>
+                </a:solidFill>
+              </a:defRPr>
+            </a:lvl2pPr>
+            <a:lvl3pPr>
+              <a:defRPr>
+                <a:solidFill>
+                  <a:schemeClr val="dk1"/>
+                </a:solidFill>
+              </a:defRPr>
+            </a:lvl3pPr>
+            <a:lvl4pPr>
+              <a:defRPr>
+                <a:solidFill>
+                  <a:schemeClr val="dk1"/>
+                </a:solidFill>
+              </a:defRPr>
+            </a:lvl4pPr>
+            <a:lvl5pPr>
+              <a:defRPr>
+                <a:solidFill>
+                  <a:schemeClr val="dk1"/>
+                </a:solidFill>
+              </a:defRPr>
+            </a:lvl5pPr>
+            <a:lvl6pPr>
+              <a:defRPr>
+                <a:solidFill>
+                  <a:schemeClr val="dk1"/>
+                </a:solidFill>
+              </a:defRPr>
+            </a:lvl6pPr>
+            <a:lvl7pPr>
+              <a:defRPr>
+                <a:solidFill>
+                  <a:schemeClr val="dk1"/>
+                </a:solidFill>
+              </a:defRPr>
+            </a:lvl7pPr>
+            <a:lvl8pPr>
+              <a:defRPr>
+                <a:solidFill>
+                  <a:schemeClr val="dk1"/>
+                </a:solidFill>
+              </a:defRPr>
+            </a:lvl8pPr>
+            <a:lvl9pPr>
+              <a:defRPr>
+                <a:solidFill>
+                  <a:schemeClr val="dk1"/>
+                </a:solidFill>
+              </a:defRPr>
+            </a:lvl9pPr>
+          </a:lstStyle>
+          <a:p>
+            <a:pPr defTabSz="672130"/>
+            <a:r>
+              <a:rPr lang="pt-BR" sz="1176" b="0" dirty="0">
+                <a:solidFill>
+                  <a:prstClr val="black"/>
+                </a:solidFill>
+                <a:latin typeface="Simplon BP Bold" pitchFamily="2" charset="0"/>
+              </a:rPr>
+              <a:t>Negócios</a:t>
+            </a:r>
+          </a:p>
+        </p:txBody>
+      </p:sp>
+      <p:sp>
+        <p:nvSpPr>
+          <p:cNvPr id="80" name="TextBox 123"/>
+          <p:cNvSpPr txBox="1"/>
+          <p:nvPr/>
+        </p:nvSpPr>
+        <p:spPr>
+          <a:xfrm>
+            <a:off x="10902774" y="589543"/>
+            <a:ext cx="899678" cy="179824"/>
+          </a:xfrm>
+          <a:prstGeom prst="rect">
+            <a:avLst/>
+          </a:prstGeom>
+          <a:noFill/>
+          <a:ln w="12700">
+            <a:noFill/>
+          </a:ln>
+        </p:spPr>
+        <p:style>
+          <a:lnRef idx="2">
+            <a:schemeClr val="accent4"/>
+          </a:lnRef>
+          <a:fillRef idx="1">
+            <a:schemeClr val="lt1"/>
+          </a:fillRef>
+          <a:effectRef idx="0">
+            <a:schemeClr val="accent4"/>
+          </a:effectRef>
+          <a:fontRef idx="minor">
+            <a:schemeClr val="dk1"/>
+          </a:fontRef>
+        </p:style>
+        <p:txBody>
+          <a:bodyPr wrap="none" lIns="52922" tIns="52922" rIns="52922" bIns="0" rtlCol="0" anchor="b"/>
+          <a:lstStyle>
+            <a:defPPr>
+              <a:defRPr lang="en-US"/>
+            </a:defPPr>
+            <a:lvl1pPr algn="ctr">
+              <a:defRPr sz="1000" b="1">
+                <a:latin typeface="Simplon BP Regular"/>
+                <a:cs typeface="Simplon BP Regular"/>
+              </a:defRPr>
+            </a:lvl1pPr>
+            <a:lvl2pPr>
+              <a:defRPr>
+                <a:solidFill>
+                  <a:schemeClr val="dk1"/>
+                </a:solidFill>
+              </a:defRPr>
+            </a:lvl2pPr>
+            <a:lvl3pPr>
+              <a:defRPr>
+                <a:solidFill>
+                  <a:schemeClr val="dk1"/>
+                </a:solidFill>
+              </a:defRPr>
+            </a:lvl3pPr>
+            <a:lvl4pPr>
+              <a:defRPr>
+                <a:solidFill>
+                  <a:schemeClr val="dk1"/>
+                </a:solidFill>
+              </a:defRPr>
+            </a:lvl4pPr>
+            <a:lvl5pPr>
+              <a:defRPr>
+                <a:solidFill>
+                  <a:schemeClr val="dk1"/>
+                </a:solidFill>
+              </a:defRPr>
+            </a:lvl5pPr>
+            <a:lvl6pPr>
+              <a:defRPr>
+                <a:solidFill>
+                  <a:schemeClr val="dk1"/>
+                </a:solidFill>
+              </a:defRPr>
+            </a:lvl6pPr>
+            <a:lvl7pPr>
+              <a:defRPr>
+                <a:solidFill>
+                  <a:schemeClr val="dk1"/>
+                </a:solidFill>
+              </a:defRPr>
+            </a:lvl7pPr>
+            <a:lvl8pPr>
+              <a:defRPr>
+                <a:solidFill>
+                  <a:schemeClr val="dk1"/>
+                </a:solidFill>
+              </a:defRPr>
+            </a:lvl8pPr>
+            <a:lvl9pPr>
+              <a:defRPr>
+                <a:solidFill>
+                  <a:schemeClr val="dk1"/>
+                </a:solidFill>
+              </a:defRPr>
+            </a:lvl9pPr>
+          </a:lstStyle>
+          <a:p>
+            <a:pPr defTabSz="672130"/>
+            <a:r>
+              <a:rPr lang="pt-BR" sz="1176" b="0" dirty="0">
+                <a:solidFill>
+                  <a:prstClr val="black"/>
+                </a:solidFill>
+                <a:latin typeface="Simplon BP Bold" pitchFamily="2" charset="0"/>
+              </a:rPr>
+              <a:t>Plataforma</a:t>
+            </a:r>
+          </a:p>
+        </p:txBody>
+      </p:sp>
+      <p:sp>
+        <p:nvSpPr>
+          <p:cNvPr id="82" name="TextBox 128"/>
+          <p:cNvSpPr txBox="1"/>
+          <p:nvPr/>
+        </p:nvSpPr>
+        <p:spPr>
+          <a:xfrm>
+            <a:off x="9854245" y="576471"/>
+            <a:ext cx="899678" cy="179824"/>
+          </a:xfrm>
+          <a:prstGeom prst="rect">
+            <a:avLst/>
+          </a:prstGeom>
+          <a:noFill/>
+          <a:ln w="12700">
+            <a:noFill/>
+          </a:ln>
+        </p:spPr>
+        <p:style>
+          <a:lnRef idx="2">
+            <a:schemeClr val="accent4"/>
+          </a:lnRef>
+          <a:fillRef idx="1">
+            <a:schemeClr val="lt1"/>
+          </a:fillRef>
+          <a:effectRef idx="0">
+            <a:schemeClr val="accent4"/>
+          </a:effectRef>
+          <a:fontRef idx="minor">
+            <a:schemeClr val="dk1"/>
+          </a:fontRef>
+        </p:style>
+        <p:txBody>
+          <a:bodyPr wrap="none" lIns="52922" tIns="52922" rIns="52922" bIns="0" rtlCol="0" anchor="b"/>
+          <a:lstStyle>
+            <a:defPPr>
+              <a:defRPr lang="en-US"/>
+            </a:defPPr>
+            <a:lvl1pPr algn="ctr">
+              <a:defRPr sz="1000" b="1">
+                <a:latin typeface="Simplon BP Regular"/>
+                <a:cs typeface="Simplon BP Regular"/>
+              </a:defRPr>
+            </a:lvl1pPr>
+            <a:lvl2pPr>
+              <a:defRPr>
+                <a:solidFill>
+                  <a:schemeClr val="dk1"/>
+                </a:solidFill>
+              </a:defRPr>
+            </a:lvl2pPr>
+            <a:lvl3pPr>
+              <a:defRPr>
+                <a:solidFill>
+                  <a:schemeClr val="dk1"/>
+                </a:solidFill>
+              </a:defRPr>
+            </a:lvl3pPr>
+            <a:lvl4pPr>
+              <a:defRPr>
+                <a:solidFill>
+                  <a:schemeClr val="dk1"/>
+                </a:solidFill>
+              </a:defRPr>
+            </a:lvl4pPr>
+            <a:lvl5pPr>
+              <a:defRPr>
+                <a:solidFill>
+                  <a:schemeClr val="dk1"/>
+                </a:solidFill>
+              </a:defRPr>
+            </a:lvl5pPr>
+            <a:lvl6pPr>
+              <a:defRPr>
+                <a:solidFill>
+                  <a:schemeClr val="dk1"/>
+                </a:solidFill>
+              </a:defRPr>
+            </a:lvl6pPr>
+            <a:lvl7pPr>
+              <a:defRPr>
+                <a:solidFill>
+                  <a:schemeClr val="dk1"/>
+                </a:solidFill>
+              </a:defRPr>
+            </a:lvl7pPr>
+            <a:lvl8pPr>
+              <a:defRPr>
+                <a:solidFill>
+                  <a:schemeClr val="dk1"/>
+                </a:solidFill>
+              </a:defRPr>
+            </a:lvl8pPr>
+            <a:lvl9pPr>
+              <a:defRPr>
+                <a:solidFill>
+                  <a:schemeClr val="dk1"/>
+                </a:solidFill>
+              </a:defRPr>
+            </a:lvl9pPr>
+          </a:lstStyle>
+          <a:p>
+            <a:pPr defTabSz="672130"/>
+            <a:r>
+              <a:rPr lang="pt-BR" sz="1176" b="0" dirty="0">
+                <a:solidFill>
+                  <a:prstClr val="black"/>
+                </a:solidFill>
+                <a:latin typeface="Simplon BP Bold" pitchFamily="2" charset="0"/>
+              </a:rPr>
+              <a:t>Back</a:t>
+            </a:r>
+          </a:p>
+        </p:txBody>
+      </p:sp>
+      <p:sp>
+        <p:nvSpPr>
+          <p:cNvPr id="84" name="TextBox 133"/>
+          <p:cNvSpPr txBox="1"/>
+          <p:nvPr/>
+        </p:nvSpPr>
+        <p:spPr>
+          <a:xfrm>
+            <a:off x="8934246" y="576471"/>
+            <a:ext cx="899678" cy="179824"/>
+          </a:xfrm>
+          <a:prstGeom prst="rect">
+            <a:avLst/>
+          </a:prstGeom>
+          <a:noFill/>
+          <a:ln w="12700">
+            <a:noFill/>
+          </a:ln>
+        </p:spPr>
+        <p:style>
+          <a:lnRef idx="2">
+            <a:schemeClr val="accent4"/>
+          </a:lnRef>
+          <a:fillRef idx="1">
+            <a:schemeClr val="lt1"/>
+          </a:fillRef>
+          <a:effectRef idx="0">
+            <a:schemeClr val="accent4"/>
+          </a:effectRef>
+          <a:fontRef idx="minor">
+            <a:schemeClr val="dk1"/>
+          </a:fontRef>
+        </p:style>
+        <p:txBody>
+          <a:bodyPr wrap="none" lIns="52922" tIns="52922" rIns="52922" bIns="0" rtlCol="0" anchor="b"/>
+          <a:lstStyle>
+            <a:defPPr>
+              <a:defRPr lang="en-US"/>
+            </a:defPPr>
+            <a:lvl1pPr algn="ctr">
+              <a:defRPr sz="1000" b="1">
+                <a:latin typeface="Simplon BP Regular"/>
+                <a:cs typeface="Simplon BP Regular"/>
+              </a:defRPr>
+            </a:lvl1pPr>
+            <a:lvl2pPr>
+              <a:defRPr>
+                <a:solidFill>
+                  <a:schemeClr val="dk1"/>
+                </a:solidFill>
+              </a:defRPr>
+            </a:lvl2pPr>
+            <a:lvl3pPr>
+              <a:defRPr>
+                <a:solidFill>
+                  <a:schemeClr val="dk1"/>
+                </a:solidFill>
+              </a:defRPr>
+            </a:lvl3pPr>
+            <a:lvl4pPr>
+              <a:defRPr>
+                <a:solidFill>
+                  <a:schemeClr val="dk1"/>
+                </a:solidFill>
+              </a:defRPr>
+            </a:lvl4pPr>
+            <a:lvl5pPr>
+              <a:defRPr>
+                <a:solidFill>
+                  <a:schemeClr val="dk1"/>
+                </a:solidFill>
+              </a:defRPr>
+            </a:lvl5pPr>
+            <a:lvl6pPr>
+              <a:defRPr>
+                <a:solidFill>
+                  <a:schemeClr val="dk1"/>
+                </a:solidFill>
+              </a:defRPr>
+            </a:lvl6pPr>
+            <a:lvl7pPr>
+              <a:defRPr>
+                <a:solidFill>
+                  <a:schemeClr val="dk1"/>
+                </a:solidFill>
+              </a:defRPr>
+            </a:lvl7pPr>
+            <a:lvl8pPr>
+              <a:defRPr>
+                <a:solidFill>
+                  <a:schemeClr val="dk1"/>
+                </a:solidFill>
+              </a:defRPr>
+            </a:lvl8pPr>
+            <a:lvl9pPr>
+              <a:defRPr>
+                <a:solidFill>
+                  <a:schemeClr val="dk1"/>
+                </a:solidFill>
+              </a:defRPr>
+            </a:lvl9pPr>
+          </a:lstStyle>
+          <a:p>
+            <a:pPr defTabSz="672130"/>
+            <a:r>
+              <a:rPr lang="pt-BR" sz="1176" b="0" dirty="0">
+                <a:solidFill>
+                  <a:prstClr val="black"/>
+                </a:solidFill>
+                <a:latin typeface="Simplon BP Bold" pitchFamily="2" charset="0"/>
+              </a:rPr>
+              <a:t>Front</a:t>
+            </a:r>
+          </a:p>
+        </p:txBody>
+      </p:sp>
+      <p:sp>
+        <p:nvSpPr>
+          <p:cNvPr id="88" name="Oval 134"/>
+          <p:cNvSpPr>
+            <a:spLocks noChangeAspect="1"/>
+          </p:cNvSpPr>
+          <p:nvPr/>
+        </p:nvSpPr>
+        <p:spPr>
+          <a:xfrm>
+            <a:off x="8456925" y="284502"/>
+            <a:ext cx="211404" cy="211689"/>
+          </a:xfrm>
+          <a:prstGeom prst="ellipse">
+            <a:avLst/>
+          </a:prstGeom>
+          <a:solidFill>
+            <a:srgbClr val="1BCF13"/>
+          </a:solidFill>
+          <a:ln w="12700">
+            <a:solidFill>
+              <a:schemeClr val="accent3"/>
+            </a:solidFill>
+          </a:ln>
+        </p:spPr>
+        <p:style>
+          <a:lnRef idx="2">
+            <a:schemeClr val="accent1">
+              <a:shade val="50000"/>
+            </a:schemeClr>
+          </a:lnRef>
+          <a:fillRef idx="1">
+            <a:schemeClr val="accent1"/>
+          </a:fillRef>
+          <a:effectRef idx="0">
+            <a:schemeClr val="accent1"/>
+          </a:effectRef>
+          <a:fontRef idx="minor">
+            <a:schemeClr val="lt1"/>
+          </a:fontRef>
+        </p:style>
+        <p:txBody>
+          <a:bodyPr wrap="none" lIns="52922" tIns="52922" rIns="52922" rtlCol="0" anchor="ctr"/>
+          <a:lstStyle/>
+          <a:p>
+            <a:pPr algn="ctr" defTabSz="672130"/>
+            <a:endParaRPr lang="en-US" sz="1176" dirty="0">
+              <a:solidFill>
+                <a:prstClr val="black"/>
+              </a:solidFill>
+              <a:latin typeface="Simplon BP Regular"/>
+              <a:cs typeface="Simplon BP Regular"/>
+            </a:endParaRPr>
+          </a:p>
+        </p:txBody>
+      </p:sp>
+      <p:sp>
+        <p:nvSpPr>
+          <p:cNvPr id="86" name="TextBox 138"/>
+          <p:cNvSpPr txBox="1"/>
+          <p:nvPr/>
+        </p:nvSpPr>
+        <p:spPr>
+          <a:xfrm>
+            <a:off x="8126053" y="576471"/>
+            <a:ext cx="899678" cy="179824"/>
+          </a:xfrm>
+          <a:prstGeom prst="rect">
+            <a:avLst/>
+          </a:prstGeom>
+          <a:noFill/>
+          <a:ln w="12700">
+            <a:noFill/>
+          </a:ln>
+        </p:spPr>
+        <p:style>
+          <a:lnRef idx="2">
+            <a:schemeClr val="accent4"/>
+          </a:lnRef>
+          <a:fillRef idx="1">
+            <a:schemeClr val="lt1"/>
+          </a:fillRef>
+          <a:effectRef idx="0">
+            <a:schemeClr val="accent4"/>
+          </a:effectRef>
+          <a:fontRef idx="minor">
+            <a:schemeClr val="dk1"/>
+          </a:fontRef>
+        </p:style>
+        <p:txBody>
+          <a:bodyPr wrap="none" lIns="52922" tIns="52922" rIns="52922" bIns="0" rtlCol="0" anchor="b"/>
+          <a:lstStyle>
+            <a:defPPr>
+              <a:defRPr lang="en-US"/>
+            </a:defPPr>
+            <a:lvl1pPr algn="ctr">
+              <a:defRPr sz="1000" b="1">
+                <a:latin typeface="Simplon BP Regular"/>
+                <a:cs typeface="Simplon BP Regular"/>
+              </a:defRPr>
+            </a:lvl1pPr>
+            <a:lvl2pPr>
+              <a:defRPr>
+                <a:solidFill>
+                  <a:schemeClr val="dk1"/>
+                </a:solidFill>
+              </a:defRPr>
+            </a:lvl2pPr>
+            <a:lvl3pPr>
+              <a:defRPr>
+                <a:solidFill>
+                  <a:schemeClr val="dk1"/>
+                </a:solidFill>
+              </a:defRPr>
+            </a:lvl3pPr>
+            <a:lvl4pPr>
+              <a:defRPr>
+                <a:solidFill>
+                  <a:schemeClr val="dk1"/>
+                </a:solidFill>
+              </a:defRPr>
+            </a:lvl4pPr>
+            <a:lvl5pPr>
+              <a:defRPr>
+                <a:solidFill>
+                  <a:schemeClr val="dk1"/>
+                </a:solidFill>
+              </a:defRPr>
+            </a:lvl5pPr>
+            <a:lvl6pPr>
+              <a:defRPr>
+                <a:solidFill>
+                  <a:schemeClr val="dk1"/>
+                </a:solidFill>
+              </a:defRPr>
+            </a:lvl6pPr>
+            <a:lvl7pPr>
+              <a:defRPr>
+                <a:solidFill>
+                  <a:schemeClr val="dk1"/>
+                </a:solidFill>
+              </a:defRPr>
+            </a:lvl7pPr>
+            <a:lvl8pPr>
+              <a:defRPr>
+                <a:solidFill>
+                  <a:schemeClr val="dk1"/>
+                </a:solidFill>
+              </a:defRPr>
+            </a:lvl8pPr>
+            <a:lvl9pPr>
+              <a:defRPr>
+                <a:solidFill>
+                  <a:schemeClr val="dk1"/>
+                </a:solidFill>
+              </a:defRPr>
+            </a:lvl9pPr>
+          </a:lstStyle>
+          <a:p>
+            <a:pPr defTabSz="672130"/>
+            <a:r>
+              <a:rPr lang="en-US" sz="1176" b="0" dirty="0" err="1">
+                <a:solidFill>
+                  <a:prstClr val="black"/>
+                </a:solidFill>
+                <a:latin typeface="Simplon BP Bold" pitchFamily="2" charset="0"/>
+              </a:rPr>
+              <a:t>Equipe</a:t>
+            </a:r>
+            <a:endParaRPr lang="en-US" sz="1176" b="0" dirty="0">
+              <a:solidFill>
+                <a:prstClr val="black"/>
+              </a:solidFill>
+              <a:latin typeface="Simplon BP Bold" pitchFamily="2" charset="0"/>
+            </a:endParaRPr>
+          </a:p>
+        </p:txBody>
+      </p:sp>
+      <p:sp>
+        <p:nvSpPr>
+          <p:cNvPr id="64" name="Retângulo 63"/>
+          <p:cNvSpPr/>
+          <p:nvPr/>
+        </p:nvSpPr>
+        <p:spPr>
+          <a:xfrm>
+            <a:off x="469692" y="559912"/>
+            <a:ext cx="7186474" cy="239087"/>
+          </a:xfrm>
+          <a:prstGeom prst="rect">
+            <a:avLst/>
+          </a:prstGeom>
+          <a:solidFill>
+            <a:schemeClr val="bg1">
+              <a:lumMod val="85000"/>
+            </a:schemeClr>
+          </a:solidFill>
+        </p:spPr>
+        <p:txBody>
+          <a:bodyPr vert="horz" lIns="134422" tIns="67211" rIns="134422" bIns="67211" rtlCol="0" anchor="ctr"/>
+          <a:lstStyle/>
+          <a:p>
+            <a:pPr defTabSz="672130"/>
+            <a:r>
+              <a:rPr lang="en-US" sz="1544" dirty="0">
+                <a:latin typeface="Simplon Oi Headline" charset="0"/>
+                <a:ea typeface="Simplon Oi Headline" charset="0"/>
+                <a:cs typeface="Simplon Oi Headline" charset="0"/>
+              </a:rPr>
+              <a:t>PROGRESSOS</a:t>
+            </a:r>
+            <a:endParaRPr lang="pt-BR" sz="1544" dirty="0">
+              <a:latin typeface="Simplon Oi Headline" charset="0"/>
+              <a:ea typeface="Simplon Oi Headline" charset="0"/>
+              <a:cs typeface="Simplon Oi Headline" charset="0"/>
+            </a:endParaRPr>
+          </a:p>
+        </p:txBody>
+      </p:sp>
+      <p:sp>
+        <p:nvSpPr>
+          <p:cNvPr id="65" name="Retângulo 64"/>
+          <p:cNvSpPr/>
+          <p:nvPr/>
+        </p:nvSpPr>
+        <p:spPr>
+          <a:xfrm>
+            <a:off x="7810906" y="927661"/>
+            <a:ext cx="5351116" cy="449162"/>
+          </a:xfrm>
+          <a:prstGeom prst="rect">
+            <a:avLst/>
+          </a:prstGeom>
+          <a:solidFill>
+            <a:schemeClr val="bg1">
+              <a:lumMod val="85000"/>
+            </a:schemeClr>
+          </a:solidFill>
+        </p:spPr>
+        <p:txBody>
+          <a:bodyPr vert="horz" lIns="134422" tIns="67211" rIns="134422" bIns="67211" rtlCol="0" anchor="ctr"/>
+          <a:lstStyle/>
+          <a:p>
+            <a:pPr defTabSz="672130"/>
+            <a:r>
+              <a:rPr lang="pt-BR" sz="1544" dirty="0">
+                <a:latin typeface="Simplon Oi Headline" charset="0"/>
+                <a:ea typeface="Simplon Oi Headline" charset="0"/>
+                <a:cs typeface="Simplon Oi Headline" charset="0"/>
+              </a:rPr>
+              <a:t>Pontos atenção/ Principais Riscos</a:t>
+            </a:r>
+          </a:p>
+        </p:txBody>
+      </p:sp>
+      <p:sp>
+        <p:nvSpPr>
+          <p:cNvPr id="66" name="Retângulo 65"/>
+          <p:cNvSpPr/>
+          <p:nvPr/>
+        </p:nvSpPr>
+        <p:spPr>
+          <a:xfrm>
+            <a:off x="469692" y="4982921"/>
+            <a:ext cx="11854636" cy="233106"/>
+          </a:xfrm>
+          <a:prstGeom prst="rect">
+            <a:avLst/>
+          </a:prstGeom>
+          <a:solidFill>
+            <a:schemeClr val="bg1">
+              <a:lumMod val="85000"/>
+            </a:schemeClr>
+          </a:solidFill>
+        </p:spPr>
+        <p:txBody>
+          <a:bodyPr vert="horz" lIns="134422" tIns="67211" rIns="134422" bIns="67211" rtlCol="0" anchor="ctr"/>
+          <a:lstStyle/>
+          <a:p>
+            <a:pPr defTabSz="672130"/>
+            <a:r>
+              <a:rPr lang="pt-BR" sz="1544" dirty="0">
+                <a:latin typeface="Simplon Oi Headline" charset="0"/>
+                <a:ea typeface="Simplon Oi Headline" charset="0"/>
+                <a:cs typeface="Simplon Oi Headline" charset="0"/>
+              </a:rPr>
+              <a:t>Próximos Passos/ Decisões a tomar</a:t>
+            </a:r>
+          </a:p>
+        </p:txBody>
+      </p:sp>
+      <p:sp>
+        <p:nvSpPr>
+          <p:cNvPr id="63" name="Rectangle 37"/>
+          <p:cNvSpPr/>
+          <p:nvPr/>
+        </p:nvSpPr>
+        <p:spPr>
+          <a:xfrm>
+            <a:off x="469132" y="818463"/>
+            <a:ext cx="7186474" cy="4078796"/>
+          </a:xfrm>
+          <a:prstGeom prst="rect">
+            <a:avLst/>
+          </a:prstGeom>
+          <a:noFill/>
+          <a:ln w="12700">
+            <a:solidFill>
+              <a:schemeClr val="bg1">
+                <a:lumMod val="50000"/>
+              </a:schemeClr>
+            </a:solidFill>
+          </a:ln>
+        </p:spPr>
+        <p:style>
+          <a:lnRef idx="2">
+            <a:schemeClr val="accent4"/>
+          </a:lnRef>
+          <a:fillRef idx="1">
+            <a:schemeClr val="lt1"/>
+          </a:fillRef>
+          <a:effectRef idx="0">
+            <a:schemeClr val="accent4"/>
+          </a:effectRef>
+          <a:fontRef idx="minor">
+            <a:schemeClr val="dk1"/>
+          </a:fontRef>
+        </p:style>
+        <p:txBody>
+          <a:bodyPr tIns="105844" rtlCol="0" anchor="t"/>
+          <a:lstStyle/>
+          <a:p>
+            <a:pPr marL="252049" indent="-252049" fontAlgn="base">
+              <a:spcBef>
+                <a:spcPct val="0"/>
+              </a:spcBef>
+              <a:buFont typeface="Wingdings" panose="05000000000000000000" pitchFamily="2" charset="2"/>
+              <a:buChar char="ü"/>
+              <a:defRPr/>
+            </a:pPr>
+            <a:r>
+              <a:rPr lang="pt-BR" sz="1600" b="1" dirty="0">
+                <a:solidFill>
+                  <a:schemeClr val="tx1"/>
+                </a:solidFill>
+                <a:latin typeface="Arial" panose="020B0604020202020204" pitchFamily="34" charset="0"/>
+                <a:cs typeface="Arial" panose="020B0604020202020204" pitchFamily="34" charset="0"/>
+              </a:rPr>
+              <a:t>Desenvolvemos a primeira versão da classe do projeto baseado no modelo lógico.</a:t>
+            </a:r>
+          </a:p>
+          <a:p>
+            <a:pPr marL="252049" indent="-252049" fontAlgn="base">
+              <a:spcBef>
+                <a:spcPct val="0"/>
+              </a:spcBef>
+              <a:buFont typeface="Wingdings" panose="05000000000000000000" pitchFamily="2" charset="2"/>
+              <a:buChar char="ü"/>
+              <a:defRPr/>
+            </a:pPr>
+            <a:r>
+              <a:rPr lang="pt-BR" sz="1600" b="1" dirty="0">
+                <a:solidFill>
+                  <a:schemeClr val="tx1"/>
+                </a:solidFill>
+                <a:latin typeface="Arial" panose="020B0604020202020204" pitchFamily="34" charset="0"/>
+                <a:cs typeface="Arial" panose="020B0604020202020204" pitchFamily="34" charset="0"/>
+              </a:rPr>
+              <a:t>Desenvolvemos nosso prototipo da API </a:t>
+            </a:r>
+            <a:r>
+              <a:rPr lang="pt-BR" sz="1600" b="1" dirty="0" err="1">
+                <a:solidFill>
+                  <a:schemeClr val="tx1"/>
+                </a:solidFill>
+                <a:latin typeface="Arial" panose="020B0604020202020204" pitchFamily="34" charset="0"/>
+                <a:cs typeface="Arial" panose="020B0604020202020204" pitchFamily="34" charset="0"/>
+              </a:rPr>
+              <a:t>rest</a:t>
+            </a:r>
+            <a:r>
+              <a:rPr lang="pt-BR" sz="1600" b="1" dirty="0">
+                <a:solidFill>
+                  <a:schemeClr val="tx1"/>
+                </a:solidFill>
+                <a:latin typeface="Arial" panose="020B0604020202020204" pitchFamily="34" charset="0"/>
+                <a:cs typeface="Arial" panose="020B0604020202020204" pitchFamily="34" charset="0"/>
+              </a:rPr>
+              <a:t> com as classes que desenvolvemos</a:t>
+            </a:r>
+          </a:p>
+          <a:p>
+            <a:pPr marL="252049" indent="-252049" fontAlgn="base">
+              <a:spcBef>
+                <a:spcPct val="0"/>
+              </a:spcBef>
+              <a:buFont typeface="Wingdings" panose="05000000000000000000" pitchFamily="2" charset="2"/>
+              <a:buChar char="ü"/>
+              <a:defRPr/>
+            </a:pPr>
+            <a:r>
+              <a:rPr lang="pt-BR" sz="1600" b="1" dirty="0">
+                <a:solidFill>
+                  <a:schemeClr val="tx1"/>
+                </a:solidFill>
+                <a:latin typeface="Arial" panose="020B0604020202020204" pitchFamily="34" charset="0"/>
+                <a:cs typeface="Arial" panose="020B0604020202020204" pitchFamily="34" charset="0"/>
+              </a:rPr>
+              <a:t>Desenvolvemos a segunda versão da modelagem de dados</a:t>
+            </a:r>
+          </a:p>
+          <a:p>
+            <a:pPr marL="252049" indent="-252049" fontAlgn="base">
+              <a:spcBef>
+                <a:spcPct val="0"/>
+              </a:spcBef>
+              <a:buFont typeface="Wingdings" panose="05000000000000000000" pitchFamily="2" charset="2"/>
+              <a:buChar char="ü"/>
+              <a:defRPr/>
+            </a:pPr>
+            <a:r>
+              <a:rPr lang="pt-BR" sz="1600" b="1" dirty="0">
+                <a:solidFill>
+                  <a:schemeClr val="tx1"/>
+                </a:solidFill>
+                <a:latin typeface="Arial" panose="020B0604020202020204" pitchFamily="34" charset="0"/>
+                <a:cs typeface="Arial" panose="020B0604020202020204" pitchFamily="34" charset="0"/>
+              </a:rPr>
+              <a:t>Desenvolvemos a segunda versão do protótipo de alta definição</a:t>
+            </a:r>
+          </a:p>
+          <a:p>
+            <a:pPr marL="252049" indent="-252049" fontAlgn="base">
+              <a:spcBef>
+                <a:spcPct val="0"/>
+              </a:spcBef>
+              <a:buFont typeface="Wingdings" panose="05000000000000000000" pitchFamily="2" charset="2"/>
+              <a:buChar char="ü"/>
+              <a:defRPr/>
+            </a:pPr>
+            <a:r>
+              <a:rPr lang="pt-BR" sz="1600" b="1" dirty="0">
+                <a:solidFill>
+                  <a:schemeClr val="tx1"/>
+                </a:solidFill>
+                <a:latin typeface="Arial" panose="020B0604020202020204" pitchFamily="34" charset="0"/>
+                <a:cs typeface="Arial" panose="020B0604020202020204" pitchFamily="34" charset="0"/>
+              </a:rPr>
+              <a:t>Desenvolvemos o </a:t>
+            </a:r>
+            <a:r>
+              <a:rPr lang="pt-BR" sz="1600" b="1" dirty="0" err="1">
+                <a:solidFill>
+                  <a:schemeClr val="tx1"/>
+                </a:solidFill>
+                <a:latin typeface="Arial" panose="020B0604020202020204" pitchFamily="34" charset="0"/>
+                <a:cs typeface="Arial" panose="020B0604020202020204" pitchFamily="34" charset="0"/>
+              </a:rPr>
+              <a:t>StoryBoard</a:t>
+            </a:r>
+            <a:r>
+              <a:rPr lang="pt-BR" sz="1600" b="1" dirty="0">
+                <a:solidFill>
+                  <a:schemeClr val="tx1"/>
+                </a:solidFill>
+                <a:latin typeface="Arial" panose="020B0604020202020204" pitchFamily="34" charset="0"/>
+                <a:cs typeface="Arial" panose="020B0604020202020204" pitchFamily="34" charset="0"/>
+              </a:rPr>
+              <a:t> do nosso projeto</a:t>
+            </a:r>
+          </a:p>
+          <a:p>
+            <a:pPr marL="252049" indent="-252049" fontAlgn="base">
+              <a:spcBef>
+                <a:spcPct val="0"/>
+              </a:spcBef>
+              <a:buFont typeface="Wingdings" panose="05000000000000000000" pitchFamily="2" charset="2"/>
+              <a:buChar char="ü"/>
+              <a:defRPr/>
+            </a:pPr>
+            <a:r>
+              <a:rPr lang="pt-BR" sz="1600" b="1" dirty="0">
+                <a:solidFill>
+                  <a:schemeClr val="tx1"/>
+                </a:solidFill>
+                <a:latin typeface="Arial" panose="020B0604020202020204" pitchFamily="34" charset="0"/>
+                <a:cs typeface="Arial" panose="020B0604020202020204" pitchFamily="34" charset="0"/>
+              </a:rPr>
+              <a:t>Desenvolvemos o PPT da nossa apresentação da sprint 1</a:t>
+            </a:r>
+          </a:p>
+          <a:p>
+            <a:pPr marL="252049" indent="-252049" fontAlgn="base">
+              <a:spcBef>
+                <a:spcPct val="0"/>
+              </a:spcBef>
+              <a:buFont typeface="Wingdings" panose="05000000000000000000" pitchFamily="2" charset="2"/>
+              <a:buChar char="ü"/>
+              <a:defRPr/>
+            </a:pPr>
+            <a:r>
+              <a:rPr lang="pt-BR" sz="1600" b="1" dirty="0">
+                <a:solidFill>
+                  <a:schemeClr val="tx1"/>
+                </a:solidFill>
+                <a:latin typeface="Arial" panose="020B0604020202020204" pitchFamily="34" charset="0"/>
+                <a:cs typeface="Arial" panose="020B0604020202020204" pitchFamily="34" charset="0"/>
+              </a:rPr>
+              <a:t>Realizamos a Sprint Review</a:t>
+            </a:r>
+          </a:p>
+          <a:p>
+            <a:pPr marL="0" lvl="1" defTabSz="672130"/>
+            <a:endParaRPr lang="pt-BR" sz="1800" b="1" dirty="0">
+              <a:solidFill>
+                <a:schemeClr val="tx1"/>
+              </a:solidFill>
+              <a:latin typeface="Calibri" panose="020F0502020204030204" pitchFamily="34" charset="0"/>
+              <a:cs typeface="Simplon BP Regular"/>
+            </a:endParaRPr>
+          </a:p>
+        </p:txBody>
+      </p:sp>
+      <p:sp>
+        <p:nvSpPr>
+          <p:cNvPr id="2" name="Rectangle 43">
+            <a:extLst>
+              <a:ext uri="{FF2B5EF4-FFF2-40B4-BE49-F238E27FC236}">
+                <a16:creationId xmlns:a16="http://schemas.microsoft.com/office/drawing/2014/main" id="{B15BA19F-C787-4E6A-ADAB-C0DFF09C66A8}"/>
+              </a:ext>
+            </a:extLst>
+          </p:cNvPr>
+          <p:cNvSpPr>
+            <a:spLocks/>
+          </p:cNvSpPr>
+          <p:nvPr/>
+        </p:nvSpPr>
+        <p:spPr>
+          <a:xfrm>
+            <a:off x="463325" y="5216027"/>
+            <a:ext cx="11854636" cy="2226277"/>
+          </a:xfrm>
+          <a:prstGeom prst="rect">
+            <a:avLst/>
+          </a:prstGeom>
+          <a:noFill/>
+          <a:ln w="12700">
+            <a:solidFill>
+              <a:schemeClr val="bg1">
+                <a:lumMod val="50000"/>
+              </a:schemeClr>
+            </a:solidFill>
+          </a:ln>
+        </p:spPr>
+        <p:style>
+          <a:lnRef idx="2">
+            <a:schemeClr val="accent4"/>
+          </a:lnRef>
+          <a:fillRef idx="1">
+            <a:schemeClr val="lt1"/>
+          </a:fillRef>
+          <a:effectRef idx="0">
+            <a:schemeClr val="accent4"/>
+          </a:effectRef>
+          <a:fontRef idx="minor">
+            <a:schemeClr val="dk1"/>
+          </a:fontRef>
+        </p:style>
+        <p:txBody>
+          <a:bodyPr wrap="square" tIns="105844" numCol="3" rtlCol="0" anchor="ctr"/>
+          <a:lstStyle/>
+          <a:p>
+            <a:pPr marL="0" lvl="1" defTabSz="672130"/>
+            <a:r>
+              <a:rPr lang="pt-BR" sz="1400" b="1" dirty="0">
+                <a:solidFill>
+                  <a:schemeClr val="tx1"/>
+                </a:solidFill>
+                <a:latin typeface="Arial" panose="020B0604020202020204" pitchFamily="34" charset="0"/>
+                <a:cs typeface="Arial" panose="020B0604020202020204" pitchFamily="34" charset="0"/>
+              </a:rPr>
+              <a:t>Frente </a:t>
+            </a:r>
+            <a:r>
+              <a:rPr lang="pt-BR" sz="1400" b="1" dirty="0" err="1">
+                <a:solidFill>
+                  <a:schemeClr val="tx1"/>
+                </a:solidFill>
+                <a:latin typeface="Arial" panose="020B0604020202020204" pitchFamily="34" charset="0"/>
+                <a:cs typeface="Arial" panose="020B0604020202020204" pitchFamily="34" charset="0"/>
+              </a:rPr>
+              <a:t>Backend</a:t>
+            </a:r>
+            <a:endParaRPr lang="pt-BR" sz="1400" b="1" dirty="0">
+              <a:solidFill>
+                <a:schemeClr val="tx1"/>
+              </a:solidFill>
+              <a:latin typeface="Arial" panose="020B0604020202020204" pitchFamily="34" charset="0"/>
+              <a:cs typeface="Arial" panose="020B0604020202020204" pitchFamily="34" charset="0"/>
+            </a:endParaRPr>
+          </a:p>
+          <a:p>
+            <a:pPr marL="0" lvl="1" defTabSz="672130"/>
+            <a:endParaRPr lang="pt-BR" sz="1400" b="1" dirty="0">
+              <a:solidFill>
+                <a:schemeClr val="tx1"/>
+              </a:solidFill>
+              <a:latin typeface="Arial" panose="020B0604020202020204" pitchFamily="34" charset="0"/>
+              <a:cs typeface="Arial" panose="020B0604020202020204" pitchFamily="34" charset="0"/>
+            </a:endParaRPr>
+          </a:p>
+          <a:p>
+            <a:pPr marL="0" lvl="1" defTabSz="672130"/>
+            <a:r>
+              <a:rPr lang="pt-BR" sz="1400" b="1" dirty="0">
+                <a:solidFill>
+                  <a:schemeClr val="tx1"/>
+                </a:solidFill>
+                <a:latin typeface="Arial" panose="020B0604020202020204" pitchFamily="34" charset="0"/>
+                <a:cs typeface="Arial" panose="020B0604020202020204" pitchFamily="34" charset="0"/>
+              </a:rPr>
+              <a:t>Frente Front </a:t>
+            </a:r>
+            <a:r>
+              <a:rPr lang="pt-BR" sz="1400" b="1" dirty="0" err="1">
+                <a:solidFill>
+                  <a:schemeClr val="tx1"/>
+                </a:solidFill>
+                <a:latin typeface="Arial" panose="020B0604020202020204" pitchFamily="34" charset="0"/>
+                <a:cs typeface="Arial" panose="020B0604020202020204" pitchFamily="34" charset="0"/>
+              </a:rPr>
+              <a:t>end</a:t>
+            </a:r>
+            <a:endParaRPr lang="pt-BR" sz="1400" b="1" dirty="0">
+              <a:solidFill>
+                <a:schemeClr val="tx1"/>
+              </a:solidFill>
+              <a:latin typeface="Arial" panose="020B0604020202020204" pitchFamily="34" charset="0"/>
+              <a:cs typeface="Arial" panose="020B0604020202020204" pitchFamily="34" charset="0"/>
+            </a:endParaRPr>
+          </a:p>
+          <a:p>
+            <a:pPr marL="252049" lvl="1" indent="-252049">
+              <a:buFont typeface="Wingdings" panose="05000000000000000000" pitchFamily="2" charset="2"/>
+              <a:buChar char="§"/>
+            </a:pPr>
+            <a:r>
+              <a:rPr lang="pt-BR" sz="1400" dirty="0">
+                <a:solidFill>
+                  <a:schemeClr val="tx1"/>
+                </a:solidFill>
+                <a:latin typeface="Arial" panose="020B0604020202020204" pitchFamily="34" charset="0"/>
+                <a:cs typeface="Arial" panose="020B0604020202020204" pitchFamily="34" charset="0"/>
+              </a:rPr>
+              <a:t>Desenvolver o site institucional, baseado no prototipo de alta definição</a:t>
+            </a:r>
+          </a:p>
+          <a:p>
+            <a:pPr marL="252049" lvl="1" indent="-252049">
+              <a:buFont typeface="Wingdings" panose="05000000000000000000" pitchFamily="2" charset="2"/>
+              <a:buChar char="§"/>
+            </a:pPr>
+            <a:endParaRPr lang="pt-BR" sz="1323" dirty="0">
+              <a:solidFill>
+                <a:schemeClr val="tx1"/>
+              </a:solidFill>
+              <a:latin typeface="Calibri" panose="020F0502020204030204" pitchFamily="34" charset="0"/>
+              <a:cs typeface="Simplon BP Regular"/>
+            </a:endParaRPr>
+          </a:p>
+          <a:p>
+            <a:pPr marL="0" lvl="1" defTabSz="672130"/>
+            <a:endParaRPr lang="pt-BR" sz="1600" b="1" dirty="0">
+              <a:solidFill>
+                <a:schemeClr val="tx1"/>
+              </a:solidFill>
+              <a:latin typeface="Calibri" panose="020F0502020204030204" pitchFamily="34" charset="0"/>
+              <a:cs typeface="Simplon BP Regular"/>
+            </a:endParaRPr>
+          </a:p>
+          <a:p>
+            <a:pPr marL="0" lvl="1" defTabSz="672130"/>
+            <a:r>
+              <a:rPr lang="pt-BR" sz="1400" b="1" dirty="0">
+                <a:solidFill>
+                  <a:schemeClr val="tx1"/>
+                </a:solidFill>
+                <a:latin typeface="Arial" panose="020B0604020202020204" pitchFamily="34" charset="0"/>
+                <a:cs typeface="Arial" panose="020B0604020202020204" pitchFamily="34" charset="0"/>
+              </a:rPr>
+              <a:t>Frente Negócios</a:t>
+            </a:r>
+          </a:p>
+        </p:txBody>
+      </p:sp>
+      <p:sp>
+        <p:nvSpPr>
+          <p:cNvPr id="5" name="Retângulo 4">
+            <a:extLst>
+              <a:ext uri="{FF2B5EF4-FFF2-40B4-BE49-F238E27FC236}">
+                <a16:creationId xmlns:a16="http://schemas.microsoft.com/office/drawing/2014/main" id="{A1C14918-6027-46B3-96BF-C5F7FDEC3276}"/>
+              </a:ext>
+            </a:extLst>
+          </p:cNvPr>
+          <p:cNvSpPr/>
+          <p:nvPr/>
+        </p:nvSpPr>
+        <p:spPr>
+          <a:xfrm>
+            <a:off x="8017619" y="180231"/>
+            <a:ext cx="4937689" cy="618769"/>
+          </a:xfrm>
+          <a:prstGeom prst="rect">
+            <a:avLst/>
+          </a:prstGeom>
+          <a:noFill/>
+          <a:ln w="6350">
+            <a:solidFill>
+              <a:schemeClr val="bg1">
+                <a:lumMod val="75000"/>
+              </a:schemeClr>
+            </a:solidFill>
+          </a:ln>
+        </p:spPr>
+        <p:style>
+          <a:lnRef idx="2">
+            <a:schemeClr val="accent1">
+              <a:shade val="50000"/>
+            </a:schemeClr>
+          </a:lnRef>
+          <a:fillRef idx="1">
+            <a:schemeClr val="accent1"/>
+          </a:fillRef>
+          <a:effectRef idx="0">
+            <a:schemeClr val="accent1"/>
+          </a:effectRef>
+          <a:fontRef idx="minor">
+            <a:schemeClr val="lt1"/>
+          </a:fontRef>
+        </p:style>
+        <p:txBody>
+          <a:bodyPr rtlCol="0" anchor="ctr"/>
+          <a:lstStyle/>
+          <a:p>
+            <a:pPr algn="ctr"/>
+            <a:endParaRPr lang="pt-BR"/>
+          </a:p>
+        </p:txBody>
+      </p:sp>
+      <p:sp>
+        <p:nvSpPr>
+          <p:cNvPr id="8" name="TextBox 138">
+            <a:extLst>
+              <a:ext uri="{FF2B5EF4-FFF2-40B4-BE49-F238E27FC236}">
+                <a16:creationId xmlns:a16="http://schemas.microsoft.com/office/drawing/2014/main" id="{5CE7D08C-795B-4BF1-97F6-F9773F4E9F4C}"/>
+              </a:ext>
+            </a:extLst>
+          </p:cNvPr>
+          <p:cNvSpPr txBox="1"/>
+          <p:nvPr/>
+        </p:nvSpPr>
+        <p:spPr>
+          <a:xfrm>
+            <a:off x="9715810" y="51570"/>
+            <a:ext cx="1478088" cy="211688"/>
+          </a:xfrm>
+          <a:prstGeom prst="rect">
+            <a:avLst/>
+          </a:prstGeom>
+          <a:solidFill>
+            <a:schemeClr val="bg1"/>
+          </a:solidFill>
+          <a:ln w="12700">
+            <a:noFill/>
+          </a:ln>
+        </p:spPr>
+        <p:style>
+          <a:lnRef idx="2">
+            <a:schemeClr val="accent4"/>
+          </a:lnRef>
+          <a:fillRef idx="1">
+            <a:schemeClr val="lt1"/>
+          </a:fillRef>
+          <a:effectRef idx="0">
+            <a:schemeClr val="accent4"/>
+          </a:effectRef>
+          <a:fontRef idx="minor">
+            <a:schemeClr val="dk1"/>
+          </a:fontRef>
+        </p:style>
+        <p:txBody>
+          <a:bodyPr wrap="none" lIns="52922" tIns="52922" rIns="52922" bIns="0" rtlCol="0" anchor="b"/>
+          <a:lstStyle>
+            <a:defPPr>
+              <a:defRPr lang="en-US"/>
+            </a:defPPr>
+            <a:lvl1pPr algn="ctr">
+              <a:defRPr sz="1000" b="1">
+                <a:latin typeface="Simplon BP Regular"/>
+                <a:cs typeface="Simplon BP Regular"/>
+              </a:defRPr>
+            </a:lvl1pPr>
+            <a:lvl2pPr>
+              <a:defRPr>
+                <a:solidFill>
+                  <a:schemeClr val="dk1"/>
+                </a:solidFill>
+              </a:defRPr>
+            </a:lvl2pPr>
+            <a:lvl3pPr>
+              <a:defRPr>
+                <a:solidFill>
+                  <a:schemeClr val="dk1"/>
+                </a:solidFill>
+              </a:defRPr>
+            </a:lvl3pPr>
+            <a:lvl4pPr>
+              <a:defRPr>
+                <a:solidFill>
+                  <a:schemeClr val="dk1"/>
+                </a:solidFill>
+              </a:defRPr>
+            </a:lvl4pPr>
+            <a:lvl5pPr>
+              <a:defRPr>
+                <a:solidFill>
+                  <a:schemeClr val="dk1"/>
+                </a:solidFill>
+              </a:defRPr>
+            </a:lvl5pPr>
+            <a:lvl6pPr>
+              <a:defRPr>
+                <a:solidFill>
+                  <a:schemeClr val="dk1"/>
+                </a:solidFill>
+              </a:defRPr>
+            </a:lvl6pPr>
+            <a:lvl7pPr>
+              <a:defRPr>
+                <a:solidFill>
+                  <a:schemeClr val="dk1"/>
+                </a:solidFill>
+              </a:defRPr>
+            </a:lvl7pPr>
+            <a:lvl8pPr>
+              <a:defRPr>
+                <a:solidFill>
+                  <a:schemeClr val="dk1"/>
+                </a:solidFill>
+              </a:defRPr>
+            </a:lvl8pPr>
+            <a:lvl9pPr>
+              <a:defRPr>
+                <a:solidFill>
+                  <a:schemeClr val="dk1"/>
+                </a:solidFill>
+              </a:defRPr>
+            </a:lvl9pPr>
+          </a:lstStyle>
+          <a:p>
+            <a:pPr defTabSz="672130"/>
+            <a:r>
+              <a:rPr lang="en-US" sz="1176" b="0" dirty="0">
+                <a:solidFill>
+                  <a:prstClr val="black"/>
+                </a:solidFill>
+                <a:latin typeface="Simplon BP Bold" pitchFamily="2" charset="0"/>
+              </a:rPr>
+              <a:t>    </a:t>
+            </a:r>
+            <a:r>
+              <a:rPr lang="en-US" sz="1176" b="0" dirty="0" err="1">
+                <a:solidFill>
+                  <a:prstClr val="black"/>
+                </a:solidFill>
+                <a:latin typeface="Simplon BP Bold" pitchFamily="2" charset="0"/>
+              </a:rPr>
+              <a:t>Farol</a:t>
+            </a:r>
+            <a:r>
+              <a:rPr lang="en-US" sz="1176" b="0" dirty="0">
+                <a:solidFill>
+                  <a:prstClr val="black"/>
+                </a:solidFill>
+                <a:latin typeface="Simplon BP Bold" pitchFamily="2" charset="0"/>
+              </a:rPr>
+              <a:t> do </a:t>
+            </a:r>
+            <a:r>
+              <a:rPr lang="en-US" sz="1176" b="0" dirty="0" err="1">
+                <a:solidFill>
+                  <a:prstClr val="black"/>
+                </a:solidFill>
+                <a:latin typeface="Simplon BP Bold" pitchFamily="2" charset="0"/>
+              </a:rPr>
+              <a:t>Projeto</a:t>
+            </a:r>
+            <a:r>
+              <a:rPr lang="en-US" sz="1176" b="0" dirty="0">
+                <a:solidFill>
+                  <a:prstClr val="black"/>
+                </a:solidFill>
+                <a:latin typeface="Simplon BP Bold" pitchFamily="2" charset="0"/>
+              </a:rPr>
+              <a:t>   </a:t>
+            </a:r>
+          </a:p>
+        </p:txBody>
+      </p:sp>
+      <p:sp>
+        <p:nvSpPr>
+          <p:cNvPr id="21" name="Oval 134">
+            <a:extLst>
+              <a:ext uri="{FF2B5EF4-FFF2-40B4-BE49-F238E27FC236}">
+                <a16:creationId xmlns:a16="http://schemas.microsoft.com/office/drawing/2014/main" id="{C7687DA3-5EC5-4177-9DBB-6A09DC7F77ED}"/>
+              </a:ext>
+            </a:extLst>
+          </p:cNvPr>
+          <p:cNvSpPr>
+            <a:spLocks noChangeAspect="1"/>
+          </p:cNvSpPr>
+          <p:nvPr/>
+        </p:nvSpPr>
+        <p:spPr>
+          <a:xfrm>
+            <a:off x="10198382" y="373719"/>
+            <a:ext cx="211404" cy="211689"/>
+          </a:xfrm>
+          <a:prstGeom prst="ellipse">
+            <a:avLst/>
+          </a:prstGeom>
+          <a:solidFill>
+            <a:srgbClr val="1BCF13"/>
+          </a:solidFill>
+          <a:ln w="12700">
+            <a:solidFill>
+              <a:schemeClr val="accent3"/>
+            </a:solidFill>
+          </a:ln>
+        </p:spPr>
+        <p:style>
+          <a:lnRef idx="2">
+            <a:schemeClr val="accent1">
+              <a:shade val="50000"/>
+            </a:schemeClr>
+          </a:lnRef>
+          <a:fillRef idx="1">
+            <a:schemeClr val="accent1"/>
+          </a:fillRef>
+          <a:effectRef idx="0">
+            <a:schemeClr val="accent1"/>
+          </a:effectRef>
+          <a:fontRef idx="minor">
+            <a:schemeClr val="lt1"/>
+          </a:fontRef>
+        </p:style>
+        <p:txBody>
+          <a:bodyPr wrap="none" lIns="52922" tIns="52922" rIns="52922" rtlCol="0" anchor="ctr"/>
+          <a:lstStyle/>
+          <a:p>
+            <a:pPr algn="ctr" defTabSz="672130"/>
+            <a:endParaRPr lang="en-US" sz="1176" dirty="0">
+              <a:solidFill>
+                <a:prstClr val="black"/>
+              </a:solidFill>
+              <a:latin typeface="Simplon BP Regular"/>
+              <a:cs typeface="Simplon BP Regular"/>
+            </a:endParaRPr>
+          </a:p>
+        </p:txBody>
+      </p:sp>
+      <p:sp>
+        <p:nvSpPr>
+          <p:cNvPr id="22" name="Oval 134">
+            <a:extLst>
+              <a:ext uri="{FF2B5EF4-FFF2-40B4-BE49-F238E27FC236}">
+                <a16:creationId xmlns:a16="http://schemas.microsoft.com/office/drawing/2014/main" id="{B363CBDD-9D88-41D9-9F1B-E6F757DF80B1}"/>
+              </a:ext>
+            </a:extLst>
+          </p:cNvPr>
+          <p:cNvSpPr>
+            <a:spLocks noChangeAspect="1"/>
+          </p:cNvSpPr>
+          <p:nvPr/>
+        </p:nvSpPr>
+        <p:spPr>
+          <a:xfrm>
+            <a:off x="12180394" y="284502"/>
+            <a:ext cx="211404" cy="211689"/>
+          </a:xfrm>
+          <a:prstGeom prst="ellipse">
+            <a:avLst/>
+          </a:prstGeom>
+          <a:solidFill>
+            <a:srgbClr val="1BCF13"/>
+          </a:solidFill>
+          <a:ln w="12700">
+            <a:solidFill>
+              <a:schemeClr val="accent3"/>
+            </a:solidFill>
+          </a:ln>
+        </p:spPr>
+        <p:style>
+          <a:lnRef idx="2">
+            <a:schemeClr val="accent1">
+              <a:shade val="50000"/>
+            </a:schemeClr>
+          </a:lnRef>
+          <a:fillRef idx="1">
+            <a:schemeClr val="accent1"/>
+          </a:fillRef>
+          <a:effectRef idx="0">
+            <a:schemeClr val="accent1"/>
+          </a:effectRef>
+          <a:fontRef idx="minor">
+            <a:schemeClr val="lt1"/>
+          </a:fontRef>
+        </p:style>
+        <p:txBody>
+          <a:bodyPr wrap="none" lIns="52922" tIns="52922" rIns="52922" rtlCol="0" anchor="ctr"/>
+          <a:lstStyle/>
+          <a:p>
+            <a:pPr algn="ctr" defTabSz="672130"/>
+            <a:endParaRPr lang="en-US" sz="1176" dirty="0">
+              <a:solidFill>
+                <a:prstClr val="black"/>
+              </a:solidFill>
+              <a:latin typeface="Simplon BP Regular"/>
+              <a:cs typeface="Simplon BP Regular"/>
+            </a:endParaRPr>
+          </a:p>
+        </p:txBody>
+      </p:sp>
+      <p:sp>
+        <p:nvSpPr>
+          <p:cNvPr id="23" name="Oval 134">
+            <a:extLst>
+              <a:ext uri="{FF2B5EF4-FFF2-40B4-BE49-F238E27FC236}">
+                <a16:creationId xmlns:a16="http://schemas.microsoft.com/office/drawing/2014/main" id="{F42F78D9-B5A8-4A97-8925-8B5904C502F3}"/>
+              </a:ext>
+            </a:extLst>
+          </p:cNvPr>
+          <p:cNvSpPr>
+            <a:spLocks noChangeAspect="1"/>
+          </p:cNvSpPr>
+          <p:nvPr/>
+        </p:nvSpPr>
+        <p:spPr>
+          <a:xfrm>
+            <a:off x="11262832" y="305415"/>
+            <a:ext cx="211404" cy="211689"/>
+          </a:xfrm>
+          <a:prstGeom prst="ellipse">
+            <a:avLst/>
+          </a:prstGeom>
+          <a:solidFill>
+            <a:srgbClr val="1BCF13"/>
+          </a:solidFill>
+          <a:ln w="12700">
+            <a:solidFill>
+              <a:schemeClr val="accent3"/>
+            </a:solidFill>
+          </a:ln>
+        </p:spPr>
+        <p:style>
+          <a:lnRef idx="2">
+            <a:schemeClr val="accent1">
+              <a:shade val="50000"/>
+            </a:schemeClr>
+          </a:lnRef>
+          <a:fillRef idx="1">
+            <a:schemeClr val="accent1"/>
+          </a:fillRef>
+          <a:effectRef idx="0">
+            <a:schemeClr val="accent1"/>
+          </a:effectRef>
+          <a:fontRef idx="minor">
+            <a:schemeClr val="lt1"/>
+          </a:fontRef>
+        </p:style>
+        <p:txBody>
+          <a:bodyPr wrap="none" lIns="52922" tIns="52922" rIns="52922" rtlCol="0" anchor="ctr"/>
+          <a:lstStyle/>
+          <a:p>
+            <a:pPr algn="ctr" defTabSz="672130"/>
+            <a:endParaRPr lang="en-US" sz="1176" dirty="0">
+              <a:solidFill>
+                <a:prstClr val="black"/>
+              </a:solidFill>
+              <a:latin typeface="Simplon BP Regular"/>
+              <a:cs typeface="Simplon BP Regular"/>
+            </a:endParaRPr>
+          </a:p>
+        </p:txBody>
+      </p:sp>
+      <p:sp>
+        <p:nvSpPr>
+          <p:cNvPr id="24" name="Oval 134">
+            <a:extLst>
+              <a:ext uri="{FF2B5EF4-FFF2-40B4-BE49-F238E27FC236}">
+                <a16:creationId xmlns:a16="http://schemas.microsoft.com/office/drawing/2014/main" id="{1EBE2388-56B1-476A-9F0A-E2D66925E9B1}"/>
+              </a:ext>
+            </a:extLst>
+          </p:cNvPr>
+          <p:cNvSpPr>
+            <a:spLocks noChangeAspect="1"/>
+          </p:cNvSpPr>
+          <p:nvPr/>
+        </p:nvSpPr>
+        <p:spPr>
+          <a:xfrm>
+            <a:off x="9289762" y="363053"/>
+            <a:ext cx="211404" cy="211689"/>
+          </a:xfrm>
+          <a:prstGeom prst="ellipse">
+            <a:avLst/>
+          </a:prstGeom>
+          <a:solidFill>
+            <a:srgbClr val="1BCF13"/>
+          </a:solidFill>
+          <a:ln w="12700">
+            <a:solidFill>
+              <a:schemeClr val="accent3"/>
+            </a:solidFill>
+          </a:ln>
+        </p:spPr>
+        <p:style>
+          <a:lnRef idx="2">
+            <a:schemeClr val="accent1">
+              <a:shade val="50000"/>
+            </a:schemeClr>
+          </a:lnRef>
+          <a:fillRef idx="1">
+            <a:schemeClr val="accent1"/>
+          </a:fillRef>
+          <a:effectRef idx="0">
+            <a:schemeClr val="accent1"/>
+          </a:effectRef>
+          <a:fontRef idx="minor">
+            <a:schemeClr val="lt1"/>
+          </a:fontRef>
+        </p:style>
+        <p:txBody>
+          <a:bodyPr wrap="none" lIns="52922" tIns="52922" rIns="52922" rtlCol="0" anchor="ctr"/>
+          <a:lstStyle/>
+          <a:p>
+            <a:pPr algn="ctr" defTabSz="672130"/>
+            <a:endParaRPr lang="en-US" sz="1176" dirty="0">
+              <a:solidFill>
+                <a:prstClr val="black"/>
+              </a:solidFill>
+              <a:latin typeface="Simplon BP Regular"/>
+              <a:cs typeface="Simplon BP Regular"/>
+            </a:endParaRPr>
+          </a:p>
+        </p:txBody>
+      </p:sp>
+    </p:spTree>
+    <p:extLst>
+      <p:ext uri="{BB962C8B-B14F-4D97-AF65-F5344CB8AC3E}">
+        <p14:creationId xmlns:p14="http://schemas.microsoft.com/office/powerpoint/2010/main" val="568166261"/>
       </p:ext>
     </p:extLst>
   </p:cSld>
@@ -29153,6 +30998,67 @@
 </file>
 
 <file path=customXml/item1.xml><?xml version="1.0" encoding="utf-8"?>
+<p:properties xmlns:p="http://schemas.microsoft.com/office/2006/metadata/properties" xmlns:xsi="http://www.w3.org/2001/XMLSchema-instance" xmlns:pc="http://schemas.microsoft.com/office/infopath/2007/PartnerControls">
+  <documentManagement>
+    <Is_Collaboration_Space_Locked xmlns="bbcd8c33-6940-4d4c-a587-bbc736ca1e4d" xsi:nil="true"/>
+    <TeamsChannelId xmlns="bbcd8c33-6940-4d4c-a587-bbc736ca1e4d" xsi:nil="true"/>
+    <Self_Registration_Enabled xmlns="bbcd8c33-6940-4d4c-a587-bbc736ca1e4d" xsi:nil="true"/>
+    <Math_Settings xmlns="bbcd8c33-6940-4d4c-a587-bbc736ca1e4d" xsi:nil="true"/>
+    <AppVersion xmlns="bbcd8c33-6940-4d4c-a587-bbc736ca1e4d" xsi:nil="true"/>
+    <Invited_Teachers xmlns="bbcd8c33-6940-4d4c-a587-bbc736ca1e4d" xsi:nil="true"/>
+    <LMS_Mappings xmlns="bbcd8c33-6940-4d4c-a587-bbc736ca1e4d" xsi:nil="true"/>
+    <IsNotebookLocked xmlns="bbcd8c33-6940-4d4c-a587-bbc736ca1e4d" xsi:nil="true"/>
+    <NotebookType xmlns="bbcd8c33-6940-4d4c-a587-bbc736ca1e4d" xsi:nil="true"/>
+    <Templates xmlns="bbcd8c33-6940-4d4c-a587-bbc736ca1e4d" xsi:nil="true"/>
+    <Owner xmlns="bbcd8c33-6940-4d4c-a587-bbc736ca1e4d">
+      <UserInfo>
+        <DisplayName/>
+        <AccountId xsi:nil="true"/>
+        <AccountType/>
+      </UserInfo>
+    </Owner>
+    <Teachers xmlns="bbcd8c33-6940-4d4c-a587-bbc736ca1e4d">
+      <UserInfo>
+        <DisplayName/>
+        <AccountId xsi:nil="true"/>
+        <AccountType/>
+      </UserInfo>
+    </Teachers>
+    <Students xmlns="bbcd8c33-6940-4d4c-a587-bbc736ca1e4d">
+      <UserInfo>
+        <DisplayName/>
+        <AccountId xsi:nil="true"/>
+        <AccountType/>
+      </UserInfo>
+    </Students>
+    <Student_Groups xmlns="bbcd8c33-6940-4d4c-a587-bbc736ca1e4d">
+      <UserInfo>
+        <DisplayName/>
+        <AccountId xsi:nil="true"/>
+        <AccountType/>
+      </UserInfo>
+    </Student_Groups>
+    <Distribution_Groups xmlns="bbcd8c33-6940-4d4c-a587-bbc736ca1e4d" xsi:nil="true"/>
+    <Self_Registration_Enabled0 xmlns="bbcd8c33-6940-4d4c-a587-bbc736ca1e4d" xsi:nil="true"/>
+    <Has_Teacher_Only_SectionGroup xmlns="bbcd8c33-6940-4d4c-a587-bbc736ca1e4d" xsi:nil="true"/>
+    <DefaultSectionNames xmlns="bbcd8c33-6940-4d4c-a587-bbc736ca1e4d" xsi:nil="true"/>
+    <Invited_Students xmlns="bbcd8c33-6940-4d4c-a587-bbc736ca1e4d" xsi:nil="true"/>
+    <FolderType xmlns="bbcd8c33-6940-4d4c-a587-bbc736ca1e4d" xsi:nil="true"/>
+    <CultureName xmlns="bbcd8c33-6940-4d4c-a587-bbc736ca1e4d" xsi:nil="true"/>
+  </documentManagement>
+</p:properties>
+</file>
+
+<file path=customXml/item2.xml><?xml version="1.0" encoding="utf-8"?>
+<?mso-contentType ?>
+<FormTemplates xmlns="http://schemas.microsoft.com/sharepoint/v3/contenttype/forms">
+  <Display>DocumentLibraryForm</Display>
+  <Edit>DocumentLibraryForm</Edit>
+  <New>DocumentLibraryForm</New>
+</FormTemplates>
+</file>
+
+<file path=customXml/item3.xml><?xml version="1.0" encoding="utf-8"?>
 <ct:contentTypeSchema xmlns:ct="http://schemas.microsoft.com/office/2006/metadata/contentType" xmlns:ma="http://schemas.microsoft.com/office/2006/metadata/properties/metaAttributes" ct:_="" ma:_="" ma:contentTypeName="Document" ma:contentTypeID="0x0101001132905C37EA9847A7207C4BBCCCD8F4" ma:contentTypeVersion="34" ma:contentTypeDescription="Create a new document." ma:contentTypeScope="" ma:versionID="2f28daba72ca6e92be87ea70ebe5bb94">
   <xsd:schema xmlns:xsd="http://www.w3.org/2001/XMLSchema" xmlns:xs="http://www.w3.org/2001/XMLSchema" xmlns:p="http://schemas.microsoft.com/office/2006/metadata/properties" xmlns:ns3="4327b14a-fe89-488e-9f6d-9658cacf372b" xmlns:ns4="bbcd8c33-6940-4d4c-a587-bbc736ca1e4d" targetNamespace="http://schemas.microsoft.com/office/2006/metadata/properties" ma:root="true" ma:fieldsID="df18e839ce2650f1975b41376e6cdb6b" ns3:_="" ns4:_="">
     <xsd:import namespace="4327b14a-fe89-488e-9f6d-9658cacf372b"/>
@@ -29569,68 +31475,32 @@
 </ct:contentTypeSchema>
 </file>
 
-<file path=customXml/item2.xml><?xml version="1.0" encoding="utf-8"?>
-<?mso-contentType ?>
-<FormTemplates xmlns="http://schemas.microsoft.com/sharepoint/v3/contenttype/forms">
-  <Display>DocumentLibraryForm</Display>
-  <Edit>DocumentLibraryForm</Edit>
-  <New>DocumentLibraryForm</New>
-</FormTemplates>
+<file path=customXml/itemProps1.xml><?xml version="1.0" encoding="utf-8"?>
+<ds:datastoreItem xmlns:ds="http://schemas.openxmlformats.org/officeDocument/2006/customXml" ds:itemID="{4B31267F-D399-4A8A-87F8-B75F56828412}">
+  <ds:schemaRefs>
+    <ds:schemaRef ds:uri="http://www.w3.org/XML/1998/namespace"/>
+    <ds:schemaRef ds:uri="http://schemas.microsoft.com/office/2006/documentManagement/types"/>
+    <ds:schemaRef ds:uri="bbcd8c33-6940-4d4c-a587-bbc736ca1e4d"/>
+    <ds:schemaRef ds:uri="http://purl.org/dc/elements/1.1/"/>
+    <ds:schemaRef ds:uri="http://purl.org/dc/dcmitype/"/>
+    <ds:schemaRef ds:uri="4327b14a-fe89-488e-9f6d-9658cacf372b"/>
+    <ds:schemaRef ds:uri="http://schemas.microsoft.com/office/infopath/2007/PartnerControls"/>
+    <ds:schemaRef ds:uri="http://schemas.openxmlformats.org/package/2006/metadata/core-properties"/>
+    <ds:schemaRef ds:uri="http://schemas.microsoft.com/office/2006/metadata/properties"/>
+    <ds:schemaRef ds:uri="http://purl.org/dc/terms/"/>
+  </ds:schemaRefs>
+</ds:datastoreItem>
 </file>
 
-<file path=customXml/item3.xml><?xml version="1.0" encoding="utf-8"?>
-<p:properties xmlns:p="http://schemas.microsoft.com/office/2006/metadata/properties" xmlns:xsi="http://www.w3.org/2001/XMLSchema-instance" xmlns:pc="http://schemas.microsoft.com/office/infopath/2007/PartnerControls">
-  <documentManagement>
-    <Is_Collaboration_Space_Locked xmlns="bbcd8c33-6940-4d4c-a587-bbc736ca1e4d" xsi:nil="true"/>
-    <TeamsChannelId xmlns="bbcd8c33-6940-4d4c-a587-bbc736ca1e4d" xsi:nil="true"/>
-    <Self_Registration_Enabled xmlns="bbcd8c33-6940-4d4c-a587-bbc736ca1e4d" xsi:nil="true"/>
-    <Math_Settings xmlns="bbcd8c33-6940-4d4c-a587-bbc736ca1e4d" xsi:nil="true"/>
-    <AppVersion xmlns="bbcd8c33-6940-4d4c-a587-bbc736ca1e4d" xsi:nil="true"/>
-    <Invited_Teachers xmlns="bbcd8c33-6940-4d4c-a587-bbc736ca1e4d" xsi:nil="true"/>
-    <LMS_Mappings xmlns="bbcd8c33-6940-4d4c-a587-bbc736ca1e4d" xsi:nil="true"/>
-    <IsNotebookLocked xmlns="bbcd8c33-6940-4d4c-a587-bbc736ca1e4d" xsi:nil="true"/>
-    <NotebookType xmlns="bbcd8c33-6940-4d4c-a587-bbc736ca1e4d" xsi:nil="true"/>
-    <Templates xmlns="bbcd8c33-6940-4d4c-a587-bbc736ca1e4d" xsi:nil="true"/>
-    <Owner xmlns="bbcd8c33-6940-4d4c-a587-bbc736ca1e4d">
-      <UserInfo>
-        <DisplayName/>
-        <AccountId xsi:nil="true"/>
-        <AccountType/>
-      </UserInfo>
-    </Owner>
-    <Teachers xmlns="bbcd8c33-6940-4d4c-a587-bbc736ca1e4d">
-      <UserInfo>
-        <DisplayName/>
-        <AccountId xsi:nil="true"/>
-        <AccountType/>
-      </UserInfo>
-    </Teachers>
-    <Students xmlns="bbcd8c33-6940-4d4c-a587-bbc736ca1e4d">
-      <UserInfo>
-        <DisplayName/>
-        <AccountId xsi:nil="true"/>
-        <AccountType/>
-      </UserInfo>
-    </Students>
-    <Student_Groups xmlns="bbcd8c33-6940-4d4c-a587-bbc736ca1e4d">
-      <UserInfo>
-        <DisplayName/>
-        <AccountId xsi:nil="true"/>
-        <AccountType/>
-      </UserInfo>
-    </Student_Groups>
-    <Distribution_Groups xmlns="bbcd8c33-6940-4d4c-a587-bbc736ca1e4d" xsi:nil="true"/>
-    <Self_Registration_Enabled0 xmlns="bbcd8c33-6940-4d4c-a587-bbc736ca1e4d" xsi:nil="true"/>
-    <Has_Teacher_Only_SectionGroup xmlns="bbcd8c33-6940-4d4c-a587-bbc736ca1e4d" xsi:nil="true"/>
-    <DefaultSectionNames xmlns="bbcd8c33-6940-4d4c-a587-bbc736ca1e4d" xsi:nil="true"/>
-    <Invited_Students xmlns="bbcd8c33-6940-4d4c-a587-bbc736ca1e4d" xsi:nil="true"/>
-    <FolderType xmlns="bbcd8c33-6940-4d4c-a587-bbc736ca1e4d" xsi:nil="true"/>
-    <CultureName xmlns="bbcd8c33-6940-4d4c-a587-bbc736ca1e4d" xsi:nil="true"/>
-  </documentManagement>
-</p:properties>
+<file path=customXml/itemProps2.xml><?xml version="1.0" encoding="utf-8"?>
+<ds:datastoreItem xmlns:ds="http://schemas.openxmlformats.org/officeDocument/2006/customXml" ds:itemID="{E2481852-F24E-4532-AF30-C154D705D105}">
+  <ds:schemaRefs>
+    <ds:schemaRef ds:uri="http://schemas.microsoft.com/sharepoint/v3/contenttype/forms"/>
+  </ds:schemaRefs>
+</ds:datastoreItem>
 </file>
 
-<file path=customXml/itemProps1.xml><?xml version="1.0" encoding="utf-8"?>
+<file path=customXml/itemProps3.xml><?xml version="1.0" encoding="utf-8"?>
 <ds:datastoreItem xmlns:ds="http://schemas.openxmlformats.org/officeDocument/2006/customXml" ds:itemID="{3BE6CAF6-1F55-4A70-B10C-21633F74987A}">
   <ds:schemaRefs>
     <ds:schemaRef ds:uri="http://schemas.microsoft.com/office/2006/metadata/contentType"/>
@@ -29647,29 +31517,4 @@
     <ds:schemaRef ds:uri="http://schemas.microsoft.com/internal/obd"/>
   </ds:schemaRefs>
 </ds:datastoreItem>
-</file>
-
-<file path=customXml/itemProps2.xml><?xml version="1.0" encoding="utf-8"?>
-<ds:datastoreItem xmlns:ds="http://schemas.openxmlformats.org/officeDocument/2006/customXml" ds:itemID="{E2481852-F24E-4532-AF30-C154D705D105}">
-  <ds:schemaRefs>
-    <ds:schemaRef ds:uri="http://schemas.microsoft.com/sharepoint/v3/contenttype/forms"/>
-  </ds:schemaRefs>
-</ds:datastoreItem>
-</file>
-
-<file path=customXml/itemProps3.xml><?xml version="1.0" encoding="utf-8"?>
-<ds:datastoreItem xmlns:ds="http://schemas.openxmlformats.org/officeDocument/2006/customXml" ds:itemID="{4B31267F-D399-4A8A-87F8-B75F56828412}">
-  <ds:schemaRefs>
-    <ds:schemaRef ds:uri="http://www.w3.org/XML/1998/namespace"/>
-    <ds:schemaRef ds:uri="http://schemas.microsoft.com/office/2006/documentManagement/types"/>
-    <ds:schemaRef ds:uri="bbcd8c33-6940-4d4c-a587-bbc736ca1e4d"/>
-    <ds:schemaRef ds:uri="http://purl.org/dc/elements/1.1/"/>
-    <ds:schemaRef ds:uri="http://purl.org/dc/dcmitype/"/>
-    <ds:schemaRef ds:uri="4327b14a-fe89-488e-9f6d-9658cacf372b"/>
-    <ds:schemaRef ds:uri="http://schemas.microsoft.com/office/infopath/2007/PartnerControls"/>
-    <ds:schemaRef ds:uri="http://schemas.openxmlformats.org/package/2006/metadata/core-properties"/>
-    <ds:schemaRef ds:uri="http://schemas.microsoft.com/office/2006/metadata/properties"/>
-    <ds:schemaRef ds:uri="http://purl.org/dc/terms/"/>
-  </ds:schemaRefs>
-</ds:datastoreItem>
 </file>
--- a/Documentação/Status_Report/Mod_Status_Report-PI20202.pptx
+++ b/Documentação/Status_Report/Mod_Status_Report-PI20202.pptx
@@ -7,10 +7,10 @@
     <p:sldMasterId id="2147483665" r:id="rId6"/>
   </p:sldMasterIdLst>
   <p:notesMasterIdLst>
-    <p:notesMasterId r:id="rId12"/>
+    <p:notesMasterId r:id="rId13"/>
   </p:notesMasterIdLst>
   <p:handoutMasterIdLst>
-    <p:handoutMasterId r:id="rId13"/>
+    <p:handoutMasterId r:id="rId14"/>
   </p:handoutMasterIdLst>
   <p:sldIdLst>
     <p:sldId id="256" r:id="rId7"/>
@@ -18,6 +18,7 @@
     <p:sldId id="471" r:id="rId9"/>
     <p:sldId id="472" r:id="rId10"/>
     <p:sldId id="473" r:id="rId11"/>
+    <p:sldId id="474" r:id="rId12"/>
   </p:sldIdLst>
   <p:sldSz cx="13442950" cy="7561263"/>
   <p:notesSz cx="7104063" cy="10234613"/>
@@ -130,6 +131,7 @@
             <p14:sldId id="471"/>
             <p14:sldId id="472"/>
             <p14:sldId id="473"/>
+            <p14:sldId id="474"/>
           </p14:sldIdLst>
         </p14:section>
       </p14:sectionLst>
@@ -1212,7 +1214,7 @@
             <a:fld id="{C3CD65D1-5C11-455D-9F9A-0E035F00A0DA}" type="datetimeFigureOut">
               <a:rPr lang="pt-BR" smtClean="0"/>
               <a:pPr/>
-              <a:t>18/03/2021</a:t>
+              <a:t>25/03/2021</a:t>
             </a:fld>
             <a:endParaRPr lang="pt-BR"/>
           </a:p>
@@ -1380,7 +1382,7 @@
             <a:fld id="{A05DA3EF-18EA-43DE-B1BB-402A3C558822}" type="datetimeFigureOut">
               <a:rPr lang="pt-BR" smtClean="0"/>
               <a:pPr/>
-              <a:t>18/03/2021</a:t>
+              <a:t>25/03/2021</a:t>
             </a:fld>
             <a:endParaRPr lang="pt-BR"/>
           </a:p>
@@ -2006,6 +2008,99 @@
     <p:extLst>
       <p:ext uri="{BB962C8B-B14F-4D97-AF65-F5344CB8AC3E}">
         <p14:creationId xmlns:p14="http://schemas.microsoft.com/office/powerpoint/2010/main" val="1318687605"/>
+      </p:ext>
+    </p:extLst>
+  </p:cSld>
+  <p:clrMapOvr>
+    <a:masterClrMapping/>
+  </p:clrMapOvr>
+</p:notes>
+</file>
+
+<file path=ppt/notesSlides/notesSlide5.xml><?xml version="1.0" encoding="utf-8"?>
+<p:notes xmlns:a="http://schemas.openxmlformats.org/drawingml/2006/main" xmlns:r="http://schemas.openxmlformats.org/officeDocument/2006/relationships" xmlns:p="http://schemas.openxmlformats.org/presentationml/2006/main">
+  <p:cSld>
+    <p:spTree>
+      <p:nvGrpSpPr>
+        <p:cNvPr id="1" name=""/>
+        <p:cNvGrpSpPr/>
+        <p:nvPr/>
+      </p:nvGrpSpPr>
+      <p:grpSpPr>
+        <a:xfrm>
+          <a:off x="0" y="0"/>
+          <a:ext cx="0" cy="0"/>
+          <a:chOff x="0" y="0"/>
+          <a:chExt cx="0" cy="0"/>
+        </a:xfrm>
+      </p:grpSpPr>
+      <p:sp>
+        <p:nvSpPr>
+          <p:cNvPr id="2" name="Slide Image Placeholder 1"/>
+          <p:cNvSpPr>
+            <a:spLocks noGrp="1" noRot="1" noChangeAspect="1"/>
+          </p:cNvSpPr>
+          <p:nvPr>
+            <p:ph type="sldImg"/>
+          </p:nvPr>
+        </p:nvSpPr>
+        <p:spPr/>
+      </p:sp>
+      <p:sp>
+        <p:nvSpPr>
+          <p:cNvPr id="3" name="Notes Placeholder 2"/>
+          <p:cNvSpPr>
+            <a:spLocks noGrp="1"/>
+          </p:cNvSpPr>
+          <p:nvPr>
+            <p:ph type="body" idx="1"/>
+          </p:nvPr>
+        </p:nvSpPr>
+        <p:spPr/>
+        <p:txBody>
+          <a:bodyPr/>
+          <a:lstStyle/>
+          <a:p>
+            <a:endParaRPr lang="en-US"/>
+          </a:p>
+        </p:txBody>
+      </p:sp>
+      <p:sp>
+        <p:nvSpPr>
+          <p:cNvPr id="4" name="Slide Number Placeholder 3"/>
+          <p:cNvSpPr>
+            <a:spLocks noGrp="1"/>
+          </p:cNvSpPr>
+          <p:nvPr>
+            <p:ph type="sldNum" sz="quarter" idx="10"/>
+          </p:nvPr>
+        </p:nvSpPr>
+        <p:spPr/>
+        <p:txBody>
+          <a:bodyPr/>
+          <a:lstStyle/>
+          <a:p>
+            <a:fld id="{B39AF3DB-B6A1-2444-9DD8-53D016F8E638}" type="slidenum">
+              <a:rPr lang="pt-BR" smtClean="0">
+                <a:solidFill>
+                  <a:prstClr val="black"/>
+                </a:solidFill>
+              </a:rPr>
+              <a:pPr/>
+              <a:t>6</a:t>
+            </a:fld>
+            <a:endParaRPr lang="pt-BR">
+              <a:solidFill>
+                <a:prstClr val="black"/>
+              </a:solidFill>
+            </a:endParaRPr>
+          </a:p>
+        </p:txBody>
+      </p:sp>
+    </p:spTree>
+    <p:extLst>
+      <p:ext uri="{BB962C8B-B14F-4D97-AF65-F5344CB8AC3E}">
+        <p14:creationId xmlns:p14="http://schemas.microsoft.com/office/powerpoint/2010/main" val="3058809985"/>
       </p:ext>
     </p:extLst>
   </p:cSld>
@@ -27900,7 +27995,7 @@
                 <a:latin typeface="Simplon Oi Headline"/>
                 <a:cs typeface="Simplon Oi Headline"/>
               </a:rPr>
-              <a:t>SEMANA 3- 11/02/2021</a:t>
+              <a:t>SEMANA 3- 04/03/2021 – 11/03/2021</a:t>
             </a:r>
           </a:p>
         </p:txBody>
@@ -29530,6 +29625,1738 @@
     <p:extLst>
       <p:ext uri="{BB962C8B-B14F-4D97-AF65-F5344CB8AC3E}">
         <p14:creationId xmlns:p14="http://schemas.microsoft.com/office/powerpoint/2010/main" val="568166261"/>
+      </p:ext>
+    </p:extLst>
+  </p:cSld>
+  <p:clrMapOvr>
+    <a:masterClrMapping/>
+  </p:clrMapOvr>
+</p:sld>
+</file>
+
+<file path=ppt/slides/slide6.xml><?xml version="1.0" encoding="utf-8"?>
+<p:sld xmlns:a="http://schemas.openxmlformats.org/drawingml/2006/main" xmlns:r="http://schemas.openxmlformats.org/officeDocument/2006/relationships" xmlns:p="http://schemas.openxmlformats.org/presentationml/2006/main">
+  <p:cSld>
+    <p:spTree>
+      <p:nvGrpSpPr>
+        <p:cNvPr id="1" name=""/>
+        <p:cNvGrpSpPr/>
+        <p:nvPr/>
+      </p:nvGrpSpPr>
+      <p:grpSpPr>
+        <a:xfrm>
+          <a:off x="0" y="0"/>
+          <a:ext cx="0" cy="0"/>
+          <a:chOff x="0" y="0"/>
+          <a:chExt cx="0" cy="0"/>
+        </a:xfrm>
+      </p:grpSpPr>
+      <p:sp>
+        <p:nvSpPr>
+          <p:cNvPr id="43" name="Rectangle 42"/>
+          <p:cNvSpPr/>
+          <p:nvPr/>
+        </p:nvSpPr>
+        <p:spPr>
+          <a:xfrm>
+            <a:off x="7810905" y="1369526"/>
+            <a:ext cx="5351116" cy="2095826"/>
+          </a:xfrm>
+          <a:prstGeom prst="rect">
+            <a:avLst/>
+          </a:prstGeom>
+          <a:noFill/>
+          <a:ln w="12700">
+            <a:solidFill>
+              <a:schemeClr val="bg1">
+                <a:lumMod val="50000"/>
+              </a:schemeClr>
+            </a:solidFill>
+          </a:ln>
+        </p:spPr>
+        <p:style>
+          <a:lnRef idx="2">
+            <a:schemeClr val="accent4"/>
+          </a:lnRef>
+          <a:fillRef idx="1">
+            <a:schemeClr val="lt1"/>
+          </a:fillRef>
+          <a:effectRef idx="0">
+            <a:schemeClr val="accent4"/>
+          </a:effectRef>
+          <a:fontRef idx="minor">
+            <a:schemeClr val="dk1"/>
+          </a:fontRef>
+        </p:style>
+        <p:txBody>
+          <a:bodyPr tIns="105844" rtlCol="0" anchor="t"/>
+          <a:lstStyle/>
+          <a:p>
+            <a:pPr defTabSz="672130">
+              <a:spcAft>
+                <a:spcPts val="882"/>
+              </a:spcAft>
+            </a:pPr>
+            <a:endParaRPr lang="pt-BR" sz="1470" dirty="0">
+              <a:solidFill>
+                <a:schemeClr val="tx1"/>
+              </a:solidFill>
+              <a:latin typeface="Calibri" panose="020F0502020204030204" pitchFamily="34" charset="0"/>
+              <a:cs typeface="Simplon BP Regular"/>
+            </a:endParaRPr>
+          </a:p>
+        </p:txBody>
+      </p:sp>
+      <p:sp>
+        <p:nvSpPr>
+          <p:cNvPr id="3" name="Title 2"/>
+          <p:cNvSpPr>
+            <a:spLocks noGrp="1"/>
+          </p:cNvSpPr>
+          <p:nvPr>
+            <p:ph type="title"/>
+          </p:nvPr>
+        </p:nvSpPr>
+        <p:spPr>
+          <a:xfrm>
+            <a:off x="469692" y="185232"/>
+            <a:ext cx="12098020" cy="800352"/>
+          </a:xfrm>
+        </p:spPr>
+        <p:txBody>
+          <a:bodyPr vert="horz" wrap="square" lIns="105844" tIns="0" rIns="105844" bIns="0" numCol="1" anchor="t" anchorCtr="0" compatLnSpc="1">
+            <a:prstTxWarp prst="textNoShape">
+              <a:avLst/>
+            </a:prstTxWarp>
+            <a:noAutofit/>
+          </a:bodyPr>
+          <a:lstStyle/>
+          <a:p>
+            <a:pPr algn="l">
+              <a:spcAft>
+                <a:spcPts val="882"/>
+              </a:spcAft>
+            </a:pPr>
+            <a:r>
+              <a:rPr lang="en-US" sz="2646" dirty="0">
+                <a:solidFill>
+                  <a:prstClr val="black"/>
+                </a:solidFill>
+                <a:latin typeface="Simplon Oi Headline"/>
+                <a:cs typeface="Simplon Oi Headline"/>
+              </a:rPr>
+              <a:t>SEMANA 4 – 18/03/2021</a:t>
+            </a:r>
+          </a:p>
+        </p:txBody>
+      </p:sp>
+      <p:sp>
+        <p:nvSpPr>
+          <p:cNvPr id="78" name="TextBox 118"/>
+          <p:cNvSpPr txBox="1"/>
+          <p:nvPr/>
+        </p:nvSpPr>
+        <p:spPr>
+          <a:xfrm>
+            <a:off x="11822773" y="576471"/>
+            <a:ext cx="899678" cy="179824"/>
+          </a:xfrm>
+          <a:prstGeom prst="rect">
+            <a:avLst/>
+          </a:prstGeom>
+          <a:noFill/>
+          <a:ln w="12700">
+            <a:noFill/>
+          </a:ln>
+        </p:spPr>
+        <p:style>
+          <a:lnRef idx="2">
+            <a:schemeClr val="accent4"/>
+          </a:lnRef>
+          <a:fillRef idx="1">
+            <a:schemeClr val="lt1"/>
+          </a:fillRef>
+          <a:effectRef idx="0">
+            <a:schemeClr val="accent4"/>
+          </a:effectRef>
+          <a:fontRef idx="minor">
+            <a:schemeClr val="dk1"/>
+          </a:fontRef>
+        </p:style>
+        <p:txBody>
+          <a:bodyPr wrap="none" lIns="52922" tIns="52922" rIns="52922" bIns="0" rtlCol="0" anchor="b"/>
+          <a:lstStyle>
+            <a:defPPr>
+              <a:defRPr lang="en-US"/>
+            </a:defPPr>
+            <a:lvl1pPr algn="ctr">
+              <a:defRPr sz="1000" b="1">
+                <a:latin typeface="Simplon BP Regular"/>
+                <a:cs typeface="Simplon BP Regular"/>
+              </a:defRPr>
+            </a:lvl1pPr>
+            <a:lvl2pPr>
+              <a:defRPr>
+                <a:solidFill>
+                  <a:schemeClr val="dk1"/>
+                </a:solidFill>
+              </a:defRPr>
+            </a:lvl2pPr>
+            <a:lvl3pPr>
+              <a:defRPr>
+                <a:solidFill>
+                  <a:schemeClr val="dk1"/>
+                </a:solidFill>
+              </a:defRPr>
+            </a:lvl3pPr>
+            <a:lvl4pPr>
+              <a:defRPr>
+                <a:solidFill>
+                  <a:schemeClr val="dk1"/>
+                </a:solidFill>
+              </a:defRPr>
+            </a:lvl4pPr>
+            <a:lvl5pPr>
+              <a:defRPr>
+                <a:solidFill>
+                  <a:schemeClr val="dk1"/>
+                </a:solidFill>
+              </a:defRPr>
+            </a:lvl5pPr>
+            <a:lvl6pPr>
+              <a:defRPr>
+                <a:solidFill>
+                  <a:schemeClr val="dk1"/>
+                </a:solidFill>
+              </a:defRPr>
+            </a:lvl6pPr>
+            <a:lvl7pPr>
+              <a:defRPr>
+                <a:solidFill>
+                  <a:schemeClr val="dk1"/>
+                </a:solidFill>
+              </a:defRPr>
+            </a:lvl7pPr>
+            <a:lvl8pPr>
+              <a:defRPr>
+                <a:solidFill>
+                  <a:schemeClr val="dk1"/>
+                </a:solidFill>
+              </a:defRPr>
+            </a:lvl8pPr>
+            <a:lvl9pPr>
+              <a:defRPr>
+                <a:solidFill>
+                  <a:schemeClr val="dk1"/>
+                </a:solidFill>
+              </a:defRPr>
+            </a:lvl9pPr>
+          </a:lstStyle>
+          <a:p>
+            <a:pPr defTabSz="672130"/>
+            <a:r>
+              <a:rPr lang="pt-BR" sz="1176" b="0" dirty="0">
+                <a:solidFill>
+                  <a:prstClr val="black"/>
+                </a:solidFill>
+                <a:latin typeface="Simplon BP Bold" pitchFamily="2" charset="0"/>
+              </a:rPr>
+              <a:t>Negócios</a:t>
+            </a:r>
+          </a:p>
+        </p:txBody>
+      </p:sp>
+      <p:sp>
+        <p:nvSpPr>
+          <p:cNvPr id="80" name="TextBox 123"/>
+          <p:cNvSpPr txBox="1"/>
+          <p:nvPr/>
+        </p:nvSpPr>
+        <p:spPr>
+          <a:xfrm>
+            <a:off x="10902774" y="589543"/>
+            <a:ext cx="899678" cy="179824"/>
+          </a:xfrm>
+          <a:prstGeom prst="rect">
+            <a:avLst/>
+          </a:prstGeom>
+          <a:noFill/>
+          <a:ln w="12700">
+            <a:noFill/>
+          </a:ln>
+        </p:spPr>
+        <p:style>
+          <a:lnRef idx="2">
+            <a:schemeClr val="accent4"/>
+          </a:lnRef>
+          <a:fillRef idx="1">
+            <a:schemeClr val="lt1"/>
+          </a:fillRef>
+          <a:effectRef idx="0">
+            <a:schemeClr val="accent4"/>
+          </a:effectRef>
+          <a:fontRef idx="minor">
+            <a:schemeClr val="dk1"/>
+          </a:fontRef>
+        </p:style>
+        <p:txBody>
+          <a:bodyPr wrap="none" lIns="52922" tIns="52922" rIns="52922" bIns="0" rtlCol="0" anchor="b"/>
+          <a:lstStyle>
+            <a:defPPr>
+              <a:defRPr lang="en-US"/>
+            </a:defPPr>
+            <a:lvl1pPr algn="ctr">
+              <a:defRPr sz="1000" b="1">
+                <a:latin typeface="Simplon BP Regular"/>
+                <a:cs typeface="Simplon BP Regular"/>
+              </a:defRPr>
+            </a:lvl1pPr>
+            <a:lvl2pPr>
+              <a:defRPr>
+                <a:solidFill>
+                  <a:schemeClr val="dk1"/>
+                </a:solidFill>
+              </a:defRPr>
+            </a:lvl2pPr>
+            <a:lvl3pPr>
+              <a:defRPr>
+                <a:solidFill>
+                  <a:schemeClr val="dk1"/>
+                </a:solidFill>
+              </a:defRPr>
+            </a:lvl3pPr>
+            <a:lvl4pPr>
+              <a:defRPr>
+                <a:solidFill>
+                  <a:schemeClr val="dk1"/>
+                </a:solidFill>
+              </a:defRPr>
+            </a:lvl4pPr>
+            <a:lvl5pPr>
+              <a:defRPr>
+                <a:solidFill>
+                  <a:schemeClr val="dk1"/>
+                </a:solidFill>
+              </a:defRPr>
+            </a:lvl5pPr>
+            <a:lvl6pPr>
+              <a:defRPr>
+                <a:solidFill>
+                  <a:schemeClr val="dk1"/>
+                </a:solidFill>
+              </a:defRPr>
+            </a:lvl6pPr>
+            <a:lvl7pPr>
+              <a:defRPr>
+                <a:solidFill>
+                  <a:schemeClr val="dk1"/>
+                </a:solidFill>
+              </a:defRPr>
+            </a:lvl7pPr>
+            <a:lvl8pPr>
+              <a:defRPr>
+                <a:solidFill>
+                  <a:schemeClr val="dk1"/>
+                </a:solidFill>
+              </a:defRPr>
+            </a:lvl8pPr>
+            <a:lvl9pPr>
+              <a:defRPr>
+                <a:solidFill>
+                  <a:schemeClr val="dk1"/>
+                </a:solidFill>
+              </a:defRPr>
+            </a:lvl9pPr>
+          </a:lstStyle>
+          <a:p>
+            <a:pPr defTabSz="672130"/>
+            <a:r>
+              <a:rPr lang="pt-BR" sz="1176" b="0" dirty="0">
+                <a:solidFill>
+                  <a:prstClr val="black"/>
+                </a:solidFill>
+                <a:latin typeface="Simplon BP Bold" pitchFamily="2" charset="0"/>
+              </a:rPr>
+              <a:t>Plataforma</a:t>
+            </a:r>
+          </a:p>
+        </p:txBody>
+      </p:sp>
+      <p:sp>
+        <p:nvSpPr>
+          <p:cNvPr id="82" name="TextBox 128"/>
+          <p:cNvSpPr txBox="1"/>
+          <p:nvPr/>
+        </p:nvSpPr>
+        <p:spPr>
+          <a:xfrm>
+            <a:off x="9844897" y="576471"/>
+            <a:ext cx="899678" cy="179824"/>
+          </a:xfrm>
+          <a:prstGeom prst="rect">
+            <a:avLst/>
+          </a:prstGeom>
+          <a:noFill/>
+          <a:ln w="12700">
+            <a:noFill/>
+          </a:ln>
+        </p:spPr>
+        <p:style>
+          <a:lnRef idx="2">
+            <a:schemeClr val="accent4"/>
+          </a:lnRef>
+          <a:fillRef idx="1">
+            <a:schemeClr val="lt1"/>
+          </a:fillRef>
+          <a:effectRef idx="0">
+            <a:schemeClr val="accent4"/>
+          </a:effectRef>
+          <a:fontRef idx="minor">
+            <a:schemeClr val="dk1"/>
+          </a:fontRef>
+        </p:style>
+        <p:txBody>
+          <a:bodyPr wrap="none" lIns="52922" tIns="52922" rIns="52922" bIns="0" rtlCol="0" anchor="b"/>
+          <a:lstStyle>
+            <a:defPPr>
+              <a:defRPr lang="en-US"/>
+            </a:defPPr>
+            <a:lvl1pPr algn="ctr">
+              <a:defRPr sz="1000" b="1">
+                <a:latin typeface="Simplon BP Regular"/>
+                <a:cs typeface="Simplon BP Regular"/>
+              </a:defRPr>
+            </a:lvl1pPr>
+            <a:lvl2pPr>
+              <a:defRPr>
+                <a:solidFill>
+                  <a:schemeClr val="dk1"/>
+                </a:solidFill>
+              </a:defRPr>
+            </a:lvl2pPr>
+            <a:lvl3pPr>
+              <a:defRPr>
+                <a:solidFill>
+                  <a:schemeClr val="dk1"/>
+                </a:solidFill>
+              </a:defRPr>
+            </a:lvl3pPr>
+            <a:lvl4pPr>
+              <a:defRPr>
+                <a:solidFill>
+                  <a:schemeClr val="dk1"/>
+                </a:solidFill>
+              </a:defRPr>
+            </a:lvl4pPr>
+            <a:lvl5pPr>
+              <a:defRPr>
+                <a:solidFill>
+                  <a:schemeClr val="dk1"/>
+                </a:solidFill>
+              </a:defRPr>
+            </a:lvl5pPr>
+            <a:lvl6pPr>
+              <a:defRPr>
+                <a:solidFill>
+                  <a:schemeClr val="dk1"/>
+                </a:solidFill>
+              </a:defRPr>
+            </a:lvl6pPr>
+            <a:lvl7pPr>
+              <a:defRPr>
+                <a:solidFill>
+                  <a:schemeClr val="dk1"/>
+                </a:solidFill>
+              </a:defRPr>
+            </a:lvl7pPr>
+            <a:lvl8pPr>
+              <a:defRPr>
+                <a:solidFill>
+                  <a:schemeClr val="dk1"/>
+                </a:solidFill>
+              </a:defRPr>
+            </a:lvl8pPr>
+            <a:lvl9pPr>
+              <a:defRPr>
+                <a:solidFill>
+                  <a:schemeClr val="dk1"/>
+                </a:solidFill>
+              </a:defRPr>
+            </a:lvl9pPr>
+          </a:lstStyle>
+          <a:p>
+            <a:pPr defTabSz="672130"/>
+            <a:r>
+              <a:rPr lang="pt-BR" sz="1176" b="0" dirty="0">
+                <a:solidFill>
+                  <a:prstClr val="black"/>
+                </a:solidFill>
+                <a:latin typeface="Simplon BP Bold" pitchFamily="2" charset="0"/>
+              </a:rPr>
+              <a:t>Back</a:t>
+            </a:r>
+          </a:p>
+        </p:txBody>
+      </p:sp>
+      <p:sp>
+        <p:nvSpPr>
+          <p:cNvPr id="84" name="TextBox 133"/>
+          <p:cNvSpPr txBox="1"/>
+          <p:nvPr/>
+        </p:nvSpPr>
+        <p:spPr>
+          <a:xfrm>
+            <a:off x="8934246" y="576471"/>
+            <a:ext cx="899678" cy="179824"/>
+          </a:xfrm>
+          <a:prstGeom prst="rect">
+            <a:avLst/>
+          </a:prstGeom>
+          <a:noFill/>
+          <a:ln w="12700">
+            <a:noFill/>
+          </a:ln>
+        </p:spPr>
+        <p:style>
+          <a:lnRef idx="2">
+            <a:schemeClr val="accent4"/>
+          </a:lnRef>
+          <a:fillRef idx="1">
+            <a:schemeClr val="lt1"/>
+          </a:fillRef>
+          <a:effectRef idx="0">
+            <a:schemeClr val="accent4"/>
+          </a:effectRef>
+          <a:fontRef idx="minor">
+            <a:schemeClr val="dk1"/>
+          </a:fontRef>
+        </p:style>
+        <p:txBody>
+          <a:bodyPr wrap="none" lIns="52922" tIns="52922" rIns="52922" bIns="0" rtlCol="0" anchor="b"/>
+          <a:lstStyle>
+            <a:defPPr>
+              <a:defRPr lang="en-US"/>
+            </a:defPPr>
+            <a:lvl1pPr algn="ctr">
+              <a:defRPr sz="1000" b="1">
+                <a:latin typeface="Simplon BP Regular"/>
+                <a:cs typeface="Simplon BP Regular"/>
+              </a:defRPr>
+            </a:lvl1pPr>
+            <a:lvl2pPr>
+              <a:defRPr>
+                <a:solidFill>
+                  <a:schemeClr val="dk1"/>
+                </a:solidFill>
+              </a:defRPr>
+            </a:lvl2pPr>
+            <a:lvl3pPr>
+              <a:defRPr>
+                <a:solidFill>
+                  <a:schemeClr val="dk1"/>
+                </a:solidFill>
+              </a:defRPr>
+            </a:lvl3pPr>
+            <a:lvl4pPr>
+              <a:defRPr>
+                <a:solidFill>
+                  <a:schemeClr val="dk1"/>
+                </a:solidFill>
+              </a:defRPr>
+            </a:lvl4pPr>
+            <a:lvl5pPr>
+              <a:defRPr>
+                <a:solidFill>
+                  <a:schemeClr val="dk1"/>
+                </a:solidFill>
+              </a:defRPr>
+            </a:lvl5pPr>
+            <a:lvl6pPr>
+              <a:defRPr>
+                <a:solidFill>
+                  <a:schemeClr val="dk1"/>
+                </a:solidFill>
+              </a:defRPr>
+            </a:lvl6pPr>
+            <a:lvl7pPr>
+              <a:defRPr>
+                <a:solidFill>
+                  <a:schemeClr val="dk1"/>
+                </a:solidFill>
+              </a:defRPr>
+            </a:lvl7pPr>
+            <a:lvl8pPr>
+              <a:defRPr>
+                <a:solidFill>
+                  <a:schemeClr val="dk1"/>
+                </a:solidFill>
+              </a:defRPr>
+            </a:lvl8pPr>
+            <a:lvl9pPr>
+              <a:defRPr>
+                <a:solidFill>
+                  <a:schemeClr val="dk1"/>
+                </a:solidFill>
+              </a:defRPr>
+            </a:lvl9pPr>
+          </a:lstStyle>
+          <a:p>
+            <a:pPr defTabSz="672130"/>
+            <a:r>
+              <a:rPr lang="pt-BR" sz="1176" b="0" dirty="0">
+                <a:solidFill>
+                  <a:prstClr val="black"/>
+                </a:solidFill>
+                <a:latin typeface="Simplon BP Bold" pitchFamily="2" charset="0"/>
+              </a:rPr>
+              <a:t>Front</a:t>
+            </a:r>
+          </a:p>
+        </p:txBody>
+      </p:sp>
+      <p:sp>
+        <p:nvSpPr>
+          <p:cNvPr id="88" name="Oval 134"/>
+          <p:cNvSpPr>
+            <a:spLocks noChangeAspect="1"/>
+          </p:cNvSpPr>
+          <p:nvPr/>
+        </p:nvSpPr>
+        <p:spPr>
+          <a:xfrm>
+            <a:off x="8470074" y="341965"/>
+            <a:ext cx="211404" cy="211689"/>
+          </a:xfrm>
+          <a:prstGeom prst="ellipse">
+            <a:avLst/>
+          </a:prstGeom>
+          <a:solidFill>
+            <a:srgbClr val="1BCF13"/>
+          </a:solidFill>
+          <a:ln w="12700">
+            <a:solidFill>
+              <a:schemeClr val="accent3"/>
+            </a:solidFill>
+          </a:ln>
+        </p:spPr>
+        <p:style>
+          <a:lnRef idx="2">
+            <a:schemeClr val="accent1">
+              <a:shade val="50000"/>
+            </a:schemeClr>
+          </a:lnRef>
+          <a:fillRef idx="1">
+            <a:schemeClr val="accent1"/>
+          </a:fillRef>
+          <a:effectRef idx="0">
+            <a:schemeClr val="accent1"/>
+          </a:effectRef>
+          <a:fontRef idx="minor">
+            <a:schemeClr val="lt1"/>
+          </a:fontRef>
+        </p:style>
+        <p:txBody>
+          <a:bodyPr wrap="none" lIns="52922" tIns="52922" rIns="52922" rtlCol="0" anchor="ctr"/>
+          <a:lstStyle/>
+          <a:p>
+            <a:pPr algn="ctr" defTabSz="672130"/>
+            <a:endParaRPr lang="en-US" sz="1176" dirty="0">
+              <a:solidFill>
+                <a:prstClr val="black"/>
+              </a:solidFill>
+              <a:latin typeface="Simplon BP Regular"/>
+              <a:cs typeface="Simplon BP Regular"/>
+            </a:endParaRPr>
+          </a:p>
+        </p:txBody>
+      </p:sp>
+      <p:sp>
+        <p:nvSpPr>
+          <p:cNvPr id="86" name="TextBox 138"/>
+          <p:cNvSpPr txBox="1"/>
+          <p:nvPr/>
+        </p:nvSpPr>
+        <p:spPr>
+          <a:xfrm>
+            <a:off x="8126053" y="576471"/>
+            <a:ext cx="899678" cy="179824"/>
+          </a:xfrm>
+          <a:prstGeom prst="rect">
+            <a:avLst/>
+          </a:prstGeom>
+          <a:noFill/>
+          <a:ln w="12700">
+            <a:noFill/>
+          </a:ln>
+        </p:spPr>
+        <p:style>
+          <a:lnRef idx="2">
+            <a:schemeClr val="accent4"/>
+          </a:lnRef>
+          <a:fillRef idx="1">
+            <a:schemeClr val="lt1"/>
+          </a:fillRef>
+          <a:effectRef idx="0">
+            <a:schemeClr val="accent4"/>
+          </a:effectRef>
+          <a:fontRef idx="minor">
+            <a:schemeClr val="dk1"/>
+          </a:fontRef>
+        </p:style>
+        <p:txBody>
+          <a:bodyPr wrap="none" lIns="52922" tIns="52922" rIns="52922" bIns="0" rtlCol="0" anchor="b"/>
+          <a:lstStyle>
+            <a:defPPr>
+              <a:defRPr lang="en-US"/>
+            </a:defPPr>
+            <a:lvl1pPr algn="ctr">
+              <a:defRPr sz="1000" b="1">
+                <a:latin typeface="Simplon BP Regular"/>
+                <a:cs typeface="Simplon BP Regular"/>
+              </a:defRPr>
+            </a:lvl1pPr>
+            <a:lvl2pPr>
+              <a:defRPr>
+                <a:solidFill>
+                  <a:schemeClr val="dk1"/>
+                </a:solidFill>
+              </a:defRPr>
+            </a:lvl2pPr>
+            <a:lvl3pPr>
+              <a:defRPr>
+                <a:solidFill>
+                  <a:schemeClr val="dk1"/>
+                </a:solidFill>
+              </a:defRPr>
+            </a:lvl3pPr>
+            <a:lvl4pPr>
+              <a:defRPr>
+                <a:solidFill>
+                  <a:schemeClr val="dk1"/>
+                </a:solidFill>
+              </a:defRPr>
+            </a:lvl4pPr>
+            <a:lvl5pPr>
+              <a:defRPr>
+                <a:solidFill>
+                  <a:schemeClr val="dk1"/>
+                </a:solidFill>
+              </a:defRPr>
+            </a:lvl5pPr>
+            <a:lvl6pPr>
+              <a:defRPr>
+                <a:solidFill>
+                  <a:schemeClr val="dk1"/>
+                </a:solidFill>
+              </a:defRPr>
+            </a:lvl6pPr>
+            <a:lvl7pPr>
+              <a:defRPr>
+                <a:solidFill>
+                  <a:schemeClr val="dk1"/>
+                </a:solidFill>
+              </a:defRPr>
+            </a:lvl7pPr>
+            <a:lvl8pPr>
+              <a:defRPr>
+                <a:solidFill>
+                  <a:schemeClr val="dk1"/>
+                </a:solidFill>
+              </a:defRPr>
+            </a:lvl8pPr>
+            <a:lvl9pPr>
+              <a:defRPr>
+                <a:solidFill>
+                  <a:schemeClr val="dk1"/>
+                </a:solidFill>
+              </a:defRPr>
+            </a:lvl9pPr>
+          </a:lstStyle>
+          <a:p>
+            <a:pPr defTabSz="672130"/>
+            <a:r>
+              <a:rPr lang="en-US" sz="1176" b="0" dirty="0" err="1">
+                <a:solidFill>
+                  <a:prstClr val="black"/>
+                </a:solidFill>
+                <a:latin typeface="Simplon BP Bold" pitchFamily="2" charset="0"/>
+              </a:rPr>
+              <a:t>Equipe</a:t>
+            </a:r>
+            <a:endParaRPr lang="en-US" sz="1176" b="0" dirty="0">
+              <a:solidFill>
+                <a:prstClr val="black"/>
+              </a:solidFill>
+              <a:latin typeface="Simplon BP Bold" pitchFamily="2" charset="0"/>
+            </a:endParaRPr>
+          </a:p>
+        </p:txBody>
+      </p:sp>
+      <p:sp>
+        <p:nvSpPr>
+          <p:cNvPr id="64" name="Retângulo 63"/>
+          <p:cNvSpPr/>
+          <p:nvPr/>
+        </p:nvSpPr>
+        <p:spPr>
+          <a:xfrm>
+            <a:off x="469692" y="559912"/>
+            <a:ext cx="7186474" cy="239087"/>
+          </a:xfrm>
+          <a:prstGeom prst="rect">
+            <a:avLst/>
+          </a:prstGeom>
+          <a:solidFill>
+            <a:schemeClr val="bg1">
+              <a:lumMod val="85000"/>
+            </a:schemeClr>
+          </a:solidFill>
+        </p:spPr>
+        <p:txBody>
+          <a:bodyPr vert="horz" lIns="134422" tIns="67211" rIns="134422" bIns="67211" rtlCol="0" anchor="ctr"/>
+          <a:lstStyle/>
+          <a:p>
+            <a:pPr defTabSz="672130"/>
+            <a:r>
+              <a:rPr lang="en-US" sz="1544" dirty="0">
+                <a:latin typeface="Simplon Oi Headline" charset="0"/>
+                <a:ea typeface="Simplon Oi Headline" charset="0"/>
+                <a:cs typeface="Simplon Oi Headline" charset="0"/>
+              </a:rPr>
+              <a:t>PROGRESSOS</a:t>
+            </a:r>
+            <a:endParaRPr lang="pt-BR" sz="1544" dirty="0">
+              <a:latin typeface="Simplon Oi Headline" charset="0"/>
+              <a:ea typeface="Simplon Oi Headline" charset="0"/>
+              <a:cs typeface="Simplon Oi Headline" charset="0"/>
+            </a:endParaRPr>
+          </a:p>
+        </p:txBody>
+      </p:sp>
+      <p:sp>
+        <p:nvSpPr>
+          <p:cNvPr id="65" name="Retângulo 64"/>
+          <p:cNvSpPr/>
+          <p:nvPr/>
+        </p:nvSpPr>
+        <p:spPr>
+          <a:xfrm>
+            <a:off x="7810906" y="927661"/>
+            <a:ext cx="5351116" cy="449162"/>
+          </a:xfrm>
+          <a:prstGeom prst="rect">
+            <a:avLst/>
+          </a:prstGeom>
+          <a:solidFill>
+            <a:schemeClr val="bg1">
+              <a:lumMod val="85000"/>
+            </a:schemeClr>
+          </a:solidFill>
+        </p:spPr>
+        <p:txBody>
+          <a:bodyPr vert="horz" lIns="134422" tIns="67211" rIns="134422" bIns="67211" rtlCol="0" anchor="ctr"/>
+          <a:lstStyle/>
+          <a:p>
+            <a:pPr defTabSz="672130"/>
+            <a:r>
+              <a:rPr lang="pt-BR" sz="1544" dirty="0">
+                <a:latin typeface="Simplon Oi Headline" charset="0"/>
+                <a:ea typeface="Simplon Oi Headline" charset="0"/>
+                <a:cs typeface="Simplon Oi Headline" charset="0"/>
+              </a:rPr>
+              <a:t>Pontos atenção/ Principais Riscos</a:t>
+            </a:r>
+          </a:p>
+        </p:txBody>
+      </p:sp>
+      <p:sp>
+        <p:nvSpPr>
+          <p:cNvPr id="66" name="Retângulo 65"/>
+          <p:cNvSpPr/>
+          <p:nvPr/>
+        </p:nvSpPr>
+        <p:spPr>
+          <a:xfrm>
+            <a:off x="469692" y="4982921"/>
+            <a:ext cx="11854636" cy="233106"/>
+          </a:xfrm>
+          <a:prstGeom prst="rect">
+            <a:avLst/>
+          </a:prstGeom>
+          <a:solidFill>
+            <a:schemeClr val="bg1">
+              <a:lumMod val="85000"/>
+            </a:schemeClr>
+          </a:solidFill>
+        </p:spPr>
+        <p:txBody>
+          <a:bodyPr vert="horz" lIns="134422" tIns="67211" rIns="134422" bIns="67211" rtlCol="0" anchor="ctr"/>
+          <a:lstStyle/>
+          <a:p>
+            <a:pPr defTabSz="672130"/>
+            <a:r>
+              <a:rPr lang="pt-BR" sz="1544" dirty="0">
+                <a:latin typeface="Simplon Oi Headline" charset="0"/>
+                <a:ea typeface="Simplon Oi Headline" charset="0"/>
+                <a:cs typeface="Simplon Oi Headline" charset="0"/>
+              </a:rPr>
+              <a:t>Próximos Passos/ Decisões a tomar</a:t>
+            </a:r>
+          </a:p>
+        </p:txBody>
+      </p:sp>
+      <p:sp>
+        <p:nvSpPr>
+          <p:cNvPr id="63" name="Rectangle 37"/>
+          <p:cNvSpPr/>
+          <p:nvPr/>
+        </p:nvSpPr>
+        <p:spPr>
+          <a:xfrm>
+            <a:off x="469132" y="818463"/>
+            <a:ext cx="7186474" cy="4078796"/>
+          </a:xfrm>
+          <a:prstGeom prst="rect">
+            <a:avLst/>
+          </a:prstGeom>
+          <a:noFill/>
+          <a:ln w="12700">
+            <a:solidFill>
+              <a:schemeClr val="bg1">
+                <a:lumMod val="50000"/>
+              </a:schemeClr>
+            </a:solidFill>
+          </a:ln>
+        </p:spPr>
+        <p:style>
+          <a:lnRef idx="2">
+            <a:schemeClr val="accent4"/>
+          </a:lnRef>
+          <a:fillRef idx="1">
+            <a:schemeClr val="lt1"/>
+          </a:fillRef>
+          <a:effectRef idx="0">
+            <a:schemeClr val="accent4"/>
+          </a:effectRef>
+          <a:fontRef idx="minor">
+            <a:schemeClr val="dk1"/>
+          </a:fontRef>
+        </p:style>
+        <p:txBody>
+          <a:bodyPr tIns="105844" rtlCol="0" anchor="t"/>
+          <a:lstStyle/>
+          <a:p>
+            <a:pPr marL="252049" indent="-252049" fontAlgn="base">
+              <a:spcBef>
+                <a:spcPct val="0"/>
+              </a:spcBef>
+              <a:buFont typeface="Wingdings" panose="05000000000000000000" pitchFamily="2" charset="2"/>
+              <a:buChar char="ü"/>
+              <a:defRPr/>
+            </a:pPr>
+            <a:r>
+              <a:rPr lang="pt-BR" sz="1600" b="1" dirty="0">
+                <a:solidFill>
+                  <a:schemeClr val="tx1"/>
+                </a:solidFill>
+                <a:latin typeface="Arial" panose="020B0604020202020204" pitchFamily="34" charset="0"/>
+                <a:cs typeface="Arial" panose="020B0604020202020204" pitchFamily="34" charset="0"/>
+              </a:rPr>
+              <a:t>Desenvolvemos a home do site institucional com </a:t>
+            </a:r>
+            <a:r>
+              <a:rPr lang="pt-BR" sz="1600" b="1" dirty="0" err="1">
+                <a:solidFill>
+                  <a:schemeClr val="tx1"/>
+                </a:solidFill>
+                <a:latin typeface="Arial" panose="020B0604020202020204" pitchFamily="34" charset="0"/>
+                <a:cs typeface="Arial" panose="020B0604020202020204" pitchFamily="34" charset="0"/>
+              </a:rPr>
+              <a:t>React</a:t>
+            </a:r>
+            <a:r>
+              <a:rPr lang="pt-BR" sz="1600" b="1" dirty="0">
+                <a:solidFill>
+                  <a:schemeClr val="tx1"/>
+                </a:solidFill>
+                <a:latin typeface="Arial" panose="020B0604020202020204" pitchFamily="34" charset="0"/>
+                <a:cs typeface="Arial" panose="020B0604020202020204" pitchFamily="34" charset="0"/>
+              </a:rPr>
+              <a:t> </a:t>
+            </a:r>
+          </a:p>
+          <a:p>
+            <a:pPr marL="252049" indent="-252049" fontAlgn="base">
+              <a:spcBef>
+                <a:spcPct val="0"/>
+              </a:spcBef>
+              <a:buFont typeface="Wingdings" panose="05000000000000000000" pitchFamily="2" charset="2"/>
+              <a:buChar char="ü"/>
+              <a:defRPr/>
+            </a:pPr>
+            <a:r>
+              <a:rPr lang="pt-BR" sz="1600" b="1" dirty="0">
+                <a:solidFill>
+                  <a:schemeClr val="tx1"/>
+                </a:solidFill>
+                <a:latin typeface="Arial" panose="020B0604020202020204" pitchFamily="34" charset="0"/>
+                <a:cs typeface="Arial" panose="020B0604020202020204" pitchFamily="34" charset="0"/>
+              </a:rPr>
+              <a:t>Decidimos que iremos desenvolver e utilizar a própria API</a:t>
+            </a:r>
+          </a:p>
+          <a:p>
+            <a:pPr marL="252049" indent="-252049" fontAlgn="base">
+              <a:spcBef>
+                <a:spcPct val="0"/>
+              </a:spcBef>
+              <a:buFont typeface="Wingdings" panose="05000000000000000000" pitchFamily="2" charset="2"/>
+              <a:buChar char="ü"/>
+              <a:defRPr/>
+            </a:pPr>
+            <a:r>
+              <a:rPr lang="pt-BR" sz="1600" b="1" dirty="0">
+                <a:solidFill>
+                  <a:schemeClr val="tx1"/>
+                </a:solidFill>
+                <a:latin typeface="Arial" panose="020B0604020202020204" pitchFamily="34" charset="0"/>
+                <a:cs typeface="Arial" panose="020B0604020202020204" pitchFamily="34" charset="0"/>
+              </a:rPr>
+              <a:t>Atualizamos a 3 versão do modelo lógico</a:t>
+            </a:r>
+          </a:p>
+          <a:p>
+            <a:pPr marL="252049" indent="-252049" fontAlgn="base">
+              <a:spcBef>
+                <a:spcPct val="0"/>
+              </a:spcBef>
+              <a:buFont typeface="Wingdings" panose="05000000000000000000" pitchFamily="2" charset="2"/>
+              <a:buChar char="ü"/>
+              <a:defRPr/>
+            </a:pPr>
+            <a:r>
+              <a:rPr lang="pt-BR" sz="1600" b="1" dirty="0">
+                <a:solidFill>
+                  <a:schemeClr val="tx1"/>
+                </a:solidFill>
+                <a:latin typeface="Arial" panose="020B0604020202020204" pitchFamily="34" charset="0"/>
+                <a:cs typeface="Arial" panose="020B0604020202020204" pitchFamily="34" charset="0"/>
+              </a:rPr>
+              <a:t>Atualizamos o Backlog</a:t>
+            </a:r>
+          </a:p>
+          <a:p>
+            <a:pPr marL="252049" indent="-252049" fontAlgn="base">
+              <a:spcBef>
+                <a:spcPct val="0"/>
+              </a:spcBef>
+              <a:buFont typeface="Wingdings" panose="05000000000000000000" pitchFamily="2" charset="2"/>
+              <a:buChar char="ü"/>
+              <a:defRPr/>
+            </a:pPr>
+            <a:r>
+              <a:rPr lang="pt-BR" sz="1600" b="1" dirty="0">
+                <a:solidFill>
+                  <a:schemeClr val="tx1"/>
+                </a:solidFill>
+                <a:latin typeface="Arial" panose="020B0604020202020204" pitchFamily="34" charset="0"/>
+                <a:cs typeface="Arial" panose="020B0604020202020204" pitchFamily="34" charset="0"/>
+              </a:rPr>
+              <a:t>Atualizamos e designados as tarefas no Sprint Backlog</a:t>
+            </a:r>
+          </a:p>
+          <a:p>
+            <a:pPr marL="252049" indent="-252049" fontAlgn="base">
+              <a:spcBef>
+                <a:spcPct val="0"/>
+              </a:spcBef>
+              <a:buFont typeface="Wingdings" panose="05000000000000000000" pitchFamily="2" charset="2"/>
+              <a:buChar char="ü"/>
+              <a:defRPr/>
+            </a:pPr>
+            <a:endParaRPr lang="pt-BR" sz="1600" b="1" dirty="0">
+              <a:solidFill>
+                <a:schemeClr val="tx1"/>
+              </a:solidFill>
+              <a:latin typeface="Arial" panose="020B0604020202020204" pitchFamily="34" charset="0"/>
+              <a:cs typeface="Arial" panose="020B0604020202020204" pitchFamily="34" charset="0"/>
+            </a:endParaRPr>
+          </a:p>
+          <a:p>
+            <a:pPr marL="0" lvl="1" defTabSz="672130"/>
+            <a:endParaRPr lang="pt-BR" sz="1800" b="1" dirty="0">
+              <a:solidFill>
+                <a:schemeClr val="tx1"/>
+              </a:solidFill>
+              <a:latin typeface="Calibri" panose="020F0502020204030204" pitchFamily="34" charset="0"/>
+              <a:cs typeface="Simplon BP Regular"/>
+            </a:endParaRPr>
+          </a:p>
+        </p:txBody>
+      </p:sp>
+      <p:sp>
+        <p:nvSpPr>
+          <p:cNvPr id="2" name="Rectangle 43">
+            <a:extLst>
+              <a:ext uri="{FF2B5EF4-FFF2-40B4-BE49-F238E27FC236}">
+                <a16:creationId xmlns:a16="http://schemas.microsoft.com/office/drawing/2014/main" id="{B15BA19F-C787-4E6A-ADAB-C0DFF09C66A8}"/>
+              </a:ext>
+            </a:extLst>
+          </p:cNvPr>
+          <p:cNvSpPr>
+            <a:spLocks/>
+          </p:cNvSpPr>
+          <p:nvPr/>
+        </p:nvSpPr>
+        <p:spPr>
+          <a:xfrm>
+            <a:off x="463325" y="5216027"/>
+            <a:ext cx="11854636" cy="2226277"/>
+          </a:xfrm>
+          <a:prstGeom prst="rect">
+            <a:avLst/>
+          </a:prstGeom>
+          <a:noFill/>
+          <a:ln w="12700">
+            <a:solidFill>
+              <a:schemeClr val="bg1">
+                <a:lumMod val="50000"/>
+              </a:schemeClr>
+            </a:solidFill>
+          </a:ln>
+        </p:spPr>
+        <p:style>
+          <a:lnRef idx="2">
+            <a:schemeClr val="accent4"/>
+          </a:lnRef>
+          <a:fillRef idx="1">
+            <a:schemeClr val="lt1"/>
+          </a:fillRef>
+          <a:effectRef idx="0">
+            <a:schemeClr val="accent4"/>
+          </a:effectRef>
+          <a:fontRef idx="minor">
+            <a:schemeClr val="dk1"/>
+          </a:fontRef>
+        </p:style>
+        <p:txBody>
+          <a:bodyPr wrap="square" tIns="105844" numCol="3" rtlCol="0" anchor="ctr"/>
+          <a:lstStyle/>
+          <a:p>
+            <a:pPr marL="0" lvl="1" defTabSz="672130"/>
+            <a:r>
+              <a:rPr lang="pt-BR" sz="1400" b="1" dirty="0">
+                <a:solidFill>
+                  <a:schemeClr val="tx1"/>
+                </a:solidFill>
+                <a:latin typeface="Arial" panose="020B0604020202020204" pitchFamily="34" charset="0"/>
+                <a:cs typeface="Arial" panose="020B0604020202020204" pitchFamily="34" charset="0"/>
+              </a:rPr>
+              <a:t>Frente </a:t>
+            </a:r>
+            <a:r>
+              <a:rPr lang="pt-BR" sz="1400" b="1" dirty="0" err="1">
+                <a:solidFill>
+                  <a:schemeClr val="tx1"/>
+                </a:solidFill>
+                <a:latin typeface="Arial" panose="020B0604020202020204" pitchFamily="34" charset="0"/>
+                <a:cs typeface="Arial" panose="020B0604020202020204" pitchFamily="34" charset="0"/>
+              </a:rPr>
+              <a:t>Backend</a:t>
+            </a:r>
+            <a:endParaRPr lang="pt-BR" sz="1400" b="1" dirty="0">
+              <a:solidFill>
+                <a:schemeClr val="tx1"/>
+              </a:solidFill>
+              <a:latin typeface="Arial" panose="020B0604020202020204" pitchFamily="34" charset="0"/>
+              <a:cs typeface="Arial" panose="020B0604020202020204" pitchFamily="34" charset="0"/>
+            </a:endParaRPr>
+          </a:p>
+          <a:p>
+            <a:pPr marL="285750" lvl="1" indent="-285750" defTabSz="672130">
+              <a:buFont typeface="Wingdings" panose="05000000000000000000" pitchFamily="2" charset="2"/>
+              <a:buChar char="§"/>
+            </a:pPr>
+            <a:r>
+              <a:rPr lang="pt-BR" sz="1400" b="1" dirty="0">
+                <a:solidFill>
+                  <a:schemeClr val="tx1"/>
+                </a:solidFill>
+                <a:latin typeface="Arial" panose="020B0604020202020204" pitchFamily="34" charset="0"/>
+                <a:cs typeface="Arial" panose="020B0604020202020204" pitchFamily="34" charset="0"/>
+              </a:rPr>
+              <a:t>Desenvolver script base de alimentos</a:t>
+            </a:r>
+          </a:p>
+          <a:p>
+            <a:pPr marL="285750" lvl="1" indent="-285750" defTabSz="672130">
+              <a:buFont typeface="Wingdings" panose="05000000000000000000" pitchFamily="2" charset="2"/>
+              <a:buChar char="§"/>
+            </a:pPr>
+            <a:r>
+              <a:rPr lang="pt-BR" sz="1400" b="1" dirty="0">
+                <a:solidFill>
+                  <a:schemeClr val="tx1"/>
+                </a:solidFill>
+                <a:latin typeface="Arial" panose="020B0604020202020204" pitchFamily="34" charset="0"/>
+                <a:cs typeface="Arial" panose="020B0604020202020204" pitchFamily="34" charset="0"/>
+              </a:rPr>
+              <a:t>Desenvolver script tabela de categoria</a:t>
+            </a:r>
+          </a:p>
+          <a:p>
+            <a:pPr marL="285750" lvl="1" indent="-285750" defTabSz="672130">
+              <a:buFont typeface="Wingdings" panose="05000000000000000000" pitchFamily="2" charset="2"/>
+              <a:buChar char="§"/>
+            </a:pPr>
+            <a:r>
+              <a:rPr lang="pt-BR" sz="1400" b="1" dirty="0">
+                <a:solidFill>
+                  <a:schemeClr val="tx1"/>
+                </a:solidFill>
+                <a:latin typeface="Arial" panose="020B0604020202020204" pitchFamily="34" charset="0"/>
+                <a:cs typeface="Arial" panose="020B0604020202020204" pitchFamily="34" charset="0"/>
+              </a:rPr>
+              <a:t>Criar BD no Azure</a:t>
+            </a:r>
+          </a:p>
+          <a:p>
+            <a:pPr marL="0" lvl="1" defTabSz="672130"/>
+            <a:r>
+              <a:rPr lang="pt-BR" sz="1400" b="1" dirty="0">
+                <a:solidFill>
+                  <a:schemeClr val="tx1"/>
+                </a:solidFill>
+                <a:latin typeface="Arial" panose="020B0604020202020204" pitchFamily="34" charset="0"/>
+                <a:cs typeface="Arial" panose="020B0604020202020204" pitchFamily="34" charset="0"/>
+              </a:rPr>
+              <a:t>Frente Front </a:t>
+            </a:r>
+            <a:r>
+              <a:rPr lang="pt-BR" sz="1400" b="1" dirty="0" err="1">
+                <a:solidFill>
+                  <a:schemeClr val="tx1"/>
+                </a:solidFill>
+                <a:latin typeface="Arial" panose="020B0604020202020204" pitchFamily="34" charset="0"/>
+                <a:cs typeface="Arial" panose="020B0604020202020204" pitchFamily="34" charset="0"/>
+              </a:rPr>
+              <a:t>end</a:t>
+            </a:r>
+            <a:endParaRPr lang="pt-BR" sz="1400" b="1" dirty="0">
+              <a:solidFill>
+                <a:schemeClr val="tx1"/>
+              </a:solidFill>
+              <a:latin typeface="Arial" panose="020B0604020202020204" pitchFamily="34" charset="0"/>
+              <a:cs typeface="Arial" panose="020B0604020202020204" pitchFamily="34" charset="0"/>
+            </a:endParaRPr>
+          </a:p>
+          <a:p>
+            <a:pPr marL="252049" lvl="1" indent="-252049">
+              <a:buFont typeface="Wingdings" panose="05000000000000000000" pitchFamily="2" charset="2"/>
+              <a:buChar char="§"/>
+            </a:pPr>
+            <a:r>
+              <a:rPr lang="pt-BR" sz="1400" b="1" dirty="0">
+                <a:solidFill>
+                  <a:schemeClr val="tx1"/>
+                </a:solidFill>
+                <a:latin typeface="Arial" panose="020B0604020202020204" pitchFamily="34" charset="0"/>
+                <a:cs typeface="Arial" panose="020B0604020202020204" pitchFamily="34" charset="0"/>
+              </a:rPr>
+              <a:t>Finalizar o desenvolvimento do site institucional</a:t>
+            </a:r>
+          </a:p>
+          <a:p>
+            <a:pPr marL="0" lvl="1" defTabSz="672130"/>
+            <a:endParaRPr lang="pt-BR" sz="1600" b="1" dirty="0">
+              <a:solidFill>
+                <a:schemeClr val="tx1"/>
+              </a:solidFill>
+              <a:latin typeface="Calibri" panose="020F0502020204030204" pitchFamily="34" charset="0"/>
+              <a:cs typeface="Simplon BP Regular"/>
+            </a:endParaRPr>
+          </a:p>
+          <a:p>
+            <a:pPr marL="0" lvl="1" defTabSz="672130"/>
+            <a:r>
+              <a:rPr lang="pt-BR" sz="1400" b="1" dirty="0">
+                <a:solidFill>
+                  <a:schemeClr val="tx1"/>
+                </a:solidFill>
+                <a:latin typeface="Arial" panose="020B0604020202020204" pitchFamily="34" charset="0"/>
+                <a:cs typeface="Arial" panose="020B0604020202020204" pitchFamily="34" charset="0"/>
+              </a:rPr>
+              <a:t>Frente Negócios</a:t>
+            </a:r>
+          </a:p>
+        </p:txBody>
+      </p:sp>
+      <p:sp>
+        <p:nvSpPr>
+          <p:cNvPr id="5" name="Retângulo 4">
+            <a:extLst>
+              <a:ext uri="{FF2B5EF4-FFF2-40B4-BE49-F238E27FC236}">
+                <a16:creationId xmlns:a16="http://schemas.microsoft.com/office/drawing/2014/main" id="{A1C14918-6027-46B3-96BF-C5F7FDEC3276}"/>
+              </a:ext>
+            </a:extLst>
+          </p:cNvPr>
+          <p:cNvSpPr/>
+          <p:nvPr/>
+        </p:nvSpPr>
+        <p:spPr>
+          <a:xfrm>
+            <a:off x="8017619" y="180231"/>
+            <a:ext cx="4937689" cy="618769"/>
+          </a:xfrm>
+          <a:prstGeom prst="rect">
+            <a:avLst/>
+          </a:prstGeom>
+          <a:noFill/>
+          <a:ln w="6350">
+            <a:solidFill>
+              <a:schemeClr val="bg1">
+                <a:lumMod val="75000"/>
+              </a:schemeClr>
+            </a:solidFill>
+          </a:ln>
+        </p:spPr>
+        <p:style>
+          <a:lnRef idx="2">
+            <a:schemeClr val="accent1">
+              <a:shade val="50000"/>
+            </a:schemeClr>
+          </a:lnRef>
+          <a:fillRef idx="1">
+            <a:schemeClr val="accent1"/>
+          </a:fillRef>
+          <a:effectRef idx="0">
+            <a:schemeClr val="accent1"/>
+          </a:effectRef>
+          <a:fontRef idx="minor">
+            <a:schemeClr val="lt1"/>
+          </a:fontRef>
+        </p:style>
+        <p:txBody>
+          <a:bodyPr rtlCol="0" anchor="ctr"/>
+          <a:lstStyle/>
+          <a:p>
+            <a:pPr algn="ctr"/>
+            <a:endParaRPr lang="pt-BR"/>
+          </a:p>
+        </p:txBody>
+      </p:sp>
+      <p:sp>
+        <p:nvSpPr>
+          <p:cNvPr id="8" name="TextBox 138">
+            <a:extLst>
+              <a:ext uri="{FF2B5EF4-FFF2-40B4-BE49-F238E27FC236}">
+                <a16:creationId xmlns:a16="http://schemas.microsoft.com/office/drawing/2014/main" id="{5CE7D08C-795B-4BF1-97F6-F9773F4E9F4C}"/>
+              </a:ext>
+            </a:extLst>
+          </p:cNvPr>
+          <p:cNvSpPr txBox="1"/>
+          <p:nvPr/>
+        </p:nvSpPr>
+        <p:spPr>
+          <a:xfrm>
+            <a:off x="9715810" y="51570"/>
+            <a:ext cx="1478088" cy="211688"/>
+          </a:xfrm>
+          <a:prstGeom prst="rect">
+            <a:avLst/>
+          </a:prstGeom>
+          <a:solidFill>
+            <a:schemeClr val="bg1"/>
+          </a:solidFill>
+          <a:ln w="12700">
+            <a:noFill/>
+          </a:ln>
+        </p:spPr>
+        <p:style>
+          <a:lnRef idx="2">
+            <a:schemeClr val="accent4"/>
+          </a:lnRef>
+          <a:fillRef idx="1">
+            <a:schemeClr val="lt1"/>
+          </a:fillRef>
+          <a:effectRef idx="0">
+            <a:schemeClr val="accent4"/>
+          </a:effectRef>
+          <a:fontRef idx="minor">
+            <a:schemeClr val="dk1"/>
+          </a:fontRef>
+        </p:style>
+        <p:txBody>
+          <a:bodyPr wrap="none" lIns="52922" tIns="52922" rIns="52922" bIns="0" rtlCol="0" anchor="b"/>
+          <a:lstStyle>
+            <a:defPPr>
+              <a:defRPr lang="en-US"/>
+            </a:defPPr>
+            <a:lvl1pPr algn="ctr">
+              <a:defRPr sz="1000" b="1">
+                <a:latin typeface="Simplon BP Regular"/>
+                <a:cs typeface="Simplon BP Regular"/>
+              </a:defRPr>
+            </a:lvl1pPr>
+            <a:lvl2pPr>
+              <a:defRPr>
+                <a:solidFill>
+                  <a:schemeClr val="dk1"/>
+                </a:solidFill>
+              </a:defRPr>
+            </a:lvl2pPr>
+            <a:lvl3pPr>
+              <a:defRPr>
+                <a:solidFill>
+                  <a:schemeClr val="dk1"/>
+                </a:solidFill>
+              </a:defRPr>
+            </a:lvl3pPr>
+            <a:lvl4pPr>
+              <a:defRPr>
+                <a:solidFill>
+                  <a:schemeClr val="dk1"/>
+                </a:solidFill>
+              </a:defRPr>
+            </a:lvl4pPr>
+            <a:lvl5pPr>
+              <a:defRPr>
+                <a:solidFill>
+                  <a:schemeClr val="dk1"/>
+                </a:solidFill>
+              </a:defRPr>
+            </a:lvl5pPr>
+            <a:lvl6pPr>
+              <a:defRPr>
+                <a:solidFill>
+                  <a:schemeClr val="dk1"/>
+                </a:solidFill>
+              </a:defRPr>
+            </a:lvl6pPr>
+            <a:lvl7pPr>
+              <a:defRPr>
+                <a:solidFill>
+                  <a:schemeClr val="dk1"/>
+                </a:solidFill>
+              </a:defRPr>
+            </a:lvl7pPr>
+            <a:lvl8pPr>
+              <a:defRPr>
+                <a:solidFill>
+                  <a:schemeClr val="dk1"/>
+                </a:solidFill>
+              </a:defRPr>
+            </a:lvl8pPr>
+            <a:lvl9pPr>
+              <a:defRPr>
+                <a:solidFill>
+                  <a:schemeClr val="dk1"/>
+                </a:solidFill>
+              </a:defRPr>
+            </a:lvl9pPr>
+          </a:lstStyle>
+          <a:p>
+            <a:pPr defTabSz="672130"/>
+            <a:r>
+              <a:rPr lang="en-US" sz="1176" b="0" dirty="0">
+                <a:solidFill>
+                  <a:prstClr val="black"/>
+                </a:solidFill>
+                <a:latin typeface="Simplon BP Bold" pitchFamily="2" charset="0"/>
+              </a:rPr>
+              <a:t>    </a:t>
+            </a:r>
+            <a:r>
+              <a:rPr lang="en-US" sz="1176" b="0" dirty="0" err="1">
+                <a:solidFill>
+                  <a:prstClr val="black"/>
+                </a:solidFill>
+                <a:latin typeface="Simplon BP Bold" pitchFamily="2" charset="0"/>
+              </a:rPr>
+              <a:t>Farol</a:t>
+            </a:r>
+            <a:r>
+              <a:rPr lang="en-US" sz="1176" b="0" dirty="0">
+                <a:solidFill>
+                  <a:prstClr val="black"/>
+                </a:solidFill>
+                <a:latin typeface="Simplon BP Bold" pitchFamily="2" charset="0"/>
+              </a:rPr>
+              <a:t> do </a:t>
+            </a:r>
+            <a:r>
+              <a:rPr lang="en-US" sz="1176" b="0" dirty="0" err="1">
+                <a:solidFill>
+                  <a:prstClr val="black"/>
+                </a:solidFill>
+                <a:latin typeface="Simplon BP Bold" pitchFamily="2" charset="0"/>
+              </a:rPr>
+              <a:t>Projeto</a:t>
+            </a:r>
+            <a:r>
+              <a:rPr lang="en-US" sz="1176" b="0" dirty="0">
+                <a:solidFill>
+                  <a:prstClr val="black"/>
+                </a:solidFill>
+                <a:latin typeface="Simplon BP Bold" pitchFamily="2" charset="0"/>
+              </a:rPr>
+              <a:t>   </a:t>
+            </a:r>
+          </a:p>
+        </p:txBody>
+      </p:sp>
+      <p:sp>
+        <p:nvSpPr>
+          <p:cNvPr id="21" name="Oval 134">
+            <a:extLst>
+              <a:ext uri="{FF2B5EF4-FFF2-40B4-BE49-F238E27FC236}">
+                <a16:creationId xmlns:a16="http://schemas.microsoft.com/office/drawing/2014/main" id="{C7687DA3-5EC5-4177-9DBB-6A09DC7F77ED}"/>
+              </a:ext>
+            </a:extLst>
+          </p:cNvPr>
+          <p:cNvSpPr>
+            <a:spLocks noChangeAspect="1"/>
+          </p:cNvSpPr>
+          <p:nvPr/>
+        </p:nvSpPr>
+        <p:spPr>
+          <a:xfrm>
+            <a:off x="10156945" y="362281"/>
+            <a:ext cx="211404" cy="211689"/>
+          </a:xfrm>
+          <a:prstGeom prst="ellipse">
+            <a:avLst/>
+          </a:prstGeom>
+          <a:solidFill>
+            <a:srgbClr val="1BCF13"/>
+          </a:solidFill>
+          <a:ln w="12700">
+            <a:solidFill>
+              <a:schemeClr val="accent3"/>
+            </a:solidFill>
+          </a:ln>
+        </p:spPr>
+        <p:style>
+          <a:lnRef idx="2">
+            <a:schemeClr val="accent1">
+              <a:shade val="50000"/>
+            </a:schemeClr>
+          </a:lnRef>
+          <a:fillRef idx="1">
+            <a:schemeClr val="accent1"/>
+          </a:fillRef>
+          <a:effectRef idx="0">
+            <a:schemeClr val="accent1"/>
+          </a:effectRef>
+          <a:fontRef idx="minor">
+            <a:schemeClr val="lt1"/>
+          </a:fontRef>
+        </p:style>
+        <p:txBody>
+          <a:bodyPr wrap="none" lIns="52922" tIns="52922" rIns="52922" rtlCol="0" anchor="ctr"/>
+          <a:lstStyle/>
+          <a:p>
+            <a:pPr algn="ctr" defTabSz="672130"/>
+            <a:endParaRPr lang="en-US" sz="1176" dirty="0">
+              <a:solidFill>
+                <a:prstClr val="black"/>
+              </a:solidFill>
+              <a:latin typeface="Simplon BP Regular"/>
+              <a:cs typeface="Simplon BP Regular"/>
+            </a:endParaRPr>
+          </a:p>
+        </p:txBody>
+      </p:sp>
+      <p:sp>
+        <p:nvSpPr>
+          <p:cNvPr id="22" name="Oval 134">
+            <a:extLst>
+              <a:ext uri="{FF2B5EF4-FFF2-40B4-BE49-F238E27FC236}">
+                <a16:creationId xmlns:a16="http://schemas.microsoft.com/office/drawing/2014/main" id="{B363CBDD-9D88-41D9-9F1B-E6F757DF80B1}"/>
+              </a:ext>
+            </a:extLst>
+          </p:cNvPr>
+          <p:cNvSpPr>
+            <a:spLocks noChangeAspect="1"/>
+          </p:cNvSpPr>
+          <p:nvPr/>
+        </p:nvSpPr>
+        <p:spPr>
+          <a:xfrm>
+            <a:off x="12180394" y="284502"/>
+            <a:ext cx="211404" cy="211689"/>
+          </a:xfrm>
+          <a:prstGeom prst="ellipse">
+            <a:avLst/>
+          </a:prstGeom>
+          <a:solidFill>
+            <a:srgbClr val="1BCF13"/>
+          </a:solidFill>
+          <a:ln w="12700">
+            <a:solidFill>
+              <a:schemeClr val="accent3"/>
+            </a:solidFill>
+          </a:ln>
+        </p:spPr>
+        <p:style>
+          <a:lnRef idx="2">
+            <a:schemeClr val="accent1">
+              <a:shade val="50000"/>
+            </a:schemeClr>
+          </a:lnRef>
+          <a:fillRef idx="1">
+            <a:schemeClr val="accent1"/>
+          </a:fillRef>
+          <a:effectRef idx="0">
+            <a:schemeClr val="accent1"/>
+          </a:effectRef>
+          <a:fontRef idx="minor">
+            <a:schemeClr val="lt1"/>
+          </a:fontRef>
+        </p:style>
+        <p:txBody>
+          <a:bodyPr wrap="none" lIns="52922" tIns="52922" rIns="52922" rtlCol="0" anchor="ctr"/>
+          <a:lstStyle/>
+          <a:p>
+            <a:pPr algn="ctr" defTabSz="672130"/>
+            <a:endParaRPr lang="en-US" sz="1176" dirty="0">
+              <a:solidFill>
+                <a:prstClr val="black"/>
+              </a:solidFill>
+              <a:latin typeface="Simplon BP Regular"/>
+              <a:cs typeface="Simplon BP Regular"/>
+            </a:endParaRPr>
+          </a:p>
+        </p:txBody>
+      </p:sp>
+      <p:sp>
+        <p:nvSpPr>
+          <p:cNvPr id="23" name="Oval 134">
+            <a:extLst>
+              <a:ext uri="{FF2B5EF4-FFF2-40B4-BE49-F238E27FC236}">
+                <a16:creationId xmlns:a16="http://schemas.microsoft.com/office/drawing/2014/main" id="{F42F78D9-B5A8-4A97-8925-8B5904C502F3}"/>
+              </a:ext>
+            </a:extLst>
+          </p:cNvPr>
+          <p:cNvSpPr>
+            <a:spLocks noChangeAspect="1"/>
+          </p:cNvSpPr>
+          <p:nvPr/>
+        </p:nvSpPr>
+        <p:spPr>
+          <a:xfrm>
+            <a:off x="11262832" y="305415"/>
+            <a:ext cx="211404" cy="211689"/>
+          </a:xfrm>
+          <a:prstGeom prst="ellipse">
+            <a:avLst/>
+          </a:prstGeom>
+          <a:solidFill>
+            <a:srgbClr val="1BCF13"/>
+          </a:solidFill>
+          <a:ln w="12700">
+            <a:solidFill>
+              <a:schemeClr val="accent3"/>
+            </a:solidFill>
+          </a:ln>
+        </p:spPr>
+        <p:style>
+          <a:lnRef idx="2">
+            <a:schemeClr val="accent1">
+              <a:shade val="50000"/>
+            </a:schemeClr>
+          </a:lnRef>
+          <a:fillRef idx="1">
+            <a:schemeClr val="accent1"/>
+          </a:fillRef>
+          <a:effectRef idx="0">
+            <a:schemeClr val="accent1"/>
+          </a:effectRef>
+          <a:fontRef idx="minor">
+            <a:schemeClr val="lt1"/>
+          </a:fontRef>
+        </p:style>
+        <p:txBody>
+          <a:bodyPr wrap="none" lIns="52922" tIns="52922" rIns="52922" rtlCol="0" anchor="ctr"/>
+          <a:lstStyle/>
+          <a:p>
+            <a:pPr algn="ctr" defTabSz="672130"/>
+            <a:endParaRPr lang="en-US" sz="1176" dirty="0">
+              <a:solidFill>
+                <a:prstClr val="black"/>
+              </a:solidFill>
+              <a:latin typeface="Simplon BP Regular"/>
+              <a:cs typeface="Simplon BP Regular"/>
+            </a:endParaRPr>
+          </a:p>
+        </p:txBody>
+      </p:sp>
+      <p:sp>
+        <p:nvSpPr>
+          <p:cNvPr id="24" name="Oval 134">
+            <a:extLst>
+              <a:ext uri="{FF2B5EF4-FFF2-40B4-BE49-F238E27FC236}">
+                <a16:creationId xmlns:a16="http://schemas.microsoft.com/office/drawing/2014/main" id="{1EBE2388-56B1-476A-9F0A-E2D66925E9B1}"/>
+              </a:ext>
+            </a:extLst>
+          </p:cNvPr>
+          <p:cNvSpPr>
+            <a:spLocks noChangeAspect="1"/>
+          </p:cNvSpPr>
+          <p:nvPr/>
+        </p:nvSpPr>
+        <p:spPr>
+          <a:xfrm>
+            <a:off x="9275679" y="332030"/>
+            <a:ext cx="211404" cy="211689"/>
+          </a:xfrm>
+          <a:prstGeom prst="ellipse">
+            <a:avLst/>
+          </a:prstGeom>
+          <a:solidFill>
+            <a:srgbClr val="1BCF13"/>
+          </a:solidFill>
+          <a:ln w="12700">
+            <a:solidFill>
+              <a:schemeClr val="accent3"/>
+            </a:solidFill>
+          </a:ln>
+        </p:spPr>
+        <p:style>
+          <a:lnRef idx="2">
+            <a:schemeClr val="accent1">
+              <a:shade val="50000"/>
+            </a:schemeClr>
+          </a:lnRef>
+          <a:fillRef idx="1">
+            <a:schemeClr val="accent1"/>
+          </a:fillRef>
+          <a:effectRef idx="0">
+            <a:schemeClr val="accent1"/>
+          </a:effectRef>
+          <a:fontRef idx="minor">
+            <a:schemeClr val="lt1"/>
+          </a:fontRef>
+        </p:style>
+        <p:txBody>
+          <a:bodyPr wrap="none" lIns="52922" tIns="52922" rIns="52922" rtlCol="0" anchor="ctr"/>
+          <a:lstStyle/>
+          <a:p>
+            <a:pPr algn="ctr" defTabSz="672130"/>
+            <a:endParaRPr lang="en-US" sz="1176" dirty="0">
+              <a:solidFill>
+                <a:prstClr val="black"/>
+              </a:solidFill>
+              <a:latin typeface="Simplon BP Regular"/>
+              <a:cs typeface="Simplon BP Regular"/>
+            </a:endParaRPr>
+          </a:p>
+        </p:txBody>
+      </p:sp>
+    </p:spTree>
+    <p:extLst>
+      <p:ext uri="{BB962C8B-B14F-4D97-AF65-F5344CB8AC3E}">
+        <p14:creationId xmlns:p14="http://schemas.microsoft.com/office/powerpoint/2010/main" val="237637447"/>
       </p:ext>
     </p:extLst>
   </p:cSld>
@@ -30998,67 +32825,6 @@
 </file>
 
 <file path=customXml/item1.xml><?xml version="1.0" encoding="utf-8"?>
-<p:properties xmlns:p="http://schemas.microsoft.com/office/2006/metadata/properties" xmlns:xsi="http://www.w3.org/2001/XMLSchema-instance" xmlns:pc="http://schemas.microsoft.com/office/infopath/2007/PartnerControls">
-  <documentManagement>
-    <Is_Collaboration_Space_Locked xmlns="bbcd8c33-6940-4d4c-a587-bbc736ca1e4d" xsi:nil="true"/>
-    <TeamsChannelId xmlns="bbcd8c33-6940-4d4c-a587-bbc736ca1e4d" xsi:nil="true"/>
-    <Self_Registration_Enabled xmlns="bbcd8c33-6940-4d4c-a587-bbc736ca1e4d" xsi:nil="true"/>
-    <Math_Settings xmlns="bbcd8c33-6940-4d4c-a587-bbc736ca1e4d" xsi:nil="true"/>
-    <AppVersion xmlns="bbcd8c33-6940-4d4c-a587-bbc736ca1e4d" xsi:nil="true"/>
-    <Invited_Teachers xmlns="bbcd8c33-6940-4d4c-a587-bbc736ca1e4d" xsi:nil="true"/>
-    <LMS_Mappings xmlns="bbcd8c33-6940-4d4c-a587-bbc736ca1e4d" xsi:nil="true"/>
-    <IsNotebookLocked xmlns="bbcd8c33-6940-4d4c-a587-bbc736ca1e4d" xsi:nil="true"/>
-    <NotebookType xmlns="bbcd8c33-6940-4d4c-a587-bbc736ca1e4d" xsi:nil="true"/>
-    <Templates xmlns="bbcd8c33-6940-4d4c-a587-bbc736ca1e4d" xsi:nil="true"/>
-    <Owner xmlns="bbcd8c33-6940-4d4c-a587-bbc736ca1e4d">
-      <UserInfo>
-        <DisplayName/>
-        <AccountId xsi:nil="true"/>
-        <AccountType/>
-      </UserInfo>
-    </Owner>
-    <Teachers xmlns="bbcd8c33-6940-4d4c-a587-bbc736ca1e4d">
-      <UserInfo>
-        <DisplayName/>
-        <AccountId xsi:nil="true"/>
-        <AccountType/>
-      </UserInfo>
-    </Teachers>
-    <Students xmlns="bbcd8c33-6940-4d4c-a587-bbc736ca1e4d">
-      <UserInfo>
-        <DisplayName/>
-        <AccountId xsi:nil="true"/>
-        <AccountType/>
-      </UserInfo>
-    </Students>
-    <Student_Groups xmlns="bbcd8c33-6940-4d4c-a587-bbc736ca1e4d">
-      <UserInfo>
-        <DisplayName/>
-        <AccountId xsi:nil="true"/>
-        <AccountType/>
-      </UserInfo>
-    </Student_Groups>
-    <Distribution_Groups xmlns="bbcd8c33-6940-4d4c-a587-bbc736ca1e4d" xsi:nil="true"/>
-    <Self_Registration_Enabled0 xmlns="bbcd8c33-6940-4d4c-a587-bbc736ca1e4d" xsi:nil="true"/>
-    <Has_Teacher_Only_SectionGroup xmlns="bbcd8c33-6940-4d4c-a587-bbc736ca1e4d" xsi:nil="true"/>
-    <DefaultSectionNames xmlns="bbcd8c33-6940-4d4c-a587-bbc736ca1e4d" xsi:nil="true"/>
-    <Invited_Students xmlns="bbcd8c33-6940-4d4c-a587-bbc736ca1e4d" xsi:nil="true"/>
-    <FolderType xmlns="bbcd8c33-6940-4d4c-a587-bbc736ca1e4d" xsi:nil="true"/>
-    <CultureName xmlns="bbcd8c33-6940-4d4c-a587-bbc736ca1e4d" xsi:nil="true"/>
-  </documentManagement>
-</p:properties>
-</file>
-
-<file path=customXml/item2.xml><?xml version="1.0" encoding="utf-8"?>
-<?mso-contentType ?>
-<FormTemplates xmlns="http://schemas.microsoft.com/sharepoint/v3/contenttype/forms">
-  <Display>DocumentLibraryForm</Display>
-  <Edit>DocumentLibraryForm</Edit>
-  <New>DocumentLibraryForm</New>
-</FormTemplates>
-</file>
-
-<file path=customXml/item3.xml><?xml version="1.0" encoding="utf-8"?>
 <ct:contentTypeSchema xmlns:ct="http://schemas.microsoft.com/office/2006/metadata/contentType" xmlns:ma="http://schemas.microsoft.com/office/2006/metadata/properties/metaAttributes" ct:_="" ma:_="" ma:contentTypeName="Document" ma:contentTypeID="0x0101001132905C37EA9847A7207C4BBCCCD8F4" ma:contentTypeVersion="34" ma:contentTypeDescription="Create a new document." ma:contentTypeScope="" ma:versionID="2f28daba72ca6e92be87ea70ebe5bb94">
   <xsd:schema xmlns:xsd="http://www.w3.org/2001/XMLSchema" xmlns:xs="http://www.w3.org/2001/XMLSchema" xmlns:p="http://schemas.microsoft.com/office/2006/metadata/properties" xmlns:ns3="4327b14a-fe89-488e-9f6d-9658cacf372b" xmlns:ns4="bbcd8c33-6940-4d4c-a587-bbc736ca1e4d" targetNamespace="http://schemas.microsoft.com/office/2006/metadata/properties" ma:root="true" ma:fieldsID="df18e839ce2650f1975b41376e6cdb6b" ns3:_="" ns4:_="">
     <xsd:import namespace="4327b14a-fe89-488e-9f6d-9658cacf372b"/>
@@ -31475,7 +33241,87 @@
 </ct:contentTypeSchema>
 </file>
 
+<file path=customXml/item2.xml><?xml version="1.0" encoding="utf-8"?>
+<p:properties xmlns:p="http://schemas.microsoft.com/office/2006/metadata/properties" xmlns:xsi="http://www.w3.org/2001/XMLSchema-instance" xmlns:pc="http://schemas.microsoft.com/office/infopath/2007/PartnerControls">
+  <documentManagement>
+    <Is_Collaboration_Space_Locked xmlns="bbcd8c33-6940-4d4c-a587-bbc736ca1e4d" xsi:nil="true"/>
+    <TeamsChannelId xmlns="bbcd8c33-6940-4d4c-a587-bbc736ca1e4d" xsi:nil="true"/>
+    <Self_Registration_Enabled xmlns="bbcd8c33-6940-4d4c-a587-bbc736ca1e4d" xsi:nil="true"/>
+    <Math_Settings xmlns="bbcd8c33-6940-4d4c-a587-bbc736ca1e4d" xsi:nil="true"/>
+    <AppVersion xmlns="bbcd8c33-6940-4d4c-a587-bbc736ca1e4d" xsi:nil="true"/>
+    <Invited_Teachers xmlns="bbcd8c33-6940-4d4c-a587-bbc736ca1e4d" xsi:nil="true"/>
+    <LMS_Mappings xmlns="bbcd8c33-6940-4d4c-a587-bbc736ca1e4d" xsi:nil="true"/>
+    <IsNotebookLocked xmlns="bbcd8c33-6940-4d4c-a587-bbc736ca1e4d" xsi:nil="true"/>
+    <NotebookType xmlns="bbcd8c33-6940-4d4c-a587-bbc736ca1e4d" xsi:nil="true"/>
+    <Templates xmlns="bbcd8c33-6940-4d4c-a587-bbc736ca1e4d" xsi:nil="true"/>
+    <Owner xmlns="bbcd8c33-6940-4d4c-a587-bbc736ca1e4d">
+      <UserInfo>
+        <DisplayName/>
+        <AccountId xsi:nil="true"/>
+        <AccountType/>
+      </UserInfo>
+    </Owner>
+    <Teachers xmlns="bbcd8c33-6940-4d4c-a587-bbc736ca1e4d">
+      <UserInfo>
+        <DisplayName/>
+        <AccountId xsi:nil="true"/>
+        <AccountType/>
+      </UserInfo>
+    </Teachers>
+    <Students xmlns="bbcd8c33-6940-4d4c-a587-bbc736ca1e4d">
+      <UserInfo>
+        <DisplayName/>
+        <AccountId xsi:nil="true"/>
+        <AccountType/>
+      </UserInfo>
+    </Students>
+    <Student_Groups xmlns="bbcd8c33-6940-4d4c-a587-bbc736ca1e4d">
+      <UserInfo>
+        <DisplayName/>
+        <AccountId xsi:nil="true"/>
+        <AccountType/>
+      </UserInfo>
+    </Student_Groups>
+    <Distribution_Groups xmlns="bbcd8c33-6940-4d4c-a587-bbc736ca1e4d" xsi:nil="true"/>
+    <Self_Registration_Enabled0 xmlns="bbcd8c33-6940-4d4c-a587-bbc736ca1e4d" xsi:nil="true"/>
+    <Has_Teacher_Only_SectionGroup xmlns="bbcd8c33-6940-4d4c-a587-bbc736ca1e4d" xsi:nil="true"/>
+    <DefaultSectionNames xmlns="bbcd8c33-6940-4d4c-a587-bbc736ca1e4d" xsi:nil="true"/>
+    <Invited_Students xmlns="bbcd8c33-6940-4d4c-a587-bbc736ca1e4d" xsi:nil="true"/>
+    <FolderType xmlns="bbcd8c33-6940-4d4c-a587-bbc736ca1e4d" xsi:nil="true"/>
+    <CultureName xmlns="bbcd8c33-6940-4d4c-a587-bbc736ca1e4d" xsi:nil="true"/>
+  </documentManagement>
+</p:properties>
+</file>
+
+<file path=customXml/item3.xml><?xml version="1.0" encoding="utf-8"?>
+<?mso-contentType ?>
+<FormTemplates xmlns="http://schemas.microsoft.com/sharepoint/v3/contenttype/forms">
+  <Display>DocumentLibraryForm</Display>
+  <Edit>DocumentLibraryForm</Edit>
+  <New>DocumentLibraryForm</New>
+</FormTemplates>
+</file>
+
 <file path=customXml/itemProps1.xml><?xml version="1.0" encoding="utf-8"?>
+<ds:datastoreItem xmlns:ds="http://schemas.openxmlformats.org/officeDocument/2006/customXml" ds:itemID="{3BE6CAF6-1F55-4A70-B10C-21633F74987A}">
+  <ds:schemaRefs>
+    <ds:schemaRef ds:uri="http://schemas.microsoft.com/office/2006/metadata/contentType"/>
+    <ds:schemaRef ds:uri="http://schemas.microsoft.com/office/2006/metadata/properties/metaAttributes"/>
+    <ds:schemaRef ds:uri="http://www.w3.org/2001/XMLSchema"/>
+    <ds:schemaRef ds:uri="http://schemas.microsoft.com/office/2006/metadata/properties"/>
+    <ds:schemaRef ds:uri="4327b14a-fe89-488e-9f6d-9658cacf372b"/>
+    <ds:schemaRef ds:uri="bbcd8c33-6940-4d4c-a587-bbc736ca1e4d"/>
+    <ds:schemaRef ds:uri="http://schemas.microsoft.com/office/2006/documentManagement/types"/>
+    <ds:schemaRef ds:uri="http://schemas.microsoft.com/office/infopath/2007/PartnerControls"/>
+    <ds:schemaRef ds:uri="http://schemas.openxmlformats.org/package/2006/metadata/core-properties"/>
+    <ds:schemaRef ds:uri="http://purl.org/dc/elements/1.1/"/>
+    <ds:schemaRef ds:uri="http://purl.org/dc/terms/"/>
+    <ds:schemaRef ds:uri="http://schemas.microsoft.com/internal/obd"/>
+  </ds:schemaRefs>
+</ds:datastoreItem>
+</file>
+
+<file path=customXml/itemProps2.xml><?xml version="1.0" encoding="utf-8"?>
 <ds:datastoreItem xmlns:ds="http://schemas.openxmlformats.org/officeDocument/2006/customXml" ds:itemID="{4B31267F-D399-4A8A-87F8-B75F56828412}">
   <ds:schemaRefs>
     <ds:schemaRef ds:uri="http://www.w3.org/XML/1998/namespace"/>
@@ -31492,29 +33338,10 @@
 </ds:datastoreItem>
 </file>
 
-<file path=customXml/itemProps2.xml><?xml version="1.0" encoding="utf-8"?>
+<file path=customXml/itemProps3.xml><?xml version="1.0" encoding="utf-8"?>
 <ds:datastoreItem xmlns:ds="http://schemas.openxmlformats.org/officeDocument/2006/customXml" ds:itemID="{E2481852-F24E-4532-AF30-C154D705D105}">
   <ds:schemaRefs>
     <ds:schemaRef ds:uri="http://schemas.microsoft.com/sharepoint/v3/contenttype/forms"/>
   </ds:schemaRefs>
 </ds:datastoreItem>
-</file>
-
-<file path=customXml/itemProps3.xml><?xml version="1.0" encoding="utf-8"?>
-<ds:datastoreItem xmlns:ds="http://schemas.openxmlformats.org/officeDocument/2006/customXml" ds:itemID="{3BE6CAF6-1F55-4A70-B10C-21633F74987A}">
-  <ds:schemaRefs>
-    <ds:schemaRef ds:uri="http://schemas.microsoft.com/office/2006/metadata/contentType"/>
-    <ds:schemaRef ds:uri="http://schemas.microsoft.com/office/2006/metadata/properties/metaAttributes"/>
-    <ds:schemaRef ds:uri="http://www.w3.org/2001/XMLSchema"/>
-    <ds:schemaRef ds:uri="http://schemas.microsoft.com/office/2006/metadata/properties"/>
-    <ds:schemaRef ds:uri="4327b14a-fe89-488e-9f6d-9658cacf372b"/>
-    <ds:schemaRef ds:uri="bbcd8c33-6940-4d4c-a587-bbc736ca1e4d"/>
-    <ds:schemaRef ds:uri="http://schemas.microsoft.com/office/2006/documentManagement/types"/>
-    <ds:schemaRef ds:uri="http://schemas.microsoft.com/office/infopath/2007/PartnerControls"/>
-    <ds:schemaRef ds:uri="http://schemas.openxmlformats.org/package/2006/metadata/core-properties"/>
-    <ds:schemaRef ds:uri="http://purl.org/dc/elements/1.1/"/>
-    <ds:schemaRef ds:uri="http://purl.org/dc/terms/"/>
-    <ds:schemaRef ds:uri="http://schemas.microsoft.com/internal/obd"/>
-  </ds:schemaRefs>
-</ds:datastoreItem>
 </file>
--- a/Documentação/Status_Report/Mod_Status_Report-PI20202.pptx
+++ b/Documentação/Status_Report/Mod_Status_Report-PI20202.pptx
@@ -7,10 +7,10 @@
     <p:sldMasterId id="2147483665" r:id="rId6"/>
   </p:sldMasterIdLst>
   <p:notesMasterIdLst>
-    <p:notesMasterId r:id="rId13"/>
+    <p:notesMasterId r:id="rId15"/>
   </p:notesMasterIdLst>
   <p:handoutMasterIdLst>
-    <p:handoutMasterId r:id="rId14"/>
+    <p:handoutMasterId r:id="rId16"/>
   </p:handoutMasterIdLst>
   <p:sldIdLst>
     <p:sldId id="256" r:id="rId7"/>
@@ -19,6 +19,8 @@
     <p:sldId id="472" r:id="rId10"/>
     <p:sldId id="473" r:id="rId11"/>
     <p:sldId id="474" r:id="rId12"/>
+    <p:sldId id="475" r:id="rId13"/>
+    <p:sldId id="476" r:id="rId14"/>
   </p:sldIdLst>
   <p:sldSz cx="13442950" cy="7561263"/>
   <p:notesSz cx="7104063" cy="10234613"/>
@@ -132,6 +134,8 @@
             <p14:sldId id="472"/>
             <p14:sldId id="473"/>
             <p14:sldId id="474"/>
+            <p14:sldId id="475"/>
+            <p14:sldId id="476"/>
           </p14:sldIdLst>
         </p14:section>
       </p14:sectionLst>
@@ -1214,7 +1218,7 @@
             <a:fld id="{C3CD65D1-5C11-455D-9F9A-0E035F00A0DA}" type="datetimeFigureOut">
               <a:rPr lang="pt-BR" smtClean="0"/>
               <a:pPr/>
-              <a:t>25/03/2021</a:t>
+              <a:t>07/04/2021</a:t>
             </a:fld>
             <a:endParaRPr lang="pt-BR"/>
           </a:p>
@@ -1382,7 +1386,7 @@
             <a:fld id="{A05DA3EF-18EA-43DE-B1BB-402A3C558822}" type="datetimeFigureOut">
               <a:rPr lang="pt-BR" smtClean="0"/>
               <a:pPr/>
-              <a:t>25/03/2021</a:t>
+              <a:t>07/04/2021</a:t>
             </a:fld>
             <a:endParaRPr lang="pt-BR"/>
           </a:p>
@@ -2101,6 +2105,192 @@
     <p:extLst>
       <p:ext uri="{BB962C8B-B14F-4D97-AF65-F5344CB8AC3E}">
         <p14:creationId xmlns:p14="http://schemas.microsoft.com/office/powerpoint/2010/main" val="3058809985"/>
+      </p:ext>
+    </p:extLst>
+  </p:cSld>
+  <p:clrMapOvr>
+    <a:masterClrMapping/>
+  </p:clrMapOvr>
+</p:notes>
+</file>
+
+<file path=ppt/notesSlides/notesSlide6.xml><?xml version="1.0" encoding="utf-8"?>
+<p:notes xmlns:a="http://schemas.openxmlformats.org/drawingml/2006/main" xmlns:r="http://schemas.openxmlformats.org/officeDocument/2006/relationships" xmlns:p="http://schemas.openxmlformats.org/presentationml/2006/main">
+  <p:cSld>
+    <p:spTree>
+      <p:nvGrpSpPr>
+        <p:cNvPr id="1" name=""/>
+        <p:cNvGrpSpPr/>
+        <p:nvPr/>
+      </p:nvGrpSpPr>
+      <p:grpSpPr>
+        <a:xfrm>
+          <a:off x="0" y="0"/>
+          <a:ext cx="0" cy="0"/>
+          <a:chOff x="0" y="0"/>
+          <a:chExt cx="0" cy="0"/>
+        </a:xfrm>
+      </p:grpSpPr>
+      <p:sp>
+        <p:nvSpPr>
+          <p:cNvPr id="2" name="Slide Image Placeholder 1"/>
+          <p:cNvSpPr>
+            <a:spLocks noGrp="1" noRot="1" noChangeAspect="1"/>
+          </p:cNvSpPr>
+          <p:nvPr>
+            <p:ph type="sldImg"/>
+          </p:nvPr>
+        </p:nvSpPr>
+        <p:spPr/>
+      </p:sp>
+      <p:sp>
+        <p:nvSpPr>
+          <p:cNvPr id="3" name="Notes Placeholder 2"/>
+          <p:cNvSpPr>
+            <a:spLocks noGrp="1"/>
+          </p:cNvSpPr>
+          <p:nvPr>
+            <p:ph type="body" idx="1"/>
+          </p:nvPr>
+        </p:nvSpPr>
+        <p:spPr/>
+        <p:txBody>
+          <a:bodyPr/>
+          <a:lstStyle/>
+          <a:p>
+            <a:endParaRPr lang="en-US"/>
+          </a:p>
+        </p:txBody>
+      </p:sp>
+      <p:sp>
+        <p:nvSpPr>
+          <p:cNvPr id="4" name="Slide Number Placeholder 3"/>
+          <p:cNvSpPr>
+            <a:spLocks noGrp="1"/>
+          </p:cNvSpPr>
+          <p:nvPr>
+            <p:ph type="sldNum" sz="quarter" idx="10"/>
+          </p:nvPr>
+        </p:nvSpPr>
+        <p:spPr/>
+        <p:txBody>
+          <a:bodyPr/>
+          <a:lstStyle/>
+          <a:p>
+            <a:fld id="{B39AF3DB-B6A1-2444-9DD8-53D016F8E638}" type="slidenum">
+              <a:rPr lang="pt-BR" smtClean="0">
+                <a:solidFill>
+                  <a:prstClr val="black"/>
+                </a:solidFill>
+              </a:rPr>
+              <a:pPr/>
+              <a:t>7</a:t>
+            </a:fld>
+            <a:endParaRPr lang="pt-BR">
+              <a:solidFill>
+                <a:prstClr val="black"/>
+              </a:solidFill>
+            </a:endParaRPr>
+          </a:p>
+        </p:txBody>
+      </p:sp>
+    </p:spTree>
+    <p:extLst>
+      <p:ext uri="{BB962C8B-B14F-4D97-AF65-F5344CB8AC3E}">
+        <p14:creationId xmlns:p14="http://schemas.microsoft.com/office/powerpoint/2010/main" val="2012847197"/>
+      </p:ext>
+    </p:extLst>
+  </p:cSld>
+  <p:clrMapOvr>
+    <a:masterClrMapping/>
+  </p:clrMapOvr>
+</p:notes>
+</file>
+
+<file path=ppt/notesSlides/notesSlide7.xml><?xml version="1.0" encoding="utf-8"?>
+<p:notes xmlns:a="http://schemas.openxmlformats.org/drawingml/2006/main" xmlns:r="http://schemas.openxmlformats.org/officeDocument/2006/relationships" xmlns:p="http://schemas.openxmlformats.org/presentationml/2006/main">
+  <p:cSld>
+    <p:spTree>
+      <p:nvGrpSpPr>
+        <p:cNvPr id="1" name=""/>
+        <p:cNvGrpSpPr/>
+        <p:nvPr/>
+      </p:nvGrpSpPr>
+      <p:grpSpPr>
+        <a:xfrm>
+          <a:off x="0" y="0"/>
+          <a:ext cx="0" cy="0"/>
+          <a:chOff x="0" y="0"/>
+          <a:chExt cx="0" cy="0"/>
+        </a:xfrm>
+      </p:grpSpPr>
+      <p:sp>
+        <p:nvSpPr>
+          <p:cNvPr id="2" name="Slide Image Placeholder 1"/>
+          <p:cNvSpPr>
+            <a:spLocks noGrp="1" noRot="1" noChangeAspect="1"/>
+          </p:cNvSpPr>
+          <p:nvPr>
+            <p:ph type="sldImg"/>
+          </p:nvPr>
+        </p:nvSpPr>
+        <p:spPr/>
+      </p:sp>
+      <p:sp>
+        <p:nvSpPr>
+          <p:cNvPr id="3" name="Notes Placeholder 2"/>
+          <p:cNvSpPr>
+            <a:spLocks noGrp="1"/>
+          </p:cNvSpPr>
+          <p:nvPr>
+            <p:ph type="body" idx="1"/>
+          </p:nvPr>
+        </p:nvSpPr>
+        <p:spPr/>
+        <p:txBody>
+          <a:bodyPr/>
+          <a:lstStyle/>
+          <a:p>
+            <a:endParaRPr lang="en-US"/>
+          </a:p>
+        </p:txBody>
+      </p:sp>
+      <p:sp>
+        <p:nvSpPr>
+          <p:cNvPr id="4" name="Slide Number Placeholder 3"/>
+          <p:cNvSpPr>
+            <a:spLocks noGrp="1"/>
+          </p:cNvSpPr>
+          <p:nvPr>
+            <p:ph type="sldNum" sz="quarter" idx="10"/>
+          </p:nvPr>
+        </p:nvSpPr>
+        <p:spPr/>
+        <p:txBody>
+          <a:bodyPr/>
+          <a:lstStyle/>
+          <a:p>
+            <a:fld id="{B39AF3DB-B6A1-2444-9DD8-53D016F8E638}" type="slidenum">
+              <a:rPr lang="pt-BR" smtClean="0">
+                <a:solidFill>
+                  <a:prstClr val="black"/>
+                </a:solidFill>
+              </a:rPr>
+              <a:pPr/>
+              <a:t>8</a:t>
+            </a:fld>
+            <a:endParaRPr lang="pt-BR">
+              <a:solidFill>
+                <a:prstClr val="black"/>
+              </a:solidFill>
+            </a:endParaRPr>
+          </a:p>
+        </p:txBody>
+      </p:sp>
+    </p:spTree>
+    <p:extLst>
+      <p:ext uri="{BB962C8B-B14F-4D97-AF65-F5344CB8AC3E}">
+        <p14:creationId xmlns:p14="http://schemas.microsoft.com/office/powerpoint/2010/main" val="3729790817"/>
       </p:ext>
     </p:extLst>
   </p:cSld>
@@ -31357,6 +31547,3315 @@
     <p:extLst>
       <p:ext uri="{BB962C8B-B14F-4D97-AF65-F5344CB8AC3E}">
         <p14:creationId xmlns:p14="http://schemas.microsoft.com/office/powerpoint/2010/main" val="237637447"/>
+      </p:ext>
+    </p:extLst>
+  </p:cSld>
+  <p:clrMapOvr>
+    <a:masterClrMapping/>
+  </p:clrMapOvr>
+</p:sld>
+</file>
+
+<file path=ppt/slides/slide7.xml><?xml version="1.0" encoding="utf-8"?>
+<p:sld xmlns:a="http://schemas.openxmlformats.org/drawingml/2006/main" xmlns:r="http://schemas.openxmlformats.org/officeDocument/2006/relationships" xmlns:p="http://schemas.openxmlformats.org/presentationml/2006/main">
+  <p:cSld>
+    <p:spTree>
+      <p:nvGrpSpPr>
+        <p:cNvPr id="1" name=""/>
+        <p:cNvGrpSpPr/>
+        <p:nvPr/>
+      </p:nvGrpSpPr>
+      <p:grpSpPr>
+        <a:xfrm>
+          <a:off x="0" y="0"/>
+          <a:ext cx="0" cy="0"/>
+          <a:chOff x="0" y="0"/>
+          <a:chExt cx="0" cy="0"/>
+        </a:xfrm>
+      </p:grpSpPr>
+      <p:sp>
+        <p:nvSpPr>
+          <p:cNvPr id="43" name="Rectangle 42"/>
+          <p:cNvSpPr/>
+          <p:nvPr/>
+        </p:nvSpPr>
+        <p:spPr>
+          <a:xfrm>
+            <a:off x="7810905" y="1369526"/>
+            <a:ext cx="5351116" cy="2095826"/>
+          </a:xfrm>
+          <a:prstGeom prst="rect">
+            <a:avLst/>
+          </a:prstGeom>
+          <a:noFill/>
+          <a:ln w="12700">
+            <a:solidFill>
+              <a:schemeClr val="bg1">
+                <a:lumMod val="50000"/>
+              </a:schemeClr>
+            </a:solidFill>
+          </a:ln>
+        </p:spPr>
+        <p:style>
+          <a:lnRef idx="2">
+            <a:schemeClr val="accent4"/>
+          </a:lnRef>
+          <a:fillRef idx="1">
+            <a:schemeClr val="lt1"/>
+          </a:fillRef>
+          <a:effectRef idx="0">
+            <a:schemeClr val="accent4"/>
+          </a:effectRef>
+          <a:fontRef idx="minor">
+            <a:schemeClr val="dk1"/>
+          </a:fontRef>
+        </p:style>
+        <p:txBody>
+          <a:bodyPr tIns="105844" rtlCol="0" anchor="t"/>
+          <a:lstStyle/>
+          <a:p>
+            <a:pPr defTabSz="672130">
+              <a:spcAft>
+                <a:spcPts val="882"/>
+              </a:spcAft>
+            </a:pPr>
+            <a:endParaRPr lang="pt-BR" sz="1470" dirty="0">
+              <a:solidFill>
+                <a:schemeClr val="tx1"/>
+              </a:solidFill>
+              <a:latin typeface="Calibri" panose="020F0502020204030204" pitchFamily="34" charset="0"/>
+              <a:cs typeface="Simplon BP Regular"/>
+            </a:endParaRPr>
+          </a:p>
+        </p:txBody>
+      </p:sp>
+      <p:sp>
+        <p:nvSpPr>
+          <p:cNvPr id="3" name="Title 2"/>
+          <p:cNvSpPr>
+            <a:spLocks noGrp="1"/>
+          </p:cNvSpPr>
+          <p:nvPr>
+            <p:ph type="title"/>
+          </p:nvPr>
+        </p:nvSpPr>
+        <p:spPr>
+          <a:xfrm>
+            <a:off x="469692" y="185232"/>
+            <a:ext cx="12098020" cy="800352"/>
+          </a:xfrm>
+        </p:spPr>
+        <p:txBody>
+          <a:bodyPr vert="horz" wrap="square" lIns="105844" tIns="0" rIns="105844" bIns="0" numCol="1" anchor="t" anchorCtr="0" compatLnSpc="1">
+            <a:prstTxWarp prst="textNoShape">
+              <a:avLst/>
+            </a:prstTxWarp>
+            <a:noAutofit/>
+          </a:bodyPr>
+          <a:lstStyle/>
+          <a:p>
+            <a:pPr algn="l">
+              <a:spcAft>
+                <a:spcPts val="882"/>
+              </a:spcAft>
+            </a:pPr>
+            <a:r>
+              <a:rPr lang="en-US" sz="2646" dirty="0">
+                <a:solidFill>
+                  <a:prstClr val="black"/>
+                </a:solidFill>
+                <a:latin typeface="Simplon Oi Headline"/>
+                <a:cs typeface="Simplon Oi Headline"/>
+              </a:rPr>
+              <a:t>SEMANA 5 – 25/03/2021</a:t>
+            </a:r>
+          </a:p>
+        </p:txBody>
+      </p:sp>
+      <p:sp>
+        <p:nvSpPr>
+          <p:cNvPr id="78" name="TextBox 118"/>
+          <p:cNvSpPr txBox="1"/>
+          <p:nvPr/>
+        </p:nvSpPr>
+        <p:spPr>
+          <a:xfrm>
+            <a:off x="11822773" y="576471"/>
+            <a:ext cx="899678" cy="179824"/>
+          </a:xfrm>
+          <a:prstGeom prst="rect">
+            <a:avLst/>
+          </a:prstGeom>
+          <a:noFill/>
+          <a:ln w="12700">
+            <a:noFill/>
+          </a:ln>
+        </p:spPr>
+        <p:style>
+          <a:lnRef idx="2">
+            <a:schemeClr val="accent4"/>
+          </a:lnRef>
+          <a:fillRef idx="1">
+            <a:schemeClr val="lt1"/>
+          </a:fillRef>
+          <a:effectRef idx="0">
+            <a:schemeClr val="accent4"/>
+          </a:effectRef>
+          <a:fontRef idx="minor">
+            <a:schemeClr val="dk1"/>
+          </a:fontRef>
+        </p:style>
+        <p:txBody>
+          <a:bodyPr wrap="none" lIns="52922" tIns="52922" rIns="52922" bIns="0" rtlCol="0" anchor="b"/>
+          <a:lstStyle>
+            <a:defPPr>
+              <a:defRPr lang="en-US"/>
+            </a:defPPr>
+            <a:lvl1pPr algn="ctr">
+              <a:defRPr sz="1000" b="1">
+                <a:latin typeface="Simplon BP Regular"/>
+                <a:cs typeface="Simplon BP Regular"/>
+              </a:defRPr>
+            </a:lvl1pPr>
+            <a:lvl2pPr>
+              <a:defRPr>
+                <a:solidFill>
+                  <a:schemeClr val="dk1"/>
+                </a:solidFill>
+              </a:defRPr>
+            </a:lvl2pPr>
+            <a:lvl3pPr>
+              <a:defRPr>
+                <a:solidFill>
+                  <a:schemeClr val="dk1"/>
+                </a:solidFill>
+              </a:defRPr>
+            </a:lvl3pPr>
+            <a:lvl4pPr>
+              <a:defRPr>
+                <a:solidFill>
+                  <a:schemeClr val="dk1"/>
+                </a:solidFill>
+              </a:defRPr>
+            </a:lvl4pPr>
+            <a:lvl5pPr>
+              <a:defRPr>
+                <a:solidFill>
+                  <a:schemeClr val="dk1"/>
+                </a:solidFill>
+              </a:defRPr>
+            </a:lvl5pPr>
+            <a:lvl6pPr>
+              <a:defRPr>
+                <a:solidFill>
+                  <a:schemeClr val="dk1"/>
+                </a:solidFill>
+              </a:defRPr>
+            </a:lvl6pPr>
+            <a:lvl7pPr>
+              <a:defRPr>
+                <a:solidFill>
+                  <a:schemeClr val="dk1"/>
+                </a:solidFill>
+              </a:defRPr>
+            </a:lvl7pPr>
+            <a:lvl8pPr>
+              <a:defRPr>
+                <a:solidFill>
+                  <a:schemeClr val="dk1"/>
+                </a:solidFill>
+              </a:defRPr>
+            </a:lvl8pPr>
+            <a:lvl9pPr>
+              <a:defRPr>
+                <a:solidFill>
+                  <a:schemeClr val="dk1"/>
+                </a:solidFill>
+              </a:defRPr>
+            </a:lvl9pPr>
+          </a:lstStyle>
+          <a:p>
+            <a:pPr defTabSz="672130"/>
+            <a:r>
+              <a:rPr lang="pt-BR" sz="1176" b="0" dirty="0">
+                <a:solidFill>
+                  <a:prstClr val="black"/>
+                </a:solidFill>
+                <a:latin typeface="Simplon BP Bold" pitchFamily="2" charset="0"/>
+              </a:rPr>
+              <a:t>Negócios</a:t>
+            </a:r>
+          </a:p>
+        </p:txBody>
+      </p:sp>
+      <p:sp>
+        <p:nvSpPr>
+          <p:cNvPr id="80" name="TextBox 123"/>
+          <p:cNvSpPr txBox="1"/>
+          <p:nvPr/>
+        </p:nvSpPr>
+        <p:spPr>
+          <a:xfrm>
+            <a:off x="10902774" y="589543"/>
+            <a:ext cx="899678" cy="179824"/>
+          </a:xfrm>
+          <a:prstGeom prst="rect">
+            <a:avLst/>
+          </a:prstGeom>
+          <a:noFill/>
+          <a:ln w="12700">
+            <a:noFill/>
+          </a:ln>
+        </p:spPr>
+        <p:style>
+          <a:lnRef idx="2">
+            <a:schemeClr val="accent4"/>
+          </a:lnRef>
+          <a:fillRef idx="1">
+            <a:schemeClr val="lt1"/>
+          </a:fillRef>
+          <a:effectRef idx="0">
+            <a:schemeClr val="accent4"/>
+          </a:effectRef>
+          <a:fontRef idx="minor">
+            <a:schemeClr val="dk1"/>
+          </a:fontRef>
+        </p:style>
+        <p:txBody>
+          <a:bodyPr wrap="none" lIns="52922" tIns="52922" rIns="52922" bIns="0" rtlCol="0" anchor="b"/>
+          <a:lstStyle>
+            <a:defPPr>
+              <a:defRPr lang="en-US"/>
+            </a:defPPr>
+            <a:lvl1pPr algn="ctr">
+              <a:defRPr sz="1000" b="1">
+                <a:latin typeface="Simplon BP Regular"/>
+                <a:cs typeface="Simplon BP Regular"/>
+              </a:defRPr>
+            </a:lvl1pPr>
+            <a:lvl2pPr>
+              <a:defRPr>
+                <a:solidFill>
+                  <a:schemeClr val="dk1"/>
+                </a:solidFill>
+              </a:defRPr>
+            </a:lvl2pPr>
+            <a:lvl3pPr>
+              <a:defRPr>
+                <a:solidFill>
+                  <a:schemeClr val="dk1"/>
+                </a:solidFill>
+              </a:defRPr>
+            </a:lvl3pPr>
+            <a:lvl4pPr>
+              <a:defRPr>
+                <a:solidFill>
+                  <a:schemeClr val="dk1"/>
+                </a:solidFill>
+              </a:defRPr>
+            </a:lvl4pPr>
+            <a:lvl5pPr>
+              <a:defRPr>
+                <a:solidFill>
+                  <a:schemeClr val="dk1"/>
+                </a:solidFill>
+              </a:defRPr>
+            </a:lvl5pPr>
+            <a:lvl6pPr>
+              <a:defRPr>
+                <a:solidFill>
+                  <a:schemeClr val="dk1"/>
+                </a:solidFill>
+              </a:defRPr>
+            </a:lvl6pPr>
+            <a:lvl7pPr>
+              <a:defRPr>
+                <a:solidFill>
+                  <a:schemeClr val="dk1"/>
+                </a:solidFill>
+              </a:defRPr>
+            </a:lvl7pPr>
+            <a:lvl8pPr>
+              <a:defRPr>
+                <a:solidFill>
+                  <a:schemeClr val="dk1"/>
+                </a:solidFill>
+              </a:defRPr>
+            </a:lvl8pPr>
+            <a:lvl9pPr>
+              <a:defRPr>
+                <a:solidFill>
+                  <a:schemeClr val="dk1"/>
+                </a:solidFill>
+              </a:defRPr>
+            </a:lvl9pPr>
+          </a:lstStyle>
+          <a:p>
+            <a:pPr defTabSz="672130"/>
+            <a:r>
+              <a:rPr lang="pt-BR" sz="1176" b="0" dirty="0">
+                <a:solidFill>
+                  <a:prstClr val="black"/>
+                </a:solidFill>
+                <a:latin typeface="Simplon BP Bold" pitchFamily="2" charset="0"/>
+              </a:rPr>
+              <a:t>Plataforma</a:t>
+            </a:r>
+          </a:p>
+        </p:txBody>
+      </p:sp>
+      <p:sp>
+        <p:nvSpPr>
+          <p:cNvPr id="82" name="TextBox 128"/>
+          <p:cNvSpPr txBox="1"/>
+          <p:nvPr/>
+        </p:nvSpPr>
+        <p:spPr>
+          <a:xfrm>
+            <a:off x="9844897" y="576471"/>
+            <a:ext cx="899678" cy="179824"/>
+          </a:xfrm>
+          <a:prstGeom prst="rect">
+            <a:avLst/>
+          </a:prstGeom>
+          <a:noFill/>
+          <a:ln w="12700">
+            <a:noFill/>
+          </a:ln>
+        </p:spPr>
+        <p:style>
+          <a:lnRef idx="2">
+            <a:schemeClr val="accent4"/>
+          </a:lnRef>
+          <a:fillRef idx="1">
+            <a:schemeClr val="lt1"/>
+          </a:fillRef>
+          <a:effectRef idx="0">
+            <a:schemeClr val="accent4"/>
+          </a:effectRef>
+          <a:fontRef idx="minor">
+            <a:schemeClr val="dk1"/>
+          </a:fontRef>
+        </p:style>
+        <p:txBody>
+          <a:bodyPr wrap="none" lIns="52922" tIns="52922" rIns="52922" bIns="0" rtlCol="0" anchor="b"/>
+          <a:lstStyle>
+            <a:defPPr>
+              <a:defRPr lang="en-US"/>
+            </a:defPPr>
+            <a:lvl1pPr algn="ctr">
+              <a:defRPr sz="1000" b="1">
+                <a:latin typeface="Simplon BP Regular"/>
+                <a:cs typeface="Simplon BP Regular"/>
+              </a:defRPr>
+            </a:lvl1pPr>
+            <a:lvl2pPr>
+              <a:defRPr>
+                <a:solidFill>
+                  <a:schemeClr val="dk1"/>
+                </a:solidFill>
+              </a:defRPr>
+            </a:lvl2pPr>
+            <a:lvl3pPr>
+              <a:defRPr>
+                <a:solidFill>
+                  <a:schemeClr val="dk1"/>
+                </a:solidFill>
+              </a:defRPr>
+            </a:lvl3pPr>
+            <a:lvl4pPr>
+              <a:defRPr>
+                <a:solidFill>
+                  <a:schemeClr val="dk1"/>
+                </a:solidFill>
+              </a:defRPr>
+            </a:lvl4pPr>
+            <a:lvl5pPr>
+              <a:defRPr>
+                <a:solidFill>
+                  <a:schemeClr val="dk1"/>
+                </a:solidFill>
+              </a:defRPr>
+            </a:lvl5pPr>
+            <a:lvl6pPr>
+              <a:defRPr>
+                <a:solidFill>
+                  <a:schemeClr val="dk1"/>
+                </a:solidFill>
+              </a:defRPr>
+            </a:lvl6pPr>
+            <a:lvl7pPr>
+              <a:defRPr>
+                <a:solidFill>
+                  <a:schemeClr val="dk1"/>
+                </a:solidFill>
+              </a:defRPr>
+            </a:lvl7pPr>
+            <a:lvl8pPr>
+              <a:defRPr>
+                <a:solidFill>
+                  <a:schemeClr val="dk1"/>
+                </a:solidFill>
+              </a:defRPr>
+            </a:lvl8pPr>
+            <a:lvl9pPr>
+              <a:defRPr>
+                <a:solidFill>
+                  <a:schemeClr val="dk1"/>
+                </a:solidFill>
+              </a:defRPr>
+            </a:lvl9pPr>
+          </a:lstStyle>
+          <a:p>
+            <a:pPr defTabSz="672130"/>
+            <a:r>
+              <a:rPr lang="pt-BR" sz="1176" b="0" dirty="0">
+                <a:solidFill>
+                  <a:prstClr val="black"/>
+                </a:solidFill>
+                <a:latin typeface="Simplon BP Bold" pitchFamily="2" charset="0"/>
+              </a:rPr>
+              <a:t>Back</a:t>
+            </a:r>
+          </a:p>
+        </p:txBody>
+      </p:sp>
+      <p:sp>
+        <p:nvSpPr>
+          <p:cNvPr id="84" name="TextBox 133"/>
+          <p:cNvSpPr txBox="1"/>
+          <p:nvPr/>
+        </p:nvSpPr>
+        <p:spPr>
+          <a:xfrm>
+            <a:off x="8934246" y="576471"/>
+            <a:ext cx="899678" cy="179824"/>
+          </a:xfrm>
+          <a:prstGeom prst="rect">
+            <a:avLst/>
+          </a:prstGeom>
+          <a:noFill/>
+          <a:ln w="12700">
+            <a:noFill/>
+          </a:ln>
+        </p:spPr>
+        <p:style>
+          <a:lnRef idx="2">
+            <a:schemeClr val="accent4"/>
+          </a:lnRef>
+          <a:fillRef idx="1">
+            <a:schemeClr val="lt1"/>
+          </a:fillRef>
+          <a:effectRef idx="0">
+            <a:schemeClr val="accent4"/>
+          </a:effectRef>
+          <a:fontRef idx="minor">
+            <a:schemeClr val="dk1"/>
+          </a:fontRef>
+        </p:style>
+        <p:txBody>
+          <a:bodyPr wrap="none" lIns="52922" tIns="52922" rIns="52922" bIns="0" rtlCol="0" anchor="b"/>
+          <a:lstStyle>
+            <a:defPPr>
+              <a:defRPr lang="en-US"/>
+            </a:defPPr>
+            <a:lvl1pPr algn="ctr">
+              <a:defRPr sz="1000" b="1">
+                <a:latin typeface="Simplon BP Regular"/>
+                <a:cs typeface="Simplon BP Regular"/>
+              </a:defRPr>
+            </a:lvl1pPr>
+            <a:lvl2pPr>
+              <a:defRPr>
+                <a:solidFill>
+                  <a:schemeClr val="dk1"/>
+                </a:solidFill>
+              </a:defRPr>
+            </a:lvl2pPr>
+            <a:lvl3pPr>
+              <a:defRPr>
+                <a:solidFill>
+                  <a:schemeClr val="dk1"/>
+                </a:solidFill>
+              </a:defRPr>
+            </a:lvl3pPr>
+            <a:lvl4pPr>
+              <a:defRPr>
+                <a:solidFill>
+                  <a:schemeClr val="dk1"/>
+                </a:solidFill>
+              </a:defRPr>
+            </a:lvl4pPr>
+            <a:lvl5pPr>
+              <a:defRPr>
+                <a:solidFill>
+                  <a:schemeClr val="dk1"/>
+                </a:solidFill>
+              </a:defRPr>
+            </a:lvl5pPr>
+            <a:lvl6pPr>
+              <a:defRPr>
+                <a:solidFill>
+                  <a:schemeClr val="dk1"/>
+                </a:solidFill>
+              </a:defRPr>
+            </a:lvl6pPr>
+            <a:lvl7pPr>
+              <a:defRPr>
+                <a:solidFill>
+                  <a:schemeClr val="dk1"/>
+                </a:solidFill>
+              </a:defRPr>
+            </a:lvl7pPr>
+            <a:lvl8pPr>
+              <a:defRPr>
+                <a:solidFill>
+                  <a:schemeClr val="dk1"/>
+                </a:solidFill>
+              </a:defRPr>
+            </a:lvl8pPr>
+            <a:lvl9pPr>
+              <a:defRPr>
+                <a:solidFill>
+                  <a:schemeClr val="dk1"/>
+                </a:solidFill>
+              </a:defRPr>
+            </a:lvl9pPr>
+          </a:lstStyle>
+          <a:p>
+            <a:pPr defTabSz="672130"/>
+            <a:r>
+              <a:rPr lang="pt-BR" sz="1176" b="0" dirty="0">
+                <a:solidFill>
+                  <a:prstClr val="black"/>
+                </a:solidFill>
+                <a:latin typeface="Simplon BP Bold" pitchFamily="2" charset="0"/>
+              </a:rPr>
+              <a:t>Front</a:t>
+            </a:r>
+          </a:p>
+        </p:txBody>
+      </p:sp>
+      <p:sp>
+        <p:nvSpPr>
+          <p:cNvPr id="88" name="Oval 134"/>
+          <p:cNvSpPr>
+            <a:spLocks noChangeAspect="1"/>
+          </p:cNvSpPr>
+          <p:nvPr/>
+        </p:nvSpPr>
+        <p:spPr>
+          <a:xfrm>
+            <a:off x="8470074" y="341965"/>
+            <a:ext cx="211404" cy="211689"/>
+          </a:xfrm>
+          <a:prstGeom prst="ellipse">
+            <a:avLst/>
+          </a:prstGeom>
+          <a:solidFill>
+            <a:srgbClr val="1BCF13"/>
+          </a:solidFill>
+          <a:ln w="12700">
+            <a:solidFill>
+              <a:schemeClr val="accent3"/>
+            </a:solidFill>
+          </a:ln>
+        </p:spPr>
+        <p:style>
+          <a:lnRef idx="2">
+            <a:schemeClr val="accent1">
+              <a:shade val="50000"/>
+            </a:schemeClr>
+          </a:lnRef>
+          <a:fillRef idx="1">
+            <a:schemeClr val="accent1"/>
+          </a:fillRef>
+          <a:effectRef idx="0">
+            <a:schemeClr val="accent1"/>
+          </a:effectRef>
+          <a:fontRef idx="minor">
+            <a:schemeClr val="lt1"/>
+          </a:fontRef>
+        </p:style>
+        <p:txBody>
+          <a:bodyPr wrap="none" lIns="52922" tIns="52922" rIns="52922" rtlCol="0" anchor="ctr"/>
+          <a:lstStyle/>
+          <a:p>
+            <a:pPr algn="ctr" defTabSz="672130"/>
+            <a:endParaRPr lang="en-US" sz="1176" dirty="0">
+              <a:solidFill>
+                <a:prstClr val="black"/>
+              </a:solidFill>
+              <a:latin typeface="Simplon BP Regular"/>
+              <a:cs typeface="Simplon BP Regular"/>
+            </a:endParaRPr>
+          </a:p>
+        </p:txBody>
+      </p:sp>
+      <p:sp>
+        <p:nvSpPr>
+          <p:cNvPr id="86" name="TextBox 138"/>
+          <p:cNvSpPr txBox="1"/>
+          <p:nvPr/>
+        </p:nvSpPr>
+        <p:spPr>
+          <a:xfrm>
+            <a:off x="8126053" y="576471"/>
+            <a:ext cx="899678" cy="179824"/>
+          </a:xfrm>
+          <a:prstGeom prst="rect">
+            <a:avLst/>
+          </a:prstGeom>
+          <a:noFill/>
+          <a:ln w="12700">
+            <a:noFill/>
+          </a:ln>
+        </p:spPr>
+        <p:style>
+          <a:lnRef idx="2">
+            <a:schemeClr val="accent4"/>
+          </a:lnRef>
+          <a:fillRef idx="1">
+            <a:schemeClr val="lt1"/>
+          </a:fillRef>
+          <a:effectRef idx="0">
+            <a:schemeClr val="accent4"/>
+          </a:effectRef>
+          <a:fontRef idx="minor">
+            <a:schemeClr val="dk1"/>
+          </a:fontRef>
+        </p:style>
+        <p:txBody>
+          <a:bodyPr wrap="none" lIns="52922" tIns="52922" rIns="52922" bIns="0" rtlCol="0" anchor="b"/>
+          <a:lstStyle>
+            <a:defPPr>
+              <a:defRPr lang="en-US"/>
+            </a:defPPr>
+            <a:lvl1pPr algn="ctr">
+              <a:defRPr sz="1000" b="1">
+                <a:latin typeface="Simplon BP Regular"/>
+                <a:cs typeface="Simplon BP Regular"/>
+              </a:defRPr>
+            </a:lvl1pPr>
+            <a:lvl2pPr>
+              <a:defRPr>
+                <a:solidFill>
+                  <a:schemeClr val="dk1"/>
+                </a:solidFill>
+              </a:defRPr>
+            </a:lvl2pPr>
+            <a:lvl3pPr>
+              <a:defRPr>
+                <a:solidFill>
+                  <a:schemeClr val="dk1"/>
+                </a:solidFill>
+              </a:defRPr>
+            </a:lvl3pPr>
+            <a:lvl4pPr>
+              <a:defRPr>
+                <a:solidFill>
+                  <a:schemeClr val="dk1"/>
+                </a:solidFill>
+              </a:defRPr>
+            </a:lvl4pPr>
+            <a:lvl5pPr>
+              <a:defRPr>
+                <a:solidFill>
+                  <a:schemeClr val="dk1"/>
+                </a:solidFill>
+              </a:defRPr>
+            </a:lvl5pPr>
+            <a:lvl6pPr>
+              <a:defRPr>
+                <a:solidFill>
+                  <a:schemeClr val="dk1"/>
+                </a:solidFill>
+              </a:defRPr>
+            </a:lvl6pPr>
+            <a:lvl7pPr>
+              <a:defRPr>
+                <a:solidFill>
+                  <a:schemeClr val="dk1"/>
+                </a:solidFill>
+              </a:defRPr>
+            </a:lvl7pPr>
+            <a:lvl8pPr>
+              <a:defRPr>
+                <a:solidFill>
+                  <a:schemeClr val="dk1"/>
+                </a:solidFill>
+              </a:defRPr>
+            </a:lvl8pPr>
+            <a:lvl9pPr>
+              <a:defRPr>
+                <a:solidFill>
+                  <a:schemeClr val="dk1"/>
+                </a:solidFill>
+              </a:defRPr>
+            </a:lvl9pPr>
+          </a:lstStyle>
+          <a:p>
+            <a:pPr defTabSz="672130"/>
+            <a:r>
+              <a:rPr lang="en-US" sz="1176" b="0" dirty="0" err="1">
+                <a:solidFill>
+                  <a:prstClr val="black"/>
+                </a:solidFill>
+                <a:latin typeface="Simplon BP Bold" pitchFamily="2" charset="0"/>
+              </a:rPr>
+              <a:t>Equipe</a:t>
+            </a:r>
+            <a:endParaRPr lang="en-US" sz="1176" b="0" dirty="0">
+              <a:solidFill>
+                <a:prstClr val="black"/>
+              </a:solidFill>
+              <a:latin typeface="Simplon BP Bold" pitchFamily="2" charset="0"/>
+            </a:endParaRPr>
+          </a:p>
+        </p:txBody>
+      </p:sp>
+      <p:sp>
+        <p:nvSpPr>
+          <p:cNvPr id="64" name="Retângulo 63"/>
+          <p:cNvSpPr/>
+          <p:nvPr/>
+        </p:nvSpPr>
+        <p:spPr>
+          <a:xfrm>
+            <a:off x="469692" y="559912"/>
+            <a:ext cx="7186474" cy="239087"/>
+          </a:xfrm>
+          <a:prstGeom prst="rect">
+            <a:avLst/>
+          </a:prstGeom>
+          <a:solidFill>
+            <a:schemeClr val="bg1">
+              <a:lumMod val="85000"/>
+            </a:schemeClr>
+          </a:solidFill>
+        </p:spPr>
+        <p:txBody>
+          <a:bodyPr vert="horz" lIns="134422" tIns="67211" rIns="134422" bIns="67211" rtlCol="0" anchor="ctr"/>
+          <a:lstStyle/>
+          <a:p>
+            <a:pPr defTabSz="672130"/>
+            <a:r>
+              <a:rPr lang="en-US" sz="1544" dirty="0">
+                <a:latin typeface="Simplon Oi Headline" charset="0"/>
+                <a:ea typeface="Simplon Oi Headline" charset="0"/>
+                <a:cs typeface="Simplon Oi Headline" charset="0"/>
+              </a:rPr>
+              <a:t>PROGRESSOS</a:t>
+            </a:r>
+            <a:endParaRPr lang="pt-BR" sz="1544" dirty="0">
+              <a:latin typeface="Simplon Oi Headline" charset="0"/>
+              <a:ea typeface="Simplon Oi Headline" charset="0"/>
+              <a:cs typeface="Simplon Oi Headline" charset="0"/>
+            </a:endParaRPr>
+          </a:p>
+        </p:txBody>
+      </p:sp>
+      <p:sp>
+        <p:nvSpPr>
+          <p:cNvPr id="65" name="Retângulo 64"/>
+          <p:cNvSpPr/>
+          <p:nvPr/>
+        </p:nvSpPr>
+        <p:spPr>
+          <a:xfrm>
+            <a:off x="7810906" y="927661"/>
+            <a:ext cx="5351116" cy="449162"/>
+          </a:xfrm>
+          <a:prstGeom prst="rect">
+            <a:avLst/>
+          </a:prstGeom>
+          <a:solidFill>
+            <a:schemeClr val="bg1">
+              <a:lumMod val="85000"/>
+            </a:schemeClr>
+          </a:solidFill>
+        </p:spPr>
+        <p:txBody>
+          <a:bodyPr vert="horz" lIns="134422" tIns="67211" rIns="134422" bIns="67211" rtlCol="0" anchor="ctr"/>
+          <a:lstStyle/>
+          <a:p>
+            <a:pPr defTabSz="672130"/>
+            <a:r>
+              <a:rPr lang="pt-BR" sz="1544" dirty="0">
+                <a:latin typeface="Simplon Oi Headline" charset="0"/>
+                <a:ea typeface="Simplon Oi Headline" charset="0"/>
+                <a:cs typeface="Simplon Oi Headline" charset="0"/>
+              </a:rPr>
+              <a:t>Pontos atenção/ Principais Riscos</a:t>
+            </a:r>
+          </a:p>
+        </p:txBody>
+      </p:sp>
+      <p:sp>
+        <p:nvSpPr>
+          <p:cNvPr id="66" name="Retângulo 65"/>
+          <p:cNvSpPr/>
+          <p:nvPr/>
+        </p:nvSpPr>
+        <p:spPr>
+          <a:xfrm>
+            <a:off x="469692" y="4982921"/>
+            <a:ext cx="11854636" cy="233106"/>
+          </a:xfrm>
+          <a:prstGeom prst="rect">
+            <a:avLst/>
+          </a:prstGeom>
+          <a:solidFill>
+            <a:schemeClr val="bg1">
+              <a:lumMod val="85000"/>
+            </a:schemeClr>
+          </a:solidFill>
+        </p:spPr>
+        <p:txBody>
+          <a:bodyPr vert="horz" lIns="134422" tIns="67211" rIns="134422" bIns="67211" rtlCol="0" anchor="ctr"/>
+          <a:lstStyle/>
+          <a:p>
+            <a:pPr defTabSz="672130"/>
+            <a:r>
+              <a:rPr lang="pt-BR" sz="1544" dirty="0">
+                <a:latin typeface="Simplon Oi Headline" charset="0"/>
+                <a:ea typeface="Simplon Oi Headline" charset="0"/>
+                <a:cs typeface="Simplon Oi Headline" charset="0"/>
+              </a:rPr>
+              <a:t>Próximos Passos/ Decisões a tomar</a:t>
+            </a:r>
+          </a:p>
+        </p:txBody>
+      </p:sp>
+      <p:sp>
+        <p:nvSpPr>
+          <p:cNvPr id="63" name="Rectangle 37"/>
+          <p:cNvSpPr/>
+          <p:nvPr/>
+        </p:nvSpPr>
+        <p:spPr>
+          <a:xfrm>
+            <a:off x="469132" y="818463"/>
+            <a:ext cx="7186474" cy="4078796"/>
+          </a:xfrm>
+          <a:prstGeom prst="rect">
+            <a:avLst/>
+          </a:prstGeom>
+          <a:noFill/>
+          <a:ln w="12700">
+            <a:solidFill>
+              <a:schemeClr val="bg1">
+                <a:lumMod val="50000"/>
+              </a:schemeClr>
+            </a:solidFill>
+          </a:ln>
+        </p:spPr>
+        <p:style>
+          <a:lnRef idx="2">
+            <a:schemeClr val="accent4"/>
+          </a:lnRef>
+          <a:fillRef idx="1">
+            <a:schemeClr val="lt1"/>
+          </a:fillRef>
+          <a:effectRef idx="0">
+            <a:schemeClr val="accent4"/>
+          </a:effectRef>
+          <a:fontRef idx="minor">
+            <a:schemeClr val="dk1"/>
+          </a:fontRef>
+        </p:style>
+        <p:txBody>
+          <a:bodyPr tIns="105844" rtlCol="0" anchor="t"/>
+          <a:lstStyle/>
+          <a:p>
+            <a:pPr marL="252049" indent="-252049" fontAlgn="base">
+              <a:spcBef>
+                <a:spcPct val="0"/>
+              </a:spcBef>
+              <a:buFont typeface="Wingdings" panose="05000000000000000000" pitchFamily="2" charset="2"/>
+              <a:buChar char="ü"/>
+              <a:defRPr/>
+            </a:pPr>
+            <a:r>
+              <a:rPr lang="pt-BR" sz="1600" b="1" dirty="0">
+                <a:solidFill>
+                  <a:schemeClr val="tx1"/>
+                </a:solidFill>
+                <a:latin typeface="Arial" panose="020B0604020202020204" pitchFamily="34" charset="0"/>
+                <a:cs typeface="Arial" panose="020B0604020202020204" pitchFamily="34" charset="0"/>
+              </a:rPr>
+              <a:t>Finalizamos o desenvolvimento do SITE INSTITUCIONAL.</a:t>
+            </a:r>
+          </a:p>
+          <a:p>
+            <a:pPr marL="252049" indent="-252049" fontAlgn="base">
+              <a:spcBef>
+                <a:spcPct val="0"/>
+              </a:spcBef>
+              <a:buFont typeface="Wingdings" panose="05000000000000000000" pitchFamily="2" charset="2"/>
+              <a:buChar char="ü"/>
+              <a:defRPr/>
+            </a:pPr>
+            <a:r>
+              <a:rPr lang="pt-BR" sz="1600" b="1" dirty="0">
+                <a:solidFill>
+                  <a:schemeClr val="tx1"/>
+                </a:solidFill>
+                <a:latin typeface="Arial" panose="020B0604020202020204" pitchFamily="34" charset="0"/>
+                <a:cs typeface="Arial" panose="020B0604020202020204" pitchFamily="34" charset="0"/>
+              </a:rPr>
+              <a:t>Desenvolvemos o script da tabela de categoria.</a:t>
+            </a:r>
+          </a:p>
+          <a:p>
+            <a:pPr marL="252049" indent="-252049" fontAlgn="base">
+              <a:spcBef>
+                <a:spcPct val="0"/>
+              </a:spcBef>
+              <a:buFont typeface="Wingdings" panose="05000000000000000000" pitchFamily="2" charset="2"/>
+              <a:buChar char="ü"/>
+              <a:defRPr/>
+            </a:pPr>
+            <a:r>
+              <a:rPr lang="pt-BR" sz="1600" b="1" dirty="0">
+                <a:solidFill>
+                  <a:schemeClr val="tx1"/>
+                </a:solidFill>
+                <a:latin typeface="Arial" panose="020B0604020202020204" pitchFamily="34" charset="0"/>
+                <a:cs typeface="Arial" panose="020B0604020202020204" pitchFamily="34" charset="0"/>
+              </a:rPr>
+              <a:t>Desenvolvemos o script da tabela de alimentos.</a:t>
+            </a:r>
+          </a:p>
+          <a:p>
+            <a:pPr marL="252049" indent="-252049" fontAlgn="base">
+              <a:spcBef>
+                <a:spcPct val="0"/>
+              </a:spcBef>
+              <a:buFont typeface="Wingdings" panose="05000000000000000000" pitchFamily="2" charset="2"/>
+              <a:buChar char="ü"/>
+              <a:defRPr/>
+            </a:pPr>
+            <a:r>
+              <a:rPr lang="pt-BR" sz="1600" b="1" dirty="0">
+                <a:solidFill>
+                  <a:schemeClr val="tx1"/>
+                </a:solidFill>
+                <a:latin typeface="Arial" panose="020B0604020202020204" pitchFamily="34" charset="0"/>
+                <a:cs typeface="Arial" panose="020B0604020202020204" pitchFamily="34" charset="0"/>
+              </a:rPr>
+              <a:t>Finalizamos a tela de Login e Cadastro.</a:t>
+            </a:r>
+          </a:p>
+          <a:p>
+            <a:pPr fontAlgn="base">
+              <a:spcBef>
+                <a:spcPct val="0"/>
+              </a:spcBef>
+              <a:defRPr/>
+            </a:pPr>
+            <a:endParaRPr lang="pt-BR" sz="1600" b="1" dirty="0">
+              <a:solidFill>
+                <a:schemeClr val="tx1"/>
+              </a:solidFill>
+              <a:latin typeface="Arial" panose="020B0604020202020204" pitchFamily="34" charset="0"/>
+              <a:cs typeface="Arial" panose="020B0604020202020204" pitchFamily="34" charset="0"/>
+            </a:endParaRPr>
+          </a:p>
+          <a:p>
+            <a:pPr marL="0" lvl="1" defTabSz="672130"/>
+            <a:endParaRPr lang="pt-BR" sz="1800" b="1" dirty="0">
+              <a:solidFill>
+                <a:schemeClr val="tx1"/>
+              </a:solidFill>
+              <a:latin typeface="Calibri" panose="020F0502020204030204" pitchFamily="34" charset="0"/>
+              <a:cs typeface="Simplon BP Regular"/>
+            </a:endParaRPr>
+          </a:p>
+        </p:txBody>
+      </p:sp>
+      <p:sp>
+        <p:nvSpPr>
+          <p:cNvPr id="2" name="Rectangle 43">
+            <a:extLst>
+              <a:ext uri="{FF2B5EF4-FFF2-40B4-BE49-F238E27FC236}">
+                <a16:creationId xmlns:a16="http://schemas.microsoft.com/office/drawing/2014/main" id="{B15BA19F-C787-4E6A-ADAB-C0DFF09C66A8}"/>
+              </a:ext>
+            </a:extLst>
+          </p:cNvPr>
+          <p:cNvSpPr>
+            <a:spLocks/>
+          </p:cNvSpPr>
+          <p:nvPr/>
+        </p:nvSpPr>
+        <p:spPr>
+          <a:xfrm>
+            <a:off x="463325" y="5216027"/>
+            <a:ext cx="11854636" cy="2226277"/>
+          </a:xfrm>
+          <a:prstGeom prst="rect">
+            <a:avLst/>
+          </a:prstGeom>
+          <a:noFill/>
+          <a:ln w="12700">
+            <a:solidFill>
+              <a:schemeClr val="bg1">
+                <a:lumMod val="50000"/>
+              </a:schemeClr>
+            </a:solidFill>
+          </a:ln>
+        </p:spPr>
+        <p:style>
+          <a:lnRef idx="2">
+            <a:schemeClr val="accent4"/>
+          </a:lnRef>
+          <a:fillRef idx="1">
+            <a:schemeClr val="lt1"/>
+          </a:fillRef>
+          <a:effectRef idx="0">
+            <a:schemeClr val="accent4"/>
+          </a:effectRef>
+          <a:fontRef idx="minor">
+            <a:schemeClr val="dk1"/>
+          </a:fontRef>
+        </p:style>
+        <p:txBody>
+          <a:bodyPr wrap="square" tIns="105844" numCol="3" rtlCol="0" anchor="ctr"/>
+          <a:lstStyle/>
+          <a:p>
+            <a:pPr marL="0" lvl="1" defTabSz="672130"/>
+            <a:r>
+              <a:rPr lang="pt-BR" sz="1400" b="1" dirty="0">
+                <a:solidFill>
+                  <a:schemeClr val="tx1"/>
+                </a:solidFill>
+                <a:latin typeface="Arial" panose="020B0604020202020204" pitchFamily="34" charset="0"/>
+                <a:cs typeface="Arial" panose="020B0604020202020204" pitchFamily="34" charset="0"/>
+              </a:rPr>
+              <a:t>Frente </a:t>
+            </a:r>
+            <a:r>
+              <a:rPr lang="pt-BR" sz="1400" b="1" dirty="0" err="1">
+                <a:solidFill>
+                  <a:schemeClr val="tx1"/>
+                </a:solidFill>
+                <a:latin typeface="Arial" panose="020B0604020202020204" pitchFamily="34" charset="0"/>
+                <a:cs typeface="Arial" panose="020B0604020202020204" pitchFamily="34" charset="0"/>
+              </a:rPr>
+              <a:t>Backend</a:t>
+            </a:r>
+            <a:endParaRPr lang="pt-BR" sz="1400" b="1" dirty="0">
+              <a:solidFill>
+                <a:schemeClr val="tx1"/>
+              </a:solidFill>
+              <a:latin typeface="Arial" panose="020B0604020202020204" pitchFamily="34" charset="0"/>
+              <a:cs typeface="Arial" panose="020B0604020202020204" pitchFamily="34" charset="0"/>
+            </a:endParaRPr>
+          </a:p>
+          <a:p>
+            <a:pPr marL="285750" lvl="1" indent="-285750" defTabSz="672130">
+              <a:buFont typeface="Wingdings" panose="05000000000000000000" pitchFamily="2" charset="2"/>
+              <a:buChar char="§"/>
+            </a:pPr>
+            <a:r>
+              <a:rPr lang="pt-BR" sz="1400" b="1" dirty="0">
+                <a:solidFill>
+                  <a:schemeClr val="tx1"/>
+                </a:solidFill>
+                <a:latin typeface="Arial" panose="020B0604020202020204" pitchFamily="34" charset="0"/>
+                <a:cs typeface="Arial" panose="020B0604020202020204" pitchFamily="34" charset="0"/>
+              </a:rPr>
+              <a:t>Arquitetura inicial da API</a:t>
+            </a:r>
+          </a:p>
+          <a:p>
+            <a:pPr marL="285750" lvl="1" indent="-285750" defTabSz="672130">
+              <a:buFont typeface="Wingdings" panose="05000000000000000000" pitchFamily="2" charset="2"/>
+              <a:buChar char="§"/>
+            </a:pPr>
+            <a:r>
+              <a:rPr lang="pt-BR" sz="1400" b="1" dirty="0">
+                <a:solidFill>
+                  <a:schemeClr val="tx1"/>
+                </a:solidFill>
+                <a:latin typeface="Arial" panose="020B0604020202020204" pitchFamily="34" charset="0"/>
+                <a:cs typeface="Arial" panose="020B0604020202020204" pitchFamily="34" charset="0"/>
+              </a:rPr>
+              <a:t>Conexão com SQL</a:t>
+            </a:r>
+          </a:p>
+          <a:p>
+            <a:pPr marL="0" lvl="1" defTabSz="672130"/>
+            <a:endParaRPr lang="pt-BR" sz="1400" b="1" dirty="0">
+              <a:solidFill>
+                <a:schemeClr val="tx1"/>
+              </a:solidFill>
+              <a:latin typeface="Arial" panose="020B0604020202020204" pitchFamily="34" charset="0"/>
+              <a:cs typeface="Arial" panose="020B0604020202020204" pitchFamily="34" charset="0"/>
+            </a:endParaRPr>
+          </a:p>
+          <a:p>
+            <a:pPr marL="0" lvl="1" defTabSz="672130"/>
+            <a:r>
+              <a:rPr lang="pt-BR" sz="1400" b="1" dirty="0">
+                <a:solidFill>
+                  <a:schemeClr val="tx1"/>
+                </a:solidFill>
+                <a:latin typeface="Arial" panose="020B0604020202020204" pitchFamily="34" charset="0"/>
+                <a:cs typeface="Arial" panose="020B0604020202020204" pitchFamily="34" charset="0"/>
+              </a:rPr>
+              <a:t>Frente Front-</a:t>
+            </a:r>
+            <a:r>
+              <a:rPr lang="pt-BR" sz="1400" b="1" dirty="0" err="1">
+                <a:solidFill>
+                  <a:schemeClr val="tx1"/>
+                </a:solidFill>
+                <a:latin typeface="Arial" panose="020B0604020202020204" pitchFamily="34" charset="0"/>
+                <a:cs typeface="Arial" panose="020B0604020202020204" pitchFamily="34" charset="0"/>
+              </a:rPr>
+              <a:t>end</a:t>
+            </a:r>
+            <a:endParaRPr lang="pt-BR" sz="1400" b="1" dirty="0">
+              <a:solidFill>
+                <a:schemeClr val="tx1"/>
+              </a:solidFill>
+              <a:latin typeface="Arial" panose="020B0604020202020204" pitchFamily="34" charset="0"/>
+              <a:cs typeface="Arial" panose="020B0604020202020204" pitchFamily="34" charset="0"/>
+            </a:endParaRPr>
+          </a:p>
+          <a:p>
+            <a:pPr marL="252049" lvl="1" indent="-252049">
+              <a:buFont typeface="Wingdings" panose="05000000000000000000" pitchFamily="2" charset="2"/>
+              <a:buChar char="§"/>
+            </a:pPr>
+            <a:r>
+              <a:rPr lang="pt-BR" sz="1400" b="1" dirty="0">
+                <a:solidFill>
+                  <a:schemeClr val="tx1"/>
+                </a:solidFill>
+                <a:latin typeface="Arial" panose="020B0604020202020204" pitchFamily="34" charset="0"/>
+                <a:cs typeface="Arial" panose="020B0604020202020204" pitchFamily="34" charset="0"/>
+              </a:rPr>
+              <a:t>Finalizar 4 telas existentes no sistema.</a:t>
+            </a:r>
+          </a:p>
+          <a:p>
+            <a:pPr marL="0" lvl="1" defTabSz="672130"/>
+            <a:endParaRPr lang="pt-BR" sz="1600" b="1" dirty="0">
+              <a:solidFill>
+                <a:schemeClr val="tx1"/>
+              </a:solidFill>
+              <a:latin typeface="Calibri" panose="020F0502020204030204" pitchFamily="34" charset="0"/>
+              <a:cs typeface="Simplon BP Regular"/>
+            </a:endParaRPr>
+          </a:p>
+          <a:p>
+            <a:pPr marL="0" lvl="1" defTabSz="672130"/>
+            <a:r>
+              <a:rPr lang="pt-BR" sz="1400" b="1" dirty="0">
+                <a:solidFill>
+                  <a:schemeClr val="tx1"/>
+                </a:solidFill>
+                <a:latin typeface="Arial" panose="020B0604020202020204" pitchFamily="34" charset="0"/>
+                <a:cs typeface="Arial" panose="020B0604020202020204" pitchFamily="34" charset="0"/>
+              </a:rPr>
+              <a:t>Frente Negócios</a:t>
+            </a:r>
+          </a:p>
+          <a:p>
+            <a:pPr marL="285750" lvl="1" indent="-285750" defTabSz="672130">
+              <a:buFont typeface="Wingdings" panose="05000000000000000000" pitchFamily="2" charset="2"/>
+              <a:buChar char="§"/>
+            </a:pPr>
+            <a:r>
+              <a:rPr lang="pt-BR" sz="1400" b="1" dirty="0">
+                <a:solidFill>
+                  <a:schemeClr val="tx1"/>
+                </a:solidFill>
+                <a:latin typeface="Arial" panose="020B0604020202020204" pitchFamily="34" charset="0"/>
+                <a:cs typeface="Arial" panose="020B0604020202020204" pitchFamily="34" charset="0"/>
+              </a:rPr>
+              <a:t>Diagrama de solução de software</a:t>
+            </a:r>
+          </a:p>
+          <a:p>
+            <a:pPr marL="0" lvl="1" defTabSz="672130"/>
+            <a:endParaRPr lang="pt-BR" sz="1400" b="1" dirty="0">
+              <a:solidFill>
+                <a:schemeClr val="tx1"/>
+              </a:solidFill>
+              <a:latin typeface="Arial" panose="020B0604020202020204" pitchFamily="34" charset="0"/>
+              <a:cs typeface="Arial" panose="020B0604020202020204" pitchFamily="34" charset="0"/>
+            </a:endParaRPr>
+          </a:p>
+        </p:txBody>
+      </p:sp>
+      <p:sp>
+        <p:nvSpPr>
+          <p:cNvPr id="5" name="Retângulo 4">
+            <a:extLst>
+              <a:ext uri="{FF2B5EF4-FFF2-40B4-BE49-F238E27FC236}">
+                <a16:creationId xmlns:a16="http://schemas.microsoft.com/office/drawing/2014/main" id="{A1C14918-6027-46B3-96BF-C5F7FDEC3276}"/>
+              </a:ext>
+            </a:extLst>
+          </p:cNvPr>
+          <p:cNvSpPr/>
+          <p:nvPr/>
+        </p:nvSpPr>
+        <p:spPr>
+          <a:xfrm>
+            <a:off x="8017619" y="180231"/>
+            <a:ext cx="4937689" cy="618769"/>
+          </a:xfrm>
+          <a:prstGeom prst="rect">
+            <a:avLst/>
+          </a:prstGeom>
+          <a:noFill/>
+          <a:ln w="6350">
+            <a:solidFill>
+              <a:schemeClr val="bg1">
+                <a:lumMod val="75000"/>
+              </a:schemeClr>
+            </a:solidFill>
+          </a:ln>
+        </p:spPr>
+        <p:style>
+          <a:lnRef idx="2">
+            <a:schemeClr val="accent1">
+              <a:shade val="50000"/>
+            </a:schemeClr>
+          </a:lnRef>
+          <a:fillRef idx="1">
+            <a:schemeClr val="accent1"/>
+          </a:fillRef>
+          <a:effectRef idx="0">
+            <a:schemeClr val="accent1"/>
+          </a:effectRef>
+          <a:fontRef idx="minor">
+            <a:schemeClr val="lt1"/>
+          </a:fontRef>
+        </p:style>
+        <p:txBody>
+          <a:bodyPr rtlCol="0" anchor="ctr"/>
+          <a:lstStyle/>
+          <a:p>
+            <a:pPr algn="ctr"/>
+            <a:endParaRPr lang="pt-BR"/>
+          </a:p>
+        </p:txBody>
+      </p:sp>
+      <p:sp>
+        <p:nvSpPr>
+          <p:cNvPr id="8" name="TextBox 138">
+            <a:extLst>
+              <a:ext uri="{FF2B5EF4-FFF2-40B4-BE49-F238E27FC236}">
+                <a16:creationId xmlns:a16="http://schemas.microsoft.com/office/drawing/2014/main" id="{5CE7D08C-795B-4BF1-97F6-F9773F4E9F4C}"/>
+              </a:ext>
+            </a:extLst>
+          </p:cNvPr>
+          <p:cNvSpPr txBox="1"/>
+          <p:nvPr/>
+        </p:nvSpPr>
+        <p:spPr>
+          <a:xfrm>
+            <a:off x="9715810" y="51570"/>
+            <a:ext cx="1478088" cy="211688"/>
+          </a:xfrm>
+          <a:prstGeom prst="rect">
+            <a:avLst/>
+          </a:prstGeom>
+          <a:solidFill>
+            <a:schemeClr val="bg1"/>
+          </a:solidFill>
+          <a:ln w="12700">
+            <a:noFill/>
+          </a:ln>
+        </p:spPr>
+        <p:style>
+          <a:lnRef idx="2">
+            <a:schemeClr val="accent4"/>
+          </a:lnRef>
+          <a:fillRef idx="1">
+            <a:schemeClr val="lt1"/>
+          </a:fillRef>
+          <a:effectRef idx="0">
+            <a:schemeClr val="accent4"/>
+          </a:effectRef>
+          <a:fontRef idx="minor">
+            <a:schemeClr val="dk1"/>
+          </a:fontRef>
+        </p:style>
+        <p:txBody>
+          <a:bodyPr wrap="none" lIns="52922" tIns="52922" rIns="52922" bIns="0" rtlCol="0" anchor="b"/>
+          <a:lstStyle>
+            <a:defPPr>
+              <a:defRPr lang="en-US"/>
+            </a:defPPr>
+            <a:lvl1pPr algn="ctr">
+              <a:defRPr sz="1000" b="1">
+                <a:latin typeface="Simplon BP Regular"/>
+                <a:cs typeface="Simplon BP Regular"/>
+              </a:defRPr>
+            </a:lvl1pPr>
+            <a:lvl2pPr>
+              <a:defRPr>
+                <a:solidFill>
+                  <a:schemeClr val="dk1"/>
+                </a:solidFill>
+              </a:defRPr>
+            </a:lvl2pPr>
+            <a:lvl3pPr>
+              <a:defRPr>
+                <a:solidFill>
+                  <a:schemeClr val="dk1"/>
+                </a:solidFill>
+              </a:defRPr>
+            </a:lvl3pPr>
+            <a:lvl4pPr>
+              <a:defRPr>
+                <a:solidFill>
+                  <a:schemeClr val="dk1"/>
+                </a:solidFill>
+              </a:defRPr>
+            </a:lvl4pPr>
+            <a:lvl5pPr>
+              <a:defRPr>
+                <a:solidFill>
+                  <a:schemeClr val="dk1"/>
+                </a:solidFill>
+              </a:defRPr>
+            </a:lvl5pPr>
+            <a:lvl6pPr>
+              <a:defRPr>
+                <a:solidFill>
+                  <a:schemeClr val="dk1"/>
+                </a:solidFill>
+              </a:defRPr>
+            </a:lvl6pPr>
+            <a:lvl7pPr>
+              <a:defRPr>
+                <a:solidFill>
+                  <a:schemeClr val="dk1"/>
+                </a:solidFill>
+              </a:defRPr>
+            </a:lvl7pPr>
+            <a:lvl8pPr>
+              <a:defRPr>
+                <a:solidFill>
+                  <a:schemeClr val="dk1"/>
+                </a:solidFill>
+              </a:defRPr>
+            </a:lvl8pPr>
+            <a:lvl9pPr>
+              <a:defRPr>
+                <a:solidFill>
+                  <a:schemeClr val="dk1"/>
+                </a:solidFill>
+              </a:defRPr>
+            </a:lvl9pPr>
+          </a:lstStyle>
+          <a:p>
+            <a:pPr defTabSz="672130"/>
+            <a:r>
+              <a:rPr lang="en-US" sz="1176" b="0" dirty="0">
+                <a:solidFill>
+                  <a:prstClr val="black"/>
+                </a:solidFill>
+                <a:latin typeface="Simplon BP Bold" pitchFamily="2" charset="0"/>
+              </a:rPr>
+              <a:t>    </a:t>
+            </a:r>
+            <a:r>
+              <a:rPr lang="en-US" sz="1176" b="0" dirty="0" err="1">
+                <a:solidFill>
+                  <a:prstClr val="black"/>
+                </a:solidFill>
+                <a:latin typeface="Simplon BP Bold" pitchFamily="2" charset="0"/>
+              </a:rPr>
+              <a:t>Farol</a:t>
+            </a:r>
+            <a:r>
+              <a:rPr lang="en-US" sz="1176" b="0" dirty="0">
+                <a:solidFill>
+                  <a:prstClr val="black"/>
+                </a:solidFill>
+                <a:latin typeface="Simplon BP Bold" pitchFamily="2" charset="0"/>
+              </a:rPr>
+              <a:t> do </a:t>
+            </a:r>
+            <a:r>
+              <a:rPr lang="en-US" sz="1176" b="0" dirty="0" err="1">
+                <a:solidFill>
+                  <a:prstClr val="black"/>
+                </a:solidFill>
+                <a:latin typeface="Simplon BP Bold" pitchFamily="2" charset="0"/>
+              </a:rPr>
+              <a:t>Projeto</a:t>
+            </a:r>
+            <a:r>
+              <a:rPr lang="en-US" sz="1176" b="0" dirty="0">
+                <a:solidFill>
+                  <a:prstClr val="black"/>
+                </a:solidFill>
+                <a:latin typeface="Simplon BP Bold" pitchFamily="2" charset="0"/>
+              </a:rPr>
+              <a:t>   </a:t>
+            </a:r>
+          </a:p>
+        </p:txBody>
+      </p:sp>
+      <p:sp>
+        <p:nvSpPr>
+          <p:cNvPr id="21" name="Oval 134">
+            <a:extLst>
+              <a:ext uri="{FF2B5EF4-FFF2-40B4-BE49-F238E27FC236}">
+                <a16:creationId xmlns:a16="http://schemas.microsoft.com/office/drawing/2014/main" id="{C7687DA3-5EC5-4177-9DBB-6A09DC7F77ED}"/>
+              </a:ext>
+            </a:extLst>
+          </p:cNvPr>
+          <p:cNvSpPr>
+            <a:spLocks noChangeAspect="1"/>
+          </p:cNvSpPr>
+          <p:nvPr/>
+        </p:nvSpPr>
+        <p:spPr>
+          <a:xfrm>
+            <a:off x="10156945" y="362281"/>
+            <a:ext cx="211404" cy="211689"/>
+          </a:xfrm>
+          <a:prstGeom prst="ellipse">
+            <a:avLst/>
+          </a:prstGeom>
+          <a:solidFill>
+            <a:srgbClr val="1BCF13"/>
+          </a:solidFill>
+          <a:ln w="12700">
+            <a:solidFill>
+              <a:schemeClr val="accent3"/>
+            </a:solidFill>
+          </a:ln>
+        </p:spPr>
+        <p:style>
+          <a:lnRef idx="2">
+            <a:schemeClr val="accent1">
+              <a:shade val="50000"/>
+            </a:schemeClr>
+          </a:lnRef>
+          <a:fillRef idx="1">
+            <a:schemeClr val="accent1"/>
+          </a:fillRef>
+          <a:effectRef idx="0">
+            <a:schemeClr val="accent1"/>
+          </a:effectRef>
+          <a:fontRef idx="minor">
+            <a:schemeClr val="lt1"/>
+          </a:fontRef>
+        </p:style>
+        <p:txBody>
+          <a:bodyPr wrap="none" lIns="52922" tIns="52922" rIns="52922" rtlCol="0" anchor="ctr"/>
+          <a:lstStyle/>
+          <a:p>
+            <a:pPr algn="ctr" defTabSz="672130"/>
+            <a:endParaRPr lang="en-US" sz="1176" dirty="0">
+              <a:solidFill>
+                <a:prstClr val="black"/>
+              </a:solidFill>
+              <a:latin typeface="Simplon BP Regular"/>
+              <a:cs typeface="Simplon BP Regular"/>
+            </a:endParaRPr>
+          </a:p>
+        </p:txBody>
+      </p:sp>
+      <p:sp>
+        <p:nvSpPr>
+          <p:cNvPr id="22" name="Oval 134">
+            <a:extLst>
+              <a:ext uri="{FF2B5EF4-FFF2-40B4-BE49-F238E27FC236}">
+                <a16:creationId xmlns:a16="http://schemas.microsoft.com/office/drawing/2014/main" id="{B363CBDD-9D88-41D9-9F1B-E6F757DF80B1}"/>
+              </a:ext>
+            </a:extLst>
+          </p:cNvPr>
+          <p:cNvSpPr>
+            <a:spLocks noChangeAspect="1"/>
+          </p:cNvSpPr>
+          <p:nvPr/>
+        </p:nvSpPr>
+        <p:spPr>
+          <a:xfrm>
+            <a:off x="12180394" y="284502"/>
+            <a:ext cx="211404" cy="211689"/>
+          </a:xfrm>
+          <a:prstGeom prst="ellipse">
+            <a:avLst/>
+          </a:prstGeom>
+          <a:solidFill>
+            <a:srgbClr val="1BCF13"/>
+          </a:solidFill>
+          <a:ln w="12700">
+            <a:solidFill>
+              <a:schemeClr val="accent3"/>
+            </a:solidFill>
+          </a:ln>
+        </p:spPr>
+        <p:style>
+          <a:lnRef idx="2">
+            <a:schemeClr val="accent1">
+              <a:shade val="50000"/>
+            </a:schemeClr>
+          </a:lnRef>
+          <a:fillRef idx="1">
+            <a:schemeClr val="accent1"/>
+          </a:fillRef>
+          <a:effectRef idx="0">
+            <a:schemeClr val="accent1"/>
+          </a:effectRef>
+          <a:fontRef idx="minor">
+            <a:schemeClr val="lt1"/>
+          </a:fontRef>
+        </p:style>
+        <p:txBody>
+          <a:bodyPr wrap="none" lIns="52922" tIns="52922" rIns="52922" rtlCol="0" anchor="ctr"/>
+          <a:lstStyle/>
+          <a:p>
+            <a:pPr algn="ctr" defTabSz="672130"/>
+            <a:endParaRPr lang="en-US" sz="1176" dirty="0">
+              <a:solidFill>
+                <a:prstClr val="black"/>
+              </a:solidFill>
+              <a:latin typeface="Simplon BP Regular"/>
+              <a:cs typeface="Simplon BP Regular"/>
+            </a:endParaRPr>
+          </a:p>
+        </p:txBody>
+      </p:sp>
+      <p:sp>
+        <p:nvSpPr>
+          <p:cNvPr id="23" name="Oval 134">
+            <a:extLst>
+              <a:ext uri="{FF2B5EF4-FFF2-40B4-BE49-F238E27FC236}">
+                <a16:creationId xmlns:a16="http://schemas.microsoft.com/office/drawing/2014/main" id="{F42F78D9-B5A8-4A97-8925-8B5904C502F3}"/>
+              </a:ext>
+            </a:extLst>
+          </p:cNvPr>
+          <p:cNvSpPr>
+            <a:spLocks noChangeAspect="1"/>
+          </p:cNvSpPr>
+          <p:nvPr/>
+        </p:nvSpPr>
+        <p:spPr>
+          <a:xfrm>
+            <a:off x="11262832" y="305415"/>
+            <a:ext cx="211404" cy="211689"/>
+          </a:xfrm>
+          <a:prstGeom prst="ellipse">
+            <a:avLst/>
+          </a:prstGeom>
+          <a:solidFill>
+            <a:srgbClr val="1BCF13"/>
+          </a:solidFill>
+          <a:ln w="12700">
+            <a:solidFill>
+              <a:schemeClr val="accent3"/>
+            </a:solidFill>
+          </a:ln>
+        </p:spPr>
+        <p:style>
+          <a:lnRef idx="2">
+            <a:schemeClr val="accent1">
+              <a:shade val="50000"/>
+            </a:schemeClr>
+          </a:lnRef>
+          <a:fillRef idx="1">
+            <a:schemeClr val="accent1"/>
+          </a:fillRef>
+          <a:effectRef idx="0">
+            <a:schemeClr val="accent1"/>
+          </a:effectRef>
+          <a:fontRef idx="minor">
+            <a:schemeClr val="lt1"/>
+          </a:fontRef>
+        </p:style>
+        <p:txBody>
+          <a:bodyPr wrap="none" lIns="52922" tIns="52922" rIns="52922" rtlCol="0" anchor="ctr"/>
+          <a:lstStyle/>
+          <a:p>
+            <a:pPr algn="ctr" defTabSz="672130"/>
+            <a:endParaRPr lang="en-US" sz="1176" dirty="0">
+              <a:solidFill>
+                <a:prstClr val="black"/>
+              </a:solidFill>
+              <a:latin typeface="Simplon BP Regular"/>
+              <a:cs typeface="Simplon BP Regular"/>
+            </a:endParaRPr>
+          </a:p>
+        </p:txBody>
+      </p:sp>
+      <p:sp>
+        <p:nvSpPr>
+          <p:cNvPr id="24" name="Oval 134">
+            <a:extLst>
+              <a:ext uri="{FF2B5EF4-FFF2-40B4-BE49-F238E27FC236}">
+                <a16:creationId xmlns:a16="http://schemas.microsoft.com/office/drawing/2014/main" id="{1EBE2388-56B1-476A-9F0A-E2D66925E9B1}"/>
+              </a:ext>
+            </a:extLst>
+          </p:cNvPr>
+          <p:cNvSpPr>
+            <a:spLocks noChangeAspect="1"/>
+          </p:cNvSpPr>
+          <p:nvPr/>
+        </p:nvSpPr>
+        <p:spPr>
+          <a:xfrm>
+            <a:off x="9275679" y="332030"/>
+            <a:ext cx="211404" cy="211689"/>
+          </a:xfrm>
+          <a:prstGeom prst="ellipse">
+            <a:avLst/>
+          </a:prstGeom>
+          <a:solidFill>
+            <a:srgbClr val="1BCF13"/>
+          </a:solidFill>
+          <a:ln w="12700">
+            <a:solidFill>
+              <a:schemeClr val="accent3"/>
+            </a:solidFill>
+          </a:ln>
+        </p:spPr>
+        <p:style>
+          <a:lnRef idx="2">
+            <a:schemeClr val="accent1">
+              <a:shade val="50000"/>
+            </a:schemeClr>
+          </a:lnRef>
+          <a:fillRef idx="1">
+            <a:schemeClr val="accent1"/>
+          </a:fillRef>
+          <a:effectRef idx="0">
+            <a:schemeClr val="accent1"/>
+          </a:effectRef>
+          <a:fontRef idx="minor">
+            <a:schemeClr val="lt1"/>
+          </a:fontRef>
+        </p:style>
+        <p:txBody>
+          <a:bodyPr wrap="none" lIns="52922" tIns="52922" rIns="52922" rtlCol="0" anchor="ctr"/>
+          <a:lstStyle/>
+          <a:p>
+            <a:pPr algn="ctr" defTabSz="672130"/>
+            <a:endParaRPr lang="en-US" sz="1176" dirty="0">
+              <a:solidFill>
+                <a:prstClr val="black"/>
+              </a:solidFill>
+              <a:latin typeface="Simplon BP Regular"/>
+              <a:cs typeface="Simplon BP Regular"/>
+            </a:endParaRPr>
+          </a:p>
+        </p:txBody>
+      </p:sp>
+    </p:spTree>
+    <p:extLst>
+      <p:ext uri="{BB962C8B-B14F-4D97-AF65-F5344CB8AC3E}">
+        <p14:creationId xmlns:p14="http://schemas.microsoft.com/office/powerpoint/2010/main" val="3826345946"/>
+      </p:ext>
+    </p:extLst>
+  </p:cSld>
+  <p:clrMapOvr>
+    <a:masterClrMapping/>
+  </p:clrMapOvr>
+</p:sld>
+</file>
+
+<file path=ppt/slides/slide8.xml><?xml version="1.0" encoding="utf-8"?>
+<p:sld xmlns:a="http://schemas.openxmlformats.org/drawingml/2006/main" xmlns:r="http://schemas.openxmlformats.org/officeDocument/2006/relationships" xmlns:p="http://schemas.openxmlformats.org/presentationml/2006/main">
+  <p:cSld>
+    <p:spTree>
+      <p:nvGrpSpPr>
+        <p:cNvPr id="1" name=""/>
+        <p:cNvGrpSpPr/>
+        <p:nvPr/>
+      </p:nvGrpSpPr>
+      <p:grpSpPr>
+        <a:xfrm>
+          <a:off x="0" y="0"/>
+          <a:ext cx="0" cy="0"/>
+          <a:chOff x="0" y="0"/>
+          <a:chExt cx="0" cy="0"/>
+        </a:xfrm>
+      </p:grpSpPr>
+      <p:sp>
+        <p:nvSpPr>
+          <p:cNvPr id="43" name="Rectangle 42"/>
+          <p:cNvSpPr/>
+          <p:nvPr/>
+        </p:nvSpPr>
+        <p:spPr>
+          <a:xfrm>
+            <a:off x="7810905" y="1369526"/>
+            <a:ext cx="5351116" cy="2095826"/>
+          </a:xfrm>
+          <a:prstGeom prst="rect">
+            <a:avLst/>
+          </a:prstGeom>
+          <a:noFill/>
+          <a:ln w="12700">
+            <a:solidFill>
+              <a:schemeClr val="bg1">
+                <a:lumMod val="50000"/>
+              </a:schemeClr>
+            </a:solidFill>
+          </a:ln>
+        </p:spPr>
+        <p:style>
+          <a:lnRef idx="2">
+            <a:schemeClr val="accent4"/>
+          </a:lnRef>
+          <a:fillRef idx="1">
+            <a:schemeClr val="lt1"/>
+          </a:fillRef>
+          <a:effectRef idx="0">
+            <a:schemeClr val="accent4"/>
+          </a:effectRef>
+          <a:fontRef idx="minor">
+            <a:schemeClr val="dk1"/>
+          </a:fontRef>
+        </p:style>
+        <p:txBody>
+          <a:bodyPr tIns="105844" rtlCol="0" anchor="t"/>
+          <a:lstStyle/>
+          <a:p>
+            <a:pPr defTabSz="672130">
+              <a:spcAft>
+                <a:spcPts val="882"/>
+              </a:spcAft>
+            </a:pPr>
+            <a:endParaRPr lang="pt-BR" sz="1470" dirty="0">
+              <a:solidFill>
+                <a:schemeClr val="tx1"/>
+              </a:solidFill>
+              <a:latin typeface="Calibri" panose="020F0502020204030204" pitchFamily="34" charset="0"/>
+              <a:cs typeface="Simplon BP Regular"/>
+            </a:endParaRPr>
+          </a:p>
+        </p:txBody>
+      </p:sp>
+      <p:sp>
+        <p:nvSpPr>
+          <p:cNvPr id="3" name="Title 2"/>
+          <p:cNvSpPr>
+            <a:spLocks noGrp="1"/>
+          </p:cNvSpPr>
+          <p:nvPr>
+            <p:ph type="title"/>
+          </p:nvPr>
+        </p:nvSpPr>
+        <p:spPr>
+          <a:xfrm>
+            <a:off x="469692" y="185232"/>
+            <a:ext cx="12098020" cy="800352"/>
+          </a:xfrm>
+        </p:spPr>
+        <p:txBody>
+          <a:bodyPr vert="horz" wrap="square" lIns="105844" tIns="0" rIns="105844" bIns="0" numCol="1" anchor="t" anchorCtr="0" compatLnSpc="1">
+            <a:prstTxWarp prst="textNoShape">
+              <a:avLst/>
+            </a:prstTxWarp>
+            <a:noAutofit/>
+          </a:bodyPr>
+          <a:lstStyle/>
+          <a:p>
+            <a:pPr algn="l">
+              <a:spcAft>
+                <a:spcPts val="882"/>
+              </a:spcAft>
+            </a:pPr>
+            <a:r>
+              <a:rPr lang="en-US" sz="2646" dirty="0">
+                <a:solidFill>
+                  <a:prstClr val="black"/>
+                </a:solidFill>
+                <a:latin typeface="Simplon Oi Headline"/>
+                <a:cs typeface="Simplon Oi Headline"/>
+              </a:rPr>
+              <a:t>SEMANA 5 – 25/03/2021</a:t>
+            </a:r>
+          </a:p>
+        </p:txBody>
+      </p:sp>
+      <p:sp>
+        <p:nvSpPr>
+          <p:cNvPr id="78" name="TextBox 118"/>
+          <p:cNvSpPr txBox="1"/>
+          <p:nvPr/>
+        </p:nvSpPr>
+        <p:spPr>
+          <a:xfrm>
+            <a:off x="11822773" y="576471"/>
+            <a:ext cx="899678" cy="179824"/>
+          </a:xfrm>
+          <a:prstGeom prst="rect">
+            <a:avLst/>
+          </a:prstGeom>
+          <a:noFill/>
+          <a:ln w="12700">
+            <a:noFill/>
+          </a:ln>
+        </p:spPr>
+        <p:style>
+          <a:lnRef idx="2">
+            <a:schemeClr val="accent4"/>
+          </a:lnRef>
+          <a:fillRef idx="1">
+            <a:schemeClr val="lt1"/>
+          </a:fillRef>
+          <a:effectRef idx="0">
+            <a:schemeClr val="accent4"/>
+          </a:effectRef>
+          <a:fontRef idx="minor">
+            <a:schemeClr val="dk1"/>
+          </a:fontRef>
+        </p:style>
+        <p:txBody>
+          <a:bodyPr wrap="none" lIns="52922" tIns="52922" rIns="52922" bIns="0" rtlCol="0" anchor="b"/>
+          <a:lstStyle>
+            <a:defPPr>
+              <a:defRPr lang="en-US"/>
+            </a:defPPr>
+            <a:lvl1pPr algn="ctr">
+              <a:defRPr sz="1000" b="1">
+                <a:latin typeface="Simplon BP Regular"/>
+                <a:cs typeface="Simplon BP Regular"/>
+              </a:defRPr>
+            </a:lvl1pPr>
+            <a:lvl2pPr>
+              <a:defRPr>
+                <a:solidFill>
+                  <a:schemeClr val="dk1"/>
+                </a:solidFill>
+              </a:defRPr>
+            </a:lvl2pPr>
+            <a:lvl3pPr>
+              <a:defRPr>
+                <a:solidFill>
+                  <a:schemeClr val="dk1"/>
+                </a:solidFill>
+              </a:defRPr>
+            </a:lvl3pPr>
+            <a:lvl4pPr>
+              <a:defRPr>
+                <a:solidFill>
+                  <a:schemeClr val="dk1"/>
+                </a:solidFill>
+              </a:defRPr>
+            </a:lvl4pPr>
+            <a:lvl5pPr>
+              <a:defRPr>
+                <a:solidFill>
+                  <a:schemeClr val="dk1"/>
+                </a:solidFill>
+              </a:defRPr>
+            </a:lvl5pPr>
+            <a:lvl6pPr>
+              <a:defRPr>
+                <a:solidFill>
+                  <a:schemeClr val="dk1"/>
+                </a:solidFill>
+              </a:defRPr>
+            </a:lvl6pPr>
+            <a:lvl7pPr>
+              <a:defRPr>
+                <a:solidFill>
+                  <a:schemeClr val="dk1"/>
+                </a:solidFill>
+              </a:defRPr>
+            </a:lvl7pPr>
+            <a:lvl8pPr>
+              <a:defRPr>
+                <a:solidFill>
+                  <a:schemeClr val="dk1"/>
+                </a:solidFill>
+              </a:defRPr>
+            </a:lvl8pPr>
+            <a:lvl9pPr>
+              <a:defRPr>
+                <a:solidFill>
+                  <a:schemeClr val="dk1"/>
+                </a:solidFill>
+              </a:defRPr>
+            </a:lvl9pPr>
+          </a:lstStyle>
+          <a:p>
+            <a:pPr defTabSz="672130"/>
+            <a:r>
+              <a:rPr lang="pt-BR" sz="1176" b="0" dirty="0">
+                <a:solidFill>
+                  <a:prstClr val="black"/>
+                </a:solidFill>
+                <a:latin typeface="Simplon BP Bold" pitchFamily="2" charset="0"/>
+              </a:rPr>
+              <a:t>Negócios</a:t>
+            </a:r>
+          </a:p>
+        </p:txBody>
+      </p:sp>
+      <p:sp>
+        <p:nvSpPr>
+          <p:cNvPr id="80" name="TextBox 123"/>
+          <p:cNvSpPr txBox="1"/>
+          <p:nvPr/>
+        </p:nvSpPr>
+        <p:spPr>
+          <a:xfrm>
+            <a:off x="10902774" y="589543"/>
+            <a:ext cx="899678" cy="179824"/>
+          </a:xfrm>
+          <a:prstGeom prst="rect">
+            <a:avLst/>
+          </a:prstGeom>
+          <a:noFill/>
+          <a:ln w="12700">
+            <a:noFill/>
+          </a:ln>
+        </p:spPr>
+        <p:style>
+          <a:lnRef idx="2">
+            <a:schemeClr val="accent4"/>
+          </a:lnRef>
+          <a:fillRef idx="1">
+            <a:schemeClr val="lt1"/>
+          </a:fillRef>
+          <a:effectRef idx="0">
+            <a:schemeClr val="accent4"/>
+          </a:effectRef>
+          <a:fontRef idx="minor">
+            <a:schemeClr val="dk1"/>
+          </a:fontRef>
+        </p:style>
+        <p:txBody>
+          <a:bodyPr wrap="none" lIns="52922" tIns="52922" rIns="52922" bIns="0" rtlCol="0" anchor="b"/>
+          <a:lstStyle>
+            <a:defPPr>
+              <a:defRPr lang="en-US"/>
+            </a:defPPr>
+            <a:lvl1pPr algn="ctr">
+              <a:defRPr sz="1000" b="1">
+                <a:latin typeface="Simplon BP Regular"/>
+                <a:cs typeface="Simplon BP Regular"/>
+              </a:defRPr>
+            </a:lvl1pPr>
+            <a:lvl2pPr>
+              <a:defRPr>
+                <a:solidFill>
+                  <a:schemeClr val="dk1"/>
+                </a:solidFill>
+              </a:defRPr>
+            </a:lvl2pPr>
+            <a:lvl3pPr>
+              <a:defRPr>
+                <a:solidFill>
+                  <a:schemeClr val="dk1"/>
+                </a:solidFill>
+              </a:defRPr>
+            </a:lvl3pPr>
+            <a:lvl4pPr>
+              <a:defRPr>
+                <a:solidFill>
+                  <a:schemeClr val="dk1"/>
+                </a:solidFill>
+              </a:defRPr>
+            </a:lvl4pPr>
+            <a:lvl5pPr>
+              <a:defRPr>
+                <a:solidFill>
+                  <a:schemeClr val="dk1"/>
+                </a:solidFill>
+              </a:defRPr>
+            </a:lvl5pPr>
+            <a:lvl6pPr>
+              <a:defRPr>
+                <a:solidFill>
+                  <a:schemeClr val="dk1"/>
+                </a:solidFill>
+              </a:defRPr>
+            </a:lvl6pPr>
+            <a:lvl7pPr>
+              <a:defRPr>
+                <a:solidFill>
+                  <a:schemeClr val="dk1"/>
+                </a:solidFill>
+              </a:defRPr>
+            </a:lvl7pPr>
+            <a:lvl8pPr>
+              <a:defRPr>
+                <a:solidFill>
+                  <a:schemeClr val="dk1"/>
+                </a:solidFill>
+              </a:defRPr>
+            </a:lvl8pPr>
+            <a:lvl9pPr>
+              <a:defRPr>
+                <a:solidFill>
+                  <a:schemeClr val="dk1"/>
+                </a:solidFill>
+              </a:defRPr>
+            </a:lvl9pPr>
+          </a:lstStyle>
+          <a:p>
+            <a:pPr defTabSz="672130"/>
+            <a:r>
+              <a:rPr lang="pt-BR" sz="1176" b="0" dirty="0">
+                <a:solidFill>
+                  <a:prstClr val="black"/>
+                </a:solidFill>
+                <a:latin typeface="Simplon BP Bold" pitchFamily="2" charset="0"/>
+              </a:rPr>
+              <a:t>Plataforma</a:t>
+            </a:r>
+          </a:p>
+        </p:txBody>
+      </p:sp>
+      <p:sp>
+        <p:nvSpPr>
+          <p:cNvPr id="82" name="TextBox 128"/>
+          <p:cNvSpPr txBox="1"/>
+          <p:nvPr/>
+        </p:nvSpPr>
+        <p:spPr>
+          <a:xfrm>
+            <a:off x="9844897" y="576471"/>
+            <a:ext cx="899678" cy="179824"/>
+          </a:xfrm>
+          <a:prstGeom prst="rect">
+            <a:avLst/>
+          </a:prstGeom>
+          <a:noFill/>
+          <a:ln w="12700">
+            <a:noFill/>
+          </a:ln>
+        </p:spPr>
+        <p:style>
+          <a:lnRef idx="2">
+            <a:schemeClr val="accent4"/>
+          </a:lnRef>
+          <a:fillRef idx="1">
+            <a:schemeClr val="lt1"/>
+          </a:fillRef>
+          <a:effectRef idx="0">
+            <a:schemeClr val="accent4"/>
+          </a:effectRef>
+          <a:fontRef idx="minor">
+            <a:schemeClr val="dk1"/>
+          </a:fontRef>
+        </p:style>
+        <p:txBody>
+          <a:bodyPr wrap="none" lIns="52922" tIns="52922" rIns="52922" bIns="0" rtlCol="0" anchor="b"/>
+          <a:lstStyle>
+            <a:defPPr>
+              <a:defRPr lang="en-US"/>
+            </a:defPPr>
+            <a:lvl1pPr algn="ctr">
+              <a:defRPr sz="1000" b="1">
+                <a:latin typeface="Simplon BP Regular"/>
+                <a:cs typeface="Simplon BP Regular"/>
+              </a:defRPr>
+            </a:lvl1pPr>
+            <a:lvl2pPr>
+              <a:defRPr>
+                <a:solidFill>
+                  <a:schemeClr val="dk1"/>
+                </a:solidFill>
+              </a:defRPr>
+            </a:lvl2pPr>
+            <a:lvl3pPr>
+              <a:defRPr>
+                <a:solidFill>
+                  <a:schemeClr val="dk1"/>
+                </a:solidFill>
+              </a:defRPr>
+            </a:lvl3pPr>
+            <a:lvl4pPr>
+              <a:defRPr>
+                <a:solidFill>
+                  <a:schemeClr val="dk1"/>
+                </a:solidFill>
+              </a:defRPr>
+            </a:lvl4pPr>
+            <a:lvl5pPr>
+              <a:defRPr>
+                <a:solidFill>
+                  <a:schemeClr val="dk1"/>
+                </a:solidFill>
+              </a:defRPr>
+            </a:lvl5pPr>
+            <a:lvl6pPr>
+              <a:defRPr>
+                <a:solidFill>
+                  <a:schemeClr val="dk1"/>
+                </a:solidFill>
+              </a:defRPr>
+            </a:lvl6pPr>
+            <a:lvl7pPr>
+              <a:defRPr>
+                <a:solidFill>
+                  <a:schemeClr val="dk1"/>
+                </a:solidFill>
+              </a:defRPr>
+            </a:lvl7pPr>
+            <a:lvl8pPr>
+              <a:defRPr>
+                <a:solidFill>
+                  <a:schemeClr val="dk1"/>
+                </a:solidFill>
+              </a:defRPr>
+            </a:lvl8pPr>
+            <a:lvl9pPr>
+              <a:defRPr>
+                <a:solidFill>
+                  <a:schemeClr val="dk1"/>
+                </a:solidFill>
+              </a:defRPr>
+            </a:lvl9pPr>
+          </a:lstStyle>
+          <a:p>
+            <a:pPr defTabSz="672130"/>
+            <a:r>
+              <a:rPr lang="pt-BR" sz="1176" b="0" dirty="0">
+                <a:solidFill>
+                  <a:prstClr val="black"/>
+                </a:solidFill>
+                <a:latin typeface="Simplon BP Bold" pitchFamily="2" charset="0"/>
+              </a:rPr>
+              <a:t>Back</a:t>
+            </a:r>
+          </a:p>
+        </p:txBody>
+      </p:sp>
+      <p:sp>
+        <p:nvSpPr>
+          <p:cNvPr id="84" name="TextBox 133"/>
+          <p:cNvSpPr txBox="1"/>
+          <p:nvPr/>
+        </p:nvSpPr>
+        <p:spPr>
+          <a:xfrm>
+            <a:off x="8934246" y="576471"/>
+            <a:ext cx="899678" cy="179824"/>
+          </a:xfrm>
+          <a:prstGeom prst="rect">
+            <a:avLst/>
+          </a:prstGeom>
+          <a:noFill/>
+          <a:ln w="12700">
+            <a:noFill/>
+          </a:ln>
+        </p:spPr>
+        <p:style>
+          <a:lnRef idx="2">
+            <a:schemeClr val="accent4"/>
+          </a:lnRef>
+          <a:fillRef idx="1">
+            <a:schemeClr val="lt1"/>
+          </a:fillRef>
+          <a:effectRef idx="0">
+            <a:schemeClr val="accent4"/>
+          </a:effectRef>
+          <a:fontRef idx="minor">
+            <a:schemeClr val="dk1"/>
+          </a:fontRef>
+        </p:style>
+        <p:txBody>
+          <a:bodyPr wrap="none" lIns="52922" tIns="52922" rIns="52922" bIns="0" rtlCol="0" anchor="b"/>
+          <a:lstStyle>
+            <a:defPPr>
+              <a:defRPr lang="en-US"/>
+            </a:defPPr>
+            <a:lvl1pPr algn="ctr">
+              <a:defRPr sz="1000" b="1">
+                <a:latin typeface="Simplon BP Regular"/>
+                <a:cs typeface="Simplon BP Regular"/>
+              </a:defRPr>
+            </a:lvl1pPr>
+            <a:lvl2pPr>
+              <a:defRPr>
+                <a:solidFill>
+                  <a:schemeClr val="dk1"/>
+                </a:solidFill>
+              </a:defRPr>
+            </a:lvl2pPr>
+            <a:lvl3pPr>
+              <a:defRPr>
+                <a:solidFill>
+                  <a:schemeClr val="dk1"/>
+                </a:solidFill>
+              </a:defRPr>
+            </a:lvl3pPr>
+            <a:lvl4pPr>
+              <a:defRPr>
+                <a:solidFill>
+                  <a:schemeClr val="dk1"/>
+                </a:solidFill>
+              </a:defRPr>
+            </a:lvl4pPr>
+            <a:lvl5pPr>
+              <a:defRPr>
+                <a:solidFill>
+                  <a:schemeClr val="dk1"/>
+                </a:solidFill>
+              </a:defRPr>
+            </a:lvl5pPr>
+            <a:lvl6pPr>
+              <a:defRPr>
+                <a:solidFill>
+                  <a:schemeClr val="dk1"/>
+                </a:solidFill>
+              </a:defRPr>
+            </a:lvl6pPr>
+            <a:lvl7pPr>
+              <a:defRPr>
+                <a:solidFill>
+                  <a:schemeClr val="dk1"/>
+                </a:solidFill>
+              </a:defRPr>
+            </a:lvl7pPr>
+            <a:lvl8pPr>
+              <a:defRPr>
+                <a:solidFill>
+                  <a:schemeClr val="dk1"/>
+                </a:solidFill>
+              </a:defRPr>
+            </a:lvl8pPr>
+            <a:lvl9pPr>
+              <a:defRPr>
+                <a:solidFill>
+                  <a:schemeClr val="dk1"/>
+                </a:solidFill>
+              </a:defRPr>
+            </a:lvl9pPr>
+          </a:lstStyle>
+          <a:p>
+            <a:pPr defTabSz="672130"/>
+            <a:r>
+              <a:rPr lang="pt-BR" sz="1176" b="0" dirty="0">
+                <a:solidFill>
+                  <a:prstClr val="black"/>
+                </a:solidFill>
+                <a:latin typeface="Simplon BP Bold" pitchFamily="2" charset="0"/>
+              </a:rPr>
+              <a:t>Front</a:t>
+            </a:r>
+          </a:p>
+        </p:txBody>
+      </p:sp>
+      <p:sp>
+        <p:nvSpPr>
+          <p:cNvPr id="88" name="Oval 134"/>
+          <p:cNvSpPr>
+            <a:spLocks noChangeAspect="1"/>
+          </p:cNvSpPr>
+          <p:nvPr/>
+        </p:nvSpPr>
+        <p:spPr>
+          <a:xfrm>
+            <a:off x="8470074" y="341965"/>
+            <a:ext cx="211404" cy="211689"/>
+          </a:xfrm>
+          <a:prstGeom prst="ellipse">
+            <a:avLst/>
+          </a:prstGeom>
+          <a:solidFill>
+            <a:srgbClr val="1BCF13"/>
+          </a:solidFill>
+          <a:ln w="12700">
+            <a:solidFill>
+              <a:schemeClr val="accent3"/>
+            </a:solidFill>
+          </a:ln>
+        </p:spPr>
+        <p:style>
+          <a:lnRef idx="2">
+            <a:schemeClr val="accent1">
+              <a:shade val="50000"/>
+            </a:schemeClr>
+          </a:lnRef>
+          <a:fillRef idx="1">
+            <a:schemeClr val="accent1"/>
+          </a:fillRef>
+          <a:effectRef idx="0">
+            <a:schemeClr val="accent1"/>
+          </a:effectRef>
+          <a:fontRef idx="minor">
+            <a:schemeClr val="lt1"/>
+          </a:fontRef>
+        </p:style>
+        <p:txBody>
+          <a:bodyPr wrap="none" lIns="52922" tIns="52922" rIns="52922" rtlCol="0" anchor="ctr"/>
+          <a:lstStyle/>
+          <a:p>
+            <a:pPr algn="ctr" defTabSz="672130"/>
+            <a:endParaRPr lang="en-US" sz="1176" dirty="0">
+              <a:solidFill>
+                <a:prstClr val="black"/>
+              </a:solidFill>
+              <a:latin typeface="Simplon BP Regular"/>
+              <a:cs typeface="Simplon BP Regular"/>
+            </a:endParaRPr>
+          </a:p>
+        </p:txBody>
+      </p:sp>
+      <p:sp>
+        <p:nvSpPr>
+          <p:cNvPr id="86" name="TextBox 138"/>
+          <p:cNvSpPr txBox="1"/>
+          <p:nvPr/>
+        </p:nvSpPr>
+        <p:spPr>
+          <a:xfrm>
+            <a:off x="8126053" y="576471"/>
+            <a:ext cx="899678" cy="179824"/>
+          </a:xfrm>
+          <a:prstGeom prst="rect">
+            <a:avLst/>
+          </a:prstGeom>
+          <a:noFill/>
+          <a:ln w="12700">
+            <a:noFill/>
+          </a:ln>
+        </p:spPr>
+        <p:style>
+          <a:lnRef idx="2">
+            <a:schemeClr val="accent4"/>
+          </a:lnRef>
+          <a:fillRef idx="1">
+            <a:schemeClr val="lt1"/>
+          </a:fillRef>
+          <a:effectRef idx="0">
+            <a:schemeClr val="accent4"/>
+          </a:effectRef>
+          <a:fontRef idx="minor">
+            <a:schemeClr val="dk1"/>
+          </a:fontRef>
+        </p:style>
+        <p:txBody>
+          <a:bodyPr wrap="none" lIns="52922" tIns="52922" rIns="52922" bIns="0" rtlCol="0" anchor="b"/>
+          <a:lstStyle>
+            <a:defPPr>
+              <a:defRPr lang="en-US"/>
+            </a:defPPr>
+            <a:lvl1pPr algn="ctr">
+              <a:defRPr sz="1000" b="1">
+                <a:latin typeface="Simplon BP Regular"/>
+                <a:cs typeface="Simplon BP Regular"/>
+              </a:defRPr>
+            </a:lvl1pPr>
+            <a:lvl2pPr>
+              <a:defRPr>
+                <a:solidFill>
+                  <a:schemeClr val="dk1"/>
+                </a:solidFill>
+              </a:defRPr>
+            </a:lvl2pPr>
+            <a:lvl3pPr>
+              <a:defRPr>
+                <a:solidFill>
+                  <a:schemeClr val="dk1"/>
+                </a:solidFill>
+              </a:defRPr>
+            </a:lvl3pPr>
+            <a:lvl4pPr>
+              <a:defRPr>
+                <a:solidFill>
+                  <a:schemeClr val="dk1"/>
+                </a:solidFill>
+              </a:defRPr>
+            </a:lvl4pPr>
+            <a:lvl5pPr>
+              <a:defRPr>
+                <a:solidFill>
+                  <a:schemeClr val="dk1"/>
+                </a:solidFill>
+              </a:defRPr>
+            </a:lvl5pPr>
+            <a:lvl6pPr>
+              <a:defRPr>
+                <a:solidFill>
+                  <a:schemeClr val="dk1"/>
+                </a:solidFill>
+              </a:defRPr>
+            </a:lvl6pPr>
+            <a:lvl7pPr>
+              <a:defRPr>
+                <a:solidFill>
+                  <a:schemeClr val="dk1"/>
+                </a:solidFill>
+              </a:defRPr>
+            </a:lvl7pPr>
+            <a:lvl8pPr>
+              <a:defRPr>
+                <a:solidFill>
+                  <a:schemeClr val="dk1"/>
+                </a:solidFill>
+              </a:defRPr>
+            </a:lvl8pPr>
+            <a:lvl9pPr>
+              <a:defRPr>
+                <a:solidFill>
+                  <a:schemeClr val="dk1"/>
+                </a:solidFill>
+              </a:defRPr>
+            </a:lvl9pPr>
+          </a:lstStyle>
+          <a:p>
+            <a:pPr defTabSz="672130"/>
+            <a:r>
+              <a:rPr lang="en-US" sz="1176" b="0" dirty="0" err="1">
+                <a:solidFill>
+                  <a:prstClr val="black"/>
+                </a:solidFill>
+                <a:latin typeface="Simplon BP Bold" pitchFamily="2" charset="0"/>
+              </a:rPr>
+              <a:t>Equipe</a:t>
+            </a:r>
+            <a:endParaRPr lang="en-US" sz="1176" b="0" dirty="0">
+              <a:solidFill>
+                <a:prstClr val="black"/>
+              </a:solidFill>
+              <a:latin typeface="Simplon BP Bold" pitchFamily="2" charset="0"/>
+            </a:endParaRPr>
+          </a:p>
+        </p:txBody>
+      </p:sp>
+      <p:sp>
+        <p:nvSpPr>
+          <p:cNvPr id="64" name="Retângulo 63"/>
+          <p:cNvSpPr/>
+          <p:nvPr/>
+        </p:nvSpPr>
+        <p:spPr>
+          <a:xfrm>
+            <a:off x="469692" y="559912"/>
+            <a:ext cx="7186474" cy="239087"/>
+          </a:xfrm>
+          <a:prstGeom prst="rect">
+            <a:avLst/>
+          </a:prstGeom>
+          <a:solidFill>
+            <a:schemeClr val="bg1">
+              <a:lumMod val="85000"/>
+            </a:schemeClr>
+          </a:solidFill>
+        </p:spPr>
+        <p:txBody>
+          <a:bodyPr vert="horz" lIns="134422" tIns="67211" rIns="134422" bIns="67211" rtlCol="0" anchor="ctr"/>
+          <a:lstStyle/>
+          <a:p>
+            <a:pPr defTabSz="672130"/>
+            <a:r>
+              <a:rPr lang="en-US" sz="1544" dirty="0">
+                <a:latin typeface="Simplon Oi Headline" charset="0"/>
+                <a:ea typeface="Simplon Oi Headline" charset="0"/>
+                <a:cs typeface="Simplon Oi Headline" charset="0"/>
+              </a:rPr>
+              <a:t>PROGRESSOS</a:t>
+            </a:r>
+            <a:endParaRPr lang="pt-BR" sz="1544" dirty="0">
+              <a:latin typeface="Simplon Oi Headline" charset="0"/>
+              <a:ea typeface="Simplon Oi Headline" charset="0"/>
+              <a:cs typeface="Simplon Oi Headline" charset="0"/>
+            </a:endParaRPr>
+          </a:p>
+        </p:txBody>
+      </p:sp>
+      <p:sp>
+        <p:nvSpPr>
+          <p:cNvPr id="65" name="Retângulo 64"/>
+          <p:cNvSpPr/>
+          <p:nvPr/>
+        </p:nvSpPr>
+        <p:spPr>
+          <a:xfrm>
+            <a:off x="7810906" y="927661"/>
+            <a:ext cx="5351116" cy="449162"/>
+          </a:xfrm>
+          <a:prstGeom prst="rect">
+            <a:avLst/>
+          </a:prstGeom>
+          <a:solidFill>
+            <a:schemeClr val="bg1">
+              <a:lumMod val="85000"/>
+            </a:schemeClr>
+          </a:solidFill>
+        </p:spPr>
+        <p:txBody>
+          <a:bodyPr vert="horz" lIns="134422" tIns="67211" rIns="134422" bIns="67211" rtlCol="0" anchor="ctr"/>
+          <a:lstStyle/>
+          <a:p>
+            <a:pPr defTabSz="672130"/>
+            <a:r>
+              <a:rPr lang="pt-BR" sz="1544" dirty="0">
+                <a:latin typeface="Simplon Oi Headline" charset="0"/>
+                <a:ea typeface="Simplon Oi Headline" charset="0"/>
+                <a:cs typeface="Simplon Oi Headline" charset="0"/>
+              </a:rPr>
+              <a:t>Pontos atenção/ Principais Riscos</a:t>
+            </a:r>
+          </a:p>
+        </p:txBody>
+      </p:sp>
+      <p:sp>
+        <p:nvSpPr>
+          <p:cNvPr id="66" name="Retângulo 65"/>
+          <p:cNvSpPr/>
+          <p:nvPr/>
+        </p:nvSpPr>
+        <p:spPr>
+          <a:xfrm>
+            <a:off x="469692" y="4982921"/>
+            <a:ext cx="11854636" cy="233106"/>
+          </a:xfrm>
+          <a:prstGeom prst="rect">
+            <a:avLst/>
+          </a:prstGeom>
+          <a:solidFill>
+            <a:schemeClr val="bg1">
+              <a:lumMod val="85000"/>
+            </a:schemeClr>
+          </a:solidFill>
+        </p:spPr>
+        <p:txBody>
+          <a:bodyPr vert="horz" lIns="134422" tIns="67211" rIns="134422" bIns="67211" rtlCol="0" anchor="ctr"/>
+          <a:lstStyle/>
+          <a:p>
+            <a:pPr defTabSz="672130"/>
+            <a:r>
+              <a:rPr lang="pt-BR" sz="1544" dirty="0">
+                <a:latin typeface="Simplon Oi Headline" charset="0"/>
+                <a:ea typeface="Simplon Oi Headline" charset="0"/>
+                <a:cs typeface="Simplon Oi Headline" charset="0"/>
+              </a:rPr>
+              <a:t>Próximos Passos/ Decisões a tomar</a:t>
+            </a:r>
+          </a:p>
+        </p:txBody>
+      </p:sp>
+      <p:sp>
+        <p:nvSpPr>
+          <p:cNvPr id="63" name="Rectangle 37"/>
+          <p:cNvSpPr/>
+          <p:nvPr/>
+        </p:nvSpPr>
+        <p:spPr>
+          <a:xfrm>
+            <a:off x="469132" y="818463"/>
+            <a:ext cx="7186474" cy="4078796"/>
+          </a:xfrm>
+          <a:prstGeom prst="rect">
+            <a:avLst/>
+          </a:prstGeom>
+          <a:noFill/>
+          <a:ln w="12700">
+            <a:solidFill>
+              <a:schemeClr val="bg1">
+                <a:lumMod val="50000"/>
+              </a:schemeClr>
+            </a:solidFill>
+          </a:ln>
+        </p:spPr>
+        <p:style>
+          <a:lnRef idx="2">
+            <a:schemeClr val="accent4"/>
+          </a:lnRef>
+          <a:fillRef idx="1">
+            <a:schemeClr val="lt1"/>
+          </a:fillRef>
+          <a:effectRef idx="0">
+            <a:schemeClr val="accent4"/>
+          </a:effectRef>
+          <a:fontRef idx="minor">
+            <a:schemeClr val="dk1"/>
+          </a:fontRef>
+        </p:style>
+        <p:txBody>
+          <a:bodyPr tIns="105844" rtlCol="0" anchor="t"/>
+          <a:lstStyle/>
+          <a:p>
+            <a:pPr marL="252049" indent="-252049" fontAlgn="base">
+              <a:spcBef>
+                <a:spcPct val="0"/>
+              </a:spcBef>
+              <a:buFont typeface="Wingdings" panose="05000000000000000000" pitchFamily="2" charset="2"/>
+              <a:buChar char="ü"/>
+              <a:defRPr/>
+            </a:pPr>
+            <a:r>
+              <a:rPr lang="pt-BR" sz="1600" b="1" dirty="0">
+                <a:solidFill>
+                  <a:schemeClr val="tx1"/>
+                </a:solidFill>
+                <a:latin typeface="Arial" panose="020B0604020202020204" pitchFamily="34" charset="0"/>
+                <a:cs typeface="Arial" panose="020B0604020202020204" pitchFamily="34" charset="0"/>
+              </a:rPr>
+              <a:t>F</a:t>
+            </a:r>
+          </a:p>
+          <a:p>
+            <a:pPr marL="0" lvl="1" defTabSz="672130"/>
+            <a:endParaRPr lang="pt-BR" sz="1800" b="1" dirty="0">
+              <a:solidFill>
+                <a:schemeClr val="tx1"/>
+              </a:solidFill>
+              <a:latin typeface="Calibri" panose="020F0502020204030204" pitchFamily="34" charset="0"/>
+              <a:cs typeface="Simplon BP Regular"/>
+            </a:endParaRPr>
+          </a:p>
+        </p:txBody>
+      </p:sp>
+      <p:sp>
+        <p:nvSpPr>
+          <p:cNvPr id="2" name="Rectangle 43">
+            <a:extLst>
+              <a:ext uri="{FF2B5EF4-FFF2-40B4-BE49-F238E27FC236}">
+                <a16:creationId xmlns:a16="http://schemas.microsoft.com/office/drawing/2014/main" id="{B15BA19F-C787-4E6A-ADAB-C0DFF09C66A8}"/>
+              </a:ext>
+            </a:extLst>
+          </p:cNvPr>
+          <p:cNvSpPr>
+            <a:spLocks/>
+          </p:cNvSpPr>
+          <p:nvPr/>
+        </p:nvSpPr>
+        <p:spPr>
+          <a:xfrm>
+            <a:off x="463325" y="5216027"/>
+            <a:ext cx="11854636" cy="2226277"/>
+          </a:xfrm>
+          <a:prstGeom prst="rect">
+            <a:avLst/>
+          </a:prstGeom>
+          <a:noFill/>
+          <a:ln w="12700">
+            <a:solidFill>
+              <a:schemeClr val="bg1">
+                <a:lumMod val="50000"/>
+              </a:schemeClr>
+            </a:solidFill>
+          </a:ln>
+        </p:spPr>
+        <p:style>
+          <a:lnRef idx="2">
+            <a:schemeClr val="accent4"/>
+          </a:lnRef>
+          <a:fillRef idx="1">
+            <a:schemeClr val="lt1"/>
+          </a:fillRef>
+          <a:effectRef idx="0">
+            <a:schemeClr val="accent4"/>
+          </a:effectRef>
+          <a:fontRef idx="minor">
+            <a:schemeClr val="dk1"/>
+          </a:fontRef>
+        </p:style>
+        <p:txBody>
+          <a:bodyPr wrap="square" tIns="105844" numCol="3" rtlCol="0" anchor="ctr"/>
+          <a:lstStyle/>
+          <a:p>
+            <a:pPr marL="0" lvl="1" defTabSz="672130"/>
+            <a:r>
+              <a:rPr lang="pt-BR" sz="1400" b="1" dirty="0">
+                <a:solidFill>
+                  <a:schemeClr val="tx1"/>
+                </a:solidFill>
+                <a:latin typeface="Arial" panose="020B0604020202020204" pitchFamily="34" charset="0"/>
+                <a:cs typeface="Arial" panose="020B0604020202020204" pitchFamily="34" charset="0"/>
+              </a:rPr>
+              <a:t>Frente </a:t>
+            </a:r>
+            <a:r>
+              <a:rPr lang="pt-BR" sz="1400" b="1" dirty="0" err="1">
+                <a:solidFill>
+                  <a:schemeClr val="tx1"/>
+                </a:solidFill>
+                <a:latin typeface="Arial" panose="020B0604020202020204" pitchFamily="34" charset="0"/>
+                <a:cs typeface="Arial" panose="020B0604020202020204" pitchFamily="34" charset="0"/>
+              </a:rPr>
+              <a:t>Backend</a:t>
+            </a:r>
+            <a:endParaRPr lang="pt-BR" sz="1400" b="1" dirty="0">
+              <a:solidFill>
+                <a:schemeClr val="tx1"/>
+              </a:solidFill>
+              <a:latin typeface="Arial" panose="020B0604020202020204" pitchFamily="34" charset="0"/>
+              <a:cs typeface="Arial" panose="020B0604020202020204" pitchFamily="34" charset="0"/>
+            </a:endParaRPr>
+          </a:p>
+          <a:p>
+            <a:pPr marL="285750" lvl="1" indent="-285750" defTabSz="672130">
+              <a:buFont typeface="Wingdings" panose="05000000000000000000" pitchFamily="2" charset="2"/>
+              <a:buChar char="§"/>
+            </a:pPr>
+            <a:r>
+              <a:rPr lang="pt-BR" sz="1400" b="1" dirty="0">
+                <a:solidFill>
+                  <a:schemeClr val="tx1"/>
+                </a:solidFill>
+                <a:latin typeface="Arial" panose="020B0604020202020204" pitchFamily="34" charset="0"/>
+                <a:cs typeface="Arial" panose="020B0604020202020204" pitchFamily="34" charset="0"/>
+              </a:rPr>
+              <a:t>A</a:t>
+            </a:r>
+          </a:p>
+          <a:p>
+            <a:pPr marL="0" lvl="1" defTabSz="672130"/>
+            <a:r>
+              <a:rPr lang="pt-BR" sz="1400" b="1" dirty="0">
+                <a:solidFill>
+                  <a:schemeClr val="tx1"/>
+                </a:solidFill>
+                <a:latin typeface="Arial" panose="020B0604020202020204" pitchFamily="34" charset="0"/>
+                <a:cs typeface="Arial" panose="020B0604020202020204" pitchFamily="34" charset="0"/>
+              </a:rPr>
+              <a:t>Frente Front-</a:t>
+            </a:r>
+            <a:r>
+              <a:rPr lang="pt-BR" sz="1400" b="1" dirty="0" err="1">
+                <a:solidFill>
+                  <a:schemeClr val="tx1"/>
+                </a:solidFill>
+                <a:latin typeface="Arial" panose="020B0604020202020204" pitchFamily="34" charset="0"/>
+                <a:cs typeface="Arial" panose="020B0604020202020204" pitchFamily="34" charset="0"/>
+              </a:rPr>
+              <a:t>end</a:t>
+            </a:r>
+            <a:endParaRPr lang="pt-BR" sz="1400" b="1" dirty="0">
+              <a:solidFill>
+                <a:schemeClr val="tx1"/>
+              </a:solidFill>
+              <a:latin typeface="Arial" panose="020B0604020202020204" pitchFamily="34" charset="0"/>
+              <a:cs typeface="Arial" panose="020B0604020202020204" pitchFamily="34" charset="0"/>
+            </a:endParaRPr>
+          </a:p>
+          <a:p>
+            <a:pPr marL="252049" lvl="1" indent="-252049">
+              <a:buFont typeface="Wingdings" panose="05000000000000000000" pitchFamily="2" charset="2"/>
+              <a:buChar char="§"/>
+            </a:pPr>
+            <a:r>
+              <a:rPr lang="pt-BR" sz="1400" b="1" dirty="0">
+                <a:solidFill>
+                  <a:schemeClr val="tx1"/>
+                </a:solidFill>
+                <a:latin typeface="Arial" panose="020B0604020202020204" pitchFamily="34" charset="0"/>
+                <a:cs typeface="Arial" panose="020B0604020202020204" pitchFamily="34" charset="0"/>
+              </a:rPr>
+              <a:t>F</a:t>
+            </a:r>
+          </a:p>
+          <a:p>
+            <a:pPr marL="0" lvl="1" defTabSz="672130"/>
+            <a:endParaRPr lang="pt-BR" sz="1600" b="1" dirty="0">
+              <a:solidFill>
+                <a:schemeClr val="tx1"/>
+              </a:solidFill>
+              <a:latin typeface="Calibri" panose="020F0502020204030204" pitchFamily="34" charset="0"/>
+              <a:cs typeface="Simplon BP Regular"/>
+            </a:endParaRPr>
+          </a:p>
+          <a:p>
+            <a:pPr marL="0" lvl="1" defTabSz="672130"/>
+            <a:r>
+              <a:rPr lang="pt-BR" sz="1400" b="1" dirty="0">
+                <a:solidFill>
+                  <a:schemeClr val="tx1"/>
+                </a:solidFill>
+                <a:latin typeface="Arial" panose="020B0604020202020204" pitchFamily="34" charset="0"/>
+                <a:cs typeface="Arial" panose="020B0604020202020204" pitchFamily="34" charset="0"/>
+              </a:rPr>
+              <a:t>Frente Negócios</a:t>
+            </a:r>
+          </a:p>
+          <a:p>
+            <a:pPr marL="285750" lvl="1" indent="-285750" defTabSz="672130">
+              <a:buFont typeface="Wingdings" panose="05000000000000000000" pitchFamily="2" charset="2"/>
+              <a:buChar char="§"/>
+            </a:pPr>
+            <a:r>
+              <a:rPr lang="pt-BR" sz="1400" b="1" dirty="0">
+                <a:solidFill>
+                  <a:schemeClr val="tx1"/>
+                </a:solidFill>
+                <a:latin typeface="Arial" panose="020B0604020202020204" pitchFamily="34" charset="0"/>
+                <a:cs typeface="Arial" panose="020B0604020202020204" pitchFamily="34" charset="0"/>
+              </a:rPr>
+              <a:t>D</a:t>
+            </a:r>
+          </a:p>
+        </p:txBody>
+      </p:sp>
+      <p:sp>
+        <p:nvSpPr>
+          <p:cNvPr id="5" name="Retângulo 4">
+            <a:extLst>
+              <a:ext uri="{FF2B5EF4-FFF2-40B4-BE49-F238E27FC236}">
+                <a16:creationId xmlns:a16="http://schemas.microsoft.com/office/drawing/2014/main" id="{A1C14918-6027-46B3-96BF-C5F7FDEC3276}"/>
+              </a:ext>
+            </a:extLst>
+          </p:cNvPr>
+          <p:cNvSpPr/>
+          <p:nvPr/>
+        </p:nvSpPr>
+        <p:spPr>
+          <a:xfrm>
+            <a:off x="8017619" y="180231"/>
+            <a:ext cx="4937689" cy="618769"/>
+          </a:xfrm>
+          <a:prstGeom prst="rect">
+            <a:avLst/>
+          </a:prstGeom>
+          <a:noFill/>
+          <a:ln w="6350">
+            <a:solidFill>
+              <a:schemeClr val="bg1">
+                <a:lumMod val="75000"/>
+              </a:schemeClr>
+            </a:solidFill>
+          </a:ln>
+        </p:spPr>
+        <p:style>
+          <a:lnRef idx="2">
+            <a:schemeClr val="accent1">
+              <a:shade val="50000"/>
+            </a:schemeClr>
+          </a:lnRef>
+          <a:fillRef idx="1">
+            <a:schemeClr val="accent1"/>
+          </a:fillRef>
+          <a:effectRef idx="0">
+            <a:schemeClr val="accent1"/>
+          </a:effectRef>
+          <a:fontRef idx="minor">
+            <a:schemeClr val="lt1"/>
+          </a:fontRef>
+        </p:style>
+        <p:txBody>
+          <a:bodyPr rtlCol="0" anchor="ctr"/>
+          <a:lstStyle/>
+          <a:p>
+            <a:pPr algn="ctr"/>
+            <a:endParaRPr lang="pt-BR"/>
+          </a:p>
+        </p:txBody>
+      </p:sp>
+      <p:sp>
+        <p:nvSpPr>
+          <p:cNvPr id="8" name="TextBox 138">
+            <a:extLst>
+              <a:ext uri="{FF2B5EF4-FFF2-40B4-BE49-F238E27FC236}">
+                <a16:creationId xmlns:a16="http://schemas.microsoft.com/office/drawing/2014/main" id="{5CE7D08C-795B-4BF1-97F6-F9773F4E9F4C}"/>
+              </a:ext>
+            </a:extLst>
+          </p:cNvPr>
+          <p:cNvSpPr txBox="1"/>
+          <p:nvPr/>
+        </p:nvSpPr>
+        <p:spPr>
+          <a:xfrm>
+            <a:off x="9715810" y="51570"/>
+            <a:ext cx="1478088" cy="211688"/>
+          </a:xfrm>
+          <a:prstGeom prst="rect">
+            <a:avLst/>
+          </a:prstGeom>
+          <a:solidFill>
+            <a:schemeClr val="bg1"/>
+          </a:solidFill>
+          <a:ln w="12700">
+            <a:noFill/>
+          </a:ln>
+        </p:spPr>
+        <p:style>
+          <a:lnRef idx="2">
+            <a:schemeClr val="accent4"/>
+          </a:lnRef>
+          <a:fillRef idx="1">
+            <a:schemeClr val="lt1"/>
+          </a:fillRef>
+          <a:effectRef idx="0">
+            <a:schemeClr val="accent4"/>
+          </a:effectRef>
+          <a:fontRef idx="minor">
+            <a:schemeClr val="dk1"/>
+          </a:fontRef>
+        </p:style>
+        <p:txBody>
+          <a:bodyPr wrap="none" lIns="52922" tIns="52922" rIns="52922" bIns="0" rtlCol="0" anchor="b"/>
+          <a:lstStyle>
+            <a:defPPr>
+              <a:defRPr lang="en-US"/>
+            </a:defPPr>
+            <a:lvl1pPr algn="ctr">
+              <a:defRPr sz="1000" b="1">
+                <a:latin typeface="Simplon BP Regular"/>
+                <a:cs typeface="Simplon BP Regular"/>
+              </a:defRPr>
+            </a:lvl1pPr>
+            <a:lvl2pPr>
+              <a:defRPr>
+                <a:solidFill>
+                  <a:schemeClr val="dk1"/>
+                </a:solidFill>
+              </a:defRPr>
+            </a:lvl2pPr>
+            <a:lvl3pPr>
+              <a:defRPr>
+                <a:solidFill>
+                  <a:schemeClr val="dk1"/>
+                </a:solidFill>
+              </a:defRPr>
+            </a:lvl3pPr>
+            <a:lvl4pPr>
+              <a:defRPr>
+                <a:solidFill>
+                  <a:schemeClr val="dk1"/>
+                </a:solidFill>
+              </a:defRPr>
+            </a:lvl4pPr>
+            <a:lvl5pPr>
+              <a:defRPr>
+                <a:solidFill>
+                  <a:schemeClr val="dk1"/>
+                </a:solidFill>
+              </a:defRPr>
+            </a:lvl5pPr>
+            <a:lvl6pPr>
+              <a:defRPr>
+                <a:solidFill>
+                  <a:schemeClr val="dk1"/>
+                </a:solidFill>
+              </a:defRPr>
+            </a:lvl6pPr>
+            <a:lvl7pPr>
+              <a:defRPr>
+                <a:solidFill>
+                  <a:schemeClr val="dk1"/>
+                </a:solidFill>
+              </a:defRPr>
+            </a:lvl7pPr>
+            <a:lvl8pPr>
+              <a:defRPr>
+                <a:solidFill>
+                  <a:schemeClr val="dk1"/>
+                </a:solidFill>
+              </a:defRPr>
+            </a:lvl8pPr>
+            <a:lvl9pPr>
+              <a:defRPr>
+                <a:solidFill>
+                  <a:schemeClr val="dk1"/>
+                </a:solidFill>
+              </a:defRPr>
+            </a:lvl9pPr>
+          </a:lstStyle>
+          <a:p>
+            <a:pPr defTabSz="672130"/>
+            <a:r>
+              <a:rPr lang="en-US" sz="1176" b="0" dirty="0">
+                <a:solidFill>
+                  <a:prstClr val="black"/>
+                </a:solidFill>
+                <a:latin typeface="Simplon BP Bold" pitchFamily="2" charset="0"/>
+              </a:rPr>
+              <a:t>    </a:t>
+            </a:r>
+            <a:r>
+              <a:rPr lang="en-US" sz="1176" b="0" dirty="0" err="1">
+                <a:solidFill>
+                  <a:prstClr val="black"/>
+                </a:solidFill>
+                <a:latin typeface="Simplon BP Bold" pitchFamily="2" charset="0"/>
+              </a:rPr>
+              <a:t>Farol</a:t>
+            </a:r>
+            <a:r>
+              <a:rPr lang="en-US" sz="1176" b="0" dirty="0">
+                <a:solidFill>
+                  <a:prstClr val="black"/>
+                </a:solidFill>
+                <a:latin typeface="Simplon BP Bold" pitchFamily="2" charset="0"/>
+              </a:rPr>
+              <a:t> do </a:t>
+            </a:r>
+            <a:r>
+              <a:rPr lang="en-US" sz="1176" b="0" dirty="0" err="1">
+                <a:solidFill>
+                  <a:prstClr val="black"/>
+                </a:solidFill>
+                <a:latin typeface="Simplon BP Bold" pitchFamily="2" charset="0"/>
+              </a:rPr>
+              <a:t>Projeto</a:t>
+            </a:r>
+            <a:r>
+              <a:rPr lang="en-US" sz="1176" b="0" dirty="0">
+                <a:solidFill>
+                  <a:prstClr val="black"/>
+                </a:solidFill>
+                <a:latin typeface="Simplon BP Bold" pitchFamily="2" charset="0"/>
+              </a:rPr>
+              <a:t>   </a:t>
+            </a:r>
+          </a:p>
+        </p:txBody>
+      </p:sp>
+      <p:sp>
+        <p:nvSpPr>
+          <p:cNvPr id="21" name="Oval 134">
+            <a:extLst>
+              <a:ext uri="{FF2B5EF4-FFF2-40B4-BE49-F238E27FC236}">
+                <a16:creationId xmlns:a16="http://schemas.microsoft.com/office/drawing/2014/main" id="{C7687DA3-5EC5-4177-9DBB-6A09DC7F77ED}"/>
+              </a:ext>
+            </a:extLst>
+          </p:cNvPr>
+          <p:cNvSpPr>
+            <a:spLocks noChangeAspect="1"/>
+          </p:cNvSpPr>
+          <p:nvPr/>
+        </p:nvSpPr>
+        <p:spPr>
+          <a:xfrm>
+            <a:off x="10156945" y="362281"/>
+            <a:ext cx="211404" cy="211689"/>
+          </a:xfrm>
+          <a:prstGeom prst="ellipse">
+            <a:avLst/>
+          </a:prstGeom>
+          <a:solidFill>
+            <a:srgbClr val="1BCF13"/>
+          </a:solidFill>
+          <a:ln w="12700">
+            <a:solidFill>
+              <a:schemeClr val="accent3"/>
+            </a:solidFill>
+          </a:ln>
+        </p:spPr>
+        <p:style>
+          <a:lnRef idx="2">
+            <a:schemeClr val="accent1">
+              <a:shade val="50000"/>
+            </a:schemeClr>
+          </a:lnRef>
+          <a:fillRef idx="1">
+            <a:schemeClr val="accent1"/>
+          </a:fillRef>
+          <a:effectRef idx="0">
+            <a:schemeClr val="accent1"/>
+          </a:effectRef>
+          <a:fontRef idx="minor">
+            <a:schemeClr val="lt1"/>
+          </a:fontRef>
+        </p:style>
+        <p:txBody>
+          <a:bodyPr wrap="none" lIns="52922" tIns="52922" rIns="52922" rtlCol="0" anchor="ctr"/>
+          <a:lstStyle/>
+          <a:p>
+            <a:pPr algn="ctr" defTabSz="672130"/>
+            <a:endParaRPr lang="en-US" sz="1176" dirty="0">
+              <a:solidFill>
+                <a:prstClr val="black"/>
+              </a:solidFill>
+              <a:latin typeface="Simplon BP Regular"/>
+              <a:cs typeface="Simplon BP Regular"/>
+            </a:endParaRPr>
+          </a:p>
+        </p:txBody>
+      </p:sp>
+      <p:sp>
+        <p:nvSpPr>
+          <p:cNvPr id="22" name="Oval 134">
+            <a:extLst>
+              <a:ext uri="{FF2B5EF4-FFF2-40B4-BE49-F238E27FC236}">
+                <a16:creationId xmlns:a16="http://schemas.microsoft.com/office/drawing/2014/main" id="{B363CBDD-9D88-41D9-9F1B-E6F757DF80B1}"/>
+              </a:ext>
+            </a:extLst>
+          </p:cNvPr>
+          <p:cNvSpPr>
+            <a:spLocks noChangeAspect="1"/>
+          </p:cNvSpPr>
+          <p:nvPr/>
+        </p:nvSpPr>
+        <p:spPr>
+          <a:xfrm>
+            <a:off x="12180394" y="284502"/>
+            <a:ext cx="211404" cy="211689"/>
+          </a:xfrm>
+          <a:prstGeom prst="ellipse">
+            <a:avLst/>
+          </a:prstGeom>
+          <a:solidFill>
+            <a:srgbClr val="1BCF13"/>
+          </a:solidFill>
+          <a:ln w="12700">
+            <a:solidFill>
+              <a:schemeClr val="accent3"/>
+            </a:solidFill>
+          </a:ln>
+        </p:spPr>
+        <p:style>
+          <a:lnRef idx="2">
+            <a:schemeClr val="accent1">
+              <a:shade val="50000"/>
+            </a:schemeClr>
+          </a:lnRef>
+          <a:fillRef idx="1">
+            <a:schemeClr val="accent1"/>
+          </a:fillRef>
+          <a:effectRef idx="0">
+            <a:schemeClr val="accent1"/>
+          </a:effectRef>
+          <a:fontRef idx="minor">
+            <a:schemeClr val="lt1"/>
+          </a:fontRef>
+        </p:style>
+        <p:txBody>
+          <a:bodyPr wrap="none" lIns="52922" tIns="52922" rIns="52922" rtlCol="0" anchor="ctr"/>
+          <a:lstStyle/>
+          <a:p>
+            <a:pPr algn="ctr" defTabSz="672130"/>
+            <a:endParaRPr lang="en-US" sz="1176" dirty="0">
+              <a:solidFill>
+                <a:prstClr val="black"/>
+              </a:solidFill>
+              <a:latin typeface="Simplon BP Regular"/>
+              <a:cs typeface="Simplon BP Regular"/>
+            </a:endParaRPr>
+          </a:p>
+        </p:txBody>
+      </p:sp>
+      <p:sp>
+        <p:nvSpPr>
+          <p:cNvPr id="23" name="Oval 134">
+            <a:extLst>
+              <a:ext uri="{FF2B5EF4-FFF2-40B4-BE49-F238E27FC236}">
+                <a16:creationId xmlns:a16="http://schemas.microsoft.com/office/drawing/2014/main" id="{F42F78D9-B5A8-4A97-8925-8B5904C502F3}"/>
+              </a:ext>
+            </a:extLst>
+          </p:cNvPr>
+          <p:cNvSpPr>
+            <a:spLocks noChangeAspect="1"/>
+          </p:cNvSpPr>
+          <p:nvPr/>
+        </p:nvSpPr>
+        <p:spPr>
+          <a:xfrm>
+            <a:off x="11262832" y="305415"/>
+            <a:ext cx="211404" cy="211689"/>
+          </a:xfrm>
+          <a:prstGeom prst="ellipse">
+            <a:avLst/>
+          </a:prstGeom>
+          <a:solidFill>
+            <a:srgbClr val="1BCF13"/>
+          </a:solidFill>
+          <a:ln w="12700">
+            <a:solidFill>
+              <a:schemeClr val="accent3"/>
+            </a:solidFill>
+          </a:ln>
+        </p:spPr>
+        <p:style>
+          <a:lnRef idx="2">
+            <a:schemeClr val="accent1">
+              <a:shade val="50000"/>
+            </a:schemeClr>
+          </a:lnRef>
+          <a:fillRef idx="1">
+            <a:schemeClr val="accent1"/>
+          </a:fillRef>
+          <a:effectRef idx="0">
+            <a:schemeClr val="accent1"/>
+          </a:effectRef>
+          <a:fontRef idx="minor">
+            <a:schemeClr val="lt1"/>
+          </a:fontRef>
+        </p:style>
+        <p:txBody>
+          <a:bodyPr wrap="none" lIns="52922" tIns="52922" rIns="52922" rtlCol="0" anchor="ctr"/>
+          <a:lstStyle/>
+          <a:p>
+            <a:pPr algn="ctr" defTabSz="672130"/>
+            <a:endParaRPr lang="en-US" sz="1176" dirty="0">
+              <a:solidFill>
+                <a:prstClr val="black"/>
+              </a:solidFill>
+              <a:latin typeface="Simplon BP Regular"/>
+              <a:cs typeface="Simplon BP Regular"/>
+            </a:endParaRPr>
+          </a:p>
+        </p:txBody>
+      </p:sp>
+      <p:sp>
+        <p:nvSpPr>
+          <p:cNvPr id="24" name="Oval 134">
+            <a:extLst>
+              <a:ext uri="{FF2B5EF4-FFF2-40B4-BE49-F238E27FC236}">
+                <a16:creationId xmlns:a16="http://schemas.microsoft.com/office/drawing/2014/main" id="{1EBE2388-56B1-476A-9F0A-E2D66925E9B1}"/>
+              </a:ext>
+            </a:extLst>
+          </p:cNvPr>
+          <p:cNvSpPr>
+            <a:spLocks noChangeAspect="1"/>
+          </p:cNvSpPr>
+          <p:nvPr/>
+        </p:nvSpPr>
+        <p:spPr>
+          <a:xfrm>
+            <a:off x="9275679" y="332030"/>
+            <a:ext cx="211404" cy="211689"/>
+          </a:xfrm>
+          <a:prstGeom prst="ellipse">
+            <a:avLst/>
+          </a:prstGeom>
+          <a:solidFill>
+            <a:srgbClr val="1BCF13"/>
+          </a:solidFill>
+          <a:ln w="12700">
+            <a:solidFill>
+              <a:schemeClr val="accent3"/>
+            </a:solidFill>
+          </a:ln>
+        </p:spPr>
+        <p:style>
+          <a:lnRef idx="2">
+            <a:schemeClr val="accent1">
+              <a:shade val="50000"/>
+            </a:schemeClr>
+          </a:lnRef>
+          <a:fillRef idx="1">
+            <a:schemeClr val="accent1"/>
+          </a:fillRef>
+          <a:effectRef idx="0">
+            <a:schemeClr val="accent1"/>
+          </a:effectRef>
+          <a:fontRef idx="minor">
+            <a:schemeClr val="lt1"/>
+          </a:fontRef>
+        </p:style>
+        <p:txBody>
+          <a:bodyPr wrap="none" lIns="52922" tIns="52922" rIns="52922" rtlCol="0" anchor="ctr"/>
+          <a:lstStyle/>
+          <a:p>
+            <a:pPr algn="ctr" defTabSz="672130"/>
+            <a:endParaRPr lang="en-US" sz="1176" dirty="0">
+              <a:solidFill>
+                <a:prstClr val="black"/>
+              </a:solidFill>
+              <a:latin typeface="Simplon BP Regular"/>
+              <a:cs typeface="Simplon BP Regular"/>
+            </a:endParaRPr>
+          </a:p>
+        </p:txBody>
+      </p:sp>
+    </p:spTree>
+    <p:extLst>
+      <p:ext uri="{BB962C8B-B14F-4D97-AF65-F5344CB8AC3E}">
+        <p14:creationId xmlns:p14="http://schemas.microsoft.com/office/powerpoint/2010/main" val="650426979"/>
       </p:ext>
     </p:extLst>
   </p:cSld>
@@ -33242,6 +36741,15 @@
 </file>
 
 <file path=customXml/item2.xml><?xml version="1.0" encoding="utf-8"?>
+<?mso-contentType ?>
+<FormTemplates xmlns="http://schemas.microsoft.com/sharepoint/v3/contenttype/forms">
+  <Display>DocumentLibraryForm</Display>
+  <Edit>DocumentLibraryForm</Edit>
+  <New>DocumentLibraryForm</New>
+</FormTemplates>
+</file>
+
+<file path=customXml/item3.xml><?xml version="1.0" encoding="utf-8"?>
 <p:properties xmlns:p="http://schemas.microsoft.com/office/2006/metadata/properties" xmlns:xsi="http://www.w3.org/2001/XMLSchema-instance" xmlns:pc="http://schemas.microsoft.com/office/infopath/2007/PartnerControls">
   <documentManagement>
     <Is_Collaboration_Space_Locked xmlns="bbcd8c33-6940-4d4c-a587-bbc736ca1e4d" xsi:nil="true"/>
@@ -33293,15 +36801,6 @@
 </p:properties>
 </file>
 
-<file path=customXml/item3.xml><?xml version="1.0" encoding="utf-8"?>
-<?mso-contentType ?>
-<FormTemplates xmlns="http://schemas.microsoft.com/sharepoint/v3/contenttype/forms">
-  <Display>DocumentLibraryForm</Display>
-  <Edit>DocumentLibraryForm</Edit>
-  <New>DocumentLibraryForm</New>
-</FormTemplates>
-</file>
-
 <file path=customXml/itemProps1.xml><?xml version="1.0" encoding="utf-8"?>
 <ds:datastoreItem xmlns:ds="http://schemas.openxmlformats.org/officeDocument/2006/customXml" ds:itemID="{3BE6CAF6-1F55-4A70-B10C-21633F74987A}">
   <ds:schemaRefs>
@@ -33322,6 +36821,14 @@
 </file>
 
 <file path=customXml/itemProps2.xml><?xml version="1.0" encoding="utf-8"?>
+<ds:datastoreItem xmlns:ds="http://schemas.openxmlformats.org/officeDocument/2006/customXml" ds:itemID="{E2481852-F24E-4532-AF30-C154D705D105}">
+  <ds:schemaRefs>
+    <ds:schemaRef ds:uri="http://schemas.microsoft.com/sharepoint/v3/contenttype/forms"/>
+  </ds:schemaRefs>
+</ds:datastoreItem>
+</file>
+
+<file path=customXml/itemProps3.xml><?xml version="1.0" encoding="utf-8"?>
 <ds:datastoreItem xmlns:ds="http://schemas.openxmlformats.org/officeDocument/2006/customXml" ds:itemID="{4B31267F-D399-4A8A-87F8-B75F56828412}">
   <ds:schemaRefs>
     <ds:schemaRef ds:uri="http://www.w3.org/XML/1998/namespace"/>
@@ -33336,12 +36843,4 @@
     <ds:schemaRef ds:uri="http://purl.org/dc/terms/"/>
   </ds:schemaRefs>
 </ds:datastoreItem>
-</file>
-
-<file path=customXml/itemProps3.xml><?xml version="1.0" encoding="utf-8"?>
-<ds:datastoreItem xmlns:ds="http://schemas.openxmlformats.org/officeDocument/2006/customXml" ds:itemID="{E2481852-F24E-4532-AF30-C154D705D105}">
-  <ds:schemaRefs>
-    <ds:schemaRef ds:uri="http://schemas.microsoft.com/sharepoint/v3/contenttype/forms"/>
-  </ds:schemaRefs>
-</ds:datastoreItem>
 </file>
--- a/Documentação/Status_Report/Mod_Status_Report-PI20202.pptx
+++ b/Documentação/Status_Report/Mod_Status_Report-PI20202.pptx
@@ -1218,7 +1218,7 @@
             <a:fld id="{C3CD65D1-5C11-455D-9F9A-0E035F00A0DA}" type="datetimeFigureOut">
               <a:rPr lang="pt-BR" smtClean="0"/>
               <a:pPr/>
-              <a:t>07/04/2021</a:t>
+              <a:t>08/04/2021</a:t>
             </a:fld>
             <a:endParaRPr lang="pt-BR"/>
           </a:p>
@@ -1386,7 +1386,7 @@
             <a:fld id="{A05DA3EF-18EA-43DE-B1BB-402A3C558822}" type="datetimeFigureOut">
               <a:rPr lang="pt-BR" smtClean="0"/>
               <a:pPr/>
-              <a:t>07/04/2021</a:t>
+              <a:t>08/04/2021</a:t>
             </a:fld>
             <a:endParaRPr lang="pt-BR"/>
           </a:p>
@@ -2290,7 +2290,7 @@
     </p:spTree>
     <p:extLst>
       <p:ext uri="{BB962C8B-B14F-4D97-AF65-F5344CB8AC3E}">
-        <p14:creationId xmlns:p14="http://schemas.microsoft.com/office/powerpoint/2010/main" val="3729790817"/>
+        <p14:creationId xmlns:p14="http://schemas.microsoft.com/office/powerpoint/2010/main" val="1699401249"/>
       </p:ext>
     </p:extLst>
   </p:cSld>
@@ -33351,7 +33351,7 @@
         </p:nvSpPr>
         <p:spPr>
           <a:xfrm>
-            <a:off x="469692" y="185232"/>
+            <a:off x="469692" y="182603"/>
             <a:ext cx="12098020" cy="800352"/>
           </a:xfrm>
         </p:spPr>
@@ -34194,8 +34194,159 @@
                 <a:latin typeface="Arial" panose="020B0604020202020204" pitchFamily="34" charset="0"/>
                 <a:cs typeface="Arial" panose="020B0604020202020204" pitchFamily="34" charset="0"/>
               </a:rPr>
-              <a:t>F</a:t>
+              <a:t>Finalizamos a conexão com o SQL</a:t>
             </a:r>
+          </a:p>
+          <a:p>
+            <a:pPr marL="252049" indent="-252049" fontAlgn="base">
+              <a:spcBef>
+                <a:spcPct val="0"/>
+              </a:spcBef>
+              <a:buFont typeface="Wingdings" panose="05000000000000000000" pitchFamily="2" charset="2"/>
+              <a:buChar char="ü"/>
+              <a:defRPr/>
+            </a:pPr>
+            <a:r>
+              <a:rPr lang="pt-BR" sz="1600" b="1" dirty="0">
+                <a:solidFill>
+                  <a:schemeClr val="tx1"/>
+                </a:solidFill>
+                <a:latin typeface="Arial" panose="020B0604020202020204" pitchFamily="34" charset="0"/>
+                <a:cs typeface="Arial" panose="020B0604020202020204" pitchFamily="34" charset="0"/>
+              </a:rPr>
+              <a:t>Finalizamos a arquitetura inicial da API</a:t>
+            </a:r>
+          </a:p>
+          <a:p>
+            <a:pPr marL="252049" indent="-252049" fontAlgn="base">
+              <a:spcBef>
+                <a:spcPct val="0"/>
+              </a:spcBef>
+              <a:buFont typeface="Wingdings" panose="05000000000000000000" pitchFamily="2" charset="2"/>
+              <a:buChar char="ü"/>
+              <a:defRPr/>
+            </a:pPr>
+            <a:r>
+              <a:rPr lang="pt-BR" sz="1600" b="1" dirty="0">
+                <a:solidFill>
+                  <a:schemeClr val="tx1"/>
+                </a:solidFill>
+                <a:latin typeface="Arial" panose="020B0604020202020204" pitchFamily="34" charset="0"/>
+                <a:cs typeface="Arial" panose="020B0604020202020204" pitchFamily="34" charset="0"/>
+              </a:rPr>
+              <a:t>Finalizamos o Diagrama Macro de Solução de Software - Container</a:t>
+            </a:r>
+          </a:p>
+          <a:p>
+            <a:pPr marL="252049" indent="-252049" fontAlgn="base">
+              <a:spcBef>
+                <a:spcPct val="0"/>
+              </a:spcBef>
+              <a:buFont typeface="Wingdings" panose="05000000000000000000" pitchFamily="2" charset="2"/>
+              <a:buChar char="ü"/>
+              <a:defRPr/>
+            </a:pPr>
+            <a:r>
+              <a:rPr lang="pt-BR" sz="1600" b="1" dirty="0">
+                <a:solidFill>
+                  <a:schemeClr val="tx1"/>
+                </a:solidFill>
+                <a:latin typeface="Arial" panose="020B0604020202020204" pitchFamily="34" charset="0"/>
+                <a:cs typeface="Arial" panose="020B0604020202020204" pitchFamily="34" charset="0"/>
+              </a:rPr>
+              <a:t>Finalizamos a tela de feed do sistema </a:t>
+            </a:r>
+          </a:p>
+          <a:p>
+            <a:pPr marL="252049" indent="-252049" fontAlgn="base">
+              <a:spcBef>
+                <a:spcPct val="0"/>
+              </a:spcBef>
+              <a:buFont typeface="Wingdings" panose="05000000000000000000" pitchFamily="2" charset="2"/>
+              <a:buChar char="ü"/>
+              <a:defRPr/>
+            </a:pPr>
+            <a:r>
+              <a:rPr lang="pt-BR" sz="1600" b="1" dirty="0">
+                <a:solidFill>
+                  <a:schemeClr val="tx1"/>
+                </a:solidFill>
+                <a:latin typeface="Arial" panose="020B0604020202020204" pitchFamily="34" charset="0"/>
+                <a:cs typeface="Arial" panose="020B0604020202020204" pitchFamily="34" charset="0"/>
+              </a:rPr>
+              <a:t>Colocamos a tela de login e cadastro em </a:t>
+            </a:r>
+            <a:r>
+              <a:rPr lang="pt-BR" sz="1600" b="1" dirty="0" err="1">
+                <a:solidFill>
+                  <a:schemeClr val="tx1"/>
+                </a:solidFill>
+                <a:latin typeface="Arial" panose="020B0604020202020204" pitchFamily="34" charset="0"/>
+                <a:cs typeface="Arial" panose="020B0604020202020204" pitchFamily="34" charset="0"/>
+              </a:rPr>
+              <a:t>React</a:t>
+            </a:r>
+            <a:endParaRPr lang="pt-BR" sz="1600" b="1" dirty="0">
+              <a:solidFill>
+                <a:schemeClr val="tx1"/>
+              </a:solidFill>
+              <a:latin typeface="Arial" panose="020B0604020202020204" pitchFamily="34" charset="0"/>
+              <a:cs typeface="Arial" panose="020B0604020202020204" pitchFamily="34" charset="0"/>
+            </a:endParaRPr>
+          </a:p>
+          <a:p>
+            <a:pPr marL="252049" indent="-252049" fontAlgn="base">
+              <a:spcBef>
+                <a:spcPct val="0"/>
+              </a:spcBef>
+              <a:buFont typeface="Wingdings" panose="05000000000000000000" pitchFamily="2" charset="2"/>
+              <a:buChar char="ü"/>
+              <a:defRPr/>
+            </a:pPr>
+            <a:r>
+              <a:rPr lang="pt-BR" sz="1600" b="1" dirty="0">
+                <a:solidFill>
+                  <a:schemeClr val="tx1"/>
+                </a:solidFill>
+                <a:latin typeface="Arial" panose="020B0604020202020204" pitchFamily="34" charset="0"/>
+                <a:cs typeface="Arial" panose="020B0604020202020204" pitchFamily="34" charset="0"/>
+              </a:rPr>
+              <a:t>Atualizamos o Diagrama de Classe</a:t>
+            </a:r>
+          </a:p>
+          <a:p>
+            <a:pPr marL="252049" indent="-252049" fontAlgn="base">
+              <a:spcBef>
+                <a:spcPct val="0"/>
+              </a:spcBef>
+              <a:buFont typeface="Wingdings" panose="05000000000000000000" pitchFamily="2" charset="2"/>
+              <a:buChar char="ü"/>
+              <a:defRPr/>
+            </a:pPr>
+            <a:endParaRPr lang="pt-BR" sz="1600" b="1" dirty="0">
+              <a:solidFill>
+                <a:schemeClr val="tx1"/>
+              </a:solidFill>
+              <a:latin typeface="Arial" panose="020B0604020202020204" pitchFamily="34" charset="0"/>
+              <a:cs typeface="Arial" panose="020B0604020202020204" pitchFamily="34" charset="0"/>
+            </a:endParaRPr>
+          </a:p>
+          <a:p>
+            <a:pPr marL="252049" indent="-252049" fontAlgn="base">
+              <a:spcBef>
+                <a:spcPct val="0"/>
+              </a:spcBef>
+              <a:buFont typeface="Wingdings" panose="05000000000000000000" pitchFamily="2" charset="2"/>
+              <a:buChar char="ü"/>
+              <a:defRPr/>
+            </a:pPr>
+            <a:endParaRPr lang="pt-BR" sz="1600" b="1" dirty="0">
+              <a:solidFill>
+                <a:schemeClr val="tx1"/>
+              </a:solidFill>
+              <a:latin typeface="Arial" panose="020B0604020202020204" pitchFamily="34" charset="0"/>
+              <a:cs typeface="Arial" panose="020B0604020202020204" pitchFamily="34" charset="0"/>
+            </a:endParaRPr>
           </a:p>
           <a:p>
             <a:pPr marL="0" lvl="1" defTabSz="672130"/>
@@ -34226,7 +34377,7 @@
         <p:spPr>
           <a:xfrm>
             <a:off x="463325" y="5216027"/>
-            <a:ext cx="11854636" cy="2226277"/>
+            <a:ext cx="11854636" cy="2345236"/>
           </a:xfrm>
           <a:prstGeom prst="rect">
             <a:avLst/>
@@ -34300,7 +34451,59 @@
                 <a:latin typeface="Arial" panose="020B0604020202020204" pitchFamily="34" charset="0"/>
                 <a:cs typeface="Arial" panose="020B0604020202020204" pitchFamily="34" charset="0"/>
               </a:rPr>
-              <a:t>A</a:t>
+              <a:t>Login/</a:t>
+            </a:r>
+            <a:r>
+              <a:rPr lang="pt-BR" sz="1400" b="1" dirty="0" err="1">
+                <a:solidFill>
+                  <a:schemeClr val="tx1"/>
+                </a:solidFill>
+                <a:latin typeface="Arial" panose="020B0604020202020204" pitchFamily="34" charset="0"/>
+                <a:cs typeface="Arial" panose="020B0604020202020204" pitchFamily="34" charset="0"/>
+              </a:rPr>
+              <a:t>LogOff</a:t>
+            </a:r>
+            <a:r>
+              <a:rPr lang="pt-BR" sz="1400" b="1" dirty="0">
+                <a:solidFill>
+                  <a:schemeClr val="tx1"/>
+                </a:solidFill>
+                <a:latin typeface="Arial" panose="020B0604020202020204" pitchFamily="34" charset="0"/>
+                <a:cs typeface="Arial" panose="020B0604020202020204" pitchFamily="34" charset="0"/>
+              </a:rPr>
+              <a:t> ORM</a:t>
+            </a:r>
+          </a:p>
+          <a:p>
+            <a:pPr marL="285750" lvl="1" indent="-285750" defTabSz="672130">
+              <a:buFont typeface="Wingdings" panose="05000000000000000000" pitchFamily="2" charset="2"/>
+              <a:buChar char="§"/>
+            </a:pPr>
+            <a:r>
+              <a:rPr lang="pt-BR" sz="1400" b="1" dirty="0">
+                <a:solidFill>
+                  <a:schemeClr val="tx1"/>
+                </a:solidFill>
+                <a:latin typeface="Arial" panose="020B0604020202020204" pitchFamily="34" charset="0"/>
+                <a:cs typeface="Arial" panose="020B0604020202020204" pitchFamily="34" charset="0"/>
+              </a:rPr>
+              <a:t>Iniciar os CRUDS</a:t>
+            </a:r>
+          </a:p>
+          <a:p>
+            <a:pPr marL="285750" lvl="1" indent="-285750" defTabSz="672130">
+              <a:buFont typeface="Wingdings" panose="05000000000000000000" pitchFamily="2" charset="2"/>
+              <a:buChar char="§"/>
+            </a:pPr>
+            <a:r>
+              <a:rPr lang="pt-BR" sz="1400" b="1" dirty="0">
+                <a:solidFill>
+                  <a:schemeClr val="tx1"/>
+                </a:solidFill>
+                <a:latin typeface="Arial" panose="020B0604020202020204" pitchFamily="34" charset="0"/>
+                <a:cs typeface="Arial" panose="020B0604020202020204" pitchFamily="34" charset="0"/>
+              </a:rPr>
+              <a:t>Iniciar exportação do CSV</a:t>
             </a:r>
           </a:p>
           <a:p>
@@ -34346,7 +34549,7 @@
                 <a:latin typeface="Arial" panose="020B0604020202020204" pitchFamily="34" charset="0"/>
                 <a:cs typeface="Arial" panose="020B0604020202020204" pitchFamily="34" charset="0"/>
               </a:rPr>
-              <a:t>F</a:t>
+              <a:t>Finalizar 3 telas finais do sistema</a:t>
             </a:r>
           </a:p>
           <a:p>
@@ -34385,8 +34588,18 @@
                 <a:latin typeface="Arial" panose="020B0604020202020204" pitchFamily="34" charset="0"/>
                 <a:cs typeface="Arial" panose="020B0604020202020204" pitchFamily="34" charset="0"/>
               </a:rPr>
-              <a:t>D</a:t>
+              <a:t>Diagrama de solução de software – Componentes Micro</a:t>
             </a:r>
+          </a:p>
+          <a:p>
+            <a:pPr marL="0" lvl="1" defTabSz="672130"/>
+            <a:endParaRPr lang="pt-BR" sz="1400" b="1" dirty="0">
+              <a:solidFill>
+                <a:schemeClr val="tx1"/>
+              </a:solidFill>
+              <a:latin typeface="Arial" panose="020B0604020202020204" pitchFamily="34" charset="0"/>
+              <a:cs typeface="Arial" panose="020B0604020202020204" pitchFamily="34" charset="0"/>
+            </a:endParaRPr>
           </a:p>
         </p:txBody>
       </p:sp>
@@ -34855,7 +35068,7 @@
     </p:spTree>
     <p:extLst>
       <p:ext uri="{BB962C8B-B14F-4D97-AF65-F5344CB8AC3E}">
-        <p14:creationId xmlns:p14="http://schemas.microsoft.com/office/powerpoint/2010/main" val="650426979"/>
+        <p14:creationId xmlns:p14="http://schemas.microsoft.com/office/powerpoint/2010/main" val="1523586749"/>
       </p:ext>
     </p:extLst>
   </p:cSld>
@@ -36324,6 +36537,67 @@
 </file>
 
 <file path=customXml/item1.xml><?xml version="1.0" encoding="utf-8"?>
+<p:properties xmlns:p="http://schemas.microsoft.com/office/2006/metadata/properties" xmlns:xsi="http://www.w3.org/2001/XMLSchema-instance" xmlns:pc="http://schemas.microsoft.com/office/infopath/2007/PartnerControls">
+  <documentManagement>
+    <Is_Collaboration_Space_Locked xmlns="bbcd8c33-6940-4d4c-a587-bbc736ca1e4d" xsi:nil="true"/>
+    <TeamsChannelId xmlns="bbcd8c33-6940-4d4c-a587-bbc736ca1e4d" xsi:nil="true"/>
+    <Self_Registration_Enabled xmlns="bbcd8c33-6940-4d4c-a587-bbc736ca1e4d" xsi:nil="true"/>
+    <Math_Settings xmlns="bbcd8c33-6940-4d4c-a587-bbc736ca1e4d" xsi:nil="true"/>
+    <AppVersion xmlns="bbcd8c33-6940-4d4c-a587-bbc736ca1e4d" xsi:nil="true"/>
+    <Invited_Teachers xmlns="bbcd8c33-6940-4d4c-a587-bbc736ca1e4d" xsi:nil="true"/>
+    <LMS_Mappings xmlns="bbcd8c33-6940-4d4c-a587-bbc736ca1e4d" xsi:nil="true"/>
+    <IsNotebookLocked xmlns="bbcd8c33-6940-4d4c-a587-bbc736ca1e4d" xsi:nil="true"/>
+    <NotebookType xmlns="bbcd8c33-6940-4d4c-a587-bbc736ca1e4d" xsi:nil="true"/>
+    <Templates xmlns="bbcd8c33-6940-4d4c-a587-bbc736ca1e4d" xsi:nil="true"/>
+    <Owner xmlns="bbcd8c33-6940-4d4c-a587-bbc736ca1e4d">
+      <UserInfo>
+        <DisplayName/>
+        <AccountId xsi:nil="true"/>
+        <AccountType/>
+      </UserInfo>
+    </Owner>
+    <Teachers xmlns="bbcd8c33-6940-4d4c-a587-bbc736ca1e4d">
+      <UserInfo>
+        <DisplayName/>
+        <AccountId xsi:nil="true"/>
+        <AccountType/>
+      </UserInfo>
+    </Teachers>
+    <Students xmlns="bbcd8c33-6940-4d4c-a587-bbc736ca1e4d">
+      <UserInfo>
+        <DisplayName/>
+        <AccountId xsi:nil="true"/>
+        <AccountType/>
+      </UserInfo>
+    </Students>
+    <Student_Groups xmlns="bbcd8c33-6940-4d4c-a587-bbc736ca1e4d">
+      <UserInfo>
+        <DisplayName/>
+        <AccountId xsi:nil="true"/>
+        <AccountType/>
+      </UserInfo>
+    </Student_Groups>
+    <Distribution_Groups xmlns="bbcd8c33-6940-4d4c-a587-bbc736ca1e4d" xsi:nil="true"/>
+    <Self_Registration_Enabled0 xmlns="bbcd8c33-6940-4d4c-a587-bbc736ca1e4d" xsi:nil="true"/>
+    <Has_Teacher_Only_SectionGroup xmlns="bbcd8c33-6940-4d4c-a587-bbc736ca1e4d" xsi:nil="true"/>
+    <DefaultSectionNames xmlns="bbcd8c33-6940-4d4c-a587-bbc736ca1e4d" xsi:nil="true"/>
+    <Invited_Students xmlns="bbcd8c33-6940-4d4c-a587-bbc736ca1e4d" xsi:nil="true"/>
+    <FolderType xmlns="bbcd8c33-6940-4d4c-a587-bbc736ca1e4d" xsi:nil="true"/>
+    <CultureName xmlns="bbcd8c33-6940-4d4c-a587-bbc736ca1e4d" xsi:nil="true"/>
+  </documentManagement>
+</p:properties>
+</file>
+
+<file path=customXml/item2.xml><?xml version="1.0" encoding="utf-8"?>
+<?mso-contentType ?>
+<FormTemplates xmlns="http://schemas.microsoft.com/sharepoint/v3/contenttype/forms">
+  <Display>DocumentLibraryForm</Display>
+  <Edit>DocumentLibraryForm</Edit>
+  <New>DocumentLibraryForm</New>
+</FormTemplates>
+</file>
+
+<file path=customXml/item3.xml><?xml version="1.0" encoding="utf-8"?>
 <ct:contentTypeSchema xmlns:ct="http://schemas.microsoft.com/office/2006/metadata/contentType" xmlns:ma="http://schemas.microsoft.com/office/2006/metadata/properties/metaAttributes" ct:_="" ma:_="" ma:contentTypeName="Document" ma:contentTypeID="0x0101001132905C37EA9847A7207C4BBCCCD8F4" ma:contentTypeVersion="34" ma:contentTypeDescription="Create a new document." ma:contentTypeScope="" ma:versionID="2f28daba72ca6e92be87ea70ebe5bb94">
   <xsd:schema xmlns:xsd="http://www.w3.org/2001/XMLSchema" xmlns:xs="http://www.w3.org/2001/XMLSchema" xmlns:p="http://schemas.microsoft.com/office/2006/metadata/properties" xmlns:ns3="4327b14a-fe89-488e-9f6d-9658cacf372b" xmlns:ns4="bbcd8c33-6940-4d4c-a587-bbc736ca1e4d" targetNamespace="http://schemas.microsoft.com/office/2006/metadata/properties" ma:root="true" ma:fieldsID="df18e839ce2650f1975b41376e6cdb6b" ns3:_="" ns4:_="">
     <xsd:import namespace="4327b14a-fe89-488e-9f6d-9658cacf372b"/>
@@ -36740,68 +37014,32 @@
 </ct:contentTypeSchema>
 </file>
 
-<file path=customXml/item2.xml><?xml version="1.0" encoding="utf-8"?>
-<?mso-contentType ?>
-<FormTemplates xmlns="http://schemas.microsoft.com/sharepoint/v3/contenttype/forms">
-  <Display>DocumentLibraryForm</Display>
-  <Edit>DocumentLibraryForm</Edit>
-  <New>DocumentLibraryForm</New>
-</FormTemplates>
+<file path=customXml/itemProps1.xml><?xml version="1.0" encoding="utf-8"?>
+<ds:datastoreItem xmlns:ds="http://schemas.openxmlformats.org/officeDocument/2006/customXml" ds:itemID="{4B31267F-D399-4A8A-87F8-B75F56828412}">
+  <ds:schemaRefs>
+    <ds:schemaRef ds:uri="http://www.w3.org/XML/1998/namespace"/>
+    <ds:schemaRef ds:uri="http://schemas.microsoft.com/office/2006/documentManagement/types"/>
+    <ds:schemaRef ds:uri="bbcd8c33-6940-4d4c-a587-bbc736ca1e4d"/>
+    <ds:schemaRef ds:uri="http://purl.org/dc/elements/1.1/"/>
+    <ds:schemaRef ds:uri="http://purl.org/dc/dcmitype/"/>
+    <ds:schemaRef ds:uri="4327b14a-fe89-488e-9f6d-9658cacf372b"/>
+    <ds:schemaRef ds:uri="http://schemas.microsoft.com/office/infopath/2007/PartnerControls"/>
+    <ds:schemaRef ds:uri="http://schemas.openxmlformats.org/package/2006/metadata/core-properties"/>
+    <ds:schemaRef ds:uri="http://schemas.microsoft.com/office/2006/metadata/properties"/>
+    <ds:schemaRef ds:uri="http://purl.org/dc/terms/"/>
+  </ds:schemaRefs>
+</ds:datastoreItem>
 </file>
 
-<file path=customXml/item3.xml><?xml version="1.0" encoding="utf-8"?>
-<p:properties xmlns:p="http://schemas.microsoft.com/office/2006/metadata/properties" xmlns:xsi="http://www.w3.org/2001/XMLSchema-instance" xmlns:pc="http://schemas.microsoft.com/office/infopath/2007/PartnerControls">
-  <documentManagement>
-    <Is_Collaboration_Space_Locked xmlns="bbcd8c33-6940-4d4c-a587-bbc736ca1e4d" xsi:nil="true"/>
-    <TeamsChannelId xmlns="bbcd8c33-6940-4d4c-a587-bbc736ca1e4d" xsi:nil="true"/>
-    <Self_Registration_Enabled xmlns="bbcd8c33-6940-4d4c-a587-bbc736ca1e4d" xsi:nil="true"/>
-    <Math_Settings xmlns="bbcd8c33-6940-4d4c-a587-bbc736ca1e4d" xsi:nil="true"/>
-    <AppVersion xmlns="bbcd8c33-6940-4d4c-a587-bbc736ca1e4d" xsi:nil="true"/>
-    <Invited_Teachers xmlns="bbcd8c33-6940-4d4c-a587-bbc736ca1e4d" xsi:nil="true"/>
-    <LMS_Mappings xmlns="bbcd8c33-6940-4d4c-a587-bbc736ca1e4d" xsi:nil="true"/>
-    <IsNotebookLocked xmlns="bbcd8c33-6940-4d4c-a587-bbc736ca1e4d" xsi:nil="true"/>
-    <NotebookType xmlns="bbcd8c33-6940-4d4c-a587-bbc736ca1e4d" xsi:nil="true"/>
-    <Templates xmlns="bbcd8c33-6940-4d4c-a587-bbc736ca1e4d" xsi:nil="true"/>
-    <Owner xmlns="bbcd8c33-6940-4d4c-a587-bbc736ca1e4d">
-      <UserInfo>
-        <DisplayName/>
-        <AccountId xsi:nil="true"/>
-        <AccountType/>
-      </UserInfo>
-    </Owner>
-    <Teachers xmlns="bbcd8c33-6940-4d4c-a587-bbc736ca1e4d">
-      <UserInfo>
-        <DisplayName/>
-        <AccountId xsi:nil="true"/>
-        <AccountType/>
-      </UserInfo>
-    </Teachers>
-    <Students xmlns="bbcd8c33-6940-4d4c-a587-bbc736ca1e4d">
-      <UserInfo>
-        <DisplayName/>
-        <AccountId xsi:nil="true"/>
-        <AccountType/>
-      </UserInfo>
-    </Students>
-    <Student_Groups xmlns="bbcd8c33-6940-4d4c-a587-bbc736ca1e4d">
-      <UserInfo>
-        <DisplayName/>
-        <AccountId xsi:nil="true"/>
-        <AccountType/>
-      </UserInfo>
-    </Student_Groups>
-    <Distribution_Groups xmlns="bbcd8c33-6940-4d4c-a587-bbc736ca1e4d" xsi:nil="true"/>
-    <Self_Registration_Enabled0 xmlns="bbcd8c33-6940-4d4c-a587-bbc736ca1e4d" xsi:nil="true"/>
-    <Has_Teacher_Only_SectionGroup xmlns="bbcd8c33-6940-4d4c-a587-bbc736ca1e4d" xsi:nil="true"/>
-    <DefaultSectionNames xmlns="bbcd8c33-6940-4d4c-a587-bbc736ca1e4d" xsi:nil="true"/>
-    <Invited_Students xmlns="bbcd8c33-6940-4d4c-a587-bbc736ca1e4d" xsi:nil="true"/>
-    <FolderType xmlns="bbcd8c33-6940-4d4c-a587-bbc736ca1e4d" xsi:nil="true"/>
-    <CultureName xmlns="bbcd8c33-6940-4d4c-a587-bbc736ca1e4d" xsi:nil="true"/>
-  </documentManagement>
-</p:properties>
+<file path=customXml/itemProps2.xml><?xml version="1.0" encoding="utf-8"?>
+<ds:datastoreItem xmlns:ds="http://schemas.openxmlformats.org/officeDocument/2006/customXml" ds:itemID="{E2481852-F24E-4532-AF30-C154D705D105}">
+  <ds:schemaRefs>
+    <ds:schemaRef ds:uri="http://schemas.microsoft.com/sharepoint/v3/contenttype/forms"/>
+  </ds:schemaRefs>
+</ds:datastoreItem>
 </file>
 
-<file path=customXml/itemProps1.xml><?xml version="1.0" encoding="utf-8"?>
+<file path=customXml/itemProps3.xml><?xml version="1.0" encoding="utf-8"?>
 <ds:datastoreItem xmlns:ds="http://schemas.openxmlformats.org/officeDocument/2006/customXml" ds:itemID="{3BE6CAF6-1F55-4A70-B10C-21633F74987A}">
   <ds:schemaRefs>
     <ds:schemaRef ds:uri="http://schemas.microsoft.com/office/2006/metadata/contentType"/>
@@ -36818,29 +37056,4 @@
     <ds:schemaRef ds:uri="http://schemas.microsoft.com/internal/obd"/>
   </ds:schemaRefs>
 </ds:datastoreItem>
-</file>
-
-<file path=customXml/itemProps2.xml><?xml version="1.0" encoding="utf-8"?>
-<ds:datastoreItem xmlns:ds="http://schemas.openxmlformats.org/officeDocument/2006/customXml" ds:itemID="{E2481852-F24E-4532-AF30-C154D705D105}">
-  <ds:schemaRefs>
-    <ds:schemaRef ds:uri="http://schemas.microsoft.com/sharepoint/v3/contenttype/forms"/>
-  </ds:schemaRefs>
-</ds:datastoreItem>
-</file>
-
-<file path=customXml/itemProps3.xml><?xml version="1.0" encoding="utf-8"?>
-<ds:datastoreItem xmlns:ds="http://schemas.openxmlformats.org/officeDocument/2006/customXml" ds:itemID="{4B31267F-D399-4A8A-87F8-B75F56828412}">
-  <ds:schemaRefs>
-    <ds:schemaRef ds:uri="http://www.w3.org/XML/1998/namespace"/>
-    <ds:schemaRef ds:uri="http://schemas.microsoft.com/office/2006/documentManagement/types"/>
-    <ds:schemaRef ds:uri="bbcd8c33-6940-4d4c-a587-bbc736ca1e4d"/>
-    <ds:schemaRef ds:uri="http://purl.org/dc/elements/1.1/"/>
-    <ds:schemaRef ds:uri="http://purl.org/dc/dcmitype/"/>
-    <ds:schemaRef ds:uri="4327b14a-fe89-488e-9f6d-9658cacf372b"/>
-    <ds:schemaRef ds:uri="http://schemas.microsoft.com/office/infopath/2007/PartnerControls"/>
-    <ds:schemaRef ds:uri="http://schemas.openxmlformats.org/package/2006/metadata/core-properties"/>
-    <ds:schemaRef ds:uri="http://schemas.microsoft.com/office/2006/metadata/properties"/>
-    <ds:schemaRef ds:uri="http://purl.org/dc/terms/"/>
-  </ds:schemaRefs>
-</ds:datastoreItem>
 </file>
--- a/Documentação/Status_Report/Mod_Status_Report-PI20202.pptx
+++ b/Documentação/Status_Report/Mod_Status_Report-PI20202.pptx
@@ -33377,7 +33377,7 @@
                 <a:latin typeface="Simplon Oi Headline"/>
                 <a:cs typeface="Simplon Oi Headline"/>
               </a:rPr>
-              <a:t>SEMANA 5 – 25/03/2021</a:t>
+              <a:t>SEMANA 6 – 08/04/2021</a:t>
             </a:r>
           </a:p>
         </p:txBody>
@@ -34311,25 +34311,8 @@
                 <a:latin typeface="Arial" panose="020B0604020202020204" pitchFamily="34" charset="0"/>
                 <a:cs typeface="Arial" panose="020B0604020202020204" pitchFamily="34" charset="0"/>
               </a:rPr>
-              <a:t>Atualizamos o Diagrama de Classe</a:t>
+              <a:t>Atualizamos o BD</a:t>
             </a:r>
-          </a:p>
-          <a:p>
-            <a:pPr marL="252049" indent="-252049" fontAlgn="base">
-              <a:spcBef>
-                <a:spcPct val="0"/>
-              </a:spcBef>
-              <a:buFont typeface="Wingdings" panose="05000000000000000000" pitchFamily="2" charset="2"/>
-              <a:buChar char="ü"/>
-              <a:defRPr/>
-            </a:pPr>
-            <a:endParaRPr lang="pt-BR" sz="1600" b="1" dirty="0">
-              <a:solidFill>
-                <a:schemeClr val="tx1"/>
-              </a:solidFill>
-              <a:latin typeface="Arial" panose="020B0604020202020204" pitchFamily="34" charset="0"/>
-              <a:cs typeface="Arial" panose="020B0604020202020204" pitchFamily="34" charset="0"/>
-            </a:endParaRPr>
           </a:p>
           <a:p>
             <a:pPr marL="252049" indent="-252049" fontAlgn="base">
@@ -34377,7 +34360,7 @@
         <p:spPr>
           <a:xfrm>
             <a:off x="463325" y="5216027"/>
-            <a:ext cx="11854636" cy="2345236"/>
+            <a:ext cx="13530958" cy="2013206"/>
           </a:xfrm>
           <a:prstGeom prst="rect">
             <a:avLst/>
@@ -34507,6 +34490,22 @@
             </a:r>
           </a:p>
           <a:p>
+            <a:pPr marL="285750" lvl="1" indent="-285750" defTabSz="672130">
+              <a:buFont typeface="Wingdings" panose="05000000000000000000" pitchFamily="2" charset="2"/>
+              <a:buChar char="§"/>
+            </a:pPr>
+            <a:r>
+              <a:rPr lang="pt-BR" sz="1400" b="1" dirty="0">
+                <a:solidFill>
+                  <a:schemeClr val="tx1"/>
+                </a:solidFill>
+                <a:latin typeface="Arial" panose="020B0604020202020204" pitchFamily="34" charset="0"/>
+                <a:cs typeface="Arial" panose="020B0604020202020204" pitchFamily="34" charset="0"/>
+              </a:rPr>
+              <a:t>Padrão de projeto</a:t>
+            </a:r>
+          </a:p>
+          <a:p>
             <a:pPr marL="0" lvl="1" defTabSz="672130"/>
             <a:r>
               <a:rPr lang="pt-BR" sz="1400" b="1" dirty="0">
@@ -34589,6 +34588,22 @@
                 <a:cs typeface="Arial" panose="020B0604020202020204" pitchFamily="34" charset="0"/>
               </a:rPr>
               <a:t>Diagrama de solução de software – Componentes Micro</a:t>
+            </a:r>
+          </a:p>
+          <a:p>
+            <a:pPr marL="285750" lvl="1" indent="-285750" defTabSz="672130">
+              <a:buFont typeface="Wingdings" panose="05000000000000000000" pitchFamily="2" charset="2"/>
+              <a:buChar char="§"/>
+            </a:pPr>
+            <a:r>
+              <a:rPr lang="pt-BR" sz="1400" b="1" dirty="0">
+                <a:solidFill>
+                  <a:schemeClr val="tx1"/>
+                </a:solidFill>
+                <a:latin typeface="Arial" panose="020B0604020202020204" pitchFamily="34" charset="0"/>
+                <a:cs typeface="Arial" panose="020B0604020202020204" pitchFamily="34" charset="0"/>
+              </a:rPr>
+              <a:t>Apresentação - PPT</a:t>
             </a:r>
           </a:p>
           <a:p>
@@ -36589,15 +36604,6 @@
 </file>
 
 <file path=customXml/item2.xml><?xml version="1.0" encoding="utf-8"?>
-<?mso-contentType ?>
-<FormTemplates xmlns="http://schemas.microsoft.com/sharepoint/v3/contenttype/forms">
-  <Display>DocumentLibraryForm</Display>
-  <Edit>DocumentLibraryForm</Edit>
-  <New>DocumentLibraryForm</New>
-</FormTemplates>
-</file>
-
-<file path=customXml/item3.xml><?xml version="1.0" encoding="utf-8"?>
 <ct:contentTypeSchema xmlns:ct="http://schemas.microsoft.com/office/2006/metadata/contentType" xmlns:ma="http://schemas.microsoft.com/office/2006/metadata/properties/metaAttributes" ct:_="" ma:_="" ma:contentTypeName="Document" ma:contentTypeID="0x0101001132905C37EA9847A7207C4BBCCCD8F4" ma:contentTypeVersion="34" ma:contentTypeDescription="Create a new document." ma:contentTypeScope="" ma:versionID="2f28daba72ca6e92be87ea70ebe5bb94">
   <xsd:schema xmlns:xsd="http://www.w3.org/2001/XMLSchema" xmlns:xs="http://www.w3.org/2001/XMLSchema" xmlns:p="http://schemas.microsoft.com/office/2006/metadata/properties" xmlns:ns3="4327b14a-fe89-488e-9f6d-9658cacf372b" xmlns:ns4="bbcd8c33-6940-4d4c-a587-bbc736ca1e4d" targetNamespace="http://schemas.microsoft.com/office/2006/metadata/properties" ma:root="true" ma:fieldsID="df18e839ce2650f1975b41376e6cdb6b" ns3:_="" ns4:_="">
     <xsd:import namespace="4327b14a-fe89-488e-9f6d-9658cacf372b"/>
@@ -37014,6 +37020,15 @@
 </ct:contentTypeSchema>
 </file>
 
+<file path=customXml/item3.xml><?xml version="1.0" encoding="utf-8"?>
+<?mso-contentType ?>
+<FormTemplates xmlns="http://schemas.microsoft.com/sharepoint/v3/contenttype/forms">
+  <Display>DocumentLibraryForm</Display>
+  <Edit>DocumentLibraryForm</Edit>
+  <New>DocumentLibraryForm</New>
+</FormTemplates>
+</file>
+
 <file path=customXml/itemProps1.xml><?xml version="1.0" encoding="utf-8"?>
 <ds:datastoreItem xmlns:ds="http://schemas.openxmlformats.org/officeDocument/2006/customXml" ds:itemID="{4B31267F-D399-4A8A-87F8-B75F56828412}">
   <ds:schemaRefs>
@@ -37032,14 +37047,6 @@
 </file>
 
 <file path=customXml/itemProps2.xml><?xml version="1.0" encoding="utf-8"?>
-<ds:datastoreItem xmlns:ds="http://schemas.openxmlformats.org/officeDocument/2006/customXml" ds:itemID="{E2481852-F24E-4532-AF30-C154D705D105}">
-  <ds:schemaRefs>
-    <ds:schemaRef ds:uri="http://schemas.microsoft.com/sharepoint/v3/contenttype/forms"/>
-  </ds:schemaRefs>
-</ds:datastoreItem>
-</file>
-
-<file path=customXml/itemProps3.xml><?xml version="1.0" encoding="utf-8"?>
 <ds:datastoreItem xmlns:ds="http://schemas.openxmlformats.org/officeDocument/2006/customXml" ds:itemID="{3BE6CAF6-1F55-4A70-B10C-21633F74987A}">
   <ds:schemaRefs>
     <ds:schemaRef ds:uri="http://schemas.microsoft.com/office/2006/metadata/contentType"/>
@@ -37056,4 +37063,12 @@
     <ds:schemaRef ds:uri="http://schemas.microsoft.com/internal/obd"/>
   </ds:schemaRefs>
 </ds:datastoreItem>
+</file>
+
+<file path=customXml/itemProps3.xml><?xml version="1.0" encoding="utf-8"?>
+<ds:datastoreItem xmlns:ds="http://schemas.openxmlformats.org/officeDocument/2006/customXml" ds:itemID="{E2481852-F24E-4532-AF30-C154D705D105}">
+  <ds:schemaRefs>
+    <ds:schemaRef ds:uri="http://schemas.microsoft.com/sharepoint/v3/contenttype/forms"/>
+  </ds:schemaRefs>
+</ds:datastoreItem>
 </file>
--- a/Documentação/Status_Report/Mod_Status_Report-PI20202.pptx
+++ b/Documentação/Status_Report/Mod_Status_Report-PI20202.pptx
@@ -7,10 +7,10 @@
     <p:sldMasterId id="2147483665" r:id="rId6"/>
   </p:sldMasterIdLst>
   <p:notesMasterIdLst>
-    <p:notesMasterId r:id="rId15"/>
+    <p:notesMasterId r:id="rId17"/>
   </p:notesMasterIdLst>
   <p:handoutMasterIdLst>
-    <p:handoutMasterId r:id="rId16"/>
+    <p:handoutMasterId r:id="rId18"/>
   </p:handoutMasterIdLst>
   <p:sldIdLst>
     <p:sldId id="256" r:id="rId7"/>
@@ -21,6 +21,8 @@
     <p:sldId id="474" r:id="rId12"/>
     <p:sldId id="475" r:id="rId13"/>
     <p:sldId id="476" r:id="rId14"/>
+    <p:sldId id="477" r:id="rId15"/>
+    <p:sldId id="478" r:id="rId16"/>
   </p:sldIdLst>
   <p:sldSz cx="13442950" cy="7561263"/>
   <p:notesSz cx="7104063" cy="10234613"/>
@@ -136,6 +138,8 @@
             <p14:sldId id="474"/>
             <p14:sldId id="475"/>
             <p14:sldId id="476"/>
+            <p14:sldId id="477"/>
+            <p14:sldId id="478"/>
           </p14:sldIdLst>
         </p14:section>
       </p14:sectionLst>
@@ -1218,7 +1222,7 @@
             <a:fld id="{C3CD65D1-5C11-455D-9F9A-0E035F00A0DA}" type="datetimeFigureOut">
               <a:rPr lang="pt-BR" smtClean="0"/>
               <a:pPr/>
-              <a:t>08/04/2021</a:t>
+              <a:t>06/05/2021</a:t>
             </a:fld>
             <a:endParaRPr lang="pt-BR"/>
           </a:p>
@@ -1386,7 +1390,7 @@
             <a:fld id="{A05DA3EF-18EA-43DE-B1BB-402A3C558822}" type="datetimeFigureOut">
               <a:rPr lang="pt-BR" smtClean="0"/>
               <a:pPr/>
-              <a:t>08/04/2021</a:t>
+              <a:t>06/05/2021</a:t>
             </a:fld>
             <a:endParaRPr lang="pt-BR"/>
           </a:p>
@@ -2291,6 +2295,192 @@
     <p:extLst>
       <p:ext uri="{BB962C8B-B14F-4D97-AF65-F5344CB8AC3E}">
         <p14:creationId xmlns:p14="http://schemas.microsoft.com/office/powerpoint/2010/main" val="1699401249"/>
+      </p:ext>
+    </p:extLst>
+  </p:cSld>
+  <p:clrMapOvr>
+    <a:masterClrMapping/>
+  </p:clrMapOvr>
+</p:notes>
+</file>
+
+<file path=ppt/notesSlides/notesSlide8.xml><?xml version="1.0" encoding="utf-8"?>
+<p:notes xmlns:a="http://schemas.openxmlformats.org/drawingml/2006/main" xmlns:r="http://schemas.openxmlformats.org/officeDocument/2006/relationships" xmlns:p="http://schemas.openxmlformats.org/presentationml/2006/main">
+  <p:cSld>
+    <p:spTree>
+      <p:nvGrpSpPr>
+        <p:cNvPr id="1" name=""/>
+        <p:cNvGrpSpPr/>
+        <p:nvPr/>
+      </p:nvGrpSpPr>
+      <p:grpSpPr>
+        <a:xfrm>
+          <a:off x="0" y="0"/>
+          <a:ext cx="0" cy="0"/>
+          <a:chOff x="0" y="0"/>
+          <a:chExt cx="0" cy="0"/>
+        </a:xfrm>
+      </p:grpSpPr>
+      <p:sp>
+        <p:nvSpPr>
+          <p:cNvPr id="2" name="Slide Image Placeholder 1"/>
+          <p:cNvSpPr>
+            <a:spLocks noGrp="1" noRot="1" noChangeAspect="1"/>
+          </p:cNvSpPr>
+          <p:nvPr>
+            <p:ph type="sldImg"/>
+          </p:nvPr>
+        </p:nvSpPr>
+        <p:spPr/>
+      </p:sp>
+      <p:sp>
+        <p:nvSpPr>
+          <p:cNvPr id="3" name="Notes Placeholder 2"/>
+          <p:cNvSpPr>
+            <a:spLocks noGrp="1"/>
+          </p:cNvSpPr>
+          <p:nvPr>
+            <p:ph type="body" idx="1"/>
+          </p:nvPr>
+        </p:nvSpPr>
+        <p:spPr/>
+        <p:txBody>
+          <a:bodyPr/>
+          <a:lstStyle/>
+          <a:p>
+            <a:endParaRPr lang="en-US"/>
+          </a:p>
+        </p:txBody>
+      </p:sp>
+      <p:sp>
+        <p:nvSpPr>
+          <p:cNvPr id="4" name="Slide Number Placeholder 3"/>
+          <p:cNvSpPr>
+            <a:spLocks noGrp="1"/>
+          </p:cNvSpPr>
+          <p:nvPr>
+            <p:ph type="sldNum" sz="quarter" idx="10"/>
+          </p:nvPr>
+        </p:nvSpPr>
+        <p:spPr/>
+        <p:txBody>
+          <a:bodyPr/>
+          <a:lstStyle/>
+          <a:p>
+            <a:fld id="{B39AF3DB-B6A1-2444-9DD8-53D016F8E638}" type="slidenum">
+              <a:rPr lang="pt-BR" smtClean="0">
+                <a:solidFill>
+                  <a:prstClr val="black"/>
+                </a:solidFill>
+              </a:rPr>
+              <a:pPr/>
+              <a:t>9</a:t>
+            </a:fld>
+            <a:endParaRPr lang="pt-BR">
+              <a:solidFill>
+                <a:prstClr val="black"/>
+              </a:solidFill>
+            </a:endParaRPr>
+          </a:p>
+        </p:txBody>
+      </p:sp>
+    </p:spTree>
+    <p:extLst>
+      <p:ext uri="{BB962C8B-B14F-4D97-AF65-F5344CB8AC3E}">
+        <p14:creationId xmlns:p14="http://schemas.microsoft.com/office/powerpoint/2010/main" val="743339892"/>
+      </p:ext>
+    </p:extLst>
+  </p:cSld>
+  <p:clrMapOvr>
+    <a:masterClrMapping/>
+  </p:clrMapOvr>
+</p:notes>
+</file>
+
+<file path=ppt/notesSlides/notesSlide9.xml><?xml version="1.0" encoding="utf-8"?>
+<p:notes xmlns:a="http://schemas.openxmlformats.org/drawingml/2006/main" xmlns:r="http://schemas.openxmlformats.org/officeDocument/2006/relationships" xmlns:p="http://schemas.openxmlformats.org/presentationml/2006/main">
+  <p:cSld>
+    <p:spTree>
+      <p:nvGrpSpPr>
+        <p:cNvPr id="1" name=""/>
+        <p:cNvGrpSpPr/>
+        <p:nvPr/>
+      </p:nvGrpSpPr>
+      <p:grpSpPr>
+        <a:xfrm>
+          <a:off x="0" y="0"/>
+          <a:ext cx="0" cy="0"/>
+          <a:chOff x="0" y="0"/>
+          <a:chExt cx="0" cy="0"/>
+        </a:xfrm>
+      </p:grpSpPr>
+      <p:sp>
+        <p:nvSpPr>
+          <p:cNvPr id="2" name="Slide Image Placeholder 1"/>
+          <p:cNvSpPr>
+            <a:spLocks noGrp="1" noRot="1" noChangeAspect="1"/>
+          </p:cNvSpPr>
+          <p:nvPr>
+            <p:ph type="sldImg"/>
+          </p:nvPr>
+        </p:nvSpPr>
+        <p:spPr/>
+      </p:sp>
+      <p:sp>
+        <p:nvSpPr>
+          <p:cNvPr id="3" name="Notes Placeholder 2"/>
+          <p:cNvSpPr>
+            <a:spLocks noGrp="1"/>
+          </p:cNvSpPr>
+          <p:nvPr>
+            <p:ph type="body" idx="1"/>
+          </p:nvPr>
+        </p:nvSpPr>
+        <p:spPr/>
+        <p:txBody>
+          <a:bodyPr/>
+          <a:lstStyle/>
+          <a:p>
+            <a:endParaRPr lang="en-US"/>
+          </a:p>
+        </p:txBody>
+      </p:sp>
+      <p:sp>
+        <p:nvSpPr>
+          <p:cNvPr id="4" name="Slide Number Placeholder 3"/>
+          <p:cNvSpPr>
+            <a:spLocks noGrp="1"/>
+          </p:cNvSpPr>
+          <p:nvPr>
+            <p:ph type="sldNum" sz="quarter" idx="10"/>
+          </p:nvPr>
+        </p:nvSpPr>
+        <p:spPr/>
+        <p:txBody>
+          <a:bodyPr/>
+          <a:lstStyle/>
+          <a:p>
+            <a:fld id="{B39AF3DB-B6A1-2444-9DD8-53D016F8E638}" type="slidenum">
+              <a:rPr lang="pt-BR" smtClean="0">
+                <a:solidFill>
+                  <a:prstClr val="black"/>
+                </a:solidFill>
+              </a:rPr>
+              <a:pPr/>
+              <a:t>10</a:t>
+            </a:fld>
+            <a:endParaRPr lang="pt-BR">
+              <a:solidFill>
+                <a:prstClr val="black"/>
+              </a:solidFill>
+            </a:endParaRPr>
+          </a:p>
+        </p:txBody>
+      </p:sp>
+    </p:spTree>
+    <p:extLst>
+      <p:ext uri="{BB962C8B-B14F-4D97-AF65-F5344CB8AC3E}">
+        <p14:creationId xmlns:p14="http://schemas.microsoft.com/office/powerpoint/2010/main" val="788603528"/>
       </p:ext>
     </p:extLst>
   </p:cSld>
@@ -24102,6 +24292,1754 @@
 </p:sld>
 </file>
 
+<file path=ppt/slides/slide10.xml><?xml version="1.0" encoding="utf-8"?>
+<p:sld xmlns:a="http://schemas.openxmlformats.org/drawingml/2006/main" xmlns:r="http://schemas.openxmlformats.org/officeDocument/2006/relationships" xmlns:p="http://schemas.openxmlformats.org/presentationml/2006/main">
+  <p:cSld>
+    <p:spTree>
+      <p:nvGrpSpPr>
+        <p:cNvPr id="1" name=""/>
+        <p:cNvGrpSpPr/>
+        <p:nvPr/>
+      </p:nvGrpSpPr>
+      <p:grpSpPr>
+        <a:xfrm>
+          <a:off x="0" y="0"/>
+          <a:ext cx="0" cy="0"/>
+          <a:chOff x="0" y="0"/>
+          <a:chExt cx="0" cy="0"/>
+        </a:xfrm>
+      </p:grpSpPr>
+      <p:sp>
+        <p:nvSpPr>
+          <p:cNvPr id="43" name="Rectangle 42"/>
+          <p:cNvSpPr/>
+          <p:nvPr/>
+        </p:nvSpPr>
+        <p:spPr>
+          <a:xfrm>
+            <a:off x="7810905" y="1369526"/>
+            <a:ext cx="5351116" cy="2095826"/>
+          </a:xfrm>
+          <a:prstGeom prst="rect">
+            <a:avLst/>
+          </a:prstGeom>
+          <a:noFill/>
+          <a:ln w="12700">
+            <a:solidFill>
+              <a:schemeClr val="bg1">
+                <a:lumMod val="50000"/>
+              </a:schemeClr>
+            </a:solidFill>
+          </a:ln>
+        </p:spPr>
+        <p:style>
+          <a:lnRef idx="2">
+            <a:schemeClr val="accent4"/>
+          </a:lnRef>
+          <a:fillRef idx="1">
+            <a:schemeClr val="lt1"/>
+          </a:fillRef>
+          <a:effectRef idx="0">
+            <a:schemeClr val="accent4"/>
+          </a:effectRef>
+          <a:fontRef idx="minor">
+            <a:schemeClr val="dk1"/>
+          </a:fontRef>
+        </p:style>
+        <p:txBody>
+          <a:bodyPr tIns="105844" rtlCol="0" anchor="t"/>
+          <a:lstStyle/>
+          <a:p>
+            <a:pPr defTabSz="672130">
+              <a:spcAft>
+                <a:spcPts val="882"/>
+              </a:spcAft>
+            </a:pPr>
+            <a:endParaRPr lang="pt-BR" sz="1470" dirty="0">
+              <a:solidFill>
+                <a:schemeClr val="tx1"/>
+              </a:solidFill>
+              <a:latin typeface="Calibri" panose="020F0502020204030204" pitchFamily="34" charset="0"/>
+              <a:cs typeface="Simplon BP Regular"/>
+            </a:endParaRPr>
+          </a:p>
+        </p:txBody>
+      </p:sp>
+      <p:sp>
+        <p:nvSpPr>
+          <p:cNvPr id="3" name="Title 2"/>
+          <p:cNvSpPr>
+            <a:spLocks noGrp="1"/>
+          </p:cNvSpPr>
+          <p:nvPr>
+            <p:ph type="title"/>
+          </p:nvPr>
+        </p:nvSpPr>
+        <p:spPr>
+          <a:xfrm>
+            <a:off x="469692" y="182603"/>
+            <a:ext cx="12098020" cy="800352"/>
+          </a:xfrm>
+        </p:spPr>
+        <p:txBody>
+          <a:bodyPr vert="horz" wrap="square" lIns="105844" tIns="0" rIns="105844" bIns="0" numCol="1" anchor="t" anchorCtr="0" compatLnSpc="1">
+            <a:prstTxWarp prst="textNoShape">
+              <a:avLst/>
+            </a:prstTxWarp>
+            <a:noAutofit/>
+          </a:bodyPr>
+          <a:lstStyle/>
+          <a:p>
+            <a:pPr algn="l">
+              <a:spcAft>
+                <a:spcPts val="882"/>
+              </a:spcAft>
+            </a:pPr>
+            <a:r>
+              <a:rPr lang="en-US" sz="2646" dirty="0">
+                <a:solidFill>
+                  <a:prstClr val="black"/>
+                </a:solidFill>
+                <a:latin typeface="Simplon Oi Headline"/>
+                <a:cs typeface="Simplon Oi Headline"/>
+              </a:rPr>
+              <a:t>SEMANA 7 – 06/05/2021</a:t>
+            </a:r>
+          </a:p>
+        </p:txBody>
+      </p:sp>
+      <p:sp>
+        <p:nvSpPr>
+          <p:cNvPr id="78" name="TextBox 118"/>
+          <p:cNvSpPr txBox="1"/>
+          <p:nvPr/>
+        </p:nvSpPr>
+        <p:spPr>
+          <a:xfrm>
+            <a:off x="11822773" y="576471"/>
+            <a:ext cx="899678" cy="179824"/>
+          </a:xfrm>
+          <a:prstGeom prst="rect">
+            <a:avLst/>
+          </a:prstGeom>
+          <a:noFill/>
+          <a:ln w="12700">
+            <a:noFill/>
+          </a:ln>
+        </p:spPr>
+        <p:style>
+          <a:lnRef idx="2">
+            <a:schemeClr val="accent4"/>
+          </a:lnRef>
+          <a:fillRef idx="1">
+            <a:schemeClr val="lt1"/>
+          </a:fillRef>
+          <a:effectRef idx="0">
+            <a:schemeClr val="accent4"/>
+          </a:effectRef>
+          <a:fontRef idx="minor">
+            <a:schemeClr val="dk1"/>
+          </a:fontRef>
+        </p:style>
+        <p:txBody>
+          <a:bodyPr wrap="none" lIns="52922" tIns="52922" rIns="52922" bIns="0" rtlCol="0" anchor="b"/>
+          <a:lstStyle>
+            <a:defPPr>
+              <a:defRPr lang="en-US"/>
+            </a:defPPr>
+            <a:lvl1pPr algn="ctr">
+              <a:defRPr sz="1000" b="1">
+                <a:latin typeface="Simplon BP Regular"/>
+                <a:cs typeface="Simplon BP Regular"/>
+              </a:defRPr>
+            </a:lvl1pPr>
+            <a:lvl2pPr>
+              <a:defRPr>
+                <a:solidFill>
+                  <a:schemeClr val="dk1"/>
+                </a:solidFill>
+              </a:defRPr>
+            </a:lvl2pPr>
+            <a:lvl3pPr>
+              <a:defRPr>
+                <a:solidFill>
+                  <a:schemeClr val="dk1"/>
+                </a:solidFill>
+              </a:defRPr>
+            </a:lvl3pPr>
+            <a:lvl4pPr>
+              <a:defRPr>
+                <a:solidFill>
+                  <a:schemeClr val="dk1"/>
+                </a:solidFill>
+              </a:defRPr>
+            </a:lvl4pPr>
+            <a:lvl5pPr>
+              <a:defRPr>
+                <a:solidFill>
+                  <a:schemeClr val="dk1"/>
+                </a:solidFill>
+              </a:defRPr>
+            </a:lvl5pPr>
+            <a:lvl6pPr>
+              <a:defRPr>
+                <a:solidFill>
+                  <a:schemeClr val="dk1"/>
+                </a:solidFill>
+              </a:defRPr>
+            </a:lvl6pPr>
+            <a:lvl7pPr>
+              <a:defRPr>
+                <a:solidFill>
+                  <a:schemeClr val="dk1"/>
+                </a:solidFill>
+              </a:defRPr>
+            </a:lvl7pPr>
+            <a:lvl8pPr>
+              <a:defRPr>
+                <a:solidFill>
+                  <a:schemeClr val="dk1"/>
+                </a:solidFill>
+              </a:defRPr>
+            </a:lvl8pPr>
+            <a:lvl9pPr>
+              <a:defRPr>
+                <a:solidFill>
+                  <a:schemeClr val="dk1"/>
+                </a:solidFill>
+              </a:defRPr>
+            </a:lvl9pPr>
+          </a:lstStyle>
+          <a:p>
+            <a:pPr defTabSz="672130"/>
+            <a:r>
+              <a:rPr lang="pt-BR" sz="1176" b="0" dirty="0">
+                <a:solidFill>
+                  <a:prstClr val="black"/>
+                </a:solidFill>
+                <a:latin typeface="Simplon BP Bold" pitchFamily="2" charset="0"/>
+              </a:rPr>
+              <a:t>Negócios</a:t>
+            </a:r>
+          </a:p>
+        </p:txBody>
+      </p:sp>
+      <p:sp>
+        <p:nvSpPr>
+          <p:cNvPr id="80" name="TextBox 123"/>
+          <p:cNvSpPr txBox="1"/>
+          <p:nvPr/>
+        </p:nvSpPr>
+        <p:spPr>
+          <a:xfrm>
+            <a:off x="10902774" y="589543"/>
+            <a:ext cx="899678" cy="179824"/>
+          </a:xfrm>
+          <a:prstGeom prst="rect">
+            <a:avLst/>
+          </a:prstGeom>
+          <a:noFill/>
+          <a:ln w="12700">
+            <a:noFill/>
+          </a:ln>
+        </p:spPr>
+        <p:style>
+          <a:lnRef idx="2">
+            <a:schemeClr val="accent4"/>
+          </a:lnRef>
+          <a:fillRef idx="1">
+            <a:schemeClr val="lt1"/>
+          </a:fillRef>
+          <a:effectRef idx="0">
+            <a:schemeClr val="accent4"/>
+          </a:effectRef>
+          <a:fontRef idx="minor">
+            <a:schemeClr val="dk1"/>
+          </a:fontRef>
+        </p:style>
+        <p:txBody>
+          <a:bodyPr wrap="none" lIns="52922" tIns="52922" rIns="52922" bIns="0" rtlCol="0" anchor="b"/>
+          <a:lstStyle>
+            <a:defPPr>
+              <a:defRPr lang="en-US"/>
+            </a:defPPr>
+            <a:lvl1pPr algn="ctr">
+              <a:defRPr sz="1000" b="1">
+                <a:latin typeface="Simplon BP Regular"/>
+                <a:cs typeface="Simplon BP Regular"/>
+              </a:defRPr>
+            </a:lvl1pPr>
+            <a:lvl2pPr>
+              <a:defRPr>
+                <a:solidFill>
+                  <a:schemeClr val="dk1"/>
+                </a:solidFill>
+              </a:defRPr>
+            </a:lvl2pPr>
+            <a:lvl3pPr>
+              <a:defRPr>
+                <a:solidFill>
+                  <a:schemeClr val="dk1"/>
+                </a:solidFill>
+              </a:defRPr>
+            </a:lvl3pPr>
+            <a:lvl4pPr>
+              <a:defRPr>
+                <a:solidFill>
+                  <a:schemeClr val="dk1"/>
+                </a:solidFill>
+              </a:defRPr>
+            </a:lvl4pPr>
+            <a:lvl5pPr>
+              <a:defRPr>
+                <a:solidFill>
+                  <a:schemeClr val="dk1"/>
+                </a:solidFill>
+              </a:defRPr>
+            </a:lvl5pPr>
+            <a:lvl6pPr>
+              <a:defRPr>
+                <a:solidFill>
+                  <a:schemeClr val="dk1"/>
+                </a:solidFill>
+              </a:defRPr>
+            </a:lvl6pPr>
+            <a:lvl7pPr>
+              <a:defRPr>
+                <a:solidFill>
+                  <a:schemeClr val="dk1"/>
+                </a:solidFill>
+              </a:defRPr>
+            </a:lvl7pPr>
+            <a:lvl8pPr>
+              <a:defRPr>
+                <a:solidFill>
+                  <a:schemeClr val="dk1"/>
+                </a:solidFill>
+              </a:defRPr>
+            </a:lvl8pPr>
+            <a:lvl9pPr>
+              <a:defRPr>
+                <a:solidFill>
+                  <a:schemeClr val="dk1"/>
+                </a:solidFill>
+              </a:defRPr>
+            </a:lvl9pPr>
+          </a:lstStyle>
+          <a:p>
+            <a:pPr defTabSz="672130"/>
+            <a:r>
+              <a:rPr lang="pt-BR" sz="1176" b="0" dirty="0">
+                <a:solidFill>
+                  <a:prstClr val="black"/>
+                </a:solidFill>
+                <a:latin typeface="Simplon BP Bold" pitchFamily="2" charset="0"/>
+              </a:rPr>
+              <a:t>Plataforma</a:t>
+            </a:r>
+          </a:p>
+        </p:txBody>
+      </p:sp>
+      <p:sp>
+        <p:nvSpPr>
+          <p:cNvPr id="82" name="TextBox 128"/>
+          <p:cNvSpPr txBox="1"/>
+          <p:nvPr/>
+        </p:nvSpPr>
+        <p:spPr>
+          <a:xfrm>
+            <a:off x="9844897" y="576471"/>
+            <a:ext cx="899678" cy="179824"/>
+          </a:xfrm>
+          <a:prstGeom prst="rect">
+            <a:avLst/>
+          </a:prstGeom>
+          <a:noFill/>
+          <a:ln w="12700">
+            <a:noFill/>
+          </a:ln>
+        </p:spPr>
+        <p:style>
+          <a:lnRef idx="2">
+            <a:schemeClr val="accent4"/>
+          </a:lnRef>
+          <a:fillRef idx="1">
+            <a:schemeClr val="lt1"/>
+          </a:fillRef>
+          <a:effectRef idx="0">
+            <a:schemeClr val="accent4"/>
+          </a:effectRef>
+          <a:fontRef idx="minor">
+            <a:schemeClr val="dk1"/>
+          </a:fontRef>
+        </p:style>
+        <p:txBody>
+          <a:bodyPr wrap="none" lIns="52922" tIns="52922" rIns="52922" bIns="0" rtlCol="0" anchor="b"/>
+          <a:lstStyle>
+            <a:defPPr>
+              <a:defRPr lang="en-US"/>
+            </a:defPPr>
+            <a:lvl1pPr algn="ctr">
+              <a:defRPr sz="1000" b="1">
+                <a:latin typeface="Simplon BP Regular"/>
+                <a:cs typeface="Simplon BP Regular"/>
+              </a:defRPr>
+            </a:lvl1pPr>
+            <a:lvl2pPr>
+              <a:defRPr>
+                <a:solidFill>
+                  <a:schemeClr val="dk1"/>
+                </a:solidFill>
+              </a:defRPr>
+            </a:lvl2pPr>
+            <a:lvl3pPr>
+              <a:defRPr>
+                <a:solidFill>
+                  <a:schemeClr val="dk1"/>
+                </a:solidFill>
+              </a:defRPr>
+            </a:lvl3pPr>
+            <a:lvl4pPr>
+              <a:defRPr>
+                <a:solidFill>
+                  <a:schemeClr val="dk1"/>
+                </a:solidFill>
+              </a:defRPr>
+            </a:lvl4pPr>
+            <a:lvl5pPr>
+              <a:defRPr>
+                <a:solidFill>
+                  <a:schemeClr val="dk1"/>
+                </a:solidFill>
+              </a:defRPr>
+            </a:lvl5pPr>
+            <a:lvl6pPr>
+              <a:defRPr>
+                <a:solidFill>
+                  <a:schemeClr val="dk1"/>
+                </a:solidFill>
+              </a:defRPr>
+            </a:lvl6pPr>
+            <a:lvl7pPr>
+              <a:defRPr>
+                <a:solidFill>
+                  <a:schemeClr val="dk1"/>
+                </a:solidFill>
+              </a:defRPr>
+            </a:lvl7pPr>
+            <a:lvl8pPr>
+              <a:defRPr>
+                <a:solidFill>
+                  <a:schemeClr val="dk1"/>
+                </a:solidFill>
+              </a:defRPr>
+            </a:lvl8pPr>
+            <a:lvl9pPr>
+              <a:defRPr>
+                <a:solidFill>
+                  <a:schemeClr val="dk1"/>
+                </a:solidFill>
+              </a:defRPr>
+            </a:lvl9pPr>
+          </a:lstStyle>
+          <a:p>
+            <a:pPr defTabSz="672130"/>
+            <a:r>
+              <a:rPr lang="pt-BR" sz="1176" b="0" dirty="0">
+                <a:solidFill>
+                  <a:prstClr val="black"/>
+                </a:solidFill>
+                <a:latin typeface="Simplon BP Bold" pitchFamily="2" charset="0"/>
+              </a:rPr>
+              <a:t>Back</a:t>
+            </a:r>
+          </a:p>
+        </p:txBody>
+      </p:sp>
+      <p:sp>
+        <p:nvSpPr>
+          <p:cNvPr id="84" name="TextBox 133"/>
+          <p:cNvSpPr txBox="1"/>
+          <p:nvPr/>
+        </p:nvSpPr>
+        <p:spPr>
+          <a:xfrm>
+            <a:off x="8934246" y="576471"/>
+            <a:ext cx="899678" cy="179824"/>
+          </a:xfrm>
+          <a:prstGeom prst="rect">
+            <a:avLst/>
+          </a:prstGeom>
+          <a:noFill/>
+          <a:ln w="12700">
+            <a:noFill/>
+          </a:ln>
+        </p:spPr>
+        <p:style>
+          <a:lnRef idx="2">
+            <a:schemeClr val="accent4"/>
+          </a:lnRef>
+          <a:fillRef idx="1">
+            <a:schemeClr val="lt1"/>
+          </a:fillRef>
+          <a:effectRef idx="0">
+            <a:schemeClr val="accent4"/>
+          </a:effectRef>
+          <a:fontRef idx="minor">
+            <a:schemeClr val="dk1"/>
+          </a:fontRef>
+        </p:style>
+        <p:txBody>
+          <a:bodyPr wrap="none" lIns="52922" tIns="52922" rIns="52922" bIns="0" rtlCol="0" anchor="b"/>
+          <a:lstStyle>
+            <a:defPPr>
+              <a:defRPr lang="en-US"/>
+            </a:defPPr>
+            <a:lvl1pPr algn="ctr">
+              <a:defRPr sz="1000" b="1">
+                <a:latin typeface="Simplon BP Regular"/>
+                <a:cs typeface="Simplon BP Regular"/>
+              </a:defRPr>
+            </a:lvl1pPr>
+            <a:lvl2pPr>
+              <a:defRPr>
+                <a:solidFill>
+                  <a:schemeClr val="dk1"/>
+                </a:solidFill>
+              </a:defRPr>
+            </a:lvl2pPr>
+            <a:lvl3pPr>
+              <a:defRPr>
+                <a:solidFill>
+                  <a:schemeClr val="dk1"/>
+                </a:solidFill>
+              </a:defRPr>
+            </a:lvl3pPr>
+            <a:lvl4pPr>
+              <a:defRPr>
+                <a:solidFill>
+                  <a:schemeClr val="dk1"/>
+                </a:solidFill>
+              </a:defRPr>
+            </a:lvl4pPr>
+            <a:lvl5pPr>
+              <a:defRPr>
+                <a:solidFill>
+                  <a:schemeClr val="dk1"/>
+                </a:solidFill>
+              </a:defRPr>
+            </a:lvl5pPr>
+            <a:lvl6pPr>
+              <a:defRPr>
+                <a:solidFill>
+                  <a:schemeClr val="dk1"/>
+                </a:solidFill>
+              </a:defRPr>
+            </a:lvl6pPr>
+            <a:lvl7pPr>
+              <a:defRPr>
+                <a:solidFill>
+                  <a:schemeClr val="dk1"/>
+                </a:solidFill>
+              </a:defRPr>
+            </a:lvl7pPr>
+            <a:lvl8pPr>
+              <a:defRPr>
+                <a:solidFill>
+                  <a:schemeClr val="dk1"/>
+                </a:solidFill>
+              </a:defRPr>
+            </a:lvl8pPr>
+            <a:lvl9pPr>
+              <a:defRPr>
+                <a:solidFill>
+                  <a:schemeClr val="dk1"/>
+                </a:solidFill>
+              </a:defRPr>
+            </a:lvl9pPr>
+          </a:lstStyle>
+          <a:p>
+            <a:pPr defTabSz="672130"/>
+            <a:r>
+              <a:rPr lang="pt-BR" sz="1176" b="0" dirty="0">
+                <a:solidFill>
+                  <a:prstClr val="black"/>
+                </a:solidFill>
+                <a:latin typeface="Simplon BP Bold" pitchFamily="2" charset="0"/>
+              </a:rPr>
+              <a:t>Front</a:t>
+            </a:r>
+          </a:p>
+        </p:txBody>
+      </p:sp>
+      <p:sp>
+        <p:nvSpPr>
+          <p:cNvPr id="88" name="Oval 134"/>
+          <p:cNvSpPr>
+            <a:spLocks noChangeAspect="1"/>
+          </p:cNvSpPr>
+          <p:nvPr/>
+        </p:nvSpPr>
+        <p:spPr>
+          <a:xfrm>
+            <a:off x="8470074" y="341965"/>
+            <a:ext cx="211404" cy="211689"/>
+          </a:xfrm>
+          <a:prstGeom prst="ellipse">
+            <a:avLst/>
+          </a:prstGeom>
+          <a:solidFill>
+            <a:srgbClr val="1BCF13"/>
+          </a:solidFill>
+          <a:ln w="12700">
+            <a:solidFill>
+              <a:schemeClr val="accent3"/>
+            </a:solidFill>
+          </a:ln>
+        </p:spPr>
+        <p:style>
+          <a:lnRef idx="2">
+            <a:schemeClr val="accent1">
+              <a:shade val="50000"/>
+            </a:schemeClr>
+          </a:lnRef>
+          <a:fillRef idx="1">
+            <a:schemeClr val="accent1"/>
+          </a:fillRef>
+          <a:effectRef idx="0">
+            <a:schemeClr val="accent1"/>
+          </a:effectRef>
+          <a:fontRef idx="minor">
+            <a:schemeClr val="lt1"/>
+          </a:fontRef>
+        </p:style>
+        <p:txBody>
+          <a:bodyPr wrap="none" lIns="52922" tIns="52922" rIns="52922" rtlCol="0" anchor="ctr"/>
+          <a:lstStyle/>
+          <a:p>
+            <a:pPr algn="ctr" defTabSz="672130"/>
+            <a:endParaRPr lang="en-US" sz="1176" dirty="0">
+              <a:solidFill>
+                <a:prstClr val="black"/>
+              </a:solidFill>
+              <a:latin typeface="Simplon BP Regular"/>
+              <a:cs typeface="Simplon BP Regular"/>
+            </a:endParaRPr>
+          </a:p>
+        </p:txBody>
+      </p:sp>
+      <p:sp>
+        <p:nvSpPr>
+          <p:cNvPr id="86" name="TextBox 138"/>
+          <p:cNvSpPr txBox="1"/>
+          <p:nvPr/>
+        </p:nvSpPr>
+        <p:spPr>
+          <a:xfrm>
+            <a:off x="8126053" y="576471"/>
+            <a:ext cx="899678" cy="179824"/>
+          </a:xfrm>
+          <a:prstGeom prst="rect">
+            <a:avLst/>
+          </a:prstGeom>
+          <a:noFill/>
+          <a:ln w="12700">
+            <a:noFill/>
+          </a:ln>
+        </p:spPr>
+        <p:style>
+          <a:lnRef idx="2">
+            <a:schemeClr val="accent4"/>
+          </a:lnRef>
+          <a:fillRef idx="1">
+            <a:schemeClr val="lt1"/>
+          </a:fillRef>
+          <a:effectRef idx="0">
+            <a:schemeClr val="accent4"/>
+          </a:effectRef>
+          <a:fontRef idx="minor">
+            <a:schemeClr val="dk1"/>
+          </a:fontRef>
+        </p:style>
+        <p:txBody>
+          <a:bodyPr wrap="none" lIns="52922" tIns="52922" rIns="52922" bIns="0" rtlCol="0" anchor="b"/>
+          <a:lstStyle>
+            <a:defPPr>
+              <a:defRPr lang="en-US"/>
+            </a:defPPr>
+            <a:lvl1pPr algn="ctr">
+              <a:defRPr sz="1000" b="1">
+                <a:latin typeface="Simplon BP Regular"/>
+                <a:cs typeface="Simplon BP Regular"/>
+              </a:defRPr>
+            </a:lvl1pPr>
+            <a:lvl2pPr>
+              <a:defRPr>
+                <a:solidFill>
+                  <a:schemeClr val="dk1"/>
+                </a:solidFill>
+              </a:defRPr>
+            </a:lvl2pPr>
+            <a:lvl3pPr>
+              <a:defRPr>
+                <a:solidFill>
+                  <a:schemeClr val="dk1"/>
+                </a:solidFill>
+              </a:defRPr>
+            </a:lvl3pPr>
+            <a:lvl4pPr>
+              <a:defRPr>
+                <a:solidFill>
+                  <a:schemeClr val="dk1"/>
+                </a:solidFill>
+              </a:defRPr>
+            </a:lvl4pPr>
+            <a:lvl5pPr>
+              <a:defRPr>
+                <a:solidFill>
+                  <a:schemeClr val="dk1"/>
+                </a:solidFill>
+              </a:defRPr>
+            </a:lvl5pPr>
+            <a:lvl6pPr>
+              <a:defRPr>
+                <a:solidFill>
+                  <a:schemeClr val="dk1"/>
+                </a:solidFill>
+              </a:defRPr>
+            </a:lvl6pPr>
+            <a:lvl7pPr>
+              <a:defRPr>
+                <a:solidFill>
+                  <a:schemeClr val="dk1"/>
+                </a:solidFill>
+              </a:defRPr>
+            </a:lvl7pPr>
+            <a:lvl8pPr>
+              <a:defRPr>
+                <a:solidFill>
+                  <a:schemeClr val="dk1"/>
+                </a:solidFill>
+              </a:defRPr>
+            </a:lvl8pPr>
+            <a:lvl9pPr>
+              <a:defRPr>
+                <a:solidFill>
+                  <a:schemeClr val="dk1"/>
+                </a:solidFill>
+              </a:defRPr>
+            </a:lvl9pPr>
+          </a:lstStyle>
+          <a:p>
+            <a:pPr defTabSz="672130"/>
+            <a:r>
+              <a:rPr lang="en-US" sz="1176" b="0" dirty="0" err="1">
+                <a:solidFill>
+                  <a:prstClr val="black"/>
+                </a:solidFill>
+                <a:latin typeface="Simplon BP Bold" pitchFamily="2" charset="0"/>
+              </a:rPr>
+              <a:t>Equipe</a:t>
+            </a:r>
+            <a:endParaRPr lang="en-US" sz="1176" b="0" dirty="0">
+              <a:solidFill>
+                <a:prstClr val="black"/>
+              </a:solidFill>
+              <a:latin typeface="Simplon BP Bold" pitchFamily="2" charset="0"/>
+            </a:endParaRPr>
+          </a:p>
+        </p:txBody>
+      </p:sp>
+      <p:sp>
+        <p:nvSpPr>
+          <p:cNvPr id="64" name="Retângulo 63"/>
+          <p:cNvSpPr/>
+          <p:nvPr/>
+        </p:nvSpPr>
+        <p:spPr>
+          <a:xfrm>
+            <a:off x="469692" y="559912"/>
+            <a:ext cx="7186474" cy="239087"/>
+          </a:xfrm>
+          <a:prstGeom prst="rect">
+            <a:avLst/>
+          </a:prstGeom>
+          <a:solidFill>
+            <a:schemeClr val="bg1">
+              <a:lumMod val="85000"/>
+            </a:schemeClr>
+          </a:solidFill>
+        </p:spPr>
+        <p:txBody>
+          <a:bodyPr vert="horz" lIns="134422" tIns="67211" rIns="134422" bIns="67211" rtlCol="0" anchor="ctr"/>
+          <a:lstStyle/>
+          <a:p>
+            <a:pPr defTabSz="672130"/>
+            <a:r>
+              <a:rPr lang="en-US" sz="1544" dirty="0">
+                <a:latin typeface="Simplon Oi Headline" charset="0"/>
+                <a:ea typeface="Simplon Oi Headline" charset="0"/>
+                <a:cs typeface="Simplon Oi Headline" charset="0"/>
+              </a:rPr>
+              <a:t>PROGRESSOS</a:t>
+            </a:r>
+            <a:endParaRPr lang="pt-BR" sz="1544" dirty="0">
+              <a:latin typeface="Simplon Oi Headline" charset="0"/>
+              <a:ea typeface="Simplon Oi Headline" charset="0"/>
+              <a:cs typeface="Simplon Oi Headline" charset="0"/>
+            </a:endParaRPr>
+          </a:p>
+        </p:txBody>
+      </p:sp>
+      <p:sp>
+        <p:nvSpPr>
+          <p:cNvPr id="65" name="Retângulo 64"/>
+          <p:cNvSpPr/>
+          <p:nvPr/>
+        </p:nvSpPr>
+        <p:spPr>
+          <a:xfrm>
+            <a:off x="7810906" y="927661"/>
+            <a:ext cx="5351116" cy="449162"/>
+          </a:xfrm>
+          <a:prstGeom prst="rect">
+            <a:avLst/>
+          </a:prstGeom>
+          <a:solidFill>
+            <a:schemeClr val="bg1">
+              <a:lumMod val="85000"/>
+            </a:schemeClr>
+          </a:solidFill>
+        </p:spPr>
+        <p:txBody>
+          <a:bodyPr vert="horz" lIns="134422" tIns="67211" rIns="134422" bIns="67211" rtlCol="0" anchor="ctr"/>
+          <a:lstStyle/>
+          <a:p>
+            <a:pPr defTabSz="672130"/>
+            <a:r>
+              <a:rPr lang="pt-BR" sz="1544" dirty="0">
+                <a:latin typeface="Simplon Oi Headline" charset="0"/>
+                <a:ea typeface="Simplon Oi Headline" charset="0"/>
+                <a:cs typeface="Simplon Oi Headline" charset="0"/>
+              </a:rPr>
+              <a:t>Pontos atenção/ Principais Riscos</a:t>
+            </a:r>
+          </a:p>
+        </p:txBody>
+      </p:sp>
+      <p:sp>
+        <p:nvSpPr>
+          <p:cNvPr id="66" name="Retângulo 65"/>
+          <p:cNvSpPr/>
+          <p:nvPr/>
+        </p:nvSpPr>
+        <p:spPr>
+          <a:xfrm>
+            <a:off x="469691" y="4982921"/>
+            <a:ext cx="12973257" cy="233106"/>
+          </a:xfrm>
+          <a:prstGeom prst="rect">
+            <a:avLst/>
+          </a:prstGeom>
+          <a:solidFill>
+            <a:schemeClr val="bg1">
+              <a:lumMod val="85000"/>
+            </a:schemeClr>
+          </a:solidFill>
+        </p:spPr>
+        <p:txBody>
+          <a:bodyPr vert="horz" lIns="134422" tIns="67211" rIns="134422" bIns="67211" rtlCol="0" anchor="ctr"/>
+          <a:lstStyle/>
+          <a:p>
+            <a:pPr defTabSz="672130"/>
+            <a:r>
+              <a:rPr lang="pt-BR" sz="1544" dirty="0">
+                <a:latin typeface="Simplon Oi Headline" charset="0"/>
+                <a:ea typeface="Simplon Oi Headline" charset="0"/>
+                <a:cs typeface="Simplon Oi Headline" charset="0"/>
+              </a:rPr>
+              <a:t>Próximos Passos/ Decisões a tomar</a:t>
+            </a:r>
+          </a:p>
+        </p:txBody>
+      </p:sp>
+      <p:sp>
+        <p:nvSpPr>
+          <p:cNvPr id="63" name="Rectangle 37"/>
+          <p:cNvSpPr/>
+          <p:nvPr/>
+        </p:nvSpPr>
+        <p:spPr>
+          <a:xfrm>
+            <a:off x="469132" y="818463"/>
+            <a:ext cx="7186474" cy="4078796"/>
+          </a:xfrm>
+          <a:prstGeom prst="rect">
+            <a:avLst/>
+          </a:prstGeom>
+          <a:noFill/>
+          <a:ln w="12700">
+            <a:solidFill>
+              <a:schemeClr val="bg1">
+                <a:lumMod val="50000"/>
+              </a:schemeClr>
+            </a:solidFill>
+          </a:ln>
+        </p:spPr>
+        <p:style>
+          <a:lnRef idx="2">
+            <a:schemeClr val="accent4"/>
+          </a:lnRef>
+          <a:fillRef idx="1">
+            <a:schemeClr val="lt1"/>
+          </a:fillRef>
+          <a:effectRef idx="0">
+            <a:schemeClr val="accent4"/>
+          </a:effectRef>
+          <a:fontRef idx="minor">
+            <a:schemeClr val="dk1"/>
+          </a:fontRef>
+        </p:style>
+        <p:txBody>
+          <a:bodyPr tIns="105844" rtlCol="0" anchor="t"/>
+          <a:lstStyle/>
+          <a:p>
+            <a:pPr marL="252049" indent="-252049" fontAlgn="base">
+              <a:spcBef>
+                <a:spcPct val="0"/>
+              </a:spcBef>
+              <a:buFont typeface="Wingdings" panose="05000000000000000000" pitchFamily="2" charset="2"/>
+              <a:buChar char="ü"/>
+              <a:defRPr/>
+            </a:pPr>
+            <a:r>
+              <a:rPr lang="pt-BR" sz="1600" b="1" dirty="0">
+                <a:solidFill>
+                  <a:schemeClr val="tx1"/>
+                </a:solidFill>
+                <a:latin typeface="Arial" panose="020B0604020202020204" pitchFamily="34" charset="0"/>
+                <a:cs typeface="Arial" panose="020B0604020202020204" pitchFamily="34" charset="0"/>
+              </a:rPr>
+              <a:t>Implementamos o Adapter nas classes do projeto</a:t>
+            </a:r>
+          </a:p>
+          <a:p>
+            <a:pPr marL="252049" indent="-252049" fontAlgn="base">
+              <a:spcBef>
+                <a:spcPct val="0"/>
+              </a:spcBef>
+              <a:buFont typeface="Wingdings" panose="05000000000000000000" pitchFamily="2" charset="2"/>
+              <a:buChar char="ü"/>
+              <a:defRPr/>
+            </a:pPr>
+            <a:r>
+              <a:rPr lang="pt-BR" sz="1600" b="1" dirty="0">
+                <a:solidFill>
+                  <a:schemeClr val="tx1"/>
+                </a:solidFill>
+                <a:latin typeface="Arial" panose="020B0604020202020204" pitchFamily="34" charset="0"/>
+                <a:cs typeface="Arial" panose="020B0604020202020204" pitchFamily="34" charset="0"/>
+              </a:rPr>
+              <a:t>Começamos a construção do desenho de Software visão Micro – Componentes</a:t>
+            </a:r>
+          </a:p>
+          <a:p>
+            <a:pPr marL="252049" indent="-252049" fontAlgn="base">
+              <a:spcBef>
+                <a:spcPct val="0"/>
+              </a:spcBef>
+              <a:buFont typeface="Wingdings" panose="05000000000000000000" pitchFamily="2" charset="2"/>
+              <a:buChar char="ü"/>
+              <a:defRPr/>
+            </a:pPr>
+            <a:r>
+              <a:rPr lang="pt-BR" sz="1600" b="1" dirty="0">
+                <a:solidFill>
+                  <a:schemeClr val="tx1"/>
+                </a:solidFill>
+                <a:latin typeface="Arial" panose="020B0604020202020204" pitchFamily="34" charset="0"/>
+                <a:cs typeface="Arial" panose="020B0604020202020204" pitchFamily="34" charset="0"/>
+              </a:rPr>
+              <a:t>Dividimos as task da Sprint 3</a:t>
+            </a:r>
+          </a:p>
+          <a:p>
+            <a:pPr marL="252049" indent="-252049" fontAlgn="base">
+              <a:spcBef>
+                <a:spcPct val="0"/>
+              </a:spcBef>
+              <a:buFont typeface="Wingdings" panose="05000000000000000000" pitchFamily="2" charset="2"/>
+              <a:buChar char="ü"/>
+              <a:defRPr/>
+            </a:pPr>
+            <a:r>
+              <a:rPr lang="pt-BR" sz="1600" b="1" dirty="0">
+                <a:solidFill>
+                  <a:schemeClr val="tx1"/>
+                </a:solidFill>
+                <a:latin typeface="Arial" panose="020B0604020202020204" pitchFamily="34" charset="0"/>
+                <a:cs typeface="Arial" panose="020B0604020202020204" pitchFamily="34" charset="0"/>
+              </a:rPr>
+              <a:t>Implementamos o relacionamento das classes no BackEnd</a:t>
+            </a:r>
+          </a:p>
+          <a:p>
+            <a:pPr marL="252049" indent="-252049" fontAlgn="base">
+              <a:spcBef>
+                <a:spcPct val="0"/>
+              </a:spcBef>
+              <a:buFont typeface="Wingdings" panose="05000000000000000000" pitchFamily="2" charset="2"/>
+              <a:buChar char="ü"/>
+              <a:defRPr/>
+            </a:pPr>
+            <a:endParaRPr lang="pt-BR" sz="1600" b="1" dirty="0">
+              <a:solidFill>
+                <a:schemeClr val="tx1"/>
+              </a:solidFill>
+              <a:latin typeface="Arial" panose="020B0604020202020204" pitchFamily="34" charset="0"/>
+              <a:cs typeface="Arial" panose="020B0604020202020204" pitchFamily="34" charset="0"/>
+            </a:endParaRPr>
+          </a:p>
+          <a:p>
+            <a:pPr marL="0" lvl="1" defTabSz="672130"/>
+            <a:endParaRPr lang="pt-BR" sz="1800" b="1" dirty="0">
+              <a:solidFill>
+                <a:schemeClr val="tx1"/>
+              </a:solidFill>
+              <a:latin typeface="Calibri" panose="020F0502020204030204" pitchFamily="34" charset="0"/>
+              <a:cs typeface="Simplon BP Regular"/>
+            </a:endParaRPr>
+          </a:p>
+        </p:txBody>
+      </p:sp>
+      <p:sp>
+        <p:nvSpPr>
+          <p:cNvPr id="2" name="Rectangle 43">
+            <a:extLst>
+              <a:ext uri="{FF2B5EF4-FFF2-40B4-BE49-F238E27FC236}">
+                <a16:creationId xmlns:a16="http://schemas.microsoft.com/office/drawing/2014/main" id="{B15BA19F-C787-4E6A-ADAB-C0DFF09C66A8}"/>
+              </a:ext>
+            </a:extLst>
+          </p:cNvPr>
+          <p:cNvSpPr>
+            <a:spLocks/>
+          </p:cNvSpPr>
+          <p:nvPr/>
+        </p:nvSpPr>
+        <p:spPr>
+          <a:xfrm>
+            <a:off x="463324" y="5216027"/>
+            <a:ext cx="12979625" cy="2013206"/>
+          </a:xfrm>
+          <a:prstGeom prst="rect">
+            <a:avLst/>
+          </a:prstGeom>
+          <a:noFill/>
+          <a:ln w="12700">
+            <a:solidFill>
+              <a:schemeClr val="bg1">
+                <a:lumMod val="50000"/>
+              </a:schemeClr>
+            </a:solidFill>
+          </a:ln>
+        </p:spPr>
+        <p:style>
+          <a:lnRef idx="2">
+            <a:schemeClr val="accent4"/>
+          </a:lnRef>
+          <a:fillRef idx="1">
+            <a:schemeClr val="lt1"/>
+          </a:fillRef>
+          <a:effectRef idx="0">
+            <a:schemeClr val="accent4"/>
+          </a:effectRef>
+          <a:fontRef idx="minor">
+            <a:schemeClr val="dk1"/>
+          </a:fontRef>
+        </p:style>
+        <p:txBody>
+          <a:bodyPr wrap="square" tIns="105844" numCol="3" rtlCol="0" anchor="ctr"/>
+          <a:lstStyle/>
+          <a:p>
+            <a:pPr marL="0" lvl="1" defTabSz="672130"/>
+            <a:r>
+              <a:rPr lang="pt-BR" sz="1400" b="1" dirty="0">
+                <a:solidFill>
+                  <a:schemeClr val="tx1"/>
+                </a:solidFill>
+                <a:latin typeface="Arial" panose="020B0604020202020204" pitchFamily="34" charset="0"/>
+                <a:cs typeface="Arial" panose="020B0604020202020204" pitchFamily="34" charset="0"/>
+              </a:rPr>
+              <a:t>Frente Backend</a:t>
+            </a:r>
+          </a:p>
+          <a:p>
+            <a:pPr marL="285750" lvl="1" indent="-285750" defTabSz="672130">
+              <a:buFont typeface="Wingdings" panose="05000000000000000000" pitchFamily="2" charset="2"/>
+              <a:buChar char="§"/>
+            </a:pPr>
+            <a:r>
+              <a:rPr lang="pt-BR" sz="1400" b="1" dirty="0">
+                <a:solidFill>
+                  <a:schemeClr val="tx1"/>
+                </a:solidFill>
+                <a:latin typeface="Arial" panose="020B0604020202020204" pitchFamily="34" charset="0"/>
+                <a:cs typeface="Arial" panose="020B0604020202020204" pitchFamily="34" charset="0"/>
+              </a:rPr>
+              <a:t>BackEnd-Conta para gramas</a:t>
+            </a:r>
+          </a:p>
+          <a:p>
+            <a:pPr marL="0" lvl="1" defTabSz="672130"/>
+            <a:r>
+              <a:rPr lang="pt-BR" sz="1400" b="1" dirty="0">
+                <a:solidFill>
+                  <a:schemeClr val="tx1"/>
+                </a:solidFill>
+                <a:latin typeface="Arial" panose="020B0604020202020204" pitchFamily="34" charset="0"/>
+                <a:cs typeface="Arial" panose="020B0604020202020204" pitchFamily="34" charset="0"/>
+              </a:rPr>
+              <a:t>Frente Front-</a:t>
+            </a:r>
+            <a:r>
+              <a:rPr lang="pt-BR" sz="1400" b="1" dirty="0" err="1">
+                <a:solidFill>
+                  <a:schemeClr val="tx1"/>
+                </a:solidFill>
+                <a:latin typeface="Arial" panose="020B0604020202020204" pitchFamily="34" charset="0"/>
+                <a:cs typeface="Arial" panose="020B0604020202020204" pitchFamily="34" charset="0"/>
+              </a:rPr>
+              <a:t>end</a:t>
+            </a:r>
+            <a:endParaRPr lang="pt-BR" sz="1400" b="1" dirty="0">
+              <a:solidFill>
+                <a:schemeClr val="tx1"/>
+              </a:solidFill>
+              <a:latin typeface="Arial" panose="020B0604020202020204" pitchFamily="34" charset="0"/>
+              <a:cs typeface="Arial" panose="020B0604020202020204" pitchFamily="34" charset="0"/>
+            </a:endParaRPr>
+          </a:p>
+          <a:p>
+            <a:pPr marL="285750" lvl="1" indent="-285750" defTabSz="672130">
+              <a:buFont typeface="Wingdings" panose="05000000000000000000" pitchFamily="2" charset="2"/>
+              <a:buChar char="§"/>
+            </a:pPr>
+            <a:r>
+              <a:rPr lang="pt-BR" sz="1400" b="1" dirty="0">
+                <a:solidFill>
+                  <a:schemeClr val="tx1"/>
+                </a:solidFill>
+                <a:latin typeface="Arial" panose="020B0604020202020204" pitchFamily="34" charset="0"/>
+                <a:cs typeface="Arial" panose="020B0604020202020204" pitchFamily="34" charset="0"/>
+              </a:rPr>
+              <a:t>Tela de relatório</a:t>
+            </a:r>
+            <a:endParaRPr lang="pt-BR" sz="1600" b="1" dirty="0">
+              <a:solidFill>
+                <a:schemeClr val="tx1"/>
+              </a:solidFill>
+              <a:latin typeface="Calibri" panose="020F0502020204030204" pitchFamily="34" charset="0"/>
+              <a:cs typeface="Simplon BP Regular"/>
+            </a:endParaRPr>
+          </a:p>
+          <a:p>
+            <a:pPr marL="0" lvl="1" defTabSz="672130"/>
+            <a:r>
+              <a:rPr lang="pt-BR" sz="1400" b="1" dirty="0">
+                <a:solidFill>
+                  <a:schemeClr val="tx1"/>
+                </a:solidFill>
+                <a:latin typeface="Arial" panose="020B0604020202020204" pitchFamily="34" charset="0"/>
+                <a:cs typeface="Arial" panose="020B0604020202020204" pitchFamily="34" charset="0"/>
+              </a:rPr>
+              <a:t>Frente Negócios</a:t>
+            </a:r>
+          </a:p>
+          <a:p>
+            <a:pPr marL="285750" lvl="1" indent="-285750" defTabSz="672130">
+              <a:buFont typeface="Wingdings" panose="05000000000000000000" pitchFamily="2" charset="2"/>
+              <a:buChar char="§"/>
+            </a:pPr>
+            <a:r>
+              <a:rPr lang="pt-BR" sz="1400" b="1" dirty="0">
+                <a:solidFill>
+                  <a:schemeClr val="tx1"/>
+                </a:solidFill>
+                <a:latin typeface="Arial" panose="020B0604020202020204" pitchFamily="34" charset="0"/>
+                <a:cs typeface="Arial" panose="020B0604020202020204" pitchFamily="34" charset="0"/>
+              </a:rPr>
+              <a:t>Atualizar </a:t>
+            </a:r>
+            <a:r>
+              <a:rPr lang="pt-BR" sz="1400" b="1" dirty="0" err="1">
+                <a:solidFill>
+                  <a:schemeClr val="tx1"/>
+                </a:solidFill>
+                <a:latin typeface="Arial" panose="020B0604020202020204" pitchFamily="34" charset="0"/>
+                <a:cs typeface="Arial" panose="020B0604020202020204" pitchFamily="34" charset="0"/>
+              </a:rPr>
+              <a:t>Figma</a:t>
+            </a:r>
+            <a:endParaRPr lang="pt-BR" sz="1400" b="1" dirty="0">
+              <a:solidFill>
+                <a:schemeClr val="tx1"/>
+              </a:solidFill>
+              <a:latin typeface="Arial" panose="020B0604020202020204" pitchFamily="34" charset="0"/>
+              <a:cs typeface="Arial" panose="020B0604020202020204" pitchFamily="34" charset="0"/>
+            </a:endParaRPr>
+          </a:p>
+          <a:p>
+            <a:pPr marL="285750" lvl="1" indent="-285750" defTabSz="672130">
+              <a:buFont typeface="Wingdings" panose="05000000000000000000" pitchFamily="2" charset="2"/>
+              <a:buChar char="§"/>
+            </a:pPr>
+            <a:r>
+              <a:rPr lang="pt-BR" sz="1400" b="1" dirty="0">
+                <a:solidFill>
+                  <a:schemeClr val="tx1"/>
+                </a:solidFill>
+                <a:latin typeface="Arial" panose="020B0604020202020204" pitchFamily="34" charset="0"/>
+                <a:cs typeface="Arial" panose="020B0604020202020204" pitchFamily="34" charset="0"/>
+              </a:rPr>
+              <a:t>Cenários de Testes</a:t>
+            </a:r>
+          </a:p>
+          <a:p>
+            <a:pPr marL="285750" lvl="1" indent="-285750" defTabSz="672130">
+              <a:buFont typeface="Wingdings" panose="05000000000000000000" pitchFamily="2" charset="2"/>
+              <a:buChar char="§"/>
+            </a:pPr>
+            <a:r>
+              <a:rPr lang="pt-BR" sz="1400" b="1" dirty="0">
+                <a:solidFill>
+                  <a:schemeClr val="tx1"/>
+                </a:solidFill>
+                <a:latin typeface="Arial" panose="020B0604020202020204" pitchFamily="34" charset="0"/>
+                <a:cs typeface="Arial" panose="020B0604020202020204" pitchFamily="34" charset="0"/>
+              </a:rPr>
+              <a:t>Terminar inserção banco de dados</a:t>
+            </a:r>
+          </a:p>
+          <a:p>
+            <a:pPr marL="285750" lvl="1" indent="-285750" defTabSz="672130">
+              <a:buFont typeface="Wingdings" panose="05000000000000000000" pitchFamily="2" charset="2"/>
+              <a:buChar char="§"/>
+            </a:pPr>
+            <a:r>
+              <a:rPr lang="pt-BR" sz="1400" b="1" dirty="0">
+                <a:solidFill>
+                  <a:schemeClr val="tx1"/>
+                </a:solidFill>
+                <a:latin typeface="Arial" panose="020B0604020202020204" pitchFamily="34" charset="0"/>
+                <a:cs typeface="Arial" panose="020B0604020202020204" pitchFamily="34" charset="0"/>
+              </a:rPr>
+              <a:t>White </a:t>
+            </a:r>
+            <a:r>
+              <a:rPr lang="pt-BR" sz="1400" b="1" dirty="0" err="1">
+                <a:solidFill>
+                  <a:schemeClr val="tx1"/>
+                </a:solidFill>
+                <a:latin typeface="Arial" panose="020B0604020202020204" pitchFamily="34" charset="0"/>
+                <a:cs typeface="Arial" panose="020B0604020202020204" pitchFamily="34" charset="0"/>
+              </a:rPr>
+              <a:t>Paper</a:t>
+            </a:r>
+            <a:endParaRPr lang="pt-BR" sz="1400" b="1" dirty="0">
+              <a:solidFill>
+                <a:schemeClr val="tx1"/>
+              </a:solidFill>
+              <a:latin typeface="Arial" panose="020B0604020202020204" pitchFamily="34" charset="0"/>
+              <a:cs typeface="Arial" panose="020B0604020202020204" pitchFamily="34" charset="0"/>
+            </a:endParaRPr>
+          </a:p>
+          <a:p>
+            <a:pPr marL="0" lvl="1" defTabSz="672130"/>
+            <a:endParaRPr lang="pt-BR" sz="1400" b="1" dirty="0">
+              <a:solidFill>
+                <a:schemeClr val="tx1"/>
+              </a:solidFill>
+              <a:latin typeface="Arial" panose="020B0604020202020204" pitchFamily="34" charset="0"/>
+              <a:cs typeface="Arial" panose="020B0604020202020204" pitchFamily="34" charset="0"/>
+            </a:endParaRPr>
+          </a:p>
+        </p:txBody>
+      </p:sp>
+      <p:sp>
+        <p:nvSpPr>
+          <p:cNvPr id="5" name="Retângulo 4">
+            <a:extLst>
+              <a:ext uri="{FF2B5EF4-FFF2-40B4-BE49-F238E27FC236}">
+                <a16:creationId xmlns:a16="http://schemas.microsoft.com/office/drawing/2014/main" id="{A1C14918-6027-46B3-96BF-C5F7FDEC3276}"/>
+              </a:ext>
+            </a:extLst>
+          </p:cNvPr>
+          <p:cNvSpPr/>
+          <p:nvPr/>
+        </p:nvSpPr>
+        <p:spPr>
+          <a:xfrm>
+            <a:off x="8017619" y="180231"/>
+            <a:ext cx="4937689" cy="618769"/>
+          </a:xfrm>
+          <a:prstGeom prst="rect">
+            <a:avLst/>
+          </a:prstGeom>
+          <a:noFill/>
+          <a:ln w="6350">
+            <a:solidFill>
+              <a:schemeClr val="bg1">
+                <a:lumMod val="75000"/>
+              </a:schemeClr>
+            </a:solidFill>
+          </a:ln>
+        </p:spPr>
+        <p:style>
+          <a:lnRef idx="2">
+            <a:schemeClr val="accent1">
+              <a:shade val="50000"/>
+            </a:schemeClr>
+          </a:lnRef>
+          <a:fillRef idx="1">
+            <a:schemeClr val="accent1"/>
+          </a:fillRef>
+          <a:effectRef idx="0">
+            <a:schemeClr val="accent1"/>
+          </a:effectRef>
+          <a:fontRef idx="minor">
+            <a:schemeClr val="lt1"/>
+          </a:fontRef>
+        </p:style>
+        <p:txBody>
+          <a:bodyPr rtlCol="0" anchor="ctr"/>
+          <a:lstStyle/>
+          <a:p>
+            <a:pPr algn="ctr"/>
+            <a:endParaRPr lang="pt-BR"/>
+          </a:p>
+        </p:txBody>
+      </p:sp>
+      <p:sp>
+        <p:nvSpPr>
+          <p:cNvPr id="8" name="TextBox 138">
+            <a:extLst>
+              <a:ext uri="{FF2B5EF4-FFF2-40B4-BE49-F238E27FC236}">
+                <a16:creationId xmlns:a16="http://schemas.microsoft.com/office/drawing/2014/main" id="{5CE7D08C-795B-4BF1-97F6-F9773F4E9F4C}"/>
+              </a:ext>
+            </a:extLst>
+          </p:cNvPr>
+          <p:cNvSpPr txBox="1"/>
+          <p:nvPr/>
+        </p:nvSpPr>
+        <p:spPr>
+          <a:xfrm>
+            <a:off x="9715810" y="51570"/>
+            <a:ext cx="1478088" cy="211688"/>
+          </a:xfrm>
+          <a:prstGeom prst="rect">
+            <a:avLst/>
+          </a:prstGeom>
+          <a:solidFill>
+            <a:schemeClr val="bg1"/>
+          </a:solidFill>
+          <a:ln w="12700">
+            <a:noFill/>
+          </a:ln>
+        </p:spPr>
+        <p:style>
+          <a:lnRef idx="2">
+            <a:schemeClr val="accent4"/>
+          </a:lnRef>
+          <a:fillRef idx="1">
+            <a:schemeClr val="lt1"/>
+          </a:fillRef>
+          <a:effectRef idx="0">
+            <a:schemeClr val="accent4"/>
+          </a:effectRef>
+          <a:fontRef idx="minor">
+            <a:schemeClr val="dk1"/>
+          </a:fontRef>
+        </p:style>
+        <p:txBody>
+          <a:bodyPr wrap="none" lIns="52922" tIns="52922" rIns="52922" bIns="0" rtlCol="0" anchor="b"/>
+          <a:lstStyle>
+            <a:defPPr>
+              <a:defRPr lang="en-US"/>
+            </a:defPPr>
+            <a:lvl1pPr algn="ctr">
+              <a:defRPr sz="1000" b="1">
+                <a:latin typeface="Simplon BP Regular"/>
+                <a:cs typeface="Simplon BP Regular"/>
+              </a:defRPr>
+            </a:lvl1pPr>
+            <a:lvl2pPr>
+              <a:defRPr>
+                <a:solidFill>
+                  <a:schemeClr val="dk1"/>
+                </a:solidFill>
+              </a:defRPr>
+            </a:lvl2pPr>
+            <a:lvl3pPr>
+              <a:defRPr>
+                <a:solidFill>
+                  <a:schemeClr val="dk1"/>
+                </a:solidFill>
+              </a:defRPr>
+            </a:lvl3pPr>
+            <a:lvl4pPr>
+              <a:defRPr>
+                <a:solidFill>
+                  <a:schemeClr val="dk1"/>
+                </a:solidFill>
+              </a:defRPr>
+            </a:lvl4pPr>
+            <a:lvl5pPr>
+              <a:defRPr>
+                <a:solidFill>
+                  <a:schemeClr val="dk1"/>
+                </a:solidFill>
+              </a:defRPr>
+            </a:lvl5pPr>
+            <a:lvl6pPr>
+              <a:defRPr>
+                <a:solidFill>
+                  <a:schemeClr val="dk1"/>
+                </a:solidFill>
+              </a:defRPr>
+            </a:lvl6pPr>
+            <a:lvl7pPr>
+              <a:defRPr>
+                <a:solidFill>
+                  <a:schemeClr val="dk1"/>
+                </a:solidFill>
+              </a:defRPr>
+            </a:lvl7pPr>
+            <a:lvl8pPr>
+              <a:defRPr>
+                <a:solidFill>
+                  <a:schemeClr val="dk1"/>
+                </a:solidFill>
+              </a:defRPr>
+            </a:lvl8pPr>
+            <a:lvl9pPr>
+              <a:defRPr>
+                <a:solidFill>
+                  <a:schemeClr val="dk1"/>
+                </a:solidFill>
+              </a:defRPr>
+            </a:lvl9pPr>
+          </a:lstStyle>
+          <a:p>
+            <a:pPr defTabSz="672130"/>
+            <a:r>
+              <a:rPr lang="en-US" sz="1176" b="0" dirty="0">
+                <a:solidFill>
+                  <a:prstClr val="black"/>
+                </a:solidFill>
+                <a:latin typeface="Simplon BP Bold" pitchFamily="2" charset="0"/>
+              </a:rPr>
+              <a:t>    </a:t>
+            </a:r>
+            <a:r>
+              <a:rPr lang="en-US" sz="1176" b="0" dirty="0" err="1">
+                <a:solidFill>
+                  <a:prstClr val="black"/>
+                </a:solidFill>
+                <a:latin typeface="Simplon BP Bold" pitchFamily="2" charset="0"/>
+              </a:rPr>
+              <a:t>Farol</a:t>
+            </a:r>
+            <a:r>
+              <a:rPr lang="en-US" sz="1176" b="0" dirty="0">
+                <a:solidFill>
+                  <a:prstClr val="black"/>
+                </a:solidFill>
+                <a:latin typeface="Simplon BP Bold" pitchFamily="2" charset="0"/>
+              </a:rPr>
+              <a:t> do </a:t>
+            </a:r>
+            <a:r>
+              <a:rPr lang="en-US" sz="1176" b="0" dirty="0" err="1">
+                <a:solidFill>
+                  <a:prstClr val="black"/>
+                </a:solidFill>
+                <a:latin typeface="Simplon BP Bold" pitchFamily="2" charset="0"/>
+              </a:rPr>
+              <a:t>Projeto</a:t>
+            </a:r>
+            <a:r>
+              <a:rPr lang="en-US" sz="1176" b="0" dirty="0">
+                <a:solidFill>
+                  <a:prstClr val="black"/>
+                </a:solidFill>
+                <a:latin typeface="Simplon BP Bold" pitchFamily="2" charset="0"/>
+              </a:rPr>
+              <a:t>   </a:t>
+            </a:r>
+          </a:p>
+        </p:txBody>
+      </p:sp>
+      <p:sp>
+        <p:nvSpPr>
+          <p:cNvPr id="21" name="Oval 134">
+            <a:extLst>
+              <a:ext uri="{FF2B5EF4-FFF2-40B4-BE49-F238E27FC236}">
+                <a16:creationId xmlns:a16="http://schemas.microsoft.com/office/drawing/2014/main" id="{C7687DA3-5EC5-4177-9DBB-6A09DC7F77ED}"/>
+              </a:ext>
+            </a:extLst>
+          </p:cNvPr>
+          <p:cNvSpPr>
+            <a:spLocks noChangeAspect="1"/>
+          </p:cNvSpPr>
+          <p:nvPr/>
+        </p:nvSpPr>
+        <p:spPr>
+          <a:xfrm>
+            <a:off x="10156945" y="362281"/>
+            <a:ext cx="211404" cy="211689"/>
+          </a:xfrm>
+          <a:prstGeom prst="ellipse">
+            <a:avLst/>
+          </a:prstGeom>
+          <a:solidFill>
+            <a:srgbClr val="1BCF13"/>
+          </a:solidFill>
+          <a:ln w="12700">
+            <a:solidFill>
+              <a:schemeClr val="accent3"/>
+            </a:solidFill>
+          </a:ln>
+        </p:spPr>
+        <p:style>
+          <a:lnRef idx="2">
+            <a:schemeClr val="accent1">
+              <a:shade val="50000"/>
+            </a:schemeClr>
+          </a:lnRef>
+          <a:fillRef idx="1">
+            <a:schemeClr val="accent1"/>
+          </a:fillRef>
+          <a:effectRef idx="0">
+            <a:schemeClr val="accent1"/>
+          </a:effectRef>
+          <a:fontRef idx="minor">
+            <a:schemeClr val="lt1"/>
+          </a:fontRef>
+        </p:style>
+        <p:txBody>
+          <a:bodyPr wrap="none" lIns="52922" tIns="52922" rIns="52922" rtlCol="0" anchor="ctr"/>
+          <a:lstStyle/>
+          <a:p>
+            <a:pPr algn="ctr" defTabSz="672130"/>
+            <a:endParaRPr lang="en-US" sz="1176" dirty="0">
+              <a:solidFill>
+                <a:prstClr val="black"/>
+              </a:solidFill>
+              <a:latin typeface="Simplon BP Regular"/>
+              <a:cs typeface="Simplon BP Regular"/>
+            </a:endParaRPr>
+          </a:p>
+        </p:txBody>
+      </p:sp>
+      <p:sp>
+        <p:nvSpPr>
+          <p:cNvPr id="22" name="Oval 134">
+            <a:extLst>
+              <a:ext uri="{FF2B5EF4-FFF2-40B4-BE49-F238E27FC236}">
+                <a16:creationId xmlns:a16="http://schemas.microsoft.com/office/drawing/2014/main" id="{B363CBDD-9D88-41D9-9F1B-E6F757DF80B1}"/>
+              </a:ext>
+            </a:extLst>
+          </p:cNvPr>
+          <p:cNvSpPr>
+            <a:spLocks noChangeAspect="1"/>
+          </p:cNvSpPr>
+          <p:nvPr/>
+        </p:nvSpPr>
+        <p:spPr>
+          <a:xfrm>
+            <a:off x="12180394" y="284502"/>
+            <a:ext cx="211404" cy="211689"/>
+          </a:xfrm>
+          <a:prstGeom prst="ellipse">
+            <a:avLst/>
+          </a:prstGeom>
+          <a:solidFill>
+            <a:srgbClr val="1BCF13"/>
+          </a:solidFill>
+          <a:ln w="12700">
+            <a:solidFill>
+              <a:schemeClr val="accent3"/>
+            </a:solidFill>
+          </a:ln>
+        </p:spPr>
+        <p:style>
+          <a:lnRef idx="2">
+            <a:schemeClr val="accent1">
+              <a:shade val="50000"/>
+            </a:schemeClr>
+          </a:lnRef>
+          <a:fillRef idx="1">
+            <a:schemeClr val="accent1"/>
+          </a:fillRef>
+          <a:effectRef idx="0">
+            <a:schemeClr val="accent1"/>
+          </a:effectRef>
+          <a:fontRef idx="minor">
+            <a:schemeClr val="lt1"/>
+          </a:fontRef>
+        </p:style>
+        <p:txBody>
+          <a:bodyPr wrap="none" lIns="52922" tIns="52922" rIns="52922" rtlCol="0" anchor="ctr"/>
+          <a:lstStyle/>
+          <a:p>
+            <a:pPr algn="ctr" defTabSz="672130"/>
+            <a:endParaRPr lang="en-US" sz="1176" dirty="0">
+              <a:solidFill>
+                <a:prstClr val="black"/>
+              </a:solidFill>
+              <a:latin typeface="Simplon BP Regular"/>
+              <a:cs typeface="Simplon BP Regular"/>
+            </a:endParaRPr>
+          </a:p>
+        </p:txBody>
+      </p:sp>
+      <p:sp>
+        <p:nvSpPr>
+          <p:cNvPr id="23" name="Oval 134">
+            <a:extLst>
+              <a:ext uri="{FF2B5EF4-FFF2-40B4-BE49-F238E27FC236}">
+                <a16:creationId xmlns:a16="http://schemas.microsoft.com/office/drawing/2014/main" id="{F42F78D9-B5A8-4A97-8925-8B5904C502F3}"/>
+              </a:ext>
+            </a:extLst>
+          </p:cNvPr>
+          <p:cNvSpPr>
+            <a:spLocks noChangeAspect="1"/>
+          </p:cNvSpPr>
+          <p:nvPr/>
+        </p:nvSpPr>
+        <p:spPr>
+          <a:xfrm>
+            <a:off x="11262832" y="305415"/>
+            <a:ext cx="211404" cy="211689"/>
+          </a:xfrm>
+          <a:prstGeom prst="ellipse">
+            <a:avLst/>
+          </a:prstGeom>
+          <a:solidFill>
+            <a:srgbClr val="1BCF13"/>
+          </a:solidFill>
+          <a:ln w="12700">
+            <a:solidFill>
+              <a:schemeClr val="accent3"/>
+            </a:solidFill>
+          </a:ln>
+        </p:spPr>
+        <p:style>
+          <a:lnRef idx="2">
+            <a:schemeClr val="accent1">
+              <a:shade val="50000"/>
+            </a:schemeClr>
+          </a:lnRef>
+          <a:fillRef idx="1">
+            <a:schemeClr val="accent1"/>
+          </a:fillRef>
+          <a:effectRef idx="0">
+            <a:schemeClr val="accent1"/>
+          </a:effectRef>
+          <a:fontRef idx="minor">
+            <a:schemeClr val="lt1"/>
+          </a:fontRef>
+        </p:style>
+        <p:txBody>
+          <a:bodyPr wrap="none" lIns="52922" tIns="52922" rIns="52922" rtlCol="0" anchor="ctr"/>
+          <a:lstStyle/>
+          <a:p>
+            <a:pPr algn="ctr" defTabSz="672130"/>
+            <a:endParaRPr lang="en-US" sz="1176" dirty="0">
+              <a:solidFill>
+                <a:prstClr val="black"/>
+              </a:solidFill>
+              <a:latin typeface="Simplon BP Regular"/>
+              <a:cs typeface="Simplon BP Regular"/>
+            </a:endParaRPr>
+          </a:p>
+        </p:txBody>
+      </p:sp>
+      <p:sp>
+        <p:nvSpPr>
+          <p:cNvPr id="24" name="Oval 134">
+            <a:extLst>
+              <a:ext uri="{FF2B5EF4-FFF2-40B4-BE49-F238E27FC236}">
+                <a16:creationId xmlns:a16="http://schemas.microsoft.com/office/drawing/2014/main" id="{1EBE2388-56B1-476A-9F0A-E2D66925E9B1}"/>
+              </a:ext>
+            </a:extLst>
+          </p:cNvPr>
+          <p:cNvSpPr>
+            <a:spLocks noChangeAspect="1"/>
+          </p:cNvSpPr>
+          <p:nvPr/>
+        </p:nvSpPr>
+        <p:spPr>
+          <a:xfrm>
+            <a:off x="9275679" y="332030"/>
+            <a:ext cx="211404" cy="211689"/>
+          </a:xfrm>
+          <a:prstGeom prst="ellipse">
+            <a:avLst/>
+          </a:prstGeom>
+          <a:solidFill>
+            <a:srgbClr val="1BCF13"/>
+          </a:solidFill>
+          <a:ln w="12700">
+            <a:solidFill>
+              <a:schemeClr val="accent3"/>
+            </a:solidFill>
+          </a:ln>
+        </p:spPr>
+        <p:style>
+          <a:lnRef idx="2">
+            <a:schemeClr val="accent1">
+              <a:shade val="50000"/>
+            </a:schemeClr>
+          </a:lnRef>
+          <a:fillRef idx="1">
+            <a:schemeClr val="accent1"/>
+          </a:fillRef>
+          <a:effectRef idx="0">
+            <a:schemeClr val="accent1"/>
+          </a:effectRef>
+          <a:fontRef idx="minor">
+            <a:schemeClr val="lt1"/>
+          </a:fontRef>
+        </p:style>
+        <p:txBody>
+          <a:bodyPr wrap="none" lIns="52922" tIns="52922" rIns="52922" rtlCol="0" anchor="ctr"/>
+          <a:lstStyle/>
+          <a:p>
+            <a:pPr algn="ctr" defTabSz="672130"/>
+            <a:endParaRPr lang="en-US" sz="1176" dirty="0">
+              <a:solidFill>
+                <a:prstClr val="black"/>
+              </a:solidFill>
+              <a:latin typeface="Simplon BP Regular"/>
+              <a:cs typeface="Simplon BP Regular"/>
+            </a:endParaRPr>
+          </a:p>
+        </p:txBody>
+      </p:sp>
+    </p:spTree>
+    <p:extLst>
+      <p:ext uri="{BB962C8B-B14F-4D97-AF65-F5344CB8AC3E}">
+        <p14:creationId xmlns:p14="http://schemas.microsoft.com/office/powerpoint/2010/main" val="4029732390"/>
+      </p:ext>
+    </p:extLst>
+  </p:cSld>
+  <p:clrMapOvr>
+    <a:masterClrMapping/>
+  </p:clrMapOvr>
+</p:sld>
+</file>
+
 <file path=ppt/slides/slide2.xml><?xml version="1.0" encoding="utf-8"?>
 <p:sld xmlns:a="http://schemas.openxmlformats.org/drawingml/2006/main" xmlns:r="http://schemas.openxmlformats.org/officeDocument/2006/relationships" xmlns:p="http://schemas.openxmlformats.org/presentationml/2006/main">
   <p:cSld>
@@ -25499,25 +27437,8 @@
                 <a:latin typeface="Arial" panose="020B0604020202020204" pitchFamily="34" charset="0"/>
                 <a:cs typeface="Arial" panose="020B0604020202020204" pitchFamily="34" charset="0"/>
               </a:rPr>
-              <a:t>Frente </a:t>
+              <a:t>Frente Backend</a:t>
             </a:r>
-            <a:r>
-              <a:rPr lang="pt-BR" sz="1400" b="1" dirty="0" err="1">
-                <a:solidFill>
-                  <a:schemeClr val="tx1"/>
-                </a:solidFill>
-                <a:latin typeface="Arial" panose="020B0604020202020204" pitchFamily="34" charset="0"/>
-                <a:cs typeface="Arial" panose="020B0604020202020204" pitchFamily="34" charset="0"/>
-              </a:rPr>
-              <a:t>Backend</a:t>
-            </a:r>
-            <a:endParaRPr lang="pt-BR" sz="1400" b="1" dirty="0">
-              <a:solidFill>
-                <a:schemeClr val="tx1"/>
-              </a:solidFill>
-              <a:latin typeface="Arial" panose="020B0604020202020204" pitchFamily="34" charset="0"/>
-              <a:cs typeface="Arial" panose="020B0604020202020204" pitchFamily="34" charset="0"/>
-            </a:endParaRPr>
           </a:p>
           <a:p>
             <a:pPr marL="252049" lvl="1" indent="-252049">
@@ -27375,25 +29296,8 @@
                 <a:latin typeface="Arial" panose="020B0604020202020204" pitchFamily="34" charset="0"/>
                 <a:cs typeface="Arial" panose="020B0604020202020204" pitchFamily="34" charset="0"/>
               </a:rPr>
-              <a:t>Frente </a:t>
+              <a:t>Frente Backend</a:t>
             </a:r>
-            <a:r>
-              <a:rPr lang="pt-BR" sz="1400" b="1" dirty="0" err="1">
-                <a:solidFill>
-                  <a:schemeClr val="tx1"/>
-                </a:solidFill>
-                <a:latin typeface="Arial" panose="020B0604020202020204" pitchFamily="34" charset="0"/>
-                <a:cs typeface="Arial" panose="020B0604020202020204" pitchFamily="34" charset="0"/>
-              </a:rPr>
-              <a:t>Backend</a:t>
-            </a:r>
-            <a:endParaRPr lang="pt-BR" sz="1400" b="1" dirty="0">
-              <a:solidFill>
-                <a:schemeClr val="tx1"/>
-              </a:solidFill>
-              <a:latin typeface="Arial" panose="020B0604020202020204" pitchFamily="34" charset="0"/>
-              <a:cs typeface="Arial" panose="020B0604020202020204" pitchFamily="34" charset="0"/>
-            </a:endParaRPr>
           </a:p>
           <a:p>
             <a:pPr marL="252049" lvl="1" indent="-252049">
@@ -29235,25 +31139,8 @@
                 <a:latin typeface="Arial" panose="020B0604020202020204" pitchFamily="34" charset="0"/>
                 <a:cs typeface="Arial" panose="020B0604020202020204" pitchFamily="34" charset="0"/>
               </a:rPr>
-              <a:t>Frente </a:t>
+              <a:t>Frente Backend</a:t>
             </a:r>
-            <a:r>
-              <a:rPr lang="pt-BR" sz="1400" b="1" dirty="0" err="1">
-                <a:solidFill>
-                  <a:schemeClr val="tx1"/>
-                </a:solidFill>
-                <a:latin typeface="Arial" panose="020B0604020202020204" pitchFamily="34" charset="0"/>
-                <a:cs typeface="Arial" panose="020B0604020202020204" pitchFamily="34" charset="0"/>
-              </a:rPr>
-              <a:t>Backend</a:t>
-            </a:r>
-            <a:endParaRPr lang="pt-BR" sz="1400" b="1" dirty="0">
-              <a:solidFill>
-                <a:schemeClr val="tx1"/>
-              </a:solidFill>
-              <a:latin typeface="Arial" panose="020B0604020202020204" pitchFamily="34" charset="0"/>
-              <a:cs typeface="Arial" panose="020B0604020202020204" pitchFamily="34" charset="0"/>
-            </a:endParaRPr>
           </a:p>
           <a:p>
             <a:pPr marL="0" lvl="1" defTabSz="672130"/>
@@ -30942,25 +32829,8 @@
                 <a:latin typeface="Arial" panose="020B0604020202020204" pitchFamily="34" charset="0"/>
                 <a:cs typeface="Arial" panose="020B0604020202020204" pitchFamily="34" charset="0"/>
               </a:rPr>
-              <a:t>Frente </a:t>
+              <a:t>Frente Backend</a:t>
             </a:r>
-            <a:r>
-              <a:rPr lang="pt-BR" sz="1400" b="1" dirty="0" err="1">
-                <a:solidFill>
-                  <a:schemeClr val="tx1"/>
-                </a:solidFill>
-                <a:latin typeface="Arial" panose="020B0604020202020204" pitchFamily="34" charset="0"/>
-                <a:cs typeface="Arial" panose="020B0604020202020204" pitchFamily="34" charset="0"/>
-              </a:rPr>
-              <a:t>Backend</a:t>
-            </a:r>
-            <a:endParaRPr lang="pt-BR" sz="1400" b="1" dirty="0">
-              <a:solidFill>
-                <a:schemeClr val="tx1"/>
-              </a:solidFill>
-              <a:latin typeface="Arial" panose="020B0604020202020204" pitchFamily="34" charset="0"/>
-              <a:cs typeface="Arial" panose="020B0604020202020204" pitchFamily="34" charset="0"/>
-            </a:endParaRPr>
           </a:p>
           <a:p>
             <a:pPr marL="285750" lvl="1" indent="-285750" defTabSz="672130">
@@ -32632,25 +34502,8 @@
                 <a:latin typeface="Arial" panose="020B0604020202020204" pitchFamily="34" charset="0"/>
                 <a:cs typeface="Arial" panose="020B0604020202020204" pitchFamily="34" charset="0"/>
               </a:rPr>
-              <a:t>Frente </a:t>
+              <a:t>Frente Backend</a:t>
             </a:r>
-            <a:r>
-              <a:rPr lang="pt-BR" sz="1400" b="1" dirty="0" err="1">
-                <a:solidFill>
-                  <a:schemeClr val="tx1"/>
-                </a:solidFill>
-                <a:latin typeface="Arial" panose="020B0604020202020204" pitchFamily="34" charset="0"/>
-                <a:cs typeface="Arial" panose="020B0604020202020204" pitchFamily="34" charset="0"/>
-              </a:rPr>
-              <a:t>Backend</a:t>
-            </a:r>
-            <a:endParaRPr lang="pt-BR" sz="1400" b="1" dirty="0">
-              <a:solidFill>
-                <a:schemeClr val="tx1"/>
-              </a:solidFill>
-              <a:latin typeface="Arial" panose="020B0604020202020204" pitchFamily="34" charset="0"/>
-              <a:cs typeface="Arial" panose="020B0604020202020204" pitchFamily="34" charset="0"/>
-            </a:endParaRPr>
           </a:p>
           <a:p>
             <a:pPr marL="285750" lvl="1" indent="-285750" defTabSz="672130">
@@ -34401,25 +36254,8 @@
                 <a:latin typeface="Arial" panose="020B0604020202020204" pitchFamily="34" charset="0"/>
                 <a:cs typeface="Arial" panose="020B0604020202020204" pitchFamily="34" charset="0"/>
               </a:rPr>
-              <a:t>Frente </a:t>
+              <a:t>Frente Backend</a:t>
             </a:r>
-            <a:r>
-              <a:rPr lang="pt-BR" sz="1400" b="1" dirty="0" err="1">
-                <a:solidFill>
-                  <a:schemeClr val="tx1"/>
-                </a:solidFill>
-                <a:latin typeface="Arial" panose="020B0604020202020204" pitchFamily="34" charset="0"/>
-                <a:cs typeface="Arial" panose="020B0604020202020204" pitchFamily="34" charset="0"/>
-              </a:rPr>
-              <a:t>Backend</a:t>
-            </a:r>
-            <a:endParaRPr lang="pt-BR" sz="1400" b="1" dirty="0">
-              <a:solidFill>
-                <a:schemeClr val="tx1"/>
-              </a:solidFill>
-              <a:latin typeface="Arial" panose="020B0604020202020204" pitchFamily="34" charset="0"/>
-              <a:cs typeface="Arial" panose="020B0604020202020204" pitchFamily="34" charset="0"/>
-            </a:endParaRPr>
           </a:p>
           <a:p>
             <a:pPr marL="285750" lvl="1" indent="-285750" defTabSz="672130">
@@ -35084,6 +36920,1617 @@
     <p:extLst>
       <p:ext uri="{BB962C8B-B14F-4D97-AF65-F5344CB8AC3E}">
         <p14:creationId xmlns:p14="http://schemas.microsoft.com/office/powerpoint/2010/main" val="1523586749"/>
+      </p:ext>
+    </p:extLst>
+  </p:cSld>
+  <p:clrMapOvr>
+    <a:masterClrMapping/>
+  </p:clrMapOvr>
+</p:sld>
+</file>
+
+<file path=ppt/slides/slide9.xml><?xml version="1.0" encoding="utf-8"?>
+<p:sld xmlns:a="http://schemas.openxmlformats.org/drawingml/2006/main" xmlns:r="http://schemas.openxmlformats.org/officeDocument/2006/relationships" xmlns:p="http://schemas.openxmlformats.org/presentationml/2006/main">
+  <p:cSld>
+    <p:spTree>
+      <p:nvGrpSpPr>
+        <p:cNvPr id="1" name=""/>
+        <p:cNvGrpSpPr/>
+        <p:nvPr/>
+      </p:nvGrpSpPr>
+      <p:grpSpPr>
+        <a:xfrm>
+          <a:off x="0" y="0"/>
+          <a:ext cx="0" cy="0"/>
+          <a:chOff x="0" y="0"/>
+          <a:chExt cx="0" cy="0"/>
+        </a:xfrm>
+      </p:grpSpPr>
+      <p:sp>
+        <p:nvSpPr>
+          <p:cNvPr id="43" name="Rectangle 42"/>
+          <p:cNvSpPr/>
+          <p:nvPr/>
+        </p:nvSpPr>
+        <p:spPr>
+          <a:xfrm>
+            <a:off x="7810905" y="1369526"/>
+            <a:ext cx="5351116" cy="2095826"/>
+          </a:xfrm>
+          <a:prstGeom prst="rect">
+            <a:avLst/>
+          </a:prstGeom>
+          <a:noFill/>
+          <a:ln w="12700">
+            <a:solidFill>
+              <a:schemeClr val="bg1">
+                <a:lumMod val="50000"/>
+              </a:schemeClr>
+            </a:solidFill>
+          </a:ln>
+        </p:spPr>
+        <p:style>
+          <a:lnRef idx="2">
+            <a:schemeClr val="accent4"/>
+          </a:lnRef>
+          <a:fillRef idx="1">
+            <a:schemeClr val="lt1"/>
+          </a:fillRef>
+          <a:effectRef idx="0">
+            <a:schemeClr val="accent4"/>
+          </a:effectRef>
+          <a:fontRef idx="minor">
+            <a:schemeClr val="dk1"/>
+          </a:fontRef>
+        </p:style>
+        <p:txBody>
+          <a:bodyPr tIns="105844" rtlCol="0" anchor="t"/>
+          <a:lstStyle/>
+          <a:p>
+            <a:pPr defTabSz="672130">
+              <a:spcAft>
+                <a:spcPts val="882"/>
+              </a:spcAft>
+            </a:pPr>
+            <a:endParaRPr lang="pt-BR" sz="1470" dirty="0">
+              <a:solidFill>
+                <a:schemeClr val="tx1"/>
+              </a:solidFill>
+              <a:latin typeface="Calibri" panose="020F0502020204030204" pitchFamily="34" charset="0"/>
+              <a:cs typeface="Simplon BP Regular"/>
+            </a:endParaRPr>
+          </a:p>
+        </p:txBody>
+      </p:sp>
+      <p:sp>
+        <p:nvSpPr>
+          <p:cNvPr id="3" name="Title 2"/>
+          <p:cNvSpPr>
+            <a:spLocks noGrp="1"/>
+          </p:cNvSpPr>
+          <p:nvPr>
+            <p:ph type="title"/>
+          </p:nvPr>
+        </p:nvSpPr>
+        <p:spPr>
+          <a:xfrm>
+            <a:off x="469692" y="182603"/>
+            <a:ext cx="12098020" cy="800352"/>
+          </a:xfrm>
+        </p:spPr>
+        <p:txBody>
+          <a:bodyPr vert="horz" wrap="square" lIns="105844" tIns="0" rIns="105844" bIns="0" numCol="1" anchor="t" anchorCtr="0" compatLnSpc="1">
+            <a:prstTxWarp prst="textNoShape">
+              <a:avLst/>
+            </a:prstTxWarp>
+            <a:noAutofit/>
+          </a:bodyPr>
+          <a:lstStyle/>
+          <a:p>
+            <a:pPr algn="l">
+              <a:spcAft>
+                <a:spcPts val="882"/>
+              </a:spcAft>
+            </a:pPr>
+            <a:r>
+              <a:rPr lang="en-US" sz="2646" dirty="0">
+                <a:solidFill>
+                  <a:prstClr val="black"/>
+                </a:solidFill>
+                <a:latin typeface="Simplon Oi Headline"/>
+                <a:cs typeface="Simplon Oi Headline"/>
+              </a:rPr>
+              <a:t>SEMANA 7 – 15/04/2021</a:t>
+            </a:r>
+          </a:p>
+        </p:txBody>
+      </p:sp>
+      <p:sp>
+        <p:nvSpPr>
+          <p:cNvPr id="78" name="TextBox 118"/>
+          <p:cNvSpPr txBox="1"/>
+          <p:nvPr/>
+        </p:nvSpPr>
+        <p:spPr>
+          <a:xfrm>
+            <a:off x="11822773" y="576471"/>
+            <a:ext cx="899678" cy="179824"/>
+          </a:xfrm>
+          <a:prstGeom prst="rect">
+            <a:avLst/>
+          </a:prstGeom>
+          <a:noFill/>
+          <a:ln w="12700">
+            <a:noFill/>
+          </a:ln>
+        </p:spPr>
+        <p:style>
+          <a:lnRef idx="2">
+            <a:schemeClr val="accent4"/>
+          </a:lnRef>
+          <a:fillRef idx="1">
+            <a:schemeClr val="lt1"/>
+          </a:fillRef>
+          <a:effectRef idx="0">
+            <a:schemeClr val="accent4"/>
+          </a:effectRef>
+          <a:fontRef idx="minor">
+            <a:schemeClr val="dk1"/>
+          </a:fontRef>
+        </p:style>
+        <p:txBody>
+          <a:bodyPr wrap="none" lIns="52922" tIns="52922" rIns="52922" bIns="0" rtlCol="0" anchor="b"/>
+          <a:lstStyle>
+            <a:defPPr>
+              <a:defRPr lang="en-US"/>
+            </a:defPPr>
+            <a:lvl1pPr algn="ctr">
+              <a:defRPr sz="1000" b="1">
+                <a:latin typeface="Simplon BP Regular"/>
+                <a:cs typeface="Simplon BP Regular"/>
+              </a:defRPr>
+            </a:lvl1pPr>
+            <a:lvl2pPr>
+              <a:defRPr>
+                <a:solidFill>
+                  <a:schemeClr val="dk1"/>
+                </a:solidFill>
+              </a:defRPr>
+            </a:lvl2pPr>
+            <a:lvl3pPr>
+              <a:defRPr>
+                <a:solidFill>
+                  <a:schemeClr val="dk1"/>
+                </a:solidFill>
+              </a:defRPr>
+            </a:lvl3pPr>
+            <a:lvl4pPr>
+              <a:defRPr>
+                <a:solidFill>
+                  <a:schemeClr val="dk1"/>
+                </a:solidFill>
+              </a:defRPr>
+            </a:lvl4pPr>
+            <a:lvl5pPr>
+              <a:defRPr>
+                <a:solidFill>
+                  <a:schemeClr val="dk1"/>
+                </a:solidFill>
+              </a:defRPr>
+            </a:lvl5pPr>
+            <a:lvl6pPr>
+              <a:defRPr>
+                <a:solidFill>
+                  <a:schemeClr val="dk1"/>
+                </a:solidFill>
+              </a:defRPr>
+            </a:lvl6pPr>
+            <a:lvl7pPr>
+              <a:defRPr>
+                <a:solidFill>
+                  <a:schemeClr val="dk1"/>
+                </a:solidFill>
+              </a:defRPr>
+            </a:lvl7pPr>
+            <a:lvl8pPr>
+              <a:defRPr>
+                <a:solidFill>
+                  <a:schemeClr val="dk1"/>
+                </a:solidFill>
+              </a:defRPr>
+            </a:lvl8pPr>
+            <a:lvl9pPr>
+              <a:defRPr>
+                <a:solidFill>
+                  <a:schemeClr val="dk1"/>
+                </a:solidFill>
+              </a:defRPr>
+            </a:lvl9pPr>
+          </a:lstStyle>
+          <a:p>
+            <a:pPr defTabSz="672130"/>
+            <a:r>
+              <a:rPr lang="pt-BR" sz="1176" b="0" dirty="0">
+                <a:solidFill>
+                  <a:prstClr val="black"/>
+                </a:solidFill>
+                <a:latin typeface="Simplon BP Bold" pitchFamily="2" charset="0"/>
+              </a:rPr>
+              <a:t>Negócios</a:t>
+            </a:r>
+          </a:p>
+        </p:txBody>
+      </p:sp>
+      <p:sp>
+        <p:nvSpPr>
+          <p:cNvPr id="80" name="TextBox 123"/>
+          <p:cNvSpPr txBox="1"/>
+          <p:nvPr/>
+        </p:nvSpPr>
+        <p:spPr>
+          <a:xfrm>
+            <a:off x="10902774" y="589543"/>
+            <a:ext cx="899678" cy="179824"/>
+          </a:xfrm>
+          <a:prstGeom prst="rect">
+            <a:avLst/>
+          </a:prstGeom>
+          <a:noFill/>
+          <a:ln w="12700">
+            <a:noFill/>
+          </a:ln>
+        </p:spPr>
+        <p:style>
+          <a:lnRef idx="2">
+            <a:schemeClr val="accent4"/>
+          </a:lnRef>
+          <a:fillRef idx="1">
+            <a:schemeClr val="lt1"/>
+          </a:fillRef>
+          <a:effectRef idx="0">
+            <a:schemeClr val="accent4"/>
+          </a:effectRef>
+          <a:fontRef idx="minor">
+            <a:schemeClr val="dk1"/>
+          </a:fontRef>
+        </p:style>
+        <p:txBody>
+          <a:bodyPr wrap="none" lIns="52922" tIns="52922" rIns="52922" bIns="0" rtlCol="0" anchor="b"/>
+          <a:lstStyle>
+            <a:defPPr>
+              <a:defRPr lang="en-US"/>
+            </a:defPPr>
+            <a:lvl1pPr algn="ctr">
+              <a:defRPr sz="1000" b="1">
+                <a:latin typeface="Simplon BP Regular"/>
+                <a:cs typeface="Simplon BP Regular"/>
+              </a:defRPr>
+            </a:lvl1pPr>
+            <a:lvl2pPr>
+              <a:defRPr>
+                <a:solidFill>
+                  <a:schemeClr val="dk1"/>
+                </a:solidFill>
+              </a:defRPr>
+            </a:lvl2pPr>
+            <a:lvl3pPr>
+              <a:defRPr>
+                <a:solidFill>
+                  <a:schemeClr val="dk1"/>
+                </a:solidFill>
+              </a:defRPr>
+            </a:lvl3pPr>
+            <a:lvl4pPr>
+              <a:defRPr>
+                <a:solidFill>
+                  <a:schemeClr val="dk1"/>
+                </a:solidFill>
+              </a:defRPr>
+            </a:lvl4pPr>
+            <a:lvl5pPr>
+              <a:defRPr>
+                <a:solidFill>
+                  <a:schemeClr val="dk1"/>
+                </a:solidFill>
+              </a:defRPr>
+            </a:lvl5pPr>
+            <a:lvl6pPr>
+              <a:defRPr>
+                <a:solidFill>
+                  <a:schemeClr val="dk1"/>
+                </a:solidFill>
+              </a:defRPr>
+            </a:lvl6pPr>
+            <a:lvl7pPr>
+              <a:defRPr>
+                <a:solidFill>
+                  <a:schemeClr val="dk1"/>
+                </a:solidFill>
+              </a:defRPr>
+            </a:lvl7pPr>
+            <a:lvl8pPr>
+              <a:defRPr>
+                <a:solidFill>
+                  <a:schemeClr val="dk1"/>
+                </a:solidFill>
+              </a:defRPr>
+            </a:lvl8pPr>
+            <a:lvl9pPr>
+              <a:defRPr>
+                <a:solidFill>
+                  <a:schemeClr val="dk1"/>
+                </a:solidFill>
+              </a:defRPr>
+            </a:lvl9pPr>
+          </a:lstStyle>
+          <a:p>
+            <a:pPr defTabSz="672130"/>
+            <a:r>
+              <a:rPr lang="pt-BR" sz="1176" b="0" dirty="0">
+                <a:solidFill>
+                  <a:prstClr val="black"/>
+                </a:solidFill>
+                <a:latin typeface="Simplon BP Bold" pitchFamily="2" charset="0"/>
+              </a:rPr>
+              <a:t>Plataforma</a:t>
+            </a:r>
+          </a:p>
+        </p:txBody>
+      </p:sp>
+      <p:sp>
+        <p:nvSpPr>
+          <p:cNvPr id="82" name="TextBox 128"/>
+          <p:cNvSpPr txBox="1"/>
+          <p:nvPr/>
+        </p:nvSpPr>
+        <p:spPr>
+          <a:xfrm>
+            <a:off x="9844897" y="576471"/>
+            <a:ext cx="899678" cy="179824"/>
+          </a:xfrm>
+          <a:prstGeom prst="rect">
+            <a:avLst/>
+          </a:prstGeom>
+          <a:noFill/>
+          <a:ln w="12700">
+            <a:noFill/>
+          </a:ln>
+        </p:spPr>
+        <p:style>
+          <a:lnRef idx="2">
+            <a:schemeClr val="accent4"/>
+          </a:lnRef>
+          <a:fillRef idx="1">
+            <a:schemeClr val="lt1"/>
+          </a:fillRef>
+          <a:effectRef idx="0">
+            <a:schemeClr val="accent4"/>
+          </a:effectRef>
+          <a:fontRef idx="minor">
+            <a:schemeClr val="dk1"/>
+          </a:fontRef>
+        </p:style>
+        <p:txBody>
+          <a:bodyPr wrap="none" lIns="52922" tIns="52922" rIns="52922" bIns="0" rtlCol="0" anchor="b"/>
+          <a:lstStyle>
+            <a:defPPr>
+              <a:defRPr lang="en-US"/>
+            </a:defPPr>
+            <a:lvl1pPr algn="ctr">
+              <a:defRPr sz="1000" b="1">
+                <a:latin typeface="Simplon BP Regular"/>
+                <a:cs typeface="Simplon BP Regular"/>
+              </a:defRPr>
+            </a:lvl1pPr>
+            <a:lvl2pPr>
+              <a:defRPr>
+                <a:solidFill>
+                  <a:schemeClr val="dk1"/>
+                </a:solidFill>
+              </a:defRPr>
+            </a:lvl2pPr>
+            <a:lvl3pPr>
+              <a:defRPr>
+                <a:solidFill>
+                  <a:schemeClr val="dk1"/>
+                </a:solidFill>
+              </a:defRPr>
+            </a:lvl3pPr>
+            <a:lvl4pPr>
+              <a:defRPr>
+                <a:solidFill>
+                  <a:schemeClr val="dk1"/>
+                </a:solidFill>
+              </a:defRPr>
+            </a:lvl4pPr>
+            <a:lvl5pPr>
+              <a:defRPr>
+                <a:solidFill>
+                  <a:schemeClr val="dk1"/>
+                </a:solidFill>
+              </a:defRPr>
+            </a:lvl5pPr>
+            <a:lvl6pPr>
+              <a:defRPr>
+                <a:solidFill>
+                  <a:schemeClr val="dk1"/>
+                </a:solidFill>
+              </a:defRPr>
+            </a:lvl6pPr>
+            <a:lvl7pPr>
+              <a:defRPr>
+                <a:solidFill>
+                  <a:schemeClr val="dk1"/>
+                </a:solidFill>
+              </a:defRPr>
+            </a:lvl7pPr>
+            <a:lvl8pPr>
+              <a:defRPr>
+                <a:solidFill>
+                  <a:schemeClr val="dk1"/>
+                </a:solidFill>
+              </a:defRPr>
+            </a:lvl8pPr>
+            <a:lvl9pPr>
+              <a:defRPr>
+                <a:solidFill>
+                  <a:schemeClr val="dk1"/>
+                </a:solidFill>
+              </a:defRPr>
+            </a:lvl9pPr>
+          </a:lstStyle>
+          <a:p>
+            <a:pPr defTabSz="672130"/>
+            <a:r>
+              <a:rPr lang="pt-BR" sz="1176" b="0" dirty="0">
+                <a:solidFill>
+                  <a:prstClr val="black"/>
+                </a:solidFill>
+                <a:latin typeface="Simplon BP Bold" pitchFamily="2" charset="0"/>
+              </a:rPr>
+              <a:t>Back</a:t>
+            </a:r>
+          </a:p>
+        </p:txBody>
+      </p:sp>
+      <p:sp>
+        <p:nvSpPr>
+          <p:cNvPr id="84" name="TextBox 133"/>
+          <p:cNvSpPr txBox="1"/>
+          <p:nvPr/>
+        </p:nvSpPr>
+        <p:spPr>
+          <a:xfrm>
+            <a:off x="8934246" y="576471"/>
+            <a:ext cx="899678" cy="179824"/>
+          </a:xfrm>
+          <a:prstGeom prst="rect">
+            <a:avLst/>
+          </a:prstGeom>
+          <a:noFill/>
+          <a:ln w="12700">
+            <a:noFill/>
+          </a:ln>
+        </p:spPr>
+        <p:style>
+          <a:lnRef idx="2">
+            <a:schemeClr val="accent4"/>
+          </a:lnRef>
+          <a:fillRef idx="1">
+            <a:schemeClr val="lt1"/>
+          </a:fillRef>
+          <a:effectRef idx="0">
+            <a:schemeClr val="accent4"/>
+          </a:effectRef>
+          <a:fontRef idx="minor">
+            <a:schemeClr val="dk1"/>
+          </a:fontRef>
+        </p:style>
+        <p:txBody>
+          <a:bodyPr wrap="none" lIns="52922" tIns="52922" rIns="52922" bIns="0" rtlCol="0" anchor="b"/>
+          <a:lstStyle>
+            <a:defPPr>
+              <a:defRPr lang="en-US"/>
+            </a:defPPr>
+            <a:lvl1pPr algn="ctr">
+              <a:defRPr sz="1000" b="1">
+                <a:latin typeface="Simplon BP Regular"/>
+                <a:cs typeface="Simplon BP Regular"/>
+              </a:defRPr>
+            </a:lvl1pPr>
+            <a:lvl2pPr>
+              <a:defRPr>
+                <a:solidFill>
+                  <a:schemeClr val="dk1"/>
+                </a:solidFill>
+              </a:defRPr>
+            </a:lvl2pPr>
+            <a:lvl3pPr>
+              <a:defRPr>
+                <a:solidFill>
+                  <a:schemeClr val="dk1"/>
+                </a:solidFill>
+              </a:defRPr>
+            </a:lvl3pPr>
+            <a:lvl4pPr>
+              <a:defRPr>
+                <a:solidFill>
+                  <a:schemeClr val="dk1"/>
+                </a:solidFill>
+              </a:defRPr>
+            </a:lvl4pPr>
+            <a:lvl5pPr>
+              <a:defRPr>
+                <a:solidFill>
+                  <a:schemeClr val="dk1"/>
+                </a:solidFill>
+              </a:defRPr>
+            </a:lvl5pPr>
+            <a:lvl6pPr>
+              <a:defRPr>
+                <a:solidFill>
+                  <a:schemeClr val="dk1"/>
+                </a:solidFill>
+              </a:defRPr>
+            </a:lvl6pPr>
+            <a:lvl7pPr>
+              <a:defRPr>
+                <a:solidFill>
+                  <a:schemeClr val="dk1"/>
+                </a:solidFill>
+              </a:defRPr>
+            </a:lvl7pPr>
+            <a:lvl8pPr>
+              <a:defRPr>
+                <a:solidFill>
+                  <a:schemeClr val="dk1"/>
+                </a:solidFill>
+              </a:defRPr>
+            </a:lvl8pPr>
+            <a:lvl9pPr>
+              <a:defRPr>
+                <a:solidFill>
+                  <a:schemeClr val="dk1"/>
+                </a:solidFill>
+              </a:defRPr>
+            </a:lvl9pPr>
+          </a:lstStyle>
+          <a:p>
+            <a:pPr defTabSz="672130"/>
+            <a:r>
+              <a:rPr lang="pt-BR" sz="1176" b="0" dirty="0">
+                <a:solidFill>
+                  <a:prstClr val="black"/>
+                </a:solidFill>
+                <a:latin typeface="Simplon BP Bold" pitchFamily="2" charset="0"/>
+              </a:rPr>
+              <a:t>Front</a:t>
+            </a:r>
+          </a:p>
+        </p:txBody>
+      </p:sp>
+      <p:sp>
+        <p:nvSpPr>
+          <p:cNvPr id="88" name="Oval 134"/>
+          <p:cNvSpPr>
+            <a:spLocks noChangeAspect="1"/>
+          </p:cNvSpPr>
+          <p:nvPr/>
+        </p:nvSpPr>
+        <p:spPr>
+          <a:xfrm>
+            <a:off x="8470074" y="341965"/>
+            <a:ext cx="211404" cy="211689"/>
+          </a:xfrm>
+          <a:prstGeom prst="ellipse">
+            <a:avLst/>
+          </a:prstGeom>
+          <a:solidFill>
+            <a:srgbClr val="1BCF13"/>
+          </a:solidFill>
+          <a:ln w="12700">
+            <a:solidFill>
+              <a:schemeClr val="accent3"/>
+            </a:solidFill>
+          </a:ln>
+        </p:spPr>
+        <p:style>
+          <a:lnRef idx="2">
+            <a:schemeClr val="accent1">
+              <a:shade val="50000"/>
+            </a:schemeClr>
+          </a:lnRef>
+          <a:fillRef idx="1">
+            <a:schemeClr val="accent1"/>
+          </a:fillRef>
+          <a:effectRef idx="0">
+            <a:schemeClr val="accent1"/>
+          </a:effectRef>
+          <a:fontRef idx="minor">
+            <a:schemeClr val="lt1"/>
+          </a:fontRef>
+        </p:style>
+        <p:txBody>
+          <a:bodyPr wrap="none" lIns="52922" tIns="52922" rIns="52922" rtlCol="0" anchor="ctr"/>
+          <a:lstStyle/>
+          <a:p>
+            <a:pPr algn="ctr" defTabSz="672130"/>
+            <a:endParaRPr lang="en-US" sz="1176" dirty="0">
+              <a:solidFill>
+                <a:prstClr val="black"/>
+              </a:solidFill>
+              <a:latin typeface="Simplon BP Regular"/>
+              <a:cs typeface="Simplon BP Regular"/>
+            </a:endParaRPr>
+          </a:p>
+        </p:txBody>
+      </p:sp>
+      <p:sp>
+        <p:nvSpPr>
+          <p:cNvPr id="86" name="TextBox 138"/>
+          <p:cNvSpPr txBox="1"/>
+          <p:nvPr/>
+        </p:nvSpPr>
+        <p:spPr>
+          <a:xfrm>
+            <a:off x="8126053" y="576471"/>
+            <a:ext cx="899678" cy="179824"/>
+          </a:xfrm>
+          <a:prstGeom prst="rect">
+            <a:avLst/>
+          </a:prstGeom>
+          <a:noFill/>
+          <a:ln w="12700">
+            <a:noFill/>
+          </a:ln>
+        </p:spPr>
+        <p:style>
+          <a:lnRef idx="2">
+            <a:schemeClr val="accent4"/>
+          </a:lnRef>
+          <a:fillRef idx="1">
+            <a:schemeClr val="lt1"/>
+          </a:fillRef>
+          <a:effectRef idx="0">
+            <a:schemeClr val="accent4"/>
+          </a:effectRef>
+          <a:fontRef idx="minor">
+            <a:schemeClr val="dk1"/>
+          </a:fontRef>
+        </p:style>
+        <p:txBody>
+          <a:bodyPr wrap="none" lIns="52922" tIns="52922" rIns="52922" bIns="0" rtlCol="0" anchor="b"/>
+          <a:lstStyle>
+            <a:defPPr>
+              <a:defRPr lang="en-US"/>
+            </a:defPPr>
+            <a:lvl1pPr algn="ctr">
+              <a:defRPr sz="1000" b="1">
+                <a:latin typeface="Simplon BP Regular"/>
+                <a:cs typeface="Simplon BP Regular"/>
+              </a:defRPr>
+            </a:lvl1pPr>
+            <a:lvl2pPr>
+              <a:defRPr>
+                <a:solidFill>
+                  <a:schemeClr val="dk1"/>
+                </a:solidFill>
+              </a:defRPr>
+            </a:lvl2pPr>
+            <a:lvl3pPr>
+              <a:defRPr>
+                <a:solidFill>
+                  <a:schemeClr val="dk1"/>
+                </a:solidFill>
+              </a:defRPr>
+            </a:lvl3pPr>
+            <a:lvl4pPr>
+              <a:defRPr>
+                <a:solidFill>
+                  <a:schemeClr val="dk1"/>
+                </a:solidFill>
+              </a:defRPr>
+            </a:lvl4pPr>
+            <a:lvl5pPr>
+              <a:defRPr>
+                <a:solidFill>
+                  <a:schemeClr val="dk1"/>
+                </a:solidFill>
+              </a:defRPr>
+            </a:lvl5pPr>
+            <a:lvl6pPr>
+              <a:defRPr>
+                <a:solidFill>
+                  <a:schemeClr val="dk1"/>
+                </a:solidFill>
+              </a:defRPr>
+            </a:lvl6pPr>
+            <a:lvl7pPr>
+              <a:defRPr>
+                <a:solidFill>
+                  <a:schemeClr val="dk1"/>
+                </a:solidFill>
+              </a:defRPr>
+            </a:lvl7pPr>
+            <a:lvl8pPr>
+              <a:defRPr>
+                <a:solidFill>
+                  <a:schemeClr val="dk1"/>
+                </a:solidFill>
+              </a:defRPr>
+            </a:lvl8pPr>
+            <a:lvl9pPr>
+              <a:defRPr>
+                <a:solidFill>
+                  <a:schemeClr val="dk1"/>
+                </a:solidFill>
+              </a:defRPr>
+            </a:lvl9pPr>
+          </a:lstStyle>
+          <a:p>
+            <a:pPr defTabSz="672130"/>
+            <a:r>
+              <a:rPr lang="en-US" sz="1176" b="0" dirty="0" err="1">
+                <a:solidFill>
+                  <a:prstClr val="black"/>
+                </a:solidFill>
+                <a:latin typeface="Simplon BP Bold" pitchFamily="2" charset="0"/>
+              </a:rPr>
+              <a:t>Equipe</a:t>
+            </a:r>
+            <a:endParaRPr lang="en-US" sz="1176" b="0" dirty="0">
+              <a:solidFill>
+                <a:prstClr val="black"/>
+              </a:solidFill>
+              <a:latin typeface="Simplon BP Bold" pitchFamily="2" charset="0"/>
+            </a:endParaRPr>
+          </a:p>
+        </p:txBody>
+      </p:sp>
+      <p:sp>
+        <p:nvSpPr>
+          <p:cNvPr id="64" name="Retângulo 63"/>
+          <p:cNvSpPr/>
+          <p:nvPr/>
+        </p:nvSpPr>
+        <p:spPr>
+          <a:xfrm>
+            <a:off x="469692" y="559912"/>
+            <a:ext cx="7186474" cy="239087"/>
+          </a:xfrm>
+          <a:prstGeom prst="rect">
+            <a:avLst/>
+          </a:prstGeom>
+          <a:solidFill>
+            <a:schemeClr val="bg1">
+              <a:lumMod val="85000"/>
+            </a:schemeClr>
+          </a:solidFill>
+        </p:spPr>
+        <p:txBody>
+          <a:bodyPr vert="horz" lIns="134422" tIns="67211" rIns="134422" bIns="67211" rtlCol="0" anchor="ctr"/>
+          <a:lstStyle/>
+          <a:p>
+            <a:pPr defTabSz="672130"/>
+            <a:r>
+              <a:rPr lang="en-US" sz="1544" dirty="0">
+                <a:latin typeface="Simplon Oi Headline" charset="0"/>
+                <a:ea typeface="Simplon Oi Headline" charset="0"/>
+                <a:cs typeface="Simplon Oi Headline" charset="0"/>
+              </a:rPr>
+              <a:t>PROGRESSOS</a:t>
+            </a:r>
+            <a:endParaRPr lang="pt-BR" sz="1544" dirty="0">
+              <a:latin typeface="Simplon Oi Headline" charset="0"/>
+              <a:ea typeface="Simplon Oi Headline" charset="0"/>
+              <a:cs typeface="Simplon Oi Headline" charset="0"/>
+            </a:endParaRPr>
+          </a:p>
+        </p:txBody>
+      </p:sp>
+      <p:sp>
+        <p:nvSpPr>
+          <p:cNvPr id="65" name="Retângulo 64"/>
+          <p:cNvSpPr/>
+          <p:nvPr/>
+        </p:nvSpPr>
+        <p:spPr>
+          <a:xfrm>
+            <a:off x="7810906" y="927661"/>
+            <a:ext cx="5351116" cy="449162"/>
+          </a:xfrm>
+          <a:prstGeom prst="rect">
+            <a:avLst/>
+          </a:prstGeom>
+          <a:solidFill>
+            <a:schemeClr val="bg1">
+              <a:lumMod val="85000"/>
+            </a:schemeClr>
+          </a:solidFill>
+        </p:spPr>
+        <p:txBody>
+          <a:bodyPr vert="horz" lIns="134422" tIns="67211" rIns="134422" bIns="67211" rtlCol="0" anchor="ctr"/>
+          <a:lstStyle/>
+          <a:p>
+            <a:pPr defTabSz="672130"/>
+            <a:r>
+              <a:rPr lang="pt-BR" sz="1544" dirty="0">
+                <a:latin typeface="Simplon Oi Headline" charset="0"/>
+                <a:ea typeface="Simplon Oi Headline" charset="0"/>
+                <a:cs typeface="Simplon Oi Headline" charset="0"/>
+              </a:rPr>
+              <a:t>Pontos atenção/ Principais Riscos</a:t>
+            </a:r>
+          </a:p>
+        </p:txBody>
+      </p:sp>
+      <p:sp>
+        <p:nvSpPr>
+          <p:cNvPr id="66" name="Retângulo 65"/>
+          <p:cNvSpPr/>
+          <p:nvPr/>
+        </p:nvSpPr>
+        <p:spPr>
+          <a:xfrm>
+            <a:off x="469692" y="4982921"/>
+            <a:ext cx="11854636" cy="233106"/>
+          </a:xfrm>
+          <a:prstGeom prst="rect">
+            <a:avLst/>
+          </a:prstGeom>
+          <a:solidFill>
+            <a:schemeClr val="bg1">
+              <a:lumMod val="85000"/>
+            </a:schemeClr>
+          </a:solidFill>
+        </p:spPr>
+        <p:txBody>
+          <a:bodyPr vert="horz" lIns="134422" tIns="67211" rIns="134422" bIns="67211" rtlCol="0" anchor="ctr"/>
+          <a:lstStyle/>
+          <a:p>
+            <a:pPr defTabSz="672130"/>
+            <a:r>
+              <a:rPr lang="pt-BR" sz="1544" dirty="0">
+                <a:latin typeface="Simplon Oi Headline" charset="0"/>
+                <a:ea typeface="Simplon Oi Headline" charset="0"/>
+                <a:cs typeface="Simplon Oi Headline" charset="0"/>
+              </a:rPr>
+              <a:t>Próximos Passos/ Decisões a tomar</a:t>
+            </a:r>
+          </a:p>
+        </p:txBody>
+      </p:sp>
+      <p:sp>
+        <p:nvSpPr>
+          <p:cNvPr id="63" name="Rectangle 37"/>
+          <p:cNvSpPr/>
+          <p:nvPr/>
+        </p:nvSpPr>
+        <p:spPr>
+          <a:xfrm>
+            <a:off x="469132" y="818463"/>
+            <a:ext cx="7186474" cy="4078796"/>
+          </a:xfrm>
+          <a:prstGeom prst="rect">
+            <a:avLst/>
+          </a:prstGeom>
+          <a:noFill/>
+          <a:ln w="12700">
+            <a:solidFill>
+              <a:schemeClr val="bg1">
+                <a:lumMod val="50000"/>
+              </a:schemeClr>
+            </a:solidFill>
+          </a:ln>
+        </p:spPr>
+        <p:style>
+          <a:lnRef idx="2">
+            <a:schemeClr val="accent4"/>
+          </a:lnRef>
+          <a:fillRef idx="1">
+            <a:schemeClr val="lt1"/>
+          </a:fillRef>
+          <a:effectRef idx="0">
+            <a:schemeClr val="accent4"/>
+          </a:effectRef>
+          <a:fontRef idx="minor">
+            <a:schemeClr val="dk1"/>
+          </a:fontRef>
+        </p:style>
+        <p:txBody>
+          <a:bodyPr tIns="105844" rtlCol="0" anchor="t"/>
+          <a:lstStyle/>
+          <a:p>
+            <a:pPr marL="252049" indent="-252049" fontAlgn="base">
+              <a:spcBef>
+                <a:spcPct val="0"/>
+              </a:spcBef>
+              <a:buFont typeface="Wingdings" panose="05000000000000000000" pitchFamily="2" charset="2"/>
+              <a:buChar char="ü"/>
+              <a:defRPr/>
+            </a:pPr>
+            <a:r>
+              <a:rPr lang="pt-BR" sz="1600" b="1" dirty="0">
+                <a:solidFill>
+                  <a:schemeClr val="tx1"/>
+                </a:solidFill>
+                <a:latin typeface="Arial" panose="020B0604020202020204" pitchFamily="34" charset="0"/>
+                <a:cs typeface="Arial" panose="020B0604020202020204" pitchFamily="34" charset="0"/>
+              </a:rPr>
+              <a:t>Finalizamos o Login/</a:t>
+            </a:r>
+            <a:r>
+              <a:rPr lang="pt-BR" sz="1600" b="1" dirty="0" err="1">
+                <a:solidFill>
+                  <a:schemeClr val="tx1"/>
+                </a:solidFill>
+                <a:latin typeface="Arial" panose="020B0604020202020204" pitchFamily="34" charset="0"/>
+                <a:cs typeface="Arial" panose="020B0604020202020204" pitchFamily="34" charset="0"/>
+              </a:rPr>
+              <a:t>LogOffi</a:t>
+            </a:r>
+            <a:r>
+              <a:rPr lang="pt-BR" sz="1600" b="1" dirty="0">
+                <a:solidFill>
+                  <a:schemeClr val="tx1"/>
+                </a:solidFill>
+                <a:latin typeface="Arial" panose="020B0604020202020204" pitchFamily="34" charset="0"/>
+                <a:cs typeface="Arial" panose="020B0604020202020204" pitchFamily="34" charset="0"/>
+              </a:rPr>
+              <a:t> com ORM</a:t>
+            </a:r>
+          </a:p>
+          <a:p>
+            <a:pPr marL="252049" indent="-252049" fontAlgn="base">
+              <a:spcBef>
+                <a:spcPct val="0"/>
+              </a:spcBef>
+              <a:buFont typeface="Wingdings" panose="05000000000000000000" pitchFamily="2" charset="2"/>
+              <a:buChar char="ü"/>
+              <a:defRPr/>
+            </a:pPr>
+            <a:r>
+              <a:rPr lang="pt-BR" sz="1600" b="1" dirty="0">
+                <a:solidFill>
+                  <a:schemeClr val="tx1"/>
+                </a:solidFill>
+                <a:latin typeface="Arial" panose="020B0604020202020204" pitchFamily="34" charset="0"/>
+                <a:cs typeface="Arial" panose="020B0604020202020204" pitchFamily="34" charset="0"/>
+              </a:rPr>
+              <a:t>Finalizamos os CRUDS</a:t>
+            </a:r>
+          </a:p>
+          <a:p>
+            <a:pPr marL="252049" indent="-252049" fontAlgn="base">
+              <a:spcBef>
+                <a:spcPct val="0"/>
+              </a:spcBef>
+              <a:buFont typeface="Wingdings" panose="05000000000000000000" pitchFamily="2" charset="2"/>
+              <a:buChar char="ü"/>
+              <a:defRPr/>
+            </a:pPr>
+            <a:r>
+              <a:rPr lang="pt-BR" sz="1600" b="1" dirty="0">
+                <a:solidFill>
+                  <a:schemeClr val="tx1"/>
+                </a:solidFill>
+                <a:latin typeface="Arial" panose="020B0604020202020204" pitchFamily="34" charset="0"/>
+                <a:cs typeface="Arial" panose="020B0604020202020204" pitchFamily="34" charset="0"/>
+              </a:rPr>
+              <a:t>Finalizamos a exportação do CSV</a:t>
+            </a:r>
+          </a:p>
+          <a:p>
+            <a:pPr marL="252049" indent="-252049" fontAlgn="base">
+              <a:spcBef>
+                <a:spcPct val="0"/>
+              </a:spcBef>
+              <a:buFont typeface="Wingdings" panose="05000000000000000000" pitchFamily="2" charset="2"/>
+              <a:buChar char="ü"/>
+              <a:defRPr/>
+            </a:pPr>
+            <a:r>
+              <a:rPr lang="pt-BR" sz="1600" b="1" dirty="0">
+                <a:solidFill>
+                  <a:schemeClr val="tx1"/>
+                </a:solidFill>
+                <a:latin typeface="Arial" panose="020B0604020202020204" pitchFamily="34" charset="0"/>
+                <a:cs typeface="Arial" panose="020B0604020202020204" pitchFamily="34" charset="0"/>
+              </a:rPr>
+              <a:t>Implementamos o padrão de projeto</a:t>
+            </a:r>
+          </a:p>
+          <a:p>
+            <a:pPr marL="252049" indent="-252049" fontAlgn="base">
+              <a:spcBef>
+                <a:spcPct val="0"/>
+              </a:spcBef>
+              <a:buFont typeface="Wingdings" panose="05000000000000000000" pitchFamily="2" charset="2"/>
+              <a:buChar char="ü"/>
+              <a:defRPr/>
+            </a:pPr>
+            <a:r>
+              <a:rPr lang="pt-BR" sz="1600" b="1" dirty="0">
+                <a:solidFill>
+                  <a:schemeClr val="tx1"/>
+                </a:solidFill>
+                <a:latin typeface="Arial" panose="020B0604020202020204" pitchFamily="34" charset="0"/>
+                <a:cs typeface="Arial" panose="020B0604020202020204" pitchFamily="34" charset="0"/>
+              </a:rPr>
+              <a:t>Finalizamos o </a:t>
+            </a:r>
+            <a:r>
+              <a:rPr lang="pt-BR" sz="1600" b="1" dirty="0" err="1">
+                <a:solidFill>
+                  <a:schemeClr val="tx1"/>
+                </a:solidFill>
+                <a:latin typeface="Arial" panose="020B0604020202020204" pitchFamily="34" charset="0"/>
+                <a:cs typeface="Arial" panose="020B0604020202020204" pitchFamily="34" charset="0"/>
+              </a:rPr>
+              <a:t>power</a:t>
+            </a:r>
+            <a:r>
+              <a:rPr lang="pt-BR" sz="1600" b="1" dirty="0">
+                <a:solidFill>
+                  <a:schemeClr val="tx1"/>
+                </a:solidFill>
+                <a:latin typeface="Arial" panose="020B0604020202020204" pitchFamily="34" charset="0"/>
+                <a:cs typeface="Arial" panose="020B0604020202020204" pitchFamily="34" charset="0"/>
+              </a:rPr>
+              <a:t> point da SPRINT 2</a:t>
+            </a:r>
+          </a:p>
+          <a:p>
+            <a:pPr marL="0" lvl="1" defTabSz="672130"/>
+            <a:endParaRPr lang="pt-BR" sz="1800" b="1" dirty="0">
+              <a:solidFill>
+                <a:schemeClr val="tx1"/>
+              </a:solidFill>
+              <a:latin typeface="Calibri" panose="020F0502020204030204" pitchFamily="34" charset="0"/>
+              <a:cs typeface="Simplon BP Regular"/>
+            </a:endParaRPr>
+          </a:p>
+        </p:txBody>
+      </p:sp>
+      <p:sp>
+        <p:nvSpPr>
+          <p:cNvPr id="2" name="Rectangle 43">
+            <a:extLst>
+              <a:ext uri="{FF2B5EF4-FFF2-40B4-BE49-F238E27FC236}">
+                <a16:creationId xmlns:a16="http://schemas.microsoft.com/office/drawing/2014/main" id="{B15BA19F-C787-4E6A-ADAB-C0DFF09C66A8}"/>
+              </a:ext>
+            </a:extLst>
+          </p:cNvPr>
+          <p:cNvSpPr>
+            <a:spLocks/>
+          </p:cNvSpPr>
+          <p:nvPr/>
+        </p:nvSpPr>
+        <p:spPr>
+          <a:xfrm>
+            <a:off x="463325" y="5216027"/>
+            <a:ext cx="13530958" cy="2013206"/>
+          </a:xfrm>
+          <a:prstGeom prst="rect">
+            <a:avLst/>
+          </a:prstGeom>
+          <a:noFill/>
+          <a:ln w="12700">
+            <a:solidFill>
+              <a:schemeClr val="bg1">
+                <a:lumMod val="50000"/>
+              </a:schemeClr>
+            </a:solidFill>
+          </a:ln>
+        </p:spPr>
+        <p:style>
+          <a:lnRef idx="2">
+            <a:schemeClr val="accent4"/>
+          </a:lnRef>
+          <a:fillRef idx="1">
+            <a:schemeClr val="lt1"/>
+          </a:fillRef>
+          <a:effectRef idx="0">
+            <a:schemeClr val="accent4"/>
+          </a:effectRef>
+          <a:fontRef idx="minor">
+            <a:schemeClr val="dk1"/>
+          </a:fontRef>
+        </p:style>
+        <p:txBody>
+          <a:bodyPr wrap="square" tIns="105844" numCol="3" rtlCol="0" anchor="ctr"/>
+          <a:lstStyle/>
+          <a:p>
+            <a:pPr marL="0" lvl="1" defTabSz="672130"/>
+            <a:endParaRPr lang="pt-BR" sz="1600" b="1" dirty="0">
+              <a:solidFill>
+                <a:schemeClr val="tx1"/>
+              </a:solidFill>
+              <a:latin typeface="Calibri" panose="020F0502020204030204" pitchFamily="34" charset="0"/>
+              <a:cs typeface="Simplon BP Regular"/>
+            </a:endParaRPr>
+          </a:p>
+          <a:p>
+            <a:pPr marL="0" lvl="1" defTabSz="672130"/>
+            <a:r>
+              <a:rPr lang="pt-BR" sz="1400" b="1" dirty="0">
+                <a:solidFill>
+                  <a:schemeClr val="tx1"/>
+                </a:solidFill>
+                <a:latin typeface="Arial" panose="020B0604020202020204" pitchFamily="34" charset="0"/>
+                <a:cs typeface="Arial" panose="020B0604020202020204" pitchFamily="34" charset="0"/>
+              </a:rPr>
+              <a:t>Apresentação Sprint 2</a:t>
+            </a:r>
+          </a:p>
+        </p:txBody>
+      </p:sp>
+      <p:sp>
+        <p:nvSpPr>
+          <p:cNvPr id="5" name="Retângulo 4">
+            <a:extLst>
+              <a:ext uri="{FF2B5EF4-FFF2-40B4-BE49-F238E27FC236}">
+                <a16:creationId xmlns:a16="http://schemas.microsoft.com/office/drawing/2014/main" id="{A1C14918-6027-46B3-96BF-C5F7FDEC3276}"/>
+              </a:ext>
+            </a:extLst>
+          </p:cNvPr>
+          <p:cNvSpPr/>
+          <p:nvPr/>
+        </p:nvSpPr>
+        <p:spPr>
+          <a:xfrm>
+            <a:off x="8017619" y="180231"/>
+            <a:ext cx="4937689" cy="618769"/>
+          </a:xfrm>
+          <a:prstGeom prst="rect">
+            <a:avLst/>
+          </a:prstGeom>
+          <a:noFill/>
+          <a:ln w="6350">
+            <a:solidFill>
+              <a:schemeClr val="bg1">
+                <a:lumMod val="75000"/>
+              </a:schemeClr>
+            </a:solidFill>
+          </a:ln>
+        </p:spPr>
+        <p:style>
+          <a:lnRef idx="2">
+            <a:schemeClr val="accent1">
+              <a:shade val="50000"/>
+            </a:schemeClr>
+          </a:lnRef>
+          <a:fillRef idx="1">
+            <a:schemeClr val="accent1"/>
+          </a:fillRef>
+          <a:effectRef idx="0">
+            <a:schemeClr val="accent1"/>
+          </a:effectRef>
+          <a:fontRef idx="minor">
+            <a:schemeClr val="lt1"/>
+          </a:fontRef>
+        </p:style>
+        <p:txBody>
+          <a:bodyPr rtlCol="0" anchor="ctr"/>
+          <a:lstStyle/>
+          <a:p>
+            <a:pPr algn="ctr"/>
+            <a:endParaRPr lang="pt-BR"/>
+          </a:p>
+        </p:txBody>
+      </p:sp>
+      <p:sp>
+        <p:nvSpPr>
+          <p:cNvPr id="8" name="TextBox 138">
+            <a:extLst>
+              <a:ext uri="{FF2B5EF4-FFF2-40B4-BE49-F238E27FC236}">
+                <a16:creationId xmlns:a16="http://schemas.microsoft.com/office/drawing/2014/main" id="{5CE7D08C-795B-4BF1-97F6-F9773F4E9F4C}"/>
+              </a:ext>
+            </a:extLst>
+          </p:cNvPr>
+          <p:cNvSpPr txBox="1"/>
+          <p:nvPr/>
+        </p:nvSpPr>
+        <p:spPr>
+          <a:xfrm>
+            <a:off x="9715810" y="51570"/>
+            <a:ext cx="1478088" cy="211688"/>
+          </a:xfrm>
+          <a:prstGeom prst="rect">
+            <a:avLst/>
+          </a:prstGeom>
+          <a:solidFill>
+            <a:schemeClr val="bg1"/>
+          </a:solidFill>
+          <a:ln w="12700">
+            <a:noFill/>
+          </a:ln>
+        </p:spPr>
+        <p:style>
+          <a:lnRef idx="2">
+            <a:schemeClr val="accent4"/>
+          </a:lnRef>
+          <a:fillRef idx="1">
+            <a:schemeClr val="lt1"/>
+          </a:fillRef>
+          <a:effectRef idx="0">
+            <a:schemeClr val="accent4"/>
+          </a:effectRef>
+          <a:fontRef idx="minor">
+            <a:schemeClr val="dk1"/>
+          </a:fontRef>
+        </p:style>
+        <p:txBody>
+          <a:bodyPr wrap="none" lIns="52922" tIns="52922" rIns="52922" bIns="0" rtlCol="0" anchor="b"/>
+          <a:lstStyle>
+            <a:defPPr>
+              <a:defRPr lang="en-US"/>
+            </a:defPPr>
+            <a:lvl1pPr algn="ctr">
+              <a:defRPr sz="1000" b="1">
+                <a:latin typeface="Simplon BP Regular"/>
+                <a:cs typeface="Simplon BP Regular"/>
+              </a:defRPr>
+            </a:lvl1pPr>
+            <a:lvl2pPr>
+              <a:defRPr>
+                <a:solidFill>
+                  <a:schemeClr val="dk1"/>
+                </a:solidFill>
+              </a:defRPr>
+            </a:lvl2pPr>
+            <a:lvl3pPr>
+              <a:defRPr>
+                <a:solidFill>
+                  <a:schemeClr val="dk1"/>
+                </a:solidFill>
+              </a:defRPr>
+            </a:lvl3pPr>
+            <a:lvl4pPr>
+              <a:defRPr>
+                <a:solidFill>
+                  <a:schemeClr val="dk1"/>
+                </a:solidFill>
+              </a:defRPr>
+            </a:lvl4pPr>
+            <a:lvl5pPr>
+              <a:defRPr>
+                <a:solidFill>
+                  <a:schemeClr val="dk1"/>
+                </a:solidFill>
+              </a:defRPr>
+            </a:lvl5pPr>
+            <a:lvl6pPr>
+              <a:defRPr>
+                <a:solidFill>
+                  <a:schemeClr val="dk1"/>
+                </a:solidFill>
+              </a:defRPr>
+            </a:lvl6pPr>
+            <a:lvl7pPr>
+              <a:defRPr>
+                <a:solidFill>
+                  <a:schemeClr val="dk1"/>
+                </a:solidFill>
+              </a:defRPr>
+            </a:lvl7pPr>
+            <a:lvl8pPr>
+              <a:defRPr>
+                <a:solidFill>
+                  <a:schemeClr val="dk1"/>
+                </a:solidFill>
+              </a:defRPr>
+            </a:lvl8pPr>
+            <a:lvl9pPr>
+              <a:defRPr>
+                <a:solidFill>
+                  <a:schemeClr val="dk1"/>
+                </a:solidFill>
+              </a:defRPr>
+            </a:lvl9pPr>
+          </a:lstStyle>
+          <a:p>
+            <a:pPr defTabSz="672130"/>
+            <a:r>
+              <a:rPr lang="en-US" sz="1176" b="0" dirty="0">
+                <a:solidFill>
+                  <a:prstClr val="black"/>
+                </a:solidFill>
+                <a:latin typeface="Simplon BP Bold" pitchFamily="2" charset="0"/>
+              </a:rPr>
+              <a:t>    </a:t>
+            </a:r>
+            <a:r>
+              <a:rPr lang="en-US" sz="1176" b="0" dirty="0" err="1">
+                <a:solidFill>
+                  <a:prstClr val="black"/>
+                </a:solidFill>
+                <a:latin typeface="Simplon BP Bold" pitchFamily="2" charset="0"/>
+              </a:rPr>
+              <a:t>Farol</a:t>
+            </a:r>
+            <a:r>
+              <a:rPr lang="en-US" sz="1176" b="0" dirty="0">
+                <a:solidFill>
+                  <a:prstClr val="black"/>
+                </a:solidFill>
+                <a:latin typeface="Simplon BP Bold" pitchFamily="2" charset="0"/>
+              </a:rPr>
+              <a:t> do </a:t>
+            </a:r>
+            <a:r>
+              <a:rPr lang="en-US" sz="1176" b="0" dirty="0" err="1">
+                <a:solidFill>
+                  <a:prstClr val="black"/>
+                </a:solidFill>
+                <a:latin typeface="Simplon BP Bold" pitchFamily="2" charset="0"/>
+              </a:rPr>
+              <a:t>Projeto</a:t>
+            </a:r>
+            <a:r>
+              <a:rPr lang="en-US" sz="1176" b="0" dirty="0">
+                <a:solidFill>
+                  <a:prstClr val="black"/>
+                </a:solidFill>
+                <a:latin typeface="Simplon BP Bold" pitchFamily="2" charset="0"/>
+              </a:rPr>
+              <a:t>   </a:t>
+            </a:r>
+          </a:p>
+        </p:txBody>
+      </p:sp>
+      <p:sp>
+        <p:nvSpPr>
+          <p:cNvPr id="21" name="Oval 134">
+            <a:extLst>
+              <a:ext uri="{FF2B5EF4-FFF2-40B4-BE49-F238E27FC236}">
+                <a16:creationId xmlns:a16="http://schemas.microsoft.com/office/drawing/2014/main" id="{C7687DA3-5EC5-4177-9DBB-6A09DC7F77ED}"/>
+              </a:ext>
+            </a:extLst>
+          </p:cNvPr>
+          <p:cNvSpPr>
+            <a:spLocks noChangeAspect="1"/>
+          </p:cNvSpPr>
+          <p:nvPr/>
+        </p:nvSpPr>
+        <p:spPr>
+          <a:xfrm>
+            <a:off x="10156945" y="362281"/>
+            <a:ext cx="211404" cy="211689"/>
+          </a:xfrm>
+          <a:prstGeom prst="ellipse">
+            <a:avLst/>
+          </a:prstGeom>
+          <a:solidFill>
+            <a:srgbClr val="1BCF13"/>
+          </a:solidFill>
+          <a:ln w="12700">
+            <a:solidFill>
+              <a:schemeClr val="accent3"/>
+            </a:solidFill>
+          </a:ln>
+        </p:spPr>
+        <p:style>
+          <a:lnRef idx="2">
+            <a:schemeClr val="accent1">
+              <a:shade val="50000"/>
+            </a:schemeClr>
+          </a:lnRef>
+          <a:fillRef idx="1">
+            <a:schemeClr val="accent1"/>
+          </a:fillRef>
+          <a:effectRef idx="0">
+            <a:schemeClr val="accent1"/>
+          </a:effectRef>
+          <a:fontRef idx="minor">
+            <a:schemeClr val="lt1"/>
+          </a:fontRef>
+        </p:style>
+        <p:txBody>
+          <a:bodyPr wrap="none" lIns="52922" tIns="52922" rIns="52922" rtlCol="0" anchor="ctr"/>
+          <a:lstStyle/>
+          <a:p>
+            <a:pPr algn="ctr" defTabSz="672130"/>
+            <a:endParaRPr lang="en-US" sz="1176" dirty="0">
+              <a:solidFill>
+                <a:prstClr val="black"/>
+              </a:solidFill>
+              <a:latin typeface="Simplon BP Regular"/>
+              <a:cs typeface="Simplon BP Regular"/>
+            </a:endParaRPr>
+          </a:p>
+        </p:txBody>
+      </p:sp>
+      <p:sp>
+        <p:nvSpPr>
+          <p:cNvPr id="22" name="Oval 134">
+            <a:extLst>
+              <a:ext uri="{FF2B5EF4-FFF2-40B4-BE49-F238E27FC236}">
+                <a16:creationId xmlns:a16="http://schemas.microsoft.com/office/drawing/2014/main" id="{B363CBDD-9D88-41D9-9F1B-E6F757DF80B1}"/>
+              </a:ext>
+            </a:extLst>
+          </p:cNvPr>
+          <p:cNvSpPr>
+            <a:spLocks noChangeAspect="1"/>
+          </p:cNvSpPr>
+          <p:nvPr/>
+        </p:nvSpPr>
+        <p:spPr>
+          <a:xfrm>
+            <a:off x="12180394" y="284502"/>
+            <a:ext cx="211404" cy="211689"/>
+          </a:xfrm>
+          <a:prstGeom prst="ellipse">
+            <a:avLst/>
+          </a:prstGeom>
+          <a:solidFill>
+            <a:srgbClr val="1BCF13"/>
+          </a:solidFill>
+          <a:ln w="12700">
+            <a:solidFill>
+              <a:schemeClr val="accent3"/>
+            </a:solidFill>
+          </a:ln>
+        </p:spPr>
+        <p:style>
+          <a:lnRef idx="2">
+            <a:schemeClr val="accent1">
+              <a:shade val="50000"/>
+            </a:schemeClr>
+          </a:lnRef>
+          <a:fillRef idx="1">
+            <a:schemeClr val="accent1"/>
+          </a:fillRef>
+          <a:effectRef idx="0">
+            <a:schemeClr val="accent1"/>
+          </a:effectRef>
+          <a:fontRef idx="minor">
+            <a:schemeClr val="lt1"/>
+          </a:fontRef>
+        </p:style>
+        <p:txBody>
+          <a:bodyPr wrap="none" lIns="52922" tIns="52922" rIns="52922" rtlCol="0" anchor="ctr"/>
+          <a:lstStyle/>
+          <a:p>
+            <a:pPr algn="ctr" defTabSz="672130"/>
+            <a:endParaRPr lang="en-US" sz="1176" dirty="0">
+              <a:solidFill>
+                <a:prstClr val="black"/>
+              </a:solidFill>
+              <a:latin typeface="Simplon BP Regular"/>
+              <a:cs typeface="Simplon BP Regular"/>
+            </a:endParaRPr>
+          </a:p>
+        </p:txBody>
+      </p:sp>
+      <p:sp>
+        <p:nvSpPr>
+          <p:cNvPr id="23" name="Oval 134">
+            <a:extLst>
+              <a:ext uri="{FF2B5EF4-FFF2-40B4-BE49-F238E27FC236}">
+                <a16:creationId xmlns:a16="http://schemas.microsoft.com/office/drawing/2014/main" id="{F42F78D9-B5A8-4A97-8925-8B5904C502F3}"/>
+              </a:ext>
+            </a:extLst>
+          </p:cNvPr>
+          <p:cNvSpPr>
+            <a:spLocks noChangeAspect="1"/>
+          </p:cNvSpPr>
+          <p:nvPr/>
+        </p:nvSpPr>
+        <p:spPr>
+          <a:xfrm>
+            <a:off x="11262832" y="305415"/>
+            <a:ext cx="211404" cy="211689"/>
+          </a:xfrm>
+          <a:prstGeom prst="ellipse">
+            <a:avLst/>
+          </a:prstGeom>
+          <a:solidFill>
+            <a:srgbClr val="1BCF13"/>
+          </a:solidFill>
+          <a:ln w="12700">
+            <a:solidFill>
+              <a:schemeClr val="accent3"/>
+            </a:solidFill>
+          </a:ln>
+        </p:spPr>
+        <p:style>
+          <a:lnRef idx="2">
+            <a:schemeClr val="accent1">
+              <a:shade val="50000"/>
+            </a:schemeClr>
+          </a:lnRef>
+          <a:fillRef idx="1">
+            <a:schemeClr val="accent1"/>
+          </a:fillRef>
+          <a:effectRef idx="0">
+            <a:schemeClr val="accent1"/>
+          </a:effectRef>
+          <a:fontRef idx="minor">
+            <a:schemeClr val="lt1"/>
+          </a:fontRef>
+        </p:style>
+        <p:txBody>
+          <a:bodyPr wrap="none" lIns="52922" tIns="52922" rIns="52922" rtlCol="0" anchor="ctr"/>
+          <a:lstStyle/>
+          <a:p>
+            <a:pPr algn="ctr" defTabSz="672130"/>
+            <a:endParaRPr lang="en-US" sz="1176" dirty="0">
+              <a:solidFill>
+                <a:prstClr val="black"/>
+              </a:solidFill>
+              <a:latin typeface="Simplon BP Regular"/>
+              <a:cs typeface="Simplon BP Regular"/>
+            </a:endParaRPr>
+          </a:p>
+        </p:txBody>
+      </p:sp>
+      <p:sp>
+        <p:nvSpPr>
+          <p:cNvPr id="24" name="Oval 134">
+            <a:extLst>
+              <a:ext uri="{FF2B5EF4-FFF2-40B4-BE49-F238E27FC236}">
+                <a16:creationId xmlns:a16="http://schemas.microsoft.com/office/drawing/2014/main" id="{1EBE2388-56B1-476A-9F0A-E2D66925E9B1}"/>
+              </a:ext>
+            </a:extLst>
+          </p:cNvPr>
+          <p:cNvSpPr>
+            <a:spLocks noChangeAspect="1"/>
+          </p:cNvSpPr>
+          <p:nvPr/>
+        </p:nvSpPr>
+        <p:spPr>
+          <a:xfrm>
+            <a:off x="9275679" y="332030"/>
+            <a:ext cx="211404" cy="211689"/>
+          </a:xfrm>
+          <a:prstGeom prst="ellipse">
+            <a:avLst/>
+          </a:prstGeom>
+          <a:solidFill>
+            <a:srgbClr val="1BCF13"/>
+          </a:solidFill>
+          <a:ln w="12700">
+            <a:solidFill>
+              <a:schemeClr val="accent3"/>
+            </a:solidFill>
+          </a:ln>
+        </p:spPr>
+        <p:style>
+          <a:lnRef idx="2">
+            <a:schemeClr val="accent1">
+              <a:shade val="50000"/>
+            </a:schemeClr>
+          </a:lnRef>
+          <a:fillRef idx="1">
+            <a:schemeClr val="accent1"/>
+          </a:fillRef>
+          <a:effectRef idx="0">
+            <a:schemeClr val="accent1"/>
+          </a:effectRef>
+          <a:fontRef idx="minor">
+            <a:schemeClr val="lt1"/>
+          </a:fontRef>
+        </p:style>
+        <p:txBody>
+          <a:bodyPr wrap="none" lIns="52922" tIns="52922" rIns="52922" rtlCol="0" anchor="ctr"/>
+          <a:lstStyle/>
+          <a:p>
+            <a:pPr algn="ctr" defTabSz="672130"/>
+            <a:endParaRPr lang="en-US" sz="1176" dirty="0">
+              <a:solidFill>
+                <a:prstClr val="black"/>
+              </a:solidFill>
+              <a:latin typeface="Simplon BP Regular"/>
+              <a:cs typeface="Simplon BP Regular"/>
+            </a:endParaRPr>
+          </a:p>
+        </p:txBody>
+      </p:sp>
+    </p:spTree>
+    <p:extLst>
+      <p:ext uri="{BB962C8B-B14F-4D97-AF65-F5344CB8AC3E}">
+        <p14:creationId xmlns:p14="http://schemas.microsoft.com/office/powerpoint/2010/main" val="78641881"/>
       </p:ext>
     </p:extLst>
   </p:cSld>
@@ -36604,6 +40051,15 @@
 </file>
 
 <file path=customXml/item2.xml><?xml version="1.0" encoding="utf-8"?>
+<?mso-contentType ?>
+<FormTemplates xmlns="http://schemas.microsoft.com/sharepoint/v3/contenttype/forms">
+  <Display>DocumentLibraryForm</Display>
+  <Edit>DocumentLibraryForm</Edit>
+  <New>DocumentLibraryForm</New>
+</FormTemplates>
+</file>
+
+<file path=customXml/item3.xml><?xml version="1.0" encoding="utf-8"?>
 <ct:contentTypeSchema xmlns:ct="http://schemas.microsoft.com/office/2006/metadata/contentType" xmlns:ma="http://schemas.microsoft.com/office/2006/metadata/properties/metaAttributes" ct:_="" ma:_="" ma:contentTypeName="Document" ma:contentTypeID="0x0101001132905C37EA9847A7207C4BBCCCD8F4" ma:contentTypeVersion="34" ma:contentTypeDescription="Create a new document." ma:contentTypeScope="" ma:versionID="2f28daba72ca6e92be87ea70ebe5bb94">
   <xsd:schema xmlns:xsd="http://www.w3.org/2001/XMLSchema" xmlns:xs="http://www.w3.org/2001/XMLSchema" xmlns:p="http://schemas.microsoft.com/office/2006/metadata/properties" xmlns:ns3="4327b14a-fe89-488e-9f6d-9658cacf372b" xmlns:ns4="bbcd8c33-6940-4d4c-a587-bbc736ca1e4d" targetNamespace="http://schemas.microsoft.com/office/2006/metadata/properties" ma:root="true" ma:fieldsID="df18e839ce2650f1975b41376e6cdb6b" ns3:_="" ns4:_="">
     <xsd:import namespace="4327b14a-fe89-488e-9f6d-9658cacf372b"/>
@@ -37020,15 +40476,6 @@
 </ct:contentTypeSchema>
 </file>
 
-<file path=customXml/item3.xml><?xml version="1.0" encoding="utf-8"?>
-<?mso-contentType ?>
-<FormTemplates xmlns="http://schemas.microsoft.com/sharepoint/v3/contenttype/forms">
-  <Display>DocumentLibraryForm</Display>
-  <Edit>DocumentLibraryForm</Edit>
-  <New>DocumentLibraryForm</New>
-</FormTemplates>
-</file>
-
 <file path=customXml/itemProps1.xml><?xml version="1.0" encoding="utf-8"?>
 <ds:datastoreItem xmlns:ds="http://schemas.openxmlformats.org/officeDocument/2006/customXml" ds:itemID="{4B31267F-D399-4A8A-87F8-B75F56828412}">
   <ds:schemaRefs>
@@ -37047,6 +40494,14 @@
 </file>
 
 <file path=customXml/itemProps2.xml><?xml version="1.0" encoding="utf-8"?>
+<ds:datastoreItem xmlns:ds="http://schemas.openxmlformats.org/officeDocument/2006/customXml" ds:itemID="{E2481852-F24E-4532-AF30-C154D705D105}">
+  <ds:schemaRefs>
+    <ds:schemaRef ds:uri="http://schemas.microsoft.com/sharepoint/v3/contenttype/forms"/>
+  </ds:schemaRefs>
+</ds:datastoreItem>
+</file>
+
+<file path=customXml/itemProps3.xml><?xml version="1.0" encoding="utf-8"?>
 <ds:datastoreItem xmlns:ds="http://schemas.openxmlformats.org/officeDocument/2006/customXml" ds:itemID="{3BE6CAF6-1F55-4A70-B10C-21633F74987A}">
   <ds:schemaRefs>
     <ds:schemaRef ds:uri="http://schemas.microsoft.com/office/2006/metadata/contentType"/>
@@ -37063,12 +40518,4 @@
     <ds:schemaRef ds:uri="http://schemas.microsoft.com/internal/obd"/>
   </ds:schemaRefs>
 </ds:datastoreItem>
-</file>
-
-<file path=customXml/itemProps3.xml><?xml version="1.0" encoding="utf-8"?>
-<ds:datastoreItem xmlns:ds="http://schemas.openxmlformats.org/officeDocument/2006/customXml" ds:itemID="{E2481852-F24E-4532-AF30-C154D705D105}">
-  <ds:schemaRefs>
-    <ds:schemaRef ds:uri="http://schemas.microsoft.com/sharepoint/v3/contenttype/forms"/>
-  </ds:schemaRefs>
-</ds:datastoreItem>
 </file>
--- a/Documentação/Status_Report/Mod_Status_Report-PI20202.pptx
+++ b/Documentação/Status_Report/Mod_Status_Report-PI20202.pptx
@@ -7,10 +7,10 @@
     <p:sldMasterId id="2147483665" r:id="rId6"/>
   </p:sldMasterIdLst>
   <p:notesMasterIdLst>
-    <p:notesMasterId r:id="rId17"/>
+    <p:notesMasterId r:id="rId18"/>
   </p:notesMasterIdLst>
   <p:handoutMasterIdLst>
-    <p:handoutMasterId r:id="rId18"/>
+    <p:handoutMasterId r:id="rId19"/>
   </p:handoutMasterIdLst>
   <p:sldIdLst>
     <p:sldId id="256" r:id="rId7"/>
@@ -23,6 +23,7 @@
     <p:sldId id="476" r:id="rId14"/>
     <p:sldId id="477" r:id="rId15"/>
     <p:sldId id="478" r:id="rId16"/>
+    <p:sldId id="479" r:id="rId17"/>
   </p:sldIdLst>
   <p:sldSz cx="13442950" cy="7561263"/>
   <p:notesSz cx="7104063" cy="10234613"/>
@@ -140,6 +141,7 @@
             <p14:sldId id="476"/>
             <p14:sldId id="477"/>
             <p14:sldId id="478"/>
+            <p14:sldId id="479"/>
           </p14:sldIdLst>
         </p14:section>
       </p14:sectionLst>
@@ -1188,7 +1190,7 @@
             </a:lvl1pPr>
           </a:lstStyle>
           <a:p>
-            <a:endParaRPr lang="pt-BR"/>
+            <a:endParaRPr lang="pt-BR" dirty="0"/>
           </a:p>
         </p:txBody>
       </p:sp>
@@ -1222,9 +1224,9 @@
             <a:fld id="{C3CD65D1-5C11-455D-9F9A-0E035F00A0DA}" type="datetimeFigureOut">
               <a:rPr lang="pt-BR" smtClean="0"/>
               <a:pPr/>
-              <a:t>06/05/2021</a:t>
+              <a:t>13/05/2021</a:t>
             </a:fld>
-            <a:endParaRPr lang="pt-BR"/>
+            <a:endParaRPr lang="pt-BR" dirty="0"/>
           </a:p>
         </p:txBody>
       </p:sp>
@@ -1255,7 +1257,7 @@
             </a:lvl1pPr>
           </a:lstStyle>
           <a:p>
-            <a:endParaRPr lang="pt-BR"/>
+            <a:endParaRPr lang="pt-BR" dirty="0"/>
           </a:p>
         </p:txBody>
       </p:sp>
@@ -1291,7 +1293,7 @@
               <a:pPr/>
               <a:t>‹nº›</a:t>
             </a:fld>
-            <a:endParaRPr lang="pt-BR"/>
+            <a:endParaRPr lang="pt-BR" dirty="0"/>
           </a:p>
         </p:txBody>
       </p:sp>
@@ -1356,7 +1358,7 @@
             </a:lvl1pPr>
           </a:lstStyle>
           <a:p>
-            <a:endParaRPr lang="pt-BR"/>
+            <a:endParaRPr lang="pt-BR" dirty="0"/>
           </a:p>
         </p:txBody>
       </p:sp>
@@ -1390,9 +1392,9 @@
             <a:fld id="{A05DA3EF-18EA-43DE-B1BB-402A3C558822}" type="datetimeFigureOut">
               <a:rPr lang="pt-BR" smtClean="0"/>
               <a:pPr/>
-              <a:t>06/05/2021</a:t>
+              <a:t>13/05/2021</a:t>
             </a:fld>
-            <a:endParaRPr lang="pt-BR"/>
+            <a:endParaRPr lang="pt-BR" dirty="0"/>
           </a:p>
         </p:txBody>
       </p:sp>
@@ -1425,7 +1427,7 @@
           <a:bodyPr vert="horz" lIns="99075" tIns="49538" rIns="99075" bIns="49538" rtlCol="0" anchor="ctr"/>
           <a:lstStyle/>
           <a:p>
-            <a:endParaRPr lang="pt-BR"/>
+            <a:endParaRPr lang="pt-BR" dirty="0"/>
           </a:p>
         </p:txBody>
       </p:sp>
@@ -1517,7 +1519,7 @@
             </a:lvl1pPr>
           </a:lstStyle>
           <a:p>
-            <a:endParaRPr lang="pt-BR"/>
+            <a:endParaRPr lang="pt-BR" dirty="0"/>
           </a:p>
         </p:txBody>
       </p:sp>
@@ -1553,7 +1555,7 @@
               <a:pPr/>
               <a:t>‹nº›</a:t>
             </a:fld>
-            <a:endParaRPr lang="pt-BR"/>
+            <a:endParaRPr lang="pt-BR" dirty="0"/>
           </a:p>
         </p:txBody>
       </p:sp>
@@ -1729,7 +1731,7 @@
               <a:pPr/>
               <a:t>2</a:t>
             </a:fld>
-            <a:endParaRPr lang="pt-BR"/>
+            <a:endParaRPr lang="pt-BR" dirty="0"/>
           </a:p>
         </p:txBody>
       </p:sp>
@@ -1737,6 +1739,99 @@
     <p:extLst>
       <p:ext uri="{BB962C8B-B14F-4D97-AF65-F5344CB8AC3E}">
         <p14:creationId xmlns:p14="http://schemas.microsoft.com/office/powerpoint/2010/main" val="3296992401"/>
+      </p:ext>
+    </p:extLst>
+  </p:cSld>
+  <p:clrMapOvr>
+    <a:masterClrMapping/>
+  </p:clrMapOvr>
+</p:notes>
+</file>
+
+<file path=ppt/notesSlides/notesSlide10.xml><?xml version="1.0" encoding="utf-8"?>
+<p:notes xmlns:a="http://schemas.openxmlformats.org/drawingml/2006/main" xmlns:r="http://schemas.openxmlformats.org/officeDocument/2006/relationships" xmlns:p="http://schemas.openxmlformats.org/presentationml/2006/main">
+  <p:cSld>
+    <p:spTree>
+      <p:nvGrpSpPr>
+        <p:cNvPr id="1" name=""/>
+        <p:cNvGrpSpPr/>
+        <p:nvPr/>
+      </p:nvGrpSpPr>
+      <p:grpSpPr>
+        <a:xfrm>
+          <a:off x="0" y="0"/>
+          <a:ext cx="0" cy="0"/>
+          <a:chOff x="0" y="0"/>
+          <a:chExt cx="0" cy="0"/>
+        </a:xfrm>
+      </p:grpSpPr>
+      <p:sp>
+        <p:nvSpPr>
+          <p:cNvPr id="2" name="Slide Image Placeholder 1"/>
+          <p:cNvSpPr>
+            <a:spLocks noGrp="1" noRot="1" noChangeAspect="1"/>
+          </p:cNvSpPr>
+          <p:nvPr>
+            <p:ph type="sldImg"/>
+          </p:nvPr>
+        </p:nvSpPr>
+        <p:spPr/>
+      </p:sp>
+      <p:sp>
+        <p:nvSpPr>
+          <p:cNvPr id="3" name="Notes Placeholder 2"/>
+          <p:cNvSpPr>
+            <a:spLocks noGrp="1"/>
+          </p:cNvSpPr>
+          <p:nvPr>
+            <p:ph type="body" idx="1"/>
+          </p:nvPr>
+        </p:nvSpPr>
+        <p:spPr/>
+        <p:txBody>
+          <a:bodyPr/>
+          <a:lstStyle/>
+          <a:p>
+            <a:endParaRPr lang="en-US" dirty="0"/>
+          </a:p>
+        </p:txBody>
+      </p:sp>
+      <p:sp>
+        <p:nvSpPr>
+          <p:cNvPr id="4" name="Slide Number Placeholder 3"/>
+          <p:cNvSpPr>
+            <a:spLocks noGrp="1"/>
+          </p:cNvSpPr>
+          <p:nvPr>
+            <p:ph type="sldNum" sz="quarter" idx="10"/>
+          </p:nvPr>
+        </p:nvSpPr>
+        <p:spPr/>
+        <p:txBody>
+          <a:bodyPr/>
+          <a:lstStyle/>
+          <a:p>
+            <a:fld id="{B39AF3DB-B6A1-2444-9DD8-53D016F8E638}" type="slidenum">
+              <a:rPr lang="pt-BR" smtClean="0">
+                <a:solidFill>
+                  <a:prstClr val="black"/>
+                </a:solidFill>
+              </a:rPr>
+              <a:pPr/>
+              <a:t>11</a:t>
+            </a:fld>
+            <a:endParaRPr lang="pt-BR" dirty="0">
+              <a:solidFill>
+                <a:prstClr val="black"/>
+              </a:solidFill>
+            </a:endParaRPr>
+          </a:p>
+        </p:txBody>
+      </p:sp>
+    </p:spTree>
+    <p:extLst>
+      <p:ext uri="{BB962C8B-B14F-4D97-AF65-F5344CB8AC3E}">
+        <p14:creationId xmlns:p14="http://schemas.microsoft.com/office/powerpoint/2010/main" val="1989814621"/>
       </p:ext>
     </p:extLst>
   </p:cSld>
@@ -1790,7 +1885,7 @@
           <a:bodyPr/>
           <a:lstStyle/>
           <a:p>
-            <a:endParaRPr lang="en-US"/>
+            <a:endParaRPr lang="en-US" dirty="0"/>
           </a:p>
         </p:txBody>
       </p:sp>
@@ -1818,7 +1913,7 @@
               <a:pPr/>
               <a:t>3</a:t>
             </a:fld>
-            <a:endParaRPr lang="pt-BR">
+            <a:endParaRPr lang="pt-BR" dirty="0">
               <a:solidFill>
                 <a:prstClr val="black"/>
               </a:solidFill>
@@ -1883,7 +1978,7 @@
           <a:bodyPr/>
           <a:lstStyle/>
           <a:p>
-            <a:endParaRPr lang="en-US"/>
+            <a:endParaRPr lang="en-US" dirty="0"/>
           </a:p>
         </p:txBody>
       </p:sp>
@@ -1911,7 +2006,7 @@
               <a:pPr/>
               <a:t>4</a:t>
             </a:fld>
-            <a:endParaRPr lang="pt-BR">
+            <a:endParaRPr lang="pt-BR" dirty="0">
               <a:solidFill>
                 <a:prstClr val="black"/>
               </a:solidFill>
@@ -1976,7 +2071,7 @@
           <a:bodyPr/>
           <a:lstStyle/>
           <a:p>
-            <a:endParaRPr lang="en-US"/>
+            <a:endParaRPr lang="en-US" dirty="0"/>
           </a:p>
         </p:txBody>
       </p:sp>
@@ -2004,7 +2099,7 @@
               <a:pPr/>
               <a:t>5</a:t>
             </a:fld>
-            <a:endParaRPr lang="pt-BR">
+            <a:endParaRPr lang="pt-BR" dirty="0">
               <a:solidFill>
                 <a:prstClr val="black"/>
               </a:solidFill>
@@ -2069,7 +2164,7 @@
           <a:bodyPr/>
           <a:lstStyle/>
           <a:p>
-            <a:endParaRPr lang="en-US"/>
+            <a:endParaRPr lang="en-US" dirty="0"/>
           </a:p>
         </p:txBody>
       </p:sp>
@@ -2097,7 +2192,7 @@
               <a:pPr/>
               <a:t>6</a:t>
             </a:fld>
-            <a:endParaRPr lang="pt-BR">
+            <a:endParaRPr lang="pt-BR" dirty="0">
               <a:solidFill>
                 <a:prstClr val="black"/>
               </a:solidFill>
@@ -2162,7 +2257,7 @@
           <a:bodyPr/>
           <a:lstStyle/>
           <a:p>
-            <a:endParaRPr lang="en-US"/>
+            <a:endParaRPr lang="en-US" dirty="0"/>
           </a:p>
         </p:txBody>
       </p:sp>
@@ -2190,7 +2285,7 @@
               <a:pPr/>
               <a:t>7</a:t>
             </a:fld>
-            <a:endParaRPr lang="pt-BR">
+            <a:endParaRPr lang="pt-BR" dirty="0">
               <a:solidFill>
                 <a:prstClr val="black"/>
               </a:solidFill>
@@ -2255,7 +2350,7 @@
           <a:bodyPr/>
           <a:lstStyle/>
           <a:p>
-            <a:endParaRPr lang="en-US"/>
+            <a:endParaRPr lang="en-US" dirty="0"/>
           </a:p>
         </p:txBody>
       </p:sp>
@@ -2283,7 +2378,7 @@
               <a:pPr/>
               <a:t>8</a:t>
             </a:fld>
-            <a:endParaRPr lang="pt-BR">
+            <a:endParaRPr lang="pt-BR" dirty="0">
               <a:solidFill>
                 <a:prstClr val="black"/>
               </a:solidFill>
@@ -2348,7 +2443,7 @@
           <a:bodyPr/>
           <a:lstStyle/>
           <a:p>
-            <a:endParaRPr lang="en-US"/>
+            <a:endParaRPr lang="en-US" dirty="0"/>
           </a:p>
         </p:txBody>
       </p:sp>
@@ -2376,7 +2471,7 @@
               <a:pPr/>
               <a:t>9</a:t>
             </a:fld>
-            <a:endParaRPr lang="pt-BR">
+            <a:endParaRPr lang="pt-BR" dirty="0">
               <a:solidFill>
                 <a:prstClr val="black"/>
               </a:solidFill>
@@ -2441,7 +2536,7 @@
           <a:bodyPr/>
           <a:lstStyle/>
           <a:p>
-            <a:endParaRPr lang="en-US"/>
+            <a:endParaRPr lang="en-US" dirty="0"/>
           </a:p>
         </p:txBody>
       </p:sp>
@@ -2469,7 +2564,7 @@
               <a:pPr/>
               <a:t>10</a:t>
             </a:fld>
-            <a:endParaRPr lang="pt-BR">
+            <a:endParaRPr lang="pt-BR" dirty="0">
               <a:solidFill>
                 <a:prstClr val="black"/>
               </a:solidFill>
@@ -2549,7 +2644,7 @@
           <a:lstStyle/>
           <a:p>
             <a:pPr algn="ctr"/>
-            <a:endParaRPr lang="pt-BR" sz="2100"/>
+            <a:endParaRPr lang="pt-BR" sz="2100" dirty="0"/>
           </a:p>
         </p:txBody>
       </p:sp>
@@ -3113,7 +3208,7 @@
           </a:bodyPr>
           <a:lstStyle/>
           <a:p>
-            <a:endParaRPr lang="pt-BR" sz="2100"/>
+            <a:endParaRPr lang="pt-BR" sz="2100" dirty="0"/>
           </a:p>
         </p:txBody>
       </p:sp>
@@ -4144,7 +4239,7 @@
           </a:bodyPr>
           <a:lstStyle/>
           <a:p>
-            <a:endParaRPr lang="pt-BR" sz="2100"/>
+            <a:endParaRPr lang="pt-BR" sz="2100" dirty="0"/>
           </a:p>
         </p:txBody>
       </p:sp>
@@ -4462,7 +4557,7 @@
           </a:bodyPr>
           <a:lstStyle/>
           <a:p>
-            <a:endParaRPr lang="pt-BR" sz="2100"/>
+            <a:endParaRPr lang="pt-BR" sz="2100" dirty="0"/>
           </a:p>
         </p:txBody>
       </p:sp>
@@ -4540,7 +4635,7 @@
           </a:bodyPr>
           <a:lstStyle/>
           <a:p>
-            <a:endParaRPr lang="pt-BR" sz="2100"/>
+            <a:endParaRPr lang="pt-BR" sz="2100" dirty="0"/>
           </a:p>
         </p:txBody>
       </p:sp>
@@ -4618,7 +4713,7 @@
           </a:bodyPr>
           <a:lstStyle/>
           <a:p>
-            <a:endParaRPr lang="pt-BR" sz="2100"/>
+            <a:endParaRPr lang="pt-BR" sz="2100" dirty="0"/>
           </a:p>
         </p:txBody>
       </p:sp>
@@ -4944,7 +5039,7 @@
           </a:bodyPr>
           <a:lstStyle/>
           <a:p>
-            <a:endParaRPr lang="pt-BR" sz="2100"/>
+            <a:endParaRPr lang="pt-BR" sz="2100" dirty="0"/>
           </a:p>
         </p:txBody>
       </p:sp>
@@ -5549,7 +5644,7 @@
           </a:bodyPr>
           <a:lstStyle/>
           <a:p>
-            <a:endParaRPr lang="pt-BR" sz="2100"/>
+            <a:endParaRPr lang="pt-BR" sz="2100" dirty="0"/>
           </a:p>
         </p:txBody>
       </p:sp>
@@ -6444,7 +6539,7 @@
           </a:bodyPr>
           <a:lstStyle/>
           <a:p>
-            <a:endParaRPr lang="pt-BR" sz="2100"/>
+            <a:endParaRPr lang="pt-BR" sz="2100" dirty="0"/>
           </a:p>
         </p:txBody>
       </p:sp>
@@ -6844,7 +6939,7 @@
           </a:bodyPr>
           <a:lstStyle/>
           <a:p>
-            <a:endParaRPr lang="pt-BR" sz="2100"/>
+            <a:endParaRPr lang="pt-BR" sz="2100" dirty="0"/>
           </a:p>
         </p:txBody>
       </p:sp>
@@ -7012,7 +7107,7 @@
           <a:lstStyle/>
           <a:p>
             <a:pPr algn="ctr"/>
-            <a:endParaRPr lang="pt-BR" sz="2100"/>
+            <a:endParaRPr lang="pt-BR" sz="2100" dirty="0"/>
           </a:p>
         </p:txBody>
       </p:sp>
@@ -7048,7 +7143,7 @@
           </a:bodyPr>
           <a:lstStyle/>
           <a:p>
-            <a:endParaRPr lang="pt-BR" sz="2100"/>
+            <a:endParaRPr lang="pt-BR" sz="2100" dirty="0"/>
           </a:p>
         </p:txBody>
       </p:sp>
@@ -7594,7 +7689,7 @@
           </a:bodyPr>
           <a:lstStyle/>
           <a:p>
-            <a:endParaRPr lang="pt-BR" sz="2100"/>
+            <a:endParaRPr lang="pt-BR" sz="2100" dirty="0"/>
           </a:p>
         </p:txBody>
       </p:sp>
@@ -8170,7 +8265,7 @@
           </a:bodyPr>
           <a:lstStyle/>
           <a:p>
-            <a:endParaRPr lang="pt-BR" sz="2100"/>
+            <a:endParaRPr lang="pt-BR" sz="2100" dirty="0"/>
           </a:p>
         </p:txBody>
       </p:sp>
@@ -8680,7 +8775,7 @@
           </a:bodyPr>
           <a:lstStyle/>
           <a:p>
-            <a:endParaRPr lang="pt-BR" sz="2100"/>
+            <a:endParaRPr lang="pt-BR" sz="2100" dirty="0"/>
           </a:p>
         </p:txBody>
       </p:sp>
@@ -8758,7 +8853,7 @@
           </a:bodyPr>
           <a:lstStyle/>
           <a:p>
-            <a:endParaRPr lang="pt-BR" sz="2100"/>
+            <a:endParaRPr lang="pt-BR" sz="2100" dirty="0"/>
           </a:p>
         </p:txBody>
       </p:sp>
@@ -8866,7 +8961,7 @@
           </a:bodyPr>
           <a:lstStyle/>
           <a:p>
-            <a:endParaRPr lang="pt-BR" sz="2100"/>
+            <a:endParaRPr lang="pt-BR" sz="2100" dirty="0"/>
           </a:p>
         </p:txBody>
       </p:sp>
@@ -9107,7 +9202,7 @@
           </a:bodyPr>
           <a:lstStyle/>
           <a:p>
-            <a:endParaRPr lang="pt-BR" sz="2100"/>
+            <a:endParaRPr lang="pt-BR" sz="2100" dirty="0"/>
           </a:p>
         </p:txBody>
       </p:sp>
@@ -9653,7 +9748,7 @@
           </a:bodyPr>
           <a:lstStyle/>
           <a:p>
-            <a:endParaRPr lang="pt-BR" sz="2100"/>
+            <a:endParaRPr lang="pt-BR" sz="2100" dirty="0"/>
           </a:p>
         </p:txBody>
       </p:sp>
@@ -10229,7 +10324,7 @@
           </a:bodyPr>
           <a:lstStyle/>
           <a:p>
-            <a:endParaRPr lang="pt-BR" sz="2100"/>
+            <a:endParaRPr lang="pt-BR" sz="2100" dirty="0"/>
           </a:p>
         </p:txBody>
       </p:sp>
@@ -10739,7 +10834,7 @@
           </a:bodyPr>
           <a:lstStyle/>
           <a:p>
-            <a:endParaRPr lang="pt-BR" sz="2100"/>
+            <a:endParaRPr lang="pt-BR" sz="2100" dirty="0"/>
           </a:p>
         </p:txBody>
       </p:sp>
@@ -10817,7 +10912,7 @@
           </a:bodyPr>
           <a:lstStyle/>
           <a:p>
-            <a:endParaRPr lang="pt-BR" sz="2100"/>
+            <a:endParaRPr lang="pt-BR" sz="2100" dirty="0"/>
           </a:p>
         </p:txBody>
       </p:sp>
@@ -10925,7 +11020,7 @@
           </a:bodyPr>
           <a:lstStyle/>
           <a:p>
-            <a:endParaRPr lang="pt-BR" sz="2100"/>
+            <a:endParaRPr lang="pt-BR" sz="2100" dirty="0"/>
           </a:p>
         </p:txBody>
       </p:sp>
@@ -11175,7 +11270,7 @@
           <a:lstStyle/>
           <a:p>
             <a:pPr algn="ctr"/>
-            <a:endParaRPr lang="pt-BR" sz="2100"/>
+            <a:endParaRPr lang="pt-BR" sz="2100" dirty="0"/>
           </a:p>
         </p:txBody>
       </p:sp>
@@ -11739,7 +11834,7 @@
           </a:bodyPr>
           <a:lstStyle/>
           <a:p>
-            <a:endParaRPr lang="pt-BR" sz="2100"/>
+            <a:endParaRPr lang="pt-BR" sz="2100" dirty="0"/>
           </a:p>
         </p:txBody>
       </p:sp>
@@ -12770,7 +12865,7 @@
           </a:bodyPr>
           <a:lstStyle/>
           <a:p>
-            <a:endParaRPr lang="pt-BR" sz="2100"/>
+            <a:endParaRPr lang="pt-BR" sz="2100" dirty="0"/>
           </a:p>
         </p:txBody>
       </p:sp>
@@ -13088,7 +13183,7 @@
           </a:bodyPr>
           <a:lstStyle/>
           <a:p>
-            <a:endParaRPr lang="pt-BR" sz="2100"/>
+            <a:endParaRPr lang="pt-BR" sz="2100" dirty="0"/>
           </a:p>
         </p:txBody>
       </p:sp>
@@ -13166,7 +13261,7 @@
           </a:bodyPr>
           <a:lstStyle/>
           <a:p>
-            <a:endParaRPr lang="pt-BR" sz="2100"/>
+            <a:endParaRPr lang="pt-BR" sz="2100" dirty="0"/>
           </a:p>
         </p:txBody>
       </p:sp>
@@ -13244,7 +13339,7 @@
           </a:bodyPr>
           <a:lstStyle/>
           <a:p>
-            <a:endParaRPr lang="pt-BR" sz="2100"/>
+            <a:endParaRPr lang="pt-BR" sz="2100" dirty="0"/>
           </a:p>
         </p:txBody>
       </p:sp>
@@ -13315,7 +13410,7 @@
           <a:lstStyle/>
           <a:p>
             <a:pPr algn="ctr"/>
-            <a:endParaRPr lang="pt-BR" sz="2100"/>
+            <a:endParaRPr lang="pt-BR" sz="2100" dirty="0"/>
           </a:p>
         </p:txBody>
       </p:sp>
@@ -13706,7 +13801,7 @@
           </a:bodyPr>
           <a:lstStyle/>
           <a:p>
-            <a:endParaRPr lang="pt-BR" sz="2100"/>
+            <a:endParaRPr lang="pt-BR" sz="2100" dirty="0"/>
           </a:p>
         </p:txBody>
       </p:sp>
@@ -14018,7 +14113,7 @@
           </a:bodyPr>
           <a:lstStyle/>
           <a:p>
-            <a:endParaRPr lang="pt-BR" sz="2100"/>
+            <a:endParaRPr lang="pt-BR" sz="2100" dirty="0"/>
           </a:p>
         </p:txBody>
       </p:sp>
@@ -14096,7 +14191,7 @@
           </a:bodyPr>
           <a:lstStyle/>
           <a:p>
-            <a:endParaRPr lang="pt-BR" sz="2100"/>
+            <a:endParaRPr lang="pt-BR" sz="2100" dirty="0"/>
           </a:p>
         </p:txBody>
       </p:sp>
@@ -14473,10 +14568,9 @@
           </a:lstStyle>
           <a:p>
             <a:r>
-              <a:rPr lang="pt-BR"/>
+              <a:rPr lang="pt-BR" dirty="0"/>
               <a:t>Clique no ícone para adicionar uma imagem</a:t>
             </a:r>
-            <a:endParaRPr lang="pt-BR" dirty="0"/>
           </a:p>
         </p:txBody>
       </p:sp>
@@ -14662,7 +14756,7 @@
           <a:lstStyle/>
           <a:p>
             <a:pPr algn="ctr"/>
-            <a:endParaRPr lang="pt-BR" sz="2100"/>
+            <a:endParaRPr lang="pt-BR" sz="2100" dirty="0"/>
           </a:p>
         </p:txBody>
       </p:sp>
@@ -16065,7 +16159,7 @@
           </a:bodyPr>
           <a:lstStyle/>
           <a:p>
-            <a:endParaRPr lang="pt-BR" sz="2100"/>
+            <a:endParaRPr lang="pt-BR" sz="2100" dirty="0"/>
           </a:p>
         </p:txBody>
       </p:sp>
@@ -16143,7 +16237,7 @@
           </a:bodyPr>
           <a:lstStyle/>
           <a:p>
-            <a:endParaRPr lang="pt-BR" sz="2100"/>
+            <a:endParaRPr lang="pt-BR" sz="2100" dirty="0"/>
           </a:p>
         </p:txBody>
       </p:sp>
@@ -16763,7 +16857,7 @@
           </a:bodyPr>
           <a:lstStyle/>
           <a:p>
-            <a:endParaRPr lang="pt-BR" sz="2100"/>
+            <a:endParaRPr lang="pt-BR" sz="2100" dirty="0"/>
           </a:p>
         </p:txBody>
       </p:sp>
@@ -17794,7 +17888,7 @@
           </a:bodyPr>
           <a:lstStyle/>
           <a:p>
-            <a:endParaRPr lang="pt-BR" sz="2100"/>
+            <a:endParaRPr lang="pt-BR" sz="2100" dirty="0"/>
           </a:p>
         </p:txBody>
       </p:sp>
@@ -18112,7 +18206,7 @@
           </a:bodyPr>
           <a:lstStyle/>
           <a:p>
-            <a:endParaRPr lang="pt-BR" sz="2100"/>
+            <a:endParaRPr lang="pt-BR" sz="2100" dirty="0"/>
           </a:p>
         </p:txBody>
       </p:sp>
@@ -18190,7 +18284,7 @@
           </a:bodyPr>
           <a:lstStyle/>
           <a:p>
-            <a:endParaRPr lang="pt-BR" sz="2100"/>
+            <a:endParaRPr lang="pt-BR" sz="2100" dirty="0"/>
           </a:p>
         </p:txBody>
       </p:sp>
@@ -18268,7 +18362,7 @@
           </a:bodyPr>
           <a:lstStyle/>
           <a:p>
-            <a:endParaRPr lang="pt-BR" sz="2100"/>
+            <a:endParaRPr lang="pt-BR" sz="2100" dirty="0"/>
           </a:p>
         </p:txBody>
       </p:sp>
@@ -18887,7 +18981,7 @@
           </a:bodyPr>
           <a:lstStyle/>
           <a:p>
-            <a:endParaRPr lang="pt-BR" sz="2100"/>
+            <a:endParaRPr lang="pt-BR" sz="2100" dirty="0"/>
           </a:p>
         </p:txBody>
       </p:sp>
@@ -19918,7 +20012,7 @@
           </a:bodyPr>
           <a:lstStyle/>
           <a:p>
-            <a:endParaRPr lang="pt-BR" sz="2100"/>
+            <a:endParaRPr lang="pt-BR" sz="2100" dirty="0"/>
           </a:p>
         </p:txBody>
       </p:sp>
@@ -20236,7 +20330,7 @@
           </a:bodyPr>
           <a:lstStyle/>
           <a:p>
-            <a:endParaRPr lang="pt-BR" sz="2100"/>
+            <a:endParaRPr lang="pt-BR" sz="2100" dirty="0"/>
           </a:p>
         </p:txBody>
       </p:sp>
@@ -20314,7 +20408,7 @@
           </a:bodyPr>
           <a:lstStyle/>
           <a:p>
-            <a:endParaRPr lang="pt-BR" sz="2100"/>
+            <a:endParaRPr lang="pt-BR" sz="2100" dirty="0"/>
           </a:p>
         </p:txBody>
       </p:sp>
@@ -20392,7 +20486,7 @@
           </a:bodyPr>
           <a:lstStyle/>
           <a:p>
-            <a:endParaRPr lang="pt-BR" sz="2100"/>
+            <a:endParaRPr lang="pt-BR" sz="2100" dirty="0"/>
           </a:p>
         </p:txBody>
       </p:sp>
@@ -21820,7 +21914,7 @@
           </a:bodyPr>
           <a:lstStyle/>
           <a:p>
-            <a:endParaRPr lang="pt-BR" sz="2100"/>
+            <a:endParaRPr lang="pt-BR" sz="2100" dirty="0"/>
           </a:p>
         </p:txBody>
       </p:sp>
@@ -21898,7 +21992,7 @@
           </a:bodyPr>
           <a:lstStyle/>
           <a:p>
-            <a:endParaRPr lang="pt-BR" sz="2100"/>
+            <a:endParaRPr lang="pt-BR" sz="2100" dirty="0"/>
           </a:p>
         </p:txBody>
       </p:sp>
@@ -22344,7 +22438,7 @@
           </a:bodyPr>
           <a:lstStyle/>
           <a:p>
-            <a:endParaRPr lang="pt-BR" sz="2100"/>
+            <a:endParaRPr lang="pt-BR" sz="2100" dirty="0"/>
           </a:p>
         </p:txBody>
       </p:sp>
@@ -22656,7 +22750,7 @@
           </a:bodyPr>
           <a:lstStyle/>
           <a:p>
-            <a:endParaRPr lang="pt-BR" sz="2100"/>
+            <a:endParaRPr lang="pt-BR" sz="2100" dirty="0"/>
           </a:p>
         </p:txBody>
       </p:sp>
@@ -22734,7 +22828,7 @@
           </a:bodyPr>
           <a:lstStyle/>
           <a:p>
-            <a:endParaRPr lang="pt-BR" sz="2100"/>
+            <a:endParaRPr lang="pt-BR" sz="2100" dirty="0"/>
           </a:p>
         </p:txBody>
       </p:sp>
@@ -25033,7 +25127,7 @@
           <a:p>
             <a:pPr defTabSz="672130"/>
             <a:r>
-              <a:rPr lang="en-US" sz="1176" b="0" dirty="0" err="1">
+              <a:rPr lang="en-US" sz="1176" b="0" dirty="0">
                 <a:solidFill>
                   <a:prstClr val="black"/>
                 </a:solidFill>
@@ -25041,12 +25135,6 @@
               </a:rPr>
               <a:t>Equipe</a:t>
             </a:r>
-            <a:endParaRPr lang="en-US" sz="1176" b="0" dirty="0">
-              <a:solidFill>
-                <a:prstClr val="black"/>
-              </a:solidFill>
-              <a:latin typeface="Simplon BP Bold" pitchFamily="2" charset="0"/>
-            </a:endParaRPr>
           </a:p>
         </p:txBody>
       </p:sp>
@@ -25399,25 +25487,8 @@
                 <a:latin typeface="Arial" panose="020B0604020202020204" pitchFamily="34" charset="0"/>
                 <a:cs typeface="Arial" panose="020B0604020202020204" pitchFamily="34" charset="0"/>
               </a:rPr>
-              <a:t>Frente Front-</a:t>
+              <a:t>Frente Front-end</a:t>
             </a:r>
-            <a:r>
-              <a:rPr lang="pt-BR" sz="1400" b="1" dirty="0" err="1">
-                <a:solidFill>
-                  <a:schemeClr val="tx1"/>
-                </a:solidFill>
-                <a:latin typeface="Arial" panose="020B0604020202020204" pitchFamily="34" charset="0"/>
-                <a:cs typeface="Arial" panose="020B0604020202020204" pitchFamily="34" charset="0"/>
-              </a:rPr>
-              <a:t>end</a:t>
-            </a:r>
-            <a:endParaRPr lang="pt-BR" sz="1400" b="1" dirty="0">
-              <a:solidFill>
-                <a:schemeClr val="tx1"/>
-              </a:solidFill>
-              <a:latin typeface="Arial" panose="020B0604020202020204" pitchFamily="34" charset="0"/>
-              <a:cs typeface="Arial" panose="020B0604020202020204" pitchFamily="34" charset="0"/>
-            </a:endParaRPr>
           </a:p>
           <a:p>
             <a:pPr marL="285750" lvl="1" indent="-285750" defTabSz="672130">
@@ -25468,25 +25539,8 @@
                 <a:latin typeface="Arial" panose="020B0604020202020204" pitchFamily="34" charset="0"/>
                 <a:cs typeface="Arial" panose="020B0604020202020204" pitchFamily="34" charset="0"/>
               </a:rPr>
-              <a:t>Atualizar </a:t>
+              <a:t>Atualizar Figma</a:t>
             </a:r>
-            <a:r>
-              <a:rPr lang="pt-BR" sz="1400" b="1" dirty="0" err="1">
-                <a:solidFill>
-                  <a:schemeClr val="tx1"/>
-                </a:solidFill>
-                <a:latin typeface="Arial" panose="020B0604020202020204" pitchFamily="34" charset="0"/>
-                <a:cs typeface="Arial" panose="020B0604020202020204" pitchFamily="34" charset="0"/>
-              </a:rPr>
-              <a:t>Figma</a:t>
-            </a:r>
-            <a:endParaRPr lang="pt-BR" sz="1400" b="1" dirty="0">
-              <a:solidFill>
-                <a:schemeClr val="tx1"/>
-              </a:solidFill>
-              <a:latin typeface="Arial" panose="020B0604020202020204" pitchFamily="34" charset="0"/>
-              <a:cs typeface="Arial" panose="020B0604020202020204" pitchFamily="34" charset="0"/>
-            </a:endParaRPr>
           </a:p>
           <a:p>
             <a:pPr marL="285750" lvl="1" indent="-285750" defTabSz="672130">
@@ -25533,25 +25587,8 @@
                 <a:latin typeface="Arial" panose="020B0604020202020204" pitchFamily="34" charset="0"/>
                 <a:cs typeface="Arial" panose="020B0604020202020204" pitchFamily="34" charset="0"/>
               </a:rPr>
-              <a:t>White </a:t>
+              <a:t>White Paper</a:t>
             </a:r>
-            <a:r>
-              <a:rPr lang="pt-BR" sz="1400" b="1" dirty="0" err="1">
-                <a:solidFill>
-                  <a:schemeClr val="tx1"/>
-                </a:solidFill>
-                <a:latin typeface="Arial" panose="020B0604020202020204" pitchFamily="34" charset="0"/>
-                <a:cs typeface="Arial" panose="020B0604020202020204" pitchFamily="34" charset="0"/>
-              </a:rPr>
-              <a:t>Paper</a:t>
-            </a:r>
-            <a:endParaRPr lang="pt-BR" sz="1400" b="1" dirty="0">
-              <a:solidFill>
-                <a:schemeClr val="tx1"/>
-              </a:solidFill>
-              <a:latin typeface="Arial" panose="020B0604020202020204" pitchFamily="34" charset="0"/>
-              <a:cs typeface="Arial" panose="020B0604020202020204" pitchFamily="34" charset="0"/>
-            </a:endParaRPr>
           </a:p>
           <a:p>
             <a:pPr marL="0" lvl="1" defTabSz="672130"/>
@@ -25615,7 +25652,7 @@
           <a:lstStyle/>
           <a:p>
             <a:pPr algn="ctr"/>
-            <a:endParaRPr lang="pt-BR"/>
+            <a:endParaRPr lang="pt-BR" dirty="0"/>
           </a:p>
         </p:txBody>
       </p:sp>
@@ -25738,43 +25775,7 @@
                 </a:solidFill>
                 <a:latin typeface="Simplon BP Bold" pitchFamily="2" charset="0"/>
               </a:rPr>
-              <a:t>    </a:t>
-            </a:r>
-            <a:r>
-              <a:rPr lang="en-US" sz="1176" b="0" dirty="0" err="1">
-                <a:solidFill>
-                  <a:prstClr val="black"/>
-                </a:solidFill>
-                <a:latin typeface="Simplon BP Bold" pitchFamily="2" charset="0"/>
-              </a:rPr>
-              <a:t>Farol</a:t>
-            </a:r>
-            <a:r>
-              <a:rPr lang="en-US" sz="1176" b="0" dirty="0">
-                <a:solidFill>
-                  <a:prstClr val="black"/>
-                </a:solidFill>
-                <a:latin typeface="Simplon BP Bold" pitchFamily="2" charset="0"/>
-              </a:rPr>
-              <a:t> do </a:t>
-            </a:r>
-            <a:r>
-              <a:rPr lang="en-US" sz="1176" b="0" dirty="0" err="1">
-                <a:solidFill>
-                  <a:prstClr val="black"/>
-                </a:solidFill>
-                <a:latin typeface="Simplon BP Bold" pitchFamily="2" charset="0"/>
-              </a:rPr>
-              <a:t>Projeto</a:t>
-            </a:r>
-            <a:r>
-              <a:rPr lang="en-US" sz="1176" b="0" dirty="0">
-                <a:solidFill>
-                  <a:prstClr val="black"/>
-                </a:solidFill>
-                <a:latin typeface="Simplon BP Bold" pitchFamily="2" charset="0"/>
-              </a:rPr>
-              <a:t>   </a:t>
+              <a:t>    Farol do Projeto   </a:t>
             </a:r>
           </a:p>
         </p:txBody>
@@ -26040,6 +26041,1785 @@
 </p:sld>
 </file>
 
+<file path=ppt/slides/slide11.xml><?xml version="1.0" encoding="utf-8"?>
+<p:sld xmlns:a="http://schemas.openxmlformats.org/drawingml/2006/main" xmlns:r="http://schemas.openxmlformats.org/officeDocument/2006/relationships" xmlns:p="http://schemas.openxmlformats.org/presentationml/2006/main">
+  <p:cSld>
+    <p:spTree>
+      <p:nvGrpSpPr>
+        <p:cNvPr id="1" name=""/>
+        <p:cNvGrpSpPr/>
+        <p:nvPr/>
+      </p:nvGrpSpPr>
+      <p:grpSpPr>
+        <a:xfrm>
+          <a:off x="0" y="0"/>
+          <a:ext cx="0" cy="0"/>
+          <a:chOff x="0" y="0"/>
+          <a:chExt cx="0" cy="0"/>
+        </a:xfrm>
+      </p:grpSpPr>
+      <p:sp>
+        <p:nvSpPr>
+          <p:cNvPr id="43" name="Rectangle 42"/>
+          <p:cNvSpPr/>
+          <p:nvPr/>
+        </p:nvSpPr>
+        <p:spPr>
+          <a:xfrm>
+            <a:off x="7810905" y="1369526"/>
+            <a:ext cx="5351116" cy="2095826"/>
+          </a:xfrm>
+          <a:prstGeom prst="rect">
+            <a:avLst/>
+          </a:prstGeom>
+          <a:noFill/>
+          <a:ln w="12700">
+            <a:solidFill>
+              <a:schemeClr val="bg1">
+                <a:lumMod val="50000"/>
+              </a:schemeClr>
+            </a:solidFill>
+          </a:ln>
+        </p:spPr>
+        <p:style>
+          <a:lnRef idx="2">
+            <a:schemeClr val="accent4"/>
+          </a:lnRef>
+          <a:fillRef idx="1">
+            <a:schemeClr val="lt1"/>
+          </a:fillRef>
+          <a:effectRef idx="0">
+            <a:schemeClr val="accent4"/>
+          </a:effectRef>
+          <a:fontRef idx="minor">
+            <a:schemeClr val="dk1"/>
+          </a:fontRef>
+        </p:style>
+        <p:txBody>
+          <a:bodyPr tIns="105844" rtlCol="0" anchor="t"/>
+          <a:lstStyle/>
+          <a:p>
+            <a:pPr defTabSz="672130">
+              <a:spcAft>
+                <a:spcPts val="882"/>
+              </a:spcAft>
+            </a:pPr>
+            <a:endParaRPr lang="pt-BR" sz="1470" dirty="0">
+              <a:solidFill>
+                <a:schemeClr val="tx1"/>
+              </a:solidFill>
+              <a:latin typeface="Calibri" panose="020F0502020204030204" pitchFamily="34" charset="0"/>
+              <a:cs typeface="Simplon BP Regular"/>
+            </a:endParaRPr>
+          </a:p>
+        </p:txBody>
+      </p:sp>
+      <p:sp>
+        <p:nvSpPr>
+          <p:cNvPr id="3" name="Title 2"/>
+          <p:cNvSpPr>
+            <a:spLocks noGrp="1"/>
+          </p:cNvSpPr>
+          <p:nvPr>
+            <p:ph type="title"/>
+          </p:nvPr>
+        </p:nvSpPr>
+        <p:spPr>
+          <a:xfrm>
+            <a:off x="469692" y="182603"/>
+            <a:ext cx="12098020" cy="800352"/>
+          </a:xfrm>
+        </p:spPr>
+        <p:txBody>
+          <a:bodyPr vert="horz" wrap="square" lIns="105844" tIns="0" rIns="105844" bIns="0" numCol="1" anchor="t" anchorCtr="0" compatLnSpc="1">
+            <a:prstTxWarp prst="textNoShape">
+              <a:avLst/>
+            </a:prstTxWarp>
+            <a:noAutofit/>
+          </a:bodyPr>
+          <a:lstStyle/>
+          <a:p>
+            <a:pPr algn="l">
+              <a:spcAft>
+                <a:spcPts val="882"/>
+              </a:spcAft>
+            </a:pPr>
+            <a:r>
+              <a:rPr lang="en-US" sz="2646" dirty="0">
+                <a:solidFill>
+                  <a:prstClr val="black"/>
+                </a:solidFill>
+                <a:latin typeface="Simplon Oi Headline"/>
+                <a:cs typeface="Simplon Oi Headline"/>
+              </a:rPr>
+              <a:t>SEMANA 8 – 13/05/2021</a:t>
+            </a:r>
+          </a:p>
+        </p:txBody>
+      </p:sp>
+      <p:sp>
+        <p:nvSpPr>
+          <p:cNvPr id="78" name="TextBox 118"/>
+          <p:cNvSpPr txBox="1"/>
+          <p:nvPr/>
+        </p:nvSpPr>
+        <p:spPr>
+          <a:xfrm>
+            <a:off x="11822773" y="576471"/>
+            <a:ext cx="899678" cy="179824"/>
+          </a:xfrm>
+          <a:prstGeom prst="rect">
+            <a:avLst/>
+          </a:prstGeom>
+          <a:noFill/>
+          <a:ln w="12700">
+            <a:noFill/>
+          </a:ln>
+        </p:spPr>
+        <p:style>
+          <a:lnRef idx="2">
+            <a:schemeClr val="accent4"/>
+          </a:lnRef>
+          <a:fillRef idx="1">
+            <a:schemeClr val="lt1"/>
+          </a:fillRef>
+          <a:effectRef idx="0">
+            <a:schemeClr val="accent4"/>
+          </a:effectRef>
+          <a:fontRef idx="minor">
+            <a:schemeClr val="dk1"/>
+          </a:fontRef>
+        </p:style>
+        <p:txBody>
+          <a:bodyPr wrap="none" lIns="52922" tIns="52922" rIns="52922" bIns="0" rtlCol="0" anchor="b"/>
+          <a:lstStyle>
+            <a:defPPr>
+              <a:defRPr lang="en-US"/>
+            </a:defPPr>
+            <a:lvl1pPr algn="ctr">
+              <a:defRPr sz="1000" b="1">
+                <a:latin typeface="Simplon BP Regular"/>
+                <a:cs typeface="Simplon BP Regular"/>
+              </a:defRPr>
+            </a:lvl1pPr>
+            <a:lvl2pPr>
+              <a:defRPr>
+                <a:solidFill>
+                  <a:schemeClr val="dk1"/>
+                </a:solidFill>
+              </a:defRPr>
+            </a:lvl2pPr>
+            <a:lvl3pPr>
+              <a:defRPr>
+                <a:solidFill>
+                  <a:schemeClr val="dk1"/>
+                </a:solidFill>
+              </a:defRPr>
+            </a:lvl3pPr>
+            <a:lvl4pPr>
+              <a:defRPr>
+                <a:solidFill>
+                  <a:schemeClr val="dk1"/>
+                </a:solidFill>
+              </a:defRPr>
+            </a:lvl4pPr>
+            <a:lvl5pPr>
+              <a:defRPr>
+                <a:solidFill>
+                  <a:schemeClr val="dk1"/>
+                </a:solidFill>
+              </a:defRPr>
+            </a:lvl5pPr>
+            <a:lvl6pPr>
+              <a:defRPr>
+                <a:solidFill>
+                  <a:schemeClr val="dk1"/>
+                </a:solidFill>
+              </a:defRPr>
+            </a:lvl6pPr>
+            <a:lvl7pPr>
+              <a:defRPr>
+                <a:solidFill>
+                  <a:schemeClr val="dk1"/>
+                </a:solidFill>
+              </a:defRPr>
+            </a:lvl7pPr>
+            <a:lvl8pPr>
+              <a:defRPr>
+                <a:solidFill>
+                  <a:schemeClr val="dk1"/>
+                </a:solidFill>
+              </a:defRPr>
+            </a:lvl8pPr>
+            <a:lvl9pPr>
+              <a:defRPr>
+                <a:solidFill>
+                  <a:schemeClr val="dk1"/>
+                </a:solidFill>
+              </a:defRPr>
+            </a:lvl9pPr>
+          </a:lstStyle>
+          <a:p>
+            <a:pPr defTabSz="672130"/>
+            <a:r>
+              <a:rPr lang="pt-BR" sz="1176" b="0" dirty="0">
+                <a:solidFill>
+                  <a:prstClr val="black"/>
+                </a:solidFill>
+                <a:latin typeface="Simplon BP Bold" pitchFamily="2" charset="0"/>
+              </a:rPr>
+              <a:t>Negócios</a:t>
+            </a:r>
+          </a:p>
+        </p:txBody>
+      </p:sp>
+      <p:sp>
+        <p:nvSpPr>
+          <p:cNvPr id="80" name="TextBox 123"/>
+          <p:cNvSpPr txBox="1"/>
+          <p:nvPr/>
+        </p:nvSpPr>
+        <p:spPr>
+          <a:xfrm>
+            <a:off x="10902774" y="589543"/>
+            <a:ext cx="899678" cy="179824"/>
+          </a:xfrm>
+          <a:prstGeom prst="rect">
+            <a:avLst/>
+          </a:prstGeom>
+          <a:noFill/>
+          <a:ln w="12700">
+            <a:noFill/>
+          </a:ln>
+        </p:spPr>
+        <p:style>
+          <a:lnRef idx="2">
+            <a:schemeClr val="accent4"/>
+          </a:lnRef>
+          <a:fillRef idx="1">
+            <a:schemeClr val="lt1"/>
+          </a:fillRef>
+          <a:effectRef idx="0">
+            <a:schemeClr val="accent4"/>
+          </a:effectRef>
+          <a:fontRef idx="minor">
+            <a:schemeClr val="dk1"/>
+          </a:fontRef>
+        </p:style>
+        <p:txBody>
+          <a:bodyPr wrap="none" lIns="52922" tIns="52922" rIns="52922" bIns="0" rtlCol="0" anchor="b"/>
+          <a:lstStyle>
+            <a:defPPr>
+              <a:defRPr lang="en-US"/>
+            </a:defPPr>
+            <a:lvl1pPr algn="ctr">
+              <a:defRPr sz="1000" b="1">
+                <a:latin typeface="Simplon BP Regular"/>
+                <a:cs typeface="Simplon BP Regular"/>
+              </a:defRPr>
+            </a:lvl1pPr>
+            <a:lvl2pPr>
+              <a:defRPr>
+                <a:solidFill>
+                  <a:schemeClr val="dk1"/>
+                </a:solidFill>
+              </a:defRPr>
+            </a:lvl2pPr>
+            <a:lvl3pPr>
+              <a:defRPr>
+                <a:solidFill>
+                  <a:schemeClr val="dk1"/>
+                </a:solidFill>
+              </a:defRPr>
+            </a:lvl3pPr>
+            <a:lvl4pPr>
+              <a:defRPr>
+                <a:solidFill>
+                  <a:schemeClr val="dk1"/>
+                </a:solidFill>
+              </a:defRPr>
+            </a:lvl4pPr>
+            <a:lvl5pPr>
+              <a:defRPr>
+                <a:solidFill>
+                  <a:schemeClr val="dk1"/>
+                </a:solidFill>
+              </a:defRPr>
+            </a:lvl5pPr>
+            <a:lvl6pPr>
+              <a:defRPr>
+                <a:solidFill>
+                  <a:schemeClr val="dk1"/>
+                </a:solidFill>
+              </a:defRPr>
+            </a:lvl6pPr>
+            <a:lvl7pPr>
+              <a:defRPr>
+                <a:solidFill>
+                  <a:schemeClr val="dk1"/>
+                </a:solidFill>
+              </a:defRPr>
+            </a:lvl7pPr>
+            <a:lvl8pPr>
+              <a:defRPr>
+                <a:solidFill>
+                  <a:schemeClr val="dk1"/>
+                </a:solidFill>
+              </a:defRPr>
+            </a:lvl8pPr>
+            <a:lvl9pPr>
+              <a:defRPr>
+                <a:solidFill>
+                  <a:schemeClr val="dk1"/>
+                </a:solidFill>
+              </a:defRPr>
+            </a:lvl9pPr>
+          </a:lstStyle>
+          <a:p>
+            <a:pPr defTabSz="672130"/>
+            <a:r>
+              <a:rPr lang="pt-BR" sz="1176" b="0" dirty="0">
+                <a:solidFill>
+                  <a:prstClr val="black"/>
+                </a:solidFill>
+                <a:latin typeface="Simplon BP Bold" pitchFamily="2" charset="0"/>
+              </a:rPr>
+              <a:t>Plataforma</a:t>
+            </a:r>
+          </a:p>
+        </p:txBody>
+      </p:sp>
+      <p:sp>
+        <p:nvSpPr>
+          <p:cNvPr id="82" name="TextBox 128"/>
+          <p:cNvSpPr txBox="1"/>
+          <p:nvPr/>
+        </p:nvSpPr>
+        <p:spPr>
+          <a:xfrm>
+            <a:off x="9844897" y="576471"/>
+            <a:ext cx="899678" cy="179824"/>
+          </a:xfrm>
+          <a:prstGeom prst="rect">
+            <a:avLst/>
+          </a:prstGeom>
+          <a:noFill/>
+          <a:ln w="12700">
+            <a:noFill/>
+          </a:ln>
+        </p:spPr>
+        <p:style>
+          <a:lnRef idx="2">
+            <a:schemeClr val="accent4"/>
+          </a:lnRef>
+          <a:fillRef idx="1">
+            <a:schemeClr val="lt1"/>
+          </a:fillRef>
+          <a:effectRef idx="0">
+            <a:schemeClr val="accent4"/>
+          </a:effectRef>
+          <a:fontRef idx="minor">
+            <a:schemeClr val="dk1"/>
+          </a:fontRef>
+        </p:style>
+        <p:txBody>
+          <a:bodyPr wrap="none" lIns="52922" tIns="52922" rIns="52922" bIns="0" rtlCol="0" anchor="b"/>
+          <a:lstStyle>
+            <a:defPPr>
+              <a:defRPr lang="en-US"/>
+            </a:defPPr>
+            <a:lvl1pPr algn="ctr">
+              <a:defRPr sz="1000" b="1">
+                <a:latin typeface="Simplon BP Regular"/>
+                <a:cs typeface="Simplon BP Regular"/>
+              </a:defRPr>
+            </a:lvl1pPr>
+            <a:lvl2pPr>
+              <a:defRPr>
+                <a:solidFill>
+                  <a:schemeClr val="dk1"/>
+                </a:solidFill>
+              </a:defRPr>
+            </a:lvl2pPr>
+            <a:lvl3pPr>
+              <a:defRPr>
+                <a:solidFill>
+                  <a:schemeClr val="dk1"/>
+                </a:solidFill>
+              </a:defRPr>
+            </a:lvl3pPr>
+            <a:lvl4pPr>
+              <a:defRPr>
+                <a:solidFill>
+                  <a:schemeClr val="dk1"/>
+                </a:solidFill>
+              </a:defRPr>
+            </a:lvl4pPr>
+            <a:lvl5pPr>
+              <a:defRPr>
+                <a:solidFill>
+                  <a:schemeClr val="dk1"/>
+                </a:solidFill>
+              </a:defRPr>
+            </a:lvl5pPr>
+            <a:lvl6pPr>
+              <a:defRPr>
+                <a:solidFill>
+                  <a:schemeClr val="dk1"/>
+                </a:solidFill>
+              </a:defRPr>
+            </a:lvl6pPr>
+            <a:lvl7pPr>
+              <a:defRPr>
+                <a:solidFill>
+                  <a:schemeClr val="dk1"/>
+                </a:solidFill>
+              </a:defRPr>
+            </a:lvl7pPr>
+            <a:lvl8pPr>
+              <a:defRPr>
+                <a:solidFill>
+                  <a:schemeClr val="dk1"/>
+                </a:solidFill>
+              </a:defRPr>
+            </a:lvl8pPr>
+            <a:lvl9pPr>
+              <a:defRPr>
+                <a:solidFill>
+                  <a:schemeClr val="dk1"/>
+                </a:solidFill>
+              </a:defRPr>
+            </a:lvl9pPr>
+          </a:lstStyle>
+          <a:p>
+            <a:pPr defTabSz="672130"/>
+            <a:r>
+              <a:rPr lang="pt-BR" sz="1176" b="0" dirty="0">
+                <a:solidFill>
+                  <a:prstClr val="black"/>
+                </a:solidFill>
+                <a:latin typeface="Simplon BP Bold" pitchFamily="2" charset="0"/>
+              </a:rPr>
+              <a:t>Back</a:t>
+            </a:r>
+          </a:p>
+        </p:txBody>
+      </p:sp>
+      <p:sp>
+        <p:nvSpPr>
+          <p:cNvPr id="84" name="TextBox 133"/>
+          <p:cNvSpPr txBox="1"/>
+          <p:nvPr/>
+        </p:nvSpPr>
+        <p:spPr>
+          <a:xfrm>
+            <a:off x="8934246" y="576471"/>
+            <a:ext cx="899678" cy="179824"/>
+          </a:xfrm>
+          <a:prstGeom prst="rect">
+            <a:avLst/>
+          </a:prstGeom>
+          <a:noFill/>
+          <a:ln w="12700">
+            <a:noFill/>
+          </a:ln>
+        </p:spPr>
+        <p:style>
+          <a:lnRef idx="2">
+            <a:schemeClr val="accent4"/>
+          </a:lnRef>
+          <a:fillRef idx="1">
+            <a:schemeClr val="lt1"/>
+          </a:fillRef>
+          <a:effectRef idx="0">
+            <a:schemeClr val="accent4"/>
+          </a:effectRef>
+          <a:fontRef idx="minor">
+            <a:schemeClr val="dk1"/>
+          </a:fontRef>
+        </p:style>
+        <p:txBody>
+          <a:bodyPr wrap="none" lIns="52922" tIns="52922" rIns="52922" bIns="0" rtlCol="0" anchor="b"/>
+          <a:lstStyle>
+            <a:defPPr>
+              <a:defRPr lang="en-US"/>
+            </a:defPPr>
+            <a:lvl1pPr algn="ctr">
+              <a:defRPr sz="1000" b="1">
+                <a:latin typeface="Simplon BP Regular"/>
+                <a:cs typeface="Simplon BP Regular"/>
+              </a:defRPr>
+            </a:lvl1pPr>
+            <a:lvl2pPr>
+              <a:defRPr>
+                <a:solidFill>
+                  <a:schemeClr val="dk1"/>
+                </a:solidFill>
+              </a:defRPr>
+            </a:lvl2pPr>
+            <a:lvl3pPr>
+              <a:defRPr>
+                <a:solidFill>
+                  <a:schemeClr val="dk1"/>
+                </a:solidFill>
+              </a:defRPr>
+            </a:lvl3pPr>
+            <a:lvl4pPr>
+              <a:defRPr>
+                <a:solidFill>
+                  <a:schemeClr val="dk1"/>
+                </a:solidFill>
+              </a:defRPr>
+            </a:lvl4pPr>
+            <a:lvl5pPr>
+              <a:defRPr>
+                <a:solidFill>
+                  <a:schemeClr val="dk1"/>
+                </a:solidFill>
+              </a:defRPr>
+            </a:lvl5pPr>
+            <a:lvl6pPr>
+              <a:defRPr>
+                <a:solidFill>
+                  <a:schemeClr val="dk1"/>
+                </a:solidFill>
+              </a:defRPr>
+            </a:lvl6pPr>
+            <a:lvl7pPr>
+              <a:defRPr>
+                <a:solidFill>
+                  <a:schemeClr val="dk1"/>
+                </a:solidFill>
+              </a:defRPr>
+            </a:lvl7pPr>
+            <a:lvl8pPr>
+              <a:defRPr>
+                <a:solidFill>
+                  <a:schemeClr val="dk1"/>
+                </a:solidFill>
+              </a:defRPr>
+            </a:lvl8pPr>
+            <a:lvl9pPr>
+              <a:defRPr>
+                <a:solidFill>
+                  <a:schemeClr val="dk1"/>
+                </a:solidFill>
+              </a:defRPr>
+            </a:lvl9pPr>
+          </a:lstStyle>
+          <a:p>
+            <a:pPr defTabSz="672130"/>
+            <a:r>
+              <a:rPr lang="pt-BR" sz="1176" b="0" dirty="0">
+                <a:solidFill>
+                  <a:prstClr val="black"/>
+                </a:solidFill>
+                <a:latin typeface="Simplon BP Bold" pitchFamily="2" charset="0"/>
+              </a:rPr>
+              <a:t>Front</a:t>
+            </a:r>
+          </a:p>
+        </p:txBody>
+      </p:sp>
+      <p:sp>
+        <p:nvSpPr>
+          <p:cNvPr id="88" name="Oval 134"/>
+          <p:cNvSpPr>
+            <a:spLocks noChangeAspect="1"/>
+          </p:cNvSpPr>
+          <p:nvPr/>
+        </p:nvSpPr>
+        <p:spPr>
+          <a:xfrm>
+            <a:off x="8470074" y="341965"/>
+            <a:ext cx="211404" cy="211689"/>
+          </a:xfrm>
+          <a:prstGeom prst="ellipse">
+            <a:avLst/>
+          </a:prstGeom>
+          <a:solidFill>
+            <a:srgbClr val="1BCF13"/>
+          </a:solidFill>
+          <a:ln w="12700">
+            <a:solidFill>
+              <a:schemeClr val="accent3"/>
+            </a:solidFill>
+          </a:ln>
+        </p:spPr>
+        <p:style>
+          <a:lnRef idx="2">
+            <a:schemeClr val="accent1">
+              <a:shade val="50000"/>
+            </a:schemeClr>
+          </a:lnRef>
+          <a:fillRef idx="1">
+            <a:schemeClr val="accent1"/>
+          </a:fillRef>
+          <a:effectRef idx="0">
+            <a:schemeClr val="accent1"/>
+          </a:effectRef>
+          <a:fontRef idx="minor">
+            <a:schemeClr val="lt1"/>
+          </a:fontRef>
+        </p:style>
+        <p:txBody>
+          <a:bodyPr wrap="none" lIns="52922" tIns="52922" rIns="52922" rtlCol="0" anchor="ctr"/>
+          <a:lstStyle/>
+          <a:p>
+            <a:pPr algn="ctr" defTabSz="672130"/>
+            <a:endParaRPr lang="en-US" sz="1176" dirty="0">
+              <a:solidFill>
+                <a:prstClr val="black"/>
+              </a:solidFill>
+              <a:latin typeface="Simplon BP Regular"/>
+              <a:cs typeface="Simplon BP Regular"/>
+            </a:endParaRPr>
+          </a:p>
+        </p:txBody>
+      </p:sp>
+      <p:sp>
+        <p:nvSpPr>
+          <p:cNvPr id="86" name="TextBox 138"/>
+          <p:cNvSpPr txBox="1"/>
+          <p:nvPr/>
+        </p:nvSpPr>
+        <p:spPr>
+          <a:xfrm>
+            <a:off x="8126053" y="576471"/>
+            <a:ext cx="899678" cy="179824"/>
+          </a:xfrm>
+          <a:prstGeom prst="rect">
+            <a:avLst/>
+          </a:prstGeom>
+          <a:noFill/>
+          <a:ln w="12700">
+            <a:noFill/>
+          </a:ln>
+        </p:spPr>
+        <p:style>
+          <a:lnRef idx="2">
+            <a:schemeClr val="accent4"/>
+          </a:lnRef>
+          <a:fillRef idx="1">
+            <a:schemeClr val="lt1"/>
+          </a:fillRef>
+          <a:effectRef idx="0">
+            <a:schemeClr val="accent4"/>
+          </a:effectRef>
+          <a:fontRef idx="minor">
+            <a:schemeClr val="dk1"/>
+          </a:fontRef>
+        </p:style>
+        <p:txBody>
+          <a:bodyPr wrap="none" lIns="52922" tIns="52922" rIns="52922" bIns="0" rtlCol="0" anchor="b"/>
+          <a:lstStyle>
+            <a:defPPr>
+              <a:defRPr lang="en-US"/>
+            </a:defPPr>
+            <a:lvl1pPr algn="ctr">
+              <a:defRPr sz="1000" b="1">
+                <a:latin typeface="Simplon BP Regular"/>
+                <a:cs typeface="Simplon BP Regular"/>
+              </a:defRPr>
+            </a:lvl1pPr>
+            <a:lvl2pPr>
+              <a:defRPr>
+                <a:solidFill>
+                  <a:schemeClr val="dk1"/>
+                </a:solidFill>
+              </a:defRPr>
+            </a:lvl2pPr>
+            <a:lvl3pPr>
+              <a:defRPr>
+                <a:solidFill>
+                  <a:schemeClr val="dk1"/>
+                </a:solidFill>
+              </a:defRPr>
+            </a:lvl3pPr>
+            <a:lvl4pPr>
+              <a:defRPr>
+                <a:solidFill>
+                  <a:schemeClr val="dk1"/>
+                </a:solidFill>
+              </a:defRPr>
+            </a:lvl4pPr>
+            <a:lvl5pPr>
+              <a:defRPr>
+                <a:solidFill>
+                  <a:schemeClr val="dk1"/>
+                </a:solidFill>
+              </a:defRPr>
+            </a:lvl5pPr>
+            <a:lvl6pPr>
+              <a:defRPr>
+                <a:solidFill>
+                  <a:schemeClr val="dk1"/>
+                </a:solidFill>
+              </a:defRPr>
+            </a:lvl6pPr>
+            <a:lvl7pPr>
+              <a:defRPr>
+                <a:solidFill>
+                  <a:schemeClr val="dk1"/>
+                </a:solidFill>
+              </a:defRPr>
+            </a:lvl7pPr>
+            <a:lvl8pPr>
+              <a:defRPr>
+                <a:solidFill>
+                  <a:schemeClr val="dk1"/>
+                </a:solidFill>
+              </a:defRPr>
+            </a:lvl8pPr>
+            <a:lvl9pPr>
+              <a:defRPr>
+                <a:solidFill>
+                  <a:schemeClr val="dk1"/>
+                </a:solidFill>
+              </a:defRPr>
+            </a:lvl9pPr>
+          </a:lstStyle>
+          <a:p>
+            <a:pPr defTabSz="672130"/>
+            <a:r>
+              <a:rPr lang="en-US" sz="1176" b="0" dirty="0">
+                <a:solidFill>
+                  <a:prstClr val="black"/>
+                </a:solidFill>
+                <a:latin typeface="Simplon BP Bold" pitchFamily="2" charset="0"/>
+              </a:rPr>
+              <a:t>Equipe</a:t>
+            </a:r>
+          </a:p>
+        </p:txBody>
+      </p:sp>
+      <p:sp>
+        <p:nvSpPr>
+          <p:cNvPr id="64" name="Retângulo 63"/>
+          <p:cNvSpPr/>
+          <p:nvPr/>
+        </p:nvSpPr>
+        <p:spPr>
+          <a:xfrm>
+            <a:off x="469692" y="559912"/>
+            <a:ext cx="7186474" cy="239087"/>
+          </a:xfrm>
+          <a:prstGeom prst="rect">
+            <a:avLst/>
+          </a:prstGeom>
+          <a:solidFill>
+            <a:schemeClr val="bg1">
+              <a:lumMod val="85000"/>
+            </a:schemeClr>
+          </a:solidFill>
+        </p:spPr>
+        <p:txBody>
+          <a:bodyPr vert="horz" lIns="134422" tIns="67211" rIns="134422" bIns="67211" rtlCol="0" anchor="ctr"/>
+          <a:lstStyle/>
+          <a:p>
+            <a:pPr defTabSz="672130"/>
+            <a:r>
+              <a:rPr lang="en-US" sz="1544" dirty="0">
+                <a:latin typeface="Simplon Oi Headline" charset="0"/>
+                <a:ea typeface="Simplon Oi Headline" charset="0"/>
+                <a:cs typeface="Simplon Oi Headline" charset="0"/>
+              </a:rPr>
+              <a:t>PROGRESSOS</a:t>
+            </a:r>
+            <a:endParaRPr lang="pt-BR" sz="1544" dirty="0">
+              <a:latin typeface="Simplon Oi Headline" charset="0"/>
+              <a:ea typeface="Simplon Oi Headline" charset="0"/>
+              <a:cs typeface="Simplon Oi Headline" charset="0"/>
+            </a:endParaRPr>
+          </a:p>
+        </p:txBody>
+      </p:sp>
+      <p:sp>
+        <p:nvSpPr>
+          <p:cNvPr id="65" name="Retângulo 64"/>
+          <p:cNvSpPr/>
+          <p:nvPr/>
+        </p:nvSpPr>
+        <p:spPr>
+          <a:xfrm>
+            <a:off x="7810906" y="927661"/>
+            <a:ext cx="5351116" cy="449162"/>
+          </a:xfrm>
+          <a:prstGeom prst="rect">
+            <a:avLst/>
+          </a:prstGeom>
+          <a:solidFill>
+            <a:schemeClr val="bg1">
+              <a:lumMod val="85000"/>
+            </a:schemeClr>
+          </a:solidFill>
+        </p:spPr>
+        <p:txBody>
+          <a:bodyPr vert="horz" lIns="134422" tIns="67211" rIns="134422" bIns="67211" rtlCol="0" anchor="ctr"/>
+          <a:lstStyle/>
+          <a:p>
+            <a:pPr defTabSz="672130"/>
+            <a:r>
+              <a:rPr lang="pt-BR" sz="1544" dirty="0">
+                <a:latin typeface="Simplon Oi Headline" charset="0"/>
+                <a:ea typeface="Simplon Oi Headline" charset="0"/>
+                <a:cs typeface="Simplon Oi Headline" charset="0"/>
+              </a:rPr>
+              <a:t>Pontos atenção/ Principais Riscos</a:t>
+            </a:r>
+          </a:p>
+        </p:txBody>
+      </p:sp>
+      <p:sp>
+        <p:nvSpPr>
+          <p:cNvPr id="66" name="Retângulo 65"/>
+          <p:cNvSpPr/>
+          <p:nvPr/>
+        </p:nvSpPr>
+        <p:spPr>
+          <a:xfrm>
+            <a:off x="469691" y="4982921"/>
+            <a:ext cx="12973257" cy="233106"/>
+          </a:xfrm>
+          <a:prstGeom prst="rect">
+            <a:avLst/>
+          </a:prstGeom>
+          <a:solidFill>
+            <a:schemeClr val="bg1">
+              <a:lumMod val="85000"/>
+            </a:schemeClr>
+          </a:solidFill>
+        </p:spPr>
+        <p:txBody>
+          <a:bodyPr vert="horz" lIns="134422" tIns="67211" rIns="134422" bIns="67211" rtlCol="0" anchor="ctr"/>
+          <a:lstStyle/>
+          <a:p>
+            <a:pPr defTabSz="672130"/>
+            <a:r>
+              <a:rPr lang="pt-BR" sz="1544" dirty="0">
+                <a:latin typeface="Simplon Oi Headline" charset="0"/>
+                <a:ea typeface="Simplon Oi Headline" charset="0"/>
+                <a:cs typeface="Simplon Oi Headline" charset="0"/>
+              </a:rPr>
+              <a:t>Próximos Passos/ Decisões a tomar</a:t>
+            </a:r>
+          </a:p>
+        </p:txBody>
+      </p:sp>
+      <p:sp>
+        <p:nvSpPr>
+          <p:cNvPr id="63" name="Rectangle 37"/>
+          <p:cNvSpPr/>
+          <p:nvPr/>
+        </p:nvSpPr>
+        <p:spPr>
+          <a:xfrm>
+            <a:off x="469132" y="818463"/>
+            <a:ext cx="7186474" cy="4078796"/>
+          </a:xfrm>
+          <a:prstGeom prst="rect">
+            <a:avLst/>
+          </a:prstGeom>
+          <a:noFill/>
+          <a:ln w="12700">
+            <a:solidFill>
+              <a:schemeClr val="bg1">
+                <a:lumMod val="50000"/>
+              </a:schemeClr>
+            </a:solidFill>
+          </a:ln>
+        </p:spPr>
+        <p:style>
+          <a:lnRef idx="2">
+            <a:schemeClr val="accent4"/>
+          </a:lnRef>
+          <a:fillRef idx="1">
+            <a:schemeClr val="lt1"/>
+          </a:fillRef>
+          <a:effectRef idx="0">
+            <a:schemeClr val="accent4"/>
+          </a:effectRef>
+          <a:fontRef idx="minor">
+            <a:schemeClr val="dk1"/>
+          </a:fontRef>
+        </p:style>
+        <p:txBody>
+          <a:bodyPr tIns="105844" rtlCol="0" anchor="t"/>
+          <a:lstStyle/>
+          <a:p>
+            <a:pPr marL="252049" indent="-252049" fontAlgn="base">
+              <a:spcBef>
+                <a:spcPct val="0"/>
+              </a:spcBef>
+              <a:buFont typeface="Wingdings" panose="05000000000000000000" pitchFamily="2" charset="2"/>
+              <a:buChar char="ü"/>
+              <a:defRPr/>
+            </a:pPr>
+            <a:r>
+              <a:rPr lang="pt-BR" sz="1600" b="1" dirty="0">
+                <a:solidFill>
+                  <a:schemeClr val="tx1"/>
+                </a:solidFill>
+                <a:latin typeface="Arial" panose="020B0604020202020204" pitchFamily="34" charset="0"/>
+                <a:cs typeface="Arial" panose="020B0604020202020204" pitchFamily="34" charset="0"/>
+              </a:rPr>
+              <a:t>Realizamos a atualização no prototipo do figma </a:t>
+            </a:r>
+          </a:p>
+          <a:p>
+            <a:pPr marL="252049" indent="-252049" fontAlgn="base">
+              <a:spcBef>
+                <a:spcPct val="0"/>
+              </a:spcBef>
+              <a:buFont typeface="Wingdings" panose="05000000000000000000" pitchFamily="2" charset="2"/>
+              <a:buChar char="ü"/>
+              <a:defRPr/>
+            </a:pPr>
+            <a:r>
+              <a:rPr lang="pt-BR" sz="1600" b="1" dirty="0">
+                <a:solidFill>
+                  <a:schemeClr val="tx1"/>
+                </a:solidFill>
+                <a:latin typeface="Arial" panose="020B0604020202020204" pitchFamily="34" charset="0"/>
+                <a:cs typeface="Arial" panose="020B0604020202020204" pitchFamily="34" charset="0"/>
+              </a:rPr>
+              <a:t>Realizamos as escritas da primeira versão do cenários de testes </a:t>
+            </a:r>
+          </a:p>
+          <a:p>
+            <a:pPr marL="252049" indent="-252049" fontAlgn="base">
+              <a:spcBef>
+                <a:spcPct val="0"/>
+              </a:spcBef>
+              <a:buFont typeface="Wingdings" panose="05000000000000000000" pitchFamily="2" charset="2"/>
+              <a:buChar char="ü"/>
+              <a:defRPr/>
+            </a:pPr>
+            <a:r>
+              <a:rPr lang="pt-BR" sz="1600" b="1" dirty="0">
+                <a:solidFill>
+                  <a:schemeClr val="tx1"/>
+                </a:solidFill>
+                <a:latin typeface="Arial" panose="020B0604020202020204" pitchFamily="34" charset="0"/>
+                <a:cs typeface="Arial" panose="020B0604020202020204" pitchFamily="34" charset="0"/>
+              </a:rPr>
+              <a:t>Finalizamos conta para gramas no backend</a:t>
+            </a:r>
+          </a:p>
+          <a:p>
+            <a:pPr marL="252049" indent="-252049" fontAlgn="base">
+              <a:spcBef>
+                <a:spcPct val="0"/>
+              </a:spcBef>
+              <a:buFont typeface="Wingdings" panose="05000000000000000000" pitchFamily="2" charset="2"/>
+              <a:buChar char="ü"/>
+              <a:defRPr/>
+            </a:pPr>
+            <a:r>
+              <a:rPr lang="pt-BR" sz="1600" b="1" dirty="0">
+                <a:solidFill>
+                  <a:schemeClr val="tx1"/>
+                </a:solidFill>
+                <a:latin typeface="Arial" panose="020B0604020202020204" pitchFamily="34" charset="0"/>
+                <a:cs typeface="Arial" panose="020B0604020202020204" pitchFamily="34" charset="0"/>
+              </a:rPr>
+              <a:t>Finalizamos a conversão  e soma de todos os elementos das refeições.</a:t>
+            </a:r>
+          </a:p>
+          <a:p>
+            <a:pPr marL="252049" indent="-252049" fontAlgn="base">
+              <a:spcBef>
+                <a:spcPct val="0"/>
+              </a:spcBef>
+              <a:buFont typeface="Wingdings" panose="05000000000000000000" pitchFamily="2" charset="2"/>
+              <a:buChar char="ü"/>
+              <a:defRPr/>
+            </a:pPr>
+            <a:r>
+              <a:rPr lang="pt-BR" sz="1600" b="1" dirty="0">
+                <a:solidFill>
+                  <a:schemeClr val="tx1"/>
+                </a:solidFill>
+                <a:latin typeface="Arial" panose="020B0604020202020204" pitchFamily="34" charset="0"/>
+                <a:cs typeface="Arial" panose="020B0604020202020204" pitchFamily="34" charset="0"/>
+              </a:rPr>
+              <a:t>Finalizamos as inserção do banco de dados</a:t>
+            </a:r>
+          </a:p>
+          <a:p>
+            <a:pPr marL="252049" indent="-252049" fontAlgn="base">
+              <a:spcBef>
+                <a:spcPct val="0"/>
+              </a:spcBef>
+              <a:buFont typeface="Wingdings" panose="05000000000000000000" pitchFamily="2" charset="2"/>
+              <a:buChar char="ü"/>
+              <a:defRPr/>
+            </a:pPr>
+            <a:endParaRPr lang="pt-BR" sz="1600" b="1" dirty="0">
+              <a:solidFill>
+                <a:schemeClr val="tx1"/>
+              </a:solidFill>
+              <a:latin typeface="Arial" panose="020B0604020202020204" pitchFamily="34" charset="0"/>
+              <a:cs typeface="Arial" panose="020B0604020202020204" pitchFamily="34" charset="0"/>
+            </a:endParaRPr>
+          </a:p>
+          <a:p>
+            <a:pPr fontAlgn="base">
+              <a:spcBef>
+                <a:spcPct val="0"/>
+              </a:spcBef>
+              <a:defRPr/>
+            </a:pPr>
+            <a:endParaRPr lang="pt-BR" sz="1600" b="1" dirty="0">
+              <a:solidFill>
+                <a:schemeClr val="tx1"/>
+              </a:solidFill>
+              <a:latin typeface="Arial" panose="020B0604020202020204" pitchFamily="34" charset="0"/>
+              <a:cs typeface="Arial" panose="020B0604020202020204" pitchFamily="34" charset="0"/>
+            </a:endParaRPr>
+          </a:p>
+          <a:p>
+            <a:pPr marL="252049" indent="-252049" fontAlgn="base">
+              <a:spcBef>
+                <a:spcPct val="0"/>
+              </a:spcBef>
+              <a:buFont typeface="Wingdings" panose="05000000000000000000" pitchFamily="2" charset="2"/>
+              <a:buChar char="ü"/>
+              <a:defRPr/>
+            </a:pPr>
+            <a:endParaRPr lang="pt-BR" sz="1600" b="1" dirty="0">
+              <a:solidFill>
+                <a:schemeClr val="tx1"/>
+              </a:solidFill>
+              <a:latin typeface="Arial" panose="020B0604020202020204" pitchFamily="34" charset="0"/>
+              <a:cs typeface="Arial" panose="020B0604020202020204" pitchFamily="34" charset="0"/>
+            </a:endParaRPr>
+          </a:p>
+          <a:p>
+            <a:pPr marL="252049" indent="-252049" fontAlgn="base">
+              <a:spcBef>
+                <a:spcPct val="0"/>
+              </a:spcBef>
+              <a:buFont typeface="Wingdings" panose="05000000000000000000" pitchFamily="2" charset="2"/>
+              <a:buChar char="ü"/>
+              <a:defRPr/>
+            </a:pPr>
+            <a:endParaRPr lang="pt-BR" sz="1600" b="1" dirty="0">
+              <a:solidFill>
+                <a:schemeClr val="tx1"/>
+              </a:solidFill>
+              <a:latin typeface="Arial" panose="020B0604020202020204" pitchFamily="34" charset="0"/>
+              <a:cs typeface="Arial" panose="020B0604020202020204" pitchFamily="34" charset="0"/>
+            </a:endParaRPr>
+          </a:p>
+          <a:p>
+            <a:pPr marL="0" lvl="1" defTabSz="672130"/>
+            <a:endParaRPr lang="pt-BR" sz="1800" b="1" dirty="0">
+              <a:solidFill>
+                <a:schemeClr val="tx1"/>
+              </a:solidFill>
+              <a:latin typeface="Calibri" panose="020F0502020204030204" pitchFamily="34" charset="0"/>
+              <a:cs typeface="Simplon BP Regular"/>
+            </a:endParaRPr>
+          </a:p>
+        </p:txBody>
+      </p:sp>
+      <p:sp>
+        <p:nvSpPr>
+          <p:cNvPr id="2" name="Rectangle 43">
+            <a:extLst>
+              <a:ext uri="{FF2B5EF4-FFF2-40B4-BE49-F238E27FC236}">
+                <a16:creationId xmlns:a16="http://schemas.microsoft.com/office/drawing/2014/main" id="{B15BA19F-C787-4E6A-ADAB-C0DFF09C66A8}"/>
+              </a:ext>
+            </a:extLst>
+          </p:cNvPr>
+          <p:cNvSpPr>
+            <a:spLocks/>
+          </p:cNvSpPr>
+          <p:nvPr/>
+        </p:nvSpPr>
+        <p:spPr>
+          <a:xfrm>
+            <a:off x="463324" y="5216027"/>
+            <a:ext cx="12979625" cy="2013206"/>
+          </a:xfrm>
+          <a:prstGeom prst="rect">
+            <a:avLst/>
+          </a:prstGeom>
+          <a:noFill/>
+          <a:ln w="12700">
+            <a:solidFill>
+              <a:schemeClr val="bg1">
+                <a:lumMod val="50000"/>
+              </a:schemeClr>
+            </a:solidFill>
+          </a:ln>
+        </p:spPr>
+        <p:style>
+          <a:lnRef idx="2">
+            <a:schemeClr val="accent4"/>
+          </a:lnRef>
+          <a:fillRef idx="1">
+            <a:schemeClr val="lt1"/>
+          </a:fillRef>
+          <a:effectRef idx="0">
+            <a:schemeClr val="accent4"/>
+          </a:effectRef>
+          <a:fontRef idx="minor">
+            <a:schemeClr val="dk1"/>
+          </a:fontRef>
+        </p:style>
+        <p:txBody>
+          <a:bodyPr wrap="square" tIns="105844" numCol="3" rtlCol="0" anchor="ctr"/>
+          <a:lstStyle/>
+          <a:p>
+            <a:pPr marL="0" lvl="1" defTabSz="672130"/>
+            <a:r>
+              <a:rPr lang="pt-BR" sz="1400" b="1" dirty="0">
+                <a:solidFill>
+                  <a:schemeClr val="tx1"/>
+                </a:solidFill>
+                <a:latin typeface="Arial" panose="020B0604020202020204" pitchFamily="34" charset="0"/>
+                <a:cs typeface="Arial" panose="020B0604020202020204" pitchFamily="34" charset="0"/>
+              </a:rPr>
+              <a:t>Frente Backend</a:t>
+            </a:r>
+          </a:p>
+          <a:p>
+            <a:pPr marL="285750" lvl="1" indent="-285750" defTabSz="672130">
+              <a:buFont typeface="Wingdings" panose="05000000000000000000" pitchFamily="2" charset="2"/>
+              <a:buChar char="§"/>
+            </a:pPr>
+            <a:r>
+              <a:rPr lang="pt-BR" sz="1400" b="1" dirty="0">
+                <a:solidFill>
+                  <a:schemeClr val="tx1"/>
+                </a:solidFill>
+                <a:latin typeface="Arial" panose="020B0604020202020204" pitchFamily="34" charset="0"/>
+                <a:cs typeface="Arial" panose="020B0604020202020204" pitchFamily="34" charset="0"/>
+              </a:rPr>
+              <a:t>Implementar pilha no BackEnd</a:t>
+            </a:r>
+          </a:p>
+          <a:p>
+            <a:pPr marL="285750" lvl="1" indent="-285750" defTabSz="672130">
+              <a:buFont typeface="Wingdings" panose="05000000000000000000" pitchFamily="2" charset="2"/>
+              <a:buChar char="§"/>
+            </a:pPr>
+            <a:r>
+              <a:rPr lang="pt-BR" sz="1400" b="1" dirty="0">
+                <a:solidFill>
+                  <a:schemeClr val="tx1"/>
+                </a:solidFill>
+                <a:latin typeface="Arial" panose="020B0604020202020204" pitchFamily="34" charset="0"/>
+                <a:cs typeface="Arial" panose="020B0604020202020204" pitchFamily="34" charset="0"/>
+              </a:rPr>
+              <a:t>Finalizar as rotas do Dashboard</a:t>
+            </a:r>
+          </a:p>
+          <a:p>
+            <a:pPr marL="0" lvl="1" defTabSz="672130"/>
+            <a:r>
+              <a:rPr lang="pt-BR" sz="1400" b="1" dirty="0">
+                <a:solidFill>
+                  <a:schemeClr val="tx1"/>
+                </a:solidFill>
+                <a:latin typeface="Arial" panose="020B0604020202020204" pitchFamily="34" charset="0"/>
+                <a:cs typeface="Arial" panose="020B0604020202020204" pitchFamily="34" charset="0"/>
+              </a:rPr>
+              <a:t>Frente Front-end</a:t>
+            </a:r>
+          </a:p>
+          <a:p>
+            <a:pPr marL="285750" lvl="1" indent="-285750" defTabSz="672130">
+              <a:buFont typeface="Wingdings" panose="05000000000000000000" pitchFamily="2" charset="2"/>
+              <a:buChar char="§"/>
+            </a:pPr>
+            <a:r>
+              <a:rPr lang="pt-BR" sz="1400" b="1" dirty="0">
+                <a:solidFill>
+                  <a:schemeClr val="tx1"/>
+                </a:solidFill>
+                <a:latin typeface="Arial" panose="020B0604020202020204" pitchFamily="34" charset="0"/>
+                <a:cs typeface="Arial" panose="020B0604020202020204" pitchFamily="34" charset="0"/>
+              </a:rPr>
+              <a:t>Finalizar os ajustes das telas do sistema</a:t>
+            </a:r>
+          </a:p>
+          <a:p>
+            <a:pPr marL="285750" lvl="1" indent="-285750" defTabSz="672130">
+              <a:buFont typeface="Wingdings" panose="05000000000000000000" pitchFamily="2" charset="2"/>
+              <a:buChar char="§"/>
+            </a:pPr>
+            <a:r>
+              <a:rPr lang="pt-BR" sz="1400" b="1" dirty="0">
+                <a:solidFill>
+                  <a:schemeClr val="tx1"/>
+                </a:solidFill>
+                <a:latin typeface="Arial" panose="020B0604020202020204" pitchFamily="34" charset="0"/>
+                <a:cs typeface="Arial" panose="020B0604020202020204" pitchFamily="34" charset="0"/>
+              </a:rPr>
+              <a:t>Finalizar a tela de lista de alimentos </a:t>
+            </a:r>
+          </a:p>
+          <a:p>
+            <a:pPr marL="285750" lvl="1" indent="-285750" defTabSz="672130">
+              <a:buFont typeface="Wingdings" panose="05000000000000000000" pitchFamily="2" charset="2"/>
+              <a:buChar char="§"/>
+            </a:pPr>
+            <a:r>
+              <a:rPr lang="pt-BR" sz="1400" dirty="0">
+                <a:solidFill>
+                  <a:schemeClr val="tx1"/>
+                </a:solidFill>
+                <a:latin typeface="Arial" panose="020B0604020202020204" pitchFamily="34" charset="0"/>
+                <a:cs typeface="Arial" panose="020B0604020202020204" pitchFamily="34" charset="0"/>
+              </a:rPr>
+              <a:t>Integrar cadastro e login</a:t>
+            </a:r>
+            <a:endParaRPr lang="pt-BR" sz="1400" dirty="0">
+              <a:solidFill>
+                <a:schemeClr val="tx1"/>
+              </a:solidFill>
+              <a:latin typeface="Calibri" panose="020F0502020204030204" pitchFamily="34" charset="0"/>
+              <a:cs typeface="Simplon BP Regular"/>
+            </a:endParaRPr>
+          </a:p>
+          <a:p>
+            <a:pPr marL="0" lvl="1" defTabSz="672130"/>
+            <a:r>
+              <a:rPr lang="pt-BR" sz="1400" b="1" dirty="0">
+                <a:solidFill>
+                  <a:schemeClr val="tx1"/>
+                </a:solidFill>
+                <a:latin typeface="Arial" panose="020B0604020202020204" pitchFamily="34" charset="0"/>
+                <a:cs typeface="Arial" panose="020B0604020202020204" pitchFamily="34" charset="0"/>
+              </a:rPr>
+              <a:t>Frente Negócios</a:t>
+            </a:r>
+          </a:p>
+          <a:p>
+            <a:pPr marL="285750" lvl="1" indent="-285750" defTabSz="672130">
+              <a:buFont typeface="Arial" panose="020B0604020202020204" pitchFamily="34" charset="0"/>
+              <a:buChar char="•"/>
+            </a:pPr>
+            <a:r>
+              <a:rPr lang="pt-BR" sz="1400" b="1" dirty="0">
+                <a:solidFill>
+                  <a:schemeClr val="tx1"/>
+                </a:solidFill>
+                <a:latin typeface="Arial" panose="020B0604020202020204" pitchFamily="34" charset="0"/>
+                <a:cs typeface="Arial" panose="020B0604020202020204" pitchFamily="34" charset="0"/>
+              </a:rPr>
+              <a:t>White paper</a:t>
+            </a:r>
+          </a:p>
+          <a:p>
+            <a:pPr marL="285750" lvl="1" indent="-285750" defTabSz="672130">
+              <a:buFont typeface="Arial" panose="020B0604020202020204" pitchFamily="34" charset="0"/>
+              <a:buChar char="•"/>
+            </a:pPr>
+            <a:r>
+              <a:rPr lang="pt-BR" sz="1400" b="1" dirty="0">
+                <a:solidFill>
+                  <a:schemeClr val="tx1"/>
+                </a:solidFill>
+                <a:latin typeface="Arial" panose="020B0604020202020204" pitchFamily="34" charset="0"/>
+                <a:cs typeface="Arial" panose="020B0604020202020204" pitchFamily="34" charset="0"/>
+              </a:rPr>
+              <a:t>Segunda versão cenários de testes </a:t>
+            </a:r>
+          </a:p>
+          <a:p>
+            <a:pPr marL="285750" lvl="1" indent="-285750" defTabSz="672130">
+              <a:buFont typeface="Arial" panose="020B0604020202020204" pitchFamily="34" charset="0"/>
+              <a:buChar char="•"/>
+            </a:pPr>
+            <a:endParaRPr lang="pt-BR" sz="1400" b="1" dirty="0">
+              <a:solidFill>
+                <a:schemeClr val="tx1"/>
+              </a:solidFill>
+              <a:latin typeface="Arial" panose="020B0604020202020204" pitchFamily="34" charset="0"/>
+              <a:cs typeface="Arial" panose="020B0604020202020204" pitchFamily="34" charset="0"/>
+            </a:endParaRPr>
+          </a:p>
+          <a:p>
+            <a:pPr marL="285750" lvl="1" indent="-285750" defTabSz="672130">
+              <a:buFont typeface="Arial" panose="020B0604020202020204" pitchFamily="34" charset="0"/>
+              <a:buChar char="•"/>
+            </a:pPr>
+            <a:endParaRPr lang="pt-BR" sz="1400" b="1" dirty="0">
+              <a:solidFill>
+                <a:schemeClr val="tx1"/>
+              </a:solidFill>
+              <a:latin typeface="Arial" panose="020B0604020202020204" pitchFamily="34" charset="0"/>
+              <a:cs typeface="Arial" panose="020B0604020202020204" pitchFamily="34" charset="0"/>
+            </a:endParaRPr>
+          </a:p>
+          <a:p>
+            <a:pPr marL="285750" lvl="1" indent="-285750" defTabSz="672130">
+              <a:buFont typeface="Wingdings" panose="05000000000000000000" pitchFamily="2" charset="2"/>
+              <a:buChar char="§"/>
+            </a:pPr>
+            <a:endParaRPr lang="pt-BR" sz="1400" b="1" dirty="0">
+              <a:solidFill>
+                <a:schemeClr val="tx1"/>
+              </a:solidFill>
+              <a:latin typeface="Arial" panose="020B0604020202020204" pitchFamily="34" charset="0"/>
+              <a:cs typeface="Arial" panose="020B0604020202020204" pitchFamily="34" charset="0"/>
+            </a:endParaRPr>
+          </a:p>
+          <a:p>
+            <a:pPr marL="0" lvl="1" defTabSz="672130"/>
+            <a:endParaRPr lang="pt-BR" sz="1400" b="1" dirty="0">
+              <a:solidFill>
+                <a:schemeClr val="tx1"/>
+              </a:solidFill>
+              <a:latin typeface="Arial" panose="020B0604020202020204" pitchFamily="34" charset="0"/>
+              <a:cs typeface="Arial" panose="020B0604020202020204" pitchFamily="34" charset="0"/>
+            </a:endParaRPr>
+          </a:p>
+        </p:txBody>
+      </p:sp>
+      <p:sp>
+        <p:nvSpPr>
+          <p:cNvPr id="5" name="Retângulo 4">
+            <a:extLst>
+              <a:ext uri="{FF2B5EF4-FFF2-40B4-BE49-F238E27FC236}">
+                <a16:creationId xmlns:a16="http://schemas.microsoft.com/office/drawing/2014/main" id="{A1C14918-6027-46B3-96BF-C5F7FDEC3276}"/>
+              </a:ext>
+            </a:extLst>
+          </p:cNvPr>
+          <p:cNvSpPr/>
+          <p:nvPr/>
+        </p:nvSpPr>
+        <p:spPr>
+          <a:xfrm>
+            <a:off x="8017619" y="180231"/>
+            <a:ext cx="4937689" cy="618769"/>
+          </a:xfrm>
+          <a:prstGeom prst="rect">
+            <a:avLst/>
+          </a:prstGeom>
+          <a:noFill/>
+          <a:ln w="6350">
+            <a:solidFill>
+              <a:schemeClr val="bg1">
+                <a:lumMod val="75000"/>
+              </a:schemeClr>
+            </a:solidFill>
+          </a:ln>
+        </p:spPr>
+        <p:style>
+          <a:lnRef idx="2">
+            <a:schemeClr val="accent1">
+              <a:shade val="50000"/>
+            </a:schemeClr>
+          </a:lnRef>
+          <a:fillRef idx="1">
+            <a:schemeClr val="accent1"/>
+          </a:fillRef>
+          <a:effectRef idx="0">
+            <a:schemeClr val="accent1"/>
+          </a:effectRef>
+          <a:fontRef idx="minor">
+            <a:schemeClr val="lt1"/>
+          </a:fontRef>
+        </p:style>
+        <p:txBody>
+          <a:bodyPr rtlCol="0" anchor="ctr"/>
+          <a:lstStyle/>
+          <a:p>
+            <a:pPr algn="ctr"/>
+            <a:endParaRPr lang="pt-BR" dirty="0"/>
+          </a:p>
+        </p:txBody>
+      </p:sp>
+      <p:sp>
+        <p:nvSpPr>
+          <p:cNvPr id="8" name="TextBox 138">
+            <a:extLst>
+              <a:ext uri="{FF2B5EF4-FFF2-40B4-BE49-F238E27FC236}">
+                <a16:creationId xmlns:a16="http://schemas.microsoft.com/office/drawing/2014/main" id="{5CE7D08C-795B-4BF1-97F6-F9773F4E9F4C}"/>
+              </a:ext>
+            </a:extLst>
+          </p:cNvPr>
+          <p:cNvSpPr txBox="1"/>
+          <p:nvPr/>
+        </p:nvSpPr>
+        <p:spPr>
+          <a:xfrm>
+            <a:off x="9715810" y="51570"/>
+            <a:ext cx="1478088" cy="211688"/>
+          </a:xfrm>
+          <a:prstGeom prst="rect">
+            <a:avLst/>
+          </a:prstGeom>
+          <a:solidFill>
+            <a:schemeClr val="bg1"/>
+          </a:solidFill>
+          <a:ln w="12700">
+            <a:noFill/>
+          </a:ln>
+        </p:spPr>
+        <p:style>
+          <a:lnRef idx="2">
+            <a:schemeClr val="accent4"/>
+          </a:lnRef>
+          <a:fillRef idx="1">
+            <a:schemeClr val="lt1"/>
+          </a:fillRef>
+          <a:effectRef idx="0">
+            <a:schemeClr val="accent4"/>
+          </a:effectRef>
+          <a:fontRef idx="minor">
+            <a:schemeClr val="dk1"/>
+          </a:fontRef>
+        </p:style>
+        <p:txBody>
+          <a:bodyPr wrap="none" lIns="52922" tIns="52922" rIns="52922" bIns="0" rtlCol="0" anchor="b"/>
+          <a:lstStyle>
+            <a:defPPr>
+              <a:defRPr lang="en-US"/>
+            </a:defPPr>
+            <a:lvl1pPr algn="ctr">
+              <a:defRPr sz="1000" b="1">
+                <a:latin typeface="Simplon BP Regular"/>
+                <a:cs typeface="Simplon BP Regular"/>
+              </a:defRPr>
+            </a:lvl1pPr>
+            <a:lvl2pPr>
+              <a:defRPr>
+                <a:solidFill>
+                  <a:schemeClr val="dk1"/>
+                </a:solidFill>
+              </a:defRPr>
+            </a:lvl2pPr>
+            <a:lvl3pPr>
+              <a:defRPr>
+                <a:solidFill>
+                  <a:schemeClr val="dk1"/>
+                </a:solidFill>
+              </a:defRPr>
+            </a:lvl3pPr>
+            <a:lvl4pPr>
+              <a:defRPr>
+                <a:solidFill>
+                  <a:schemeClr val="dk1"/>
+                </a:solidFill>
+              </a:defRPr>
+            </a:lvl4pPr>
+            <a:lvl5pPr>
+              <a:defRPr>
+                <a:solidFill>
+                  <a:schemeClr val="dk1"/>
+                </a:solidFill>
+              </a:defRPr>
+            </a:lvl5pPr>
+            <a:lvl6pPr>
+              <a:defRPr>
+                <a:solidFill>
+                  <a:schemeClr val="dk1"/>
+                </a:solidFill>
+              </a:defRPr>
+            </a:lvl6pPr>
+            <a:lvl7pPr>
+              <a:defRPr>
+                <a:solidFill>
+                  <a:schemeClr val="dk1"/>
+                </a:solidFill>
+              </a:defRPr>
+            </a:lvl7pPr>
+            <a:lvl8pPr>
+              <a:defRPr>
+                <a:solidFill>
+                  <a:schemeClr val="dk1"/>
+                </a:solidFill>
+              </a:defRPr>
+            </a:lvl8pPr>
+            <a:lvl9pPr>
+              <a:defRPr>
+                <a:solidFill>
+                  <a:schemeClr val="dk1"/>
+                </a:solidFill>
+              </a:defRPr>
+            </a:lvl9pPr>
+          </a:lstStyle>
+          <a:p>
+            <a:pPr defTabSz="672130"/>
+            <a:r>
+              <a:rPr lang="en-US" sz="1176" b="0" dirty="0">
+                <a:solidFill>
+                  <a:prstClr val="black"/>
+                </a:solidFill>
+                <a:latin typeface="Simplon BP Bold" pitchFamily="2" charset="0"/>
+              </a:rPr>
+              <a:t>    Farol do Projeto   </a:t>
+            </a:r>
+          </a:p>
+        </p:txBody>
+      </p:sp>
+      <p:sp>
+        <p:nvSpPr>
+          <p:cNvPr id="21" name="Oval 134">
+            <a:extLst>
+              <a:ext uri="{FF2B5EF4-FFF2-40B4-BE49-F238E27FC236}">
+                <a16:creationId xmlns:a16="http://schemas.microsoft.com/office/drawing/2014/main" id="{C7687DA3-5EC5-4177-9DBB-6A09DC7F77ED}"/>
+              </a:ext>
+            </a:extLst>
+          </p:cNvPr>
+          <p:cNvSpPr>
+            <a:spLocks noChangeAspect="1"/>
+          </p:cNvSpPr>
+          <p:nvPr/>
+        </p:nvSpPr>
+        <p:spPr>
+          <a:xfrm>
+            <a:off x="10156945" y="362281"/>
+            <a:ext cx="211404" cy="211689"/>
+          </a:xfrm>
+          <a:prstGeom prst="ellipse">
+            <a:avLst/>
+          </a:prstGeom>
+          <a:solidFill>
+            <a:srgbClr val="1BCF13"/>
+          </a:solidFill>
+          <a:ln w="12700">
+            <a:solidFill>
+              <a:schemeClr val="accent3"/>
+            </a:solidFill>
+          </a:ln>
+        </p:spPr>
+        <p:style>
+          <a:lnRef idx="2">
+            <a:schemeClr val="accent1">
+              <a:shade val="50000"/>
+            </a:schemeClr>
+          </a:lnRef>
+          <a:fillRef idx="1">
+            <a:schemeClr val="accent1"/>
+          </a:fillRef>
+          <a:effectRef idx="0">
+            <a:schemeClr val="accent1"/>
+          </a:effectRef>
+          <a:fontRef idx="minor">
+            <a:schemeClr val="lt1"/>
+          </a:fontRef>
+        </p:style>
+        <p:txBody>
+          <a:bodyPr wrap="none" lIns="52922" tIns="52922" rIns="52922" rtlCol="0" anchor="ctr"/>
+          <a:lstStyle/>
+          <a:p>
+            <a:pPr algn="ctr" defTabSz="672130"/>
+            <a:endParaRPr lang="en-US" sz="1176" dirty="0">
+              <a:solidFill>
+                <a:prstClr val="black"/>
+              </a:solidFill>
+              <a:latin typeface="Simplon BP Regular"/>
+              <a:cs typeface="Simplon BP Regular"/>
+            </a:endParaRPr>
+          </a:p>
+        </p:txBody>
+      </p:sp>
+      <p:sp>
+        <p:nvSpPr>
+          <p:cNvPr id="22" name="Oval 134">
+            <a:extLst>
+              <a:ext uri="{FF2B5EF4-FFF2-40B4-BE49-F238E27FC236}">
+                <a16:creationId xmlns:a16="http://schemas.microsoft.com/office/drawing/2014/main" id="{B363CBDD-9D88-41D9-9F1B-E6F757DF80B1}"/>
+              </a:ext>
+            </a:extLst>
+          </p:cNvPr>
+          <p:cNvSpPr>
+            <a:spLocks noChangeAspect="1"/>
+          </p:cNvSpPr>
+          <p:nvPr/>
+        </p:nvSpPr>
+        <p:spPr>
+          <a:xfrm>
+            <a:off x="12180394" y="284502"/>
+            <a:ext cx="211404" cy="211689"/>
+          </a:xfrm>
+          <a:prstGeom prst="ellipse">
+            <a:avLst/>
+          </a:prstGeom>
+          <a:solidFill>
+            <a:srgbClr val="1BCF13"/>
+          </a:solidFill>
+          <a:ln w="12700">
+            <a:solidFill>
+              <a:schemeClr val="accent3"/>
+            </a:solidFill>
+          </a:ln>
+        </p:spPr>
+        <p:style>
+          <a:lnRef idx="2">
+            <a:schemeClr val="accent1">
+              <a:shade val="50000"/>
+            </a:schemeClr>
+          </a:lnRef>
+          <a:fillRef idx="1">
+            <a:schemeClr val="accent1"/>
+          </a:fillRef>
+          <a:effectRef idx="0">
+            <a:schemeClr val="accent1"/>
+          </a:effectRef>
+          <a:fontRef idx="minor">
+            <a:schemeClr val="lt1"/>
+          </a:fontRef>
+        </p:style>
+        <p:txBody>
+          <a:bodyPr wrap="none" lIns="52922" tIns="52922" rIns="52922" rtlCol="0" anchor="ctr"/>
+          <a:lstStyle/>
+          <a:p>
+            <a:pPr algn="ctr" defTabSz="672130"/>
+            <a:endParaRPr lang="en-US" sz="1176" dirty="0">
+              <a:solidFill>
+                <a:prstClr val="black"/>
+              </a:solidFill>
+              <a:latin typeface="Simplon BP Regular"/>
+              <a:cs typeface="Simplon BP Regular"/>
+            </a:endParaRPr>
+          </a:p>
+        </p:txBody>
+      </p:sp>
+      <p:sp>
+        <p:nvSpPr>
+          <p:cNvPr id="23" name="Oval 134">
+            <a:extLst>
+              <a:ext uri="{FF2B5EF4-FFF2-40B4-BE49-F238E27FC236}">
+                <a16:creationId xmlns:a16="http://schemas.microsoft.com/office/drawing/2014/main" id="{F42F78D9-B5A8-4A97-8925-8B5904C502F3}"/>
+              </a:ext>
+            </a:extLst>
+          </p:cNvPr>
+          <p:cNvSpPr>
+            <a:spLocks noChangeAspect="1"/>
+          </p:cNvSpPr>
+          <p:nvPr/>
+        </p:nvSpPr>
+        <p:spPr>
+          <a:xfrm>
+            <a:off x="11262832" y="305415"/>
+            <a:ext cx="211404" cy="211689"/>
+          </a:xfrm>
+          <a:prstGeom prst="ellipse">
+            <a:avLst/>
+          </a:prstGeom>
+          <a:solidFill>
+            <a:srgbClr val="1BCF13"/>
+          </a:solidFill>
+          <a:ln w="12700">
+            <a:solidFill>
+              <a:schemeClr val="accent3"/>
+            </a:solidFill>
+          </a:ln>
+        </p:spPr>
+        <p:style>
+          <a:lnRef idx="2">
+            <a:schemeClr val="accent1">
+              <a:shade val="50000"/>
+            </a:schemeClr>
+          </a:lnRef>
+          <a:fillRef idx="1">
+            <a:schemeClr val="accent1"/>
+          </a:fillRef>
+          <a:effectRef idx="0">
+            <a:schemeClr val="accent1"/>
+          </a:effectRef>
+          <a:fontRef idx="minor">
+            <a:schemeClr val="lt1"/>
+          </a:fontRef>
+        </p:style>
+        <p:txBody>
+          <a:bodyPr wrap="none" lIns="52922" tIns="52922" rIns="52922" rtlCol="0" anchor="ctr"/>
+          <a:lstStyle/>
+          <a:p>
+            <a:pPr algn="ctr" defTabSz="672130"/>
+            <a:endParaRPr lang="en-US" sz="1176" dirty="0">
+              <a:solidFill>
+                <a:prstClr val="black"/>
+              </a:solidFill>
+              <a:latin typeface="Simplon BP Regular"/>
+              <a:cs typeface="Simplon BP Regular"/>
+            </a:endParaRPr>
+          </a:p>
+        </p:txBody>
+      </p:sp>
+      <p:sp>
+        <p:nvSpPr>
+          <p:cNvPr id="24" name="Oval 134">
+            <a:extLst>
+              <a:ext uri="{FF2B5EF4-FFF2-40B4-BE49-F238E27FC236}">
+                <a16:creationId xmlns:a16="http://schemas.microsoft.com/office/drawing/2014/main" id="{1EBE2388-56B1-476A-9F0A-E2D66925E9B1}"/>
+              </a:ext>
+            </a:extLst>
+          </p:cNvPr>
+          <p:cNvSpPr>
+            <a:spLocks noChangeAspect="1"/>
+          </p:cNvSpPr>
+          <p:nvPr/>
+        </p:nvSpPr>
+        <p:spPr>
+          <a:xfrm>
+            <a:off x="9275679" y="332030"/>
+            <a:ext cx="211404" cy="211689"/>
+          </a:xfrm>
+          <a:prstGeom prst="ellipse">
+            <a:avLst/>
+          </a:prstGeom>
+          <a:solidFill>
+            <a:srgbClr val="1BCF13"/>
+          </a:solidFill>
+          <a:ln w="12700">
+            <a:solidFill>
+              <a:schemeClr val="accent3"/>
+            </a:solidFill>
+          </a:ln>
+        </p:spPr>
+        <p:style>
+          <a:lnRef idx="2">
+            <a:schemeClr val="accent1">
+              <a:shade val="50000"/>
+            </a:schemeClr>
+          </a:lnRef>
+          <a:fillRef idx="1">
+            <a:schemeClr val="accent1"/>
+          </a:fillRef>
+          <a:effectRef idx="0">
+            <a:schemeClr val="accent1"/>
+          </a:effectRef>
+          <a:fontRef idx="minor">
+            <a:schemeClr val="lt1"/>
+          </a:fontRef>
+        </p:style>
+        <p:txBody>
+          <a:bodyPr wrap="none" lIns="52922" tIns="52922" rIns="52922" rtlCol="0" anchor="ctr"/>
+          <a:lstStyle/>
+          <a:p>
+            <a:pPr algn="ctr" defTabSz="672130"/>
+            <a:endParaRPr lang="en-US" sz="1176" dirty="0">
+              <a:solidFill>
+                <a:prstClr val="black"/>
+              </a:solidFill>
+              <a:latin typeface="Simplon BP Regular"/>
+              <a:cs typeface="Simplon BP Regular"/>
+            </a:endParaRPr>
+          </a:p>
+        </p:txBody>
+      </p:sp>
+    </p:spTree>
+    <p:extLst>
+      <p:ext uri="{BB962C8B-B14F-4D97-AF65-F5344CB8AC3E}">
+        <p14:creationId xmlns:p14="http://schemas.microsoft.com/office/powerpoint/2010/main" val="1398367756"/>
+      </p:ext>
+    </p:extLst>
+  </p:cSld>
+  <p:clrMapOvr>
+    <a:masterClrMapping/>
+  </p:clrMapOvr>
+</p:sld>
+</file>
+
 <file path=ppt/slides/slide2.xml><?xml version="1.0" encoding="utf-8"?>
 <p:sld xmlns:a="http://schemas.openxmlformats.org/drawingml/2006/main" xmlns:r="http://schemas.openxmlformats.org/officeDocument/2006/relationships" xmlns:p="http://schemas.openxmlformats.org/presentationml/2006/main">
   <p:cSld>
@@ -26121,21 +27901,7 @@
                 <a:latin typeface="Arial" panose="020B0604020202020204" pitchFamily="34" charset="0"/>
                 <a:cs typeface="Arial" panose="020B0604020202020204" pitchFamily="34" charset="0"/>
               </a:rPr>
-              <a:t>Status </a:t>
-            </a:r>
-            <a:r>
-              <a:rPr lang="pt-BR" sz="1600" b="1" dirty="0" err="1">
-                <a:latin typeface="Arial" panose="020B0604020202020204" pitchFamily="34" charset="0"/>
-                <a:cs typeface="Arial" panose="020B0604020202020204" pitchFamily="34" charset="0"/>
-              </a:rPr>
-              <a:t>Report</a:t>
-            </a:r>
-            <a:r>
-              <a:rPr lang="pt-BR" sz="1600" b="1" dirty="0">
-                <a:latin typeface="Arial" panose="020B0604020202020204" pitchFamily="34" charset="0"/>
-                <a:cs typeface="Arial" panose="020B0604020202020204" pitchFamily="34" charset="0"/>
-              </a:rPr>
-              <a:t> do Projeto </a:t>
+              <a:t>Status Report do Projeto </a:t>
             </a:r>
           </a:p>
           <a:p>
@@ -26189,21 +27955,7 @@
                 <a:latin typeface="Arial" panose="020B0604020202020204" pitchFamily="34" charset="0"/>
                 <a:cs typeface="Arial" panose="020B0604020202020204" pitchFamily="34" charset="0"/>
               </a:rPr>
-              <a:t>Marcelo </a:t>
-            </a:r>
-            <a:r>
-              <a:rPr lang="pt-BR" sz="1600" b="1" dirty="0" err="1">
-                <a:latin typeface="Arial" panose="020B0604020202020204" pitchFamily="34" charset="0"/>
-                <a:cs typeface="Arial" panose="020B0604020202020204" pitchFamily="34" charset="0"/>
-              </a:rPr>
-              <a:t>Whitehead</a:t>
-            </a:r>
-            <a:r>
-              <a:rPr lang="pt-BR" sz="1600" b="1" dirty="0">
-                <a:latin typeface="Arial" panose="020B0604020202020204" pitchFamily="34" charset="0"/>
-                <a:cs typeface="Arial" panose="020B0604020202020204" pitchFamily="34" charset="0"/>
-              </a:rPr>
-              <a:t>,</a:t>
+              <a:t>Marcelo Whitehead,</a:t>
             </a:r>
           </a:p>
           <a:p>
@@ -27025,7 +28777,7 @@
           <a:p>
             <a:pPr defTabSz="672130"/>
             <a:r>
-              <a:rPr lang="en-US" sz="1176" b="0" dirty="0" err="1">
+              <a:rPr lang="en-US" sz="1176" b="0" dirty="0">
                 <a:solidFill>
                   <a:prstClr val="black"/>
                 </a:solidFill>
@@ -27033,12 +28785,6 @@
               </a:rPr>
               <a:t>Equipe</a:t>
             </a:r>
-            <a:endParaRPr lang="en-US" sz="1176" b="0" dirty="0">
-              <a:solidFill>
-                <a:prstClr val="black"/>
-              </a:solidFill>
-              <a:latin typeface="Simplon BP Bold" pitchFamily="2" charset="0"/>
-            </a:endParaRPr>
           </a:p>
         </p:txBody>
       </p:sp>
@@ -27292,27 +29038,7 @@
                 <a:latin typeface="Arial" panose="020B0604020202020204" pitchFamily="34" charset="0"/>
                 <a:cs typeface="Arial" panose="020B0604020202020204" pitchFamily="34" charset="0"/>
               </a:rPr>
-              <a:t>Desenvolvemos alguns </a:t>
-            </a:r>
-            <a:r>
-              <a:rPr lang="pt-BR" sz="1600" b="1" dirty="0" err="1">
-                <a:solidFill>
-                  <a:schemeClr val="tx1"/>
-                </a:solidFill>
-                <a:latin typeface="Arial" panose="020B0604020202020204" pitchFamily="34" charset="0"/>
-                <a:cs typeface="Arial" panose="020B0604020202020204" pitchFamily="34" charset="0"/>
-              </a:rPr>
-              <a:t>User</a:t>
-            </a:r>
-            <a:r>
-              <a:rPr lang="pt-BR" sz="1600" b="1" dirty="0">
-                <a:solidFill>
-                  <a:schemeClr val="tx1"/>
-                </a:solidFill>
-                <a:latin typeface="Arial" panose="020B0604020202020204" pitchFamily="34" charset="0"/>
-                <a:cs typeface="Arial" panose="020B0604020202020204" pitchFamily="34" charset="0"/>
-              </a:rPr>
-              <a:t> Stories</a:t>
+              <a:t>Desenvolvemos alguns User Stories</a:t>
             </a:r>
           </a:p>
           <a:p>
@@ -27485,27 +29211,7 @@
                 <a:latin typeface="Arial" panose="020B0604020202020204" pitchFamily="34" charset="0"/>
                 <a:cs typeface="Arial" panose="020B0604020202020204" pitchFamily="34" charset="0"/>
               </a:rPr>
-              <a:t>Login e </a:t>
-            </a:r>
-            <a:r>
-              <a:rPr lang="pt-BR" sz="1400" dirty="0" err="1">
-                <a:solidFill>
-                  <a:schemeClr val="tx1"/>
-                </a:solidFill>
-                <a:latin typeface="Arial" panose="020B0604020202020204" pitchFamily="34" charset="0"/>
-                <a:cs typeface="Arial" panose="020B0604020202020204" pitchFamily="34" charset="0"/>
-              </a:rPr>
-              <a:t>Logoff</a:t>
-            </a:r>
-            <a:r>
-              <a:rPr lang="pt-BR" sz="1400" dirty="0">
-                <a:solidFill>
-                  <a:schemeClr val="tx1"/>
-                </a:solidFill>
-                <a:latin typeface="Arial" panose="020B0604020202020204" pitchFamily="34" charset="0"/>
-                <a:cs typeface="Arial" panose="020B0604020202020204" pitchFamily="34" charset="0"/>
-              </a:rPr>
-              <a:t> da aplicação</a:t>
+              <a:t>Login e Logoff da aplicação</a:t>
             </a:r>
           </a:p>
           <a:p>
@@ -27528,25 +29234,8 @@
                 <a:latin typeface="Arial" panose="020B0604020202020204" pitchFamily="34" charset="0"/>
                 <a:cs typeface="Arial" panose="020B0604020202020204" pitchFamily="34" charset="0"/>
               </a:rPr>
-              <a:t>Frente Front </a:t>
+              <a:t>Frente Front end</a:t>
             </a:r>
-            <a:r>
-              <a:rPr lang="pt-BR" sz="1400" b="1" dirty="0" err="1">
-                <a:solidFill>
-                  <a:schemeClr val="tx1"/>
-                </a:solidFill>
-                <a:latin typeface="Arial" panose="020B0604020202020204" pitchFamily="34" charset="0"/>
-                <a:cs typeface="Arial" panose="020B0604020202020204" pitchFamily="34" charset="0"/>
-              </a:rPr>
-              <a:t>end</a:t>
-            </a:r>
-            <a:endParaRPr lang="pt-BR" sz="1400" b="1" dirty="0">
-              <a:solidFill>
-                <a:schemeClr val="tx1"/>
-              </a:solidFill>
-              <a:latin typeface="Arial" panose="020B0604020202020204" pitchFamily="34" charset="0"/>
-              <a:cs typeface="Arial" panose="020B0604020202020204" pitchFamily="34" charset="0"/>
-            </a:endParaRPr>
           </a:p>
           <a:p>
             <a:pPr marL="252049" lvl="1" indent="-252049">
@@ -27561,27 +29250,7 @@
                 <a:latin typeface="Arial" panose="020B0604020202020204" pitchFamily="34" charset="0"/>
                 <a:cs typeface="Arial" panose="020B0604020202020204" pitchFamily="34" charset="0"/>
               </a:rPr>
-              <a:t>Protótipo do </a:t>
-            </a:r>
-            <a:r>
-              <a:rPr lang="pt-BR" sz="1400" dirty="0" err="1">
-                <a:solidFill>
-                  <a:schemeClr val="tx1"/>
-                </a:solidFill>
-                <a:latin typeface="Arial" panose="020B0604020202020204" pitchFamily="34" charset="0"/>
-                <a:cs typeface="Arial" panose="020B0604020202020204" pitchFamily="34" charset="0"/>
-              </a:rPr>
-              <a:t>figma</a:t>
-            </a:r>
-            <a:r>
-              <a:rPr lang="pt-BR" sz="1400" dirty="0">
-                <a:solidFill>
-                  <a:schemeClr val="tx1"/>
-                </a:solidFill>
-                <a:latin typeface="Arial" panose="020B0604020202020204" pitchFamily="34" charset="0"/>
-                <a:cs typeface="Arial" panose="020B0604020202020204" pitchFamily="34" charset="0"/>
-              </a:rPr>
-              <a:t> </a:t>
+              <a:t>Protótipo do figma </a:t>
             </a:r>
           </a:p>
           <a:p>
@@ -27743,7 +29412,7 @@
           <a:lstStyle/>
           <a:p>
             <a:pPr algn="ctr"/>
-            <a:endParaRPr lang="pt-BR"/>
+            <a:endParaRPr lang="pt-BR" dirty="0"/>
           </a:p>
         </p:txBody>
       </p:sp>
@@ -27866,43 +29535,7 @@
                 </a:solidFill>
                 <a:latin typeface="Simplon BP Bold" pitchFamily="2" charset="0"/>
               </a:rPr>
-              <a:t>    </a:t>
-            </a:r>
-            <a:r>
-              <a:rPr lang="en-US" sz="1176" b="0" dirty="0" err="1">
-                <a:solidFill>
-                  <a:prstClr val="black"/>
-                </a:solidFill>
-                <a:latin typeface="Simplon BP Bold" pitchFamily="2" charset="0"/>
-              </a:rPr>
-              <a:t>Farol</a:t>
-            </a:r>
-            <a:r>
-              <a:rPr lang="en-US" sz="1176" b="0" dirty="0">
-                <a:solidFill>
-                  <a:prstClr val="black"/>
-                </a:solidFill>
-                <a:latin typeface="Simplon BP Bold" pitchFamily="2" charset="0"/>
-              </a:rPr>
-              <a:t> do </a:t>
-            </a:r>
-            <a:r>
-              <a:rPr lang="en-US" sz="1176" b="0" dirty="0" err="1">
-                <a:solidFill>
-                  <a:prstClr val="black"/>
-                </a:solidFill>
-                <a:latin typeface="Simplon BP Bold" pitchFamily="2" charset="0"/>
-              </a:rPr>
-              <a:t>Projeto</a:t>
-            </a:r>
-            <a:r>
-              <a:rPr lang="en-US" sz="1176" b="0" dirty="0">
-                <a:solidFill>
-                  <a:prstClr val="black"/>
-                </a:solidFill>
-                <a:latin typeface="Simplon BP Bold" pitchFamily="2" charset="0"/>
-              </a:rPr>
-              <a:t>   </a:t>
+              <a:t>    Farol do Projeto   </a:t>
             </a:r>
           </a:p>
         </p:txBody>
@@ -28909,7 +30542,7 @@
           <a:p>
             <a:pPr defTabSz="672130"/>
             <a:r>
-              <a:rPr lang="en-US" sz="1176" b="0" dirty="0" err="1">
+              <a:rPr lang="en-US" sz="1176" b="0" dirty="0">
                 <a:solidFill>
                   <a:prstClr val="black"/>
                 </a:solidFill>
@@ -28917,12 +30550,6 @@
               </a:rPr>
               <a:t>Equipe</a:t>
             </a:r>
-            <a:endParaRPr lang="en-US" sz="1176" b="0" dirty="0">
-              <a:solidFill>
-                <a:prstClr val="black"/>
-              </a:solidFill>
-              <a:latin typeface="Simplon BP Bold" pitchFamily="2" charset="0"/>
-            </a:endParaRPr>
           </a:p>
         </p:txBody>
       </p:sp>
@@ -29116,45 +30743,8 @@
                 <a:latin typeface="Arial" panose="020B0604020202020204" pitchFamily="34" charset="0"/>
                 <a:cs typeface="Arial" panose="020B0604020202020204" pitchFamily="34" charset="0"/>
               </a:rPr>
-              <a:t>Desenvolvemos a simulação do login e </a:t>
+              <a:t>Desenvolvemos a simulação do login e logoff utilizando o postaman</a:t>
             </a:r>
-            <a:r>
-              <a:rPr lang="pt-BR" sz="1600" b="1" dirty="0" err="1">
-                <a:solidFill>
-                  <a:schemeClr val="tx1"/>
-                </a:solidFill>
-                <a:latin typeface="Arial" panose="020B0604020202020204" pitchFamily="34" charset="0"/>
-                <a:cs typeface="Arial" panose="020B0604020202020204" pitchFamily="34" charset="0"/>
-              </a:rPr>
-              <a:t>logoff</a:t>
-            </a:r>
-            <a:r>
-              <a:rPr lang="pt-BR" sz="1600" b="1" dirty="0">
-                <a:solidFill>
-                  <a:schemeClr val="tx1"/>
-                </a:solidFill>
-                <a:latin typeface="Arial" panose="020B0604020202020204" pitchFamily="34" charset="0"/>
-                <a:cs typeface="Arial" panose="020B0604020202020204" pitchFamily="34" charset="0"/>
-              </a:rPr>
-              <a:t> utilizando o </a:t>
-            </a:r>
-            <a:r>
-              <a:rPr lang="pt-BR" sz="1600" b="1" dirty="0" err="1">
-                <a:solidFill>
-                  <a:schemeClr val="tx1"/>
-                </a:solidFill>
-                <a:latin typeface="Arial" panose="020B0604020202020204" pitchFamily="34" charset="0"/>
-                <a:cs typeface="Arial" panose="020B0604020202020204" pitchFamily="34" charset="0"/>
-              </a:rPr>
-              <a:t>postaman</a:t>
-            </a:r>
-            <a:endParaRPr lang="pt-BR" sz="1600" b="1" dirty="0">
-              <a:solidFill>
-                <a:schemeClr val="tx1"/>
-              </a:solidFill>
-              <a:latin typeface="Arial" panose="020B0604020202020204" pitchFamily="34" charset="0"/>
-              <a:cs typeface="Arial" panose="020B0604020202020204" pitchFamily="34" charset="0"/>
-            </a:endParaRPr>
           </a:p>
           <a:p>
             <a:pPr marL="252049" indent="-252049" fontAlgn="base">
@@ -29328,27 +30918,7 @@
                 <a:latin typeface="Arial" panose="020B0604020202020204" pitchFamily="34" charset="0"/>
                 <a:cs typeface="Arial" panose="020B0604020202020204" pitchFamily="34" charset="0"/>
               </a:rPr>
-              <a:t>Integração API </a:t>
-            </a:r>
-            <a:r>
-              <a:rPr lang="pt-BR" sz="1400" dirty="0" err="1">
-                <a:solidFill>
-                  <a:schemeClr val="tx1"/>
-                </a:solidFill>
-                <a:latin typeface="Arial" panose="020B0604020202020204" pitchFamily="34" charset="0"/>
-                <a:cs typeface="Arial" panose="020B0604020202020204" pitchFamily="34" charset="0"/>
-              </a:rPr>
-              <a:t>Rest</a:t>
-            </a:r>
-            <a:r>
-              <a:rPr lang="pt-BR" sz="1400" dirty="0">
-                <a:solidFill>
-                  <a:schemeClr val="tx1"/>
-                </a:solidFill>
-                <a:latin typeface="Arial" panose="020B0604020202020204" pitchFamily="34" charset="0"/>
-                <a:cs typeface="Arial" panose="020B0604020202020204" pitchFamily="34" charset="0"/>
-              </a:rPr>
-              <a:t>;</a:t>
+              <a:t>Integração API Rest;</a:t>
             </a:r>
           </a:p>
           <a:p>
@@ -29387,25 +30957,8 @@
                 <a:latin typeface="Arial" panose="020B0604020202020204" pitchFamily="34" charset="0"/>
                 <a:cs typeface="Arial" panose="020B0604020202020204" pitchFamily="34" charset="0"/>
               </a:rPr>
-              <a:t>Frente Front </a:t>
+              <a:t>Frente Front end</a:t>
             </a:r>
-            <a:r>
-              <a:rPr lang="pt-BR" sz="1400" b="1" dirty="0" err="1">
-                <a:solidFill>
-                  <a:schemeClr val="tx1"/>
-                </a:solidFill>
-                <a:latin typeface="Arial" panose="020B0604020202020204" pitchFamily="34" charset="0"/>
-                <a:cs typeface="Arial" panose="020B0604020202020204" pitchFamily="34" charset="0"/>
-              </a:rPr>
-              <a:t>end</a:t>
-            </a:r>
-            <a:endParaRPr lang="pt-BR" sz="1400" b="1" dirty="0">
-              <a:solidFill>
-                <a:schemeClr val="tx1"/>
-              </a:solidFill>
-              <a:latin typeface="Arial" panose="020B0604020202020204" pitchFamily="34" charset="0"/>
-              <a:cs typeface="Arial" panose="020B0604020202020204" pitchFamily="34" charset="0"/>
-            </a:endParaRPr>
           </a:p>
           <a:p>
             <a:pPr marL="252049" lvl="1" indent="-252049">
@@ -29481,24 +31034,14 @@
               <a:buChar char="§"/>
             </a:pPr>
             <a:r>
-              <a:rPr lang="pt-BR" sz="1400" dirty="0" err="1">
+              <a:rPr lang="pt-BR" sz="1400" dirty="0">
                 <a:solidFill>
                   <a:schemeClr val="tx1"/>
                 </a:solidFill>
                 <a:latin typeface="Arial" panose="020B0604020202020204" pitchFamily="34" charset="0"/>
                 <a:cs typeface="Arial" panose="020B0604020202020204" pitchFamily="34" charset="0"/>
               </a:rPr>
-              <a:t>StoryBoard</a:t>
-            </a:r>
-            <a:r>
-              <a:rPr lang="pt-BR" sz="1400" dirty="0">
-                <a:solidFill>
-                  <a:schemeClr val="tx1"/>
-                </a:solidFill>
-                <a:latin typeface="Arial" panose="020B0604020202020204" pitchFamily="34" charset="0"/>
-                <a:cs typeface="Arial" panose="020B0604020202020204" pitchFamily="34" charset="0"/>
-              </a:rPr>
-              <a:t>;</a:t>
+              <a:t>StoryBoard;</a:t>
             </a:r>
           </a:p>
         </p:txBody>
@@ -29677,7 +31220,7 @@
           <a:lstStyle/>
           <a:p>
             <a:pPr algn="ctr"/>
-            <a:endParaRPr lang="pt-BR"/>
+            <a:endParaRPr lang="pt-BR" dirty="0"/>
           </a:p>
         </p:txBody>
       </p:sp>
@@ -29800,43 +31343,7 @@
                 </a:solidFill>
                 <a:latin typeface="Simplon BP Bold" pitchFamily="2" charset="0"/>
               </a:rPr>
-              <a:t>    </a:t>
-            </a:r>
-            <a:r>
-              <a:rPr lang="en-US" sz="1176" b="0" dirty="0" err="1">
-                <a:solidFill>
-                  <a:prstClr val="black"/>
-                </a:solidFill>
-                <a:latin typeface="Simplon BP Bold" pitchFamily="2" charset="0"/>
-              </a:rPr>
-              <a:t>Farol</a:t>
-            </a:r>
-            <a:r>
-              <a:rPr lang="en-US" sz="1176" b="0" dirty="0">
-                <a:solidFill>
-                  <a:prstClr val="black"/>
-                </a:solidFill>
-                <a:latin typeface="Simplon BP Bold" pitchFamily="2" charset="0"/>
-              </a:rPr>
-              <a:t> do </a:t>
-            </a:r>
-            <a:r>
-              <a:rPr lang="en-US" sz="1176" b="0" dirty="0" err="1">
-                <a:solidFill>
-                  <a:prstClr val="black"/>
-                </a:solidFill>
-                <a:latin typeface="Simplon BP Bold" pitchFamily="2" charset="0"/>
-              </a:rPr>
-              <a:t>Projeto</a:t>
-            </a:r>
-            <a:r>
-              <a:rPr lang="en-US" sz="1176" b="0" dirty="0">
-                <a:solidFill>
-                  <a:prstClr val="black"/>
-                </a:solidFill>
-                <a:latin typeface="Simplon BP Bold" pitchFamily="2" charset="0"/>
-              </a:rPr>
-              <a:t>   </a:t>
+              <a:t>    Farol do Projeto   </a:t>
             </a:r>
           </a:p>
         </p:txBody>
@@ -30719,7 +32226,7 @@
           <a:p>
             <a:pPr defTabSz="672130"/>
             <a:r>
-              <a:rPr lang="en-US" sz="1176" b="0" dirty="0" err="1">
+              <a:rPr lang="en-US" sz="1176" b="0" dirty="0">
                 <a:solidFill>
                   <a:prstClr val="black"/>
                 </a:solidFill>
@@ -30727,12 +32234,6 @@
               </a:rPr>
               <a:t>Equipe</a:t>
             </a:r>
-            <a:endParaRPr lang="en-US" sz="1176" b="0" dirty="0">
-              <a:solidFill>
-                <a:prstClr val="black"/>
-              </a:solidFill>
-              <a:latin typeface="Simplon BP Bold" pitchFamily="2" charset="0"/>
-            </a:endParaRPr>
           </a:p>
         </p:txBody>
       </p:sp>
@@ -30926,27 +32427,7 @@
                 <a:latin typeface="Arial" panose="020B0604020202020204" pitchFamily="34" charset="0"/>
                 <a:cs typeface="Arial" panose="020B0604020202020204" pitchFamily="34" charset="0"/>
               </a:rPr>
-              <a:t>Desenvolvemos nosso prototipo da API </a:t>
-            </a:r>
-            <a:r>
-              <a:rPr lang="pt-BR" sz="1600" b="1" dirty="0" err="1">
-                <a:solidFill>
-                  <a:schemeClr val="tx1"/>
-                </a:solidFill>
-                <a:latin typeface="Arial" panose="020B0604020202020204" pitchFamily="34" charset="0"/>
-                <a:cs typeface="Arial" panose="020B0604020202020204" pitchFamily="34" charset="0"/>
-              </a:rPr>
-              <a:t>rest</a:t>
-            </a:r>
-            <a:r>
-              <a:rPr lang="pt-BR" sz="1600" b="1" dirty="0">
-                <a:solidFill>
-                  <a:schemeClr val="tx1"/>
-                </a:solidFill>
-                <a:latin typeface="Arial" panose="020B0604020202020204" pitchFamily="34" charset="0"/>
-                <a:cs typeface="Arial" panose="020B0604020202020204" pitchFamily="34" charset="0"/>
-              </a:rPr>
-              <a:t> com as classes que desenvolvemos</a:t>
+              <a:t>Desenvolvemos nosso prototipo da API rest com as classes que desenvolvemos</a:t>
             </a:r>
           </a:p>
           <a:p>
@@ -31006,27 +32487,7 @@
                 <a:latin typeface="Arial" panose="020B0604020202020204" pitchFamily="34" charset="0"/>
                 <a:cs typeface="Arial" panose="020B0604020202020204" pitchFamily="34" charset="0"/>
               </a:rPr>
-              <a:t>Desenvolvemos o </a:t>
-            </a:r>
-            <a:r>
-              <a:rPr lang="pt-BR" sz="1600" b="1" dirty="0" err="1">
-                <a:solidFill>
-                  <a:schemeClr val="tx1"/>
-                </a:solidFill>
-                <a:latin typeface="Arial" panose="020B0604020202020204" pitchFamily="34" charset="0"/>
-                <a:cs typeface="Arial" panose="020B0604020202020204" pitchFamily="34" charset="0"/>
-              </a:rPr>
-              <a:t>StoryBoard</a:t>
-            </a:r>
-            <a:r>
-              <a:rPr lang="pt-BR" sz="1600" b="1" dirty="0">
-                <a:solidFill>
-                  <a:schemeClr val="tx1"/>
-                </a:solidFill>
-                <a:latin typeface="Arial" panose="020B0604020202020204" pitchFamily="34" charset="0"/>
-                <a:cs typeface="Arial" panose="020B0604020202020204" pitchFamily="34" charset="0"/>
-              </a:rPr>
-              <a:t> do nosso projeto</a:t>
+              <a:t>Desenvolvemos o StoryBoard do nosso projeto</a:t>
             </a:r>
           </a:p>
           <a:p>
@@ -31162,25 +32623,8 @@
                 <a:latin typeface="Arial" panose="020B0604020202020204" pitchFamily="34" charset="0"/>
                 <a:cs typeface="Arial" panose="020B0604020202020204" pitchFamily="34" charset="0"/>
               </a:rPr>
-              <a:t>Frente Front </a:t>
+              <a:t>Frente Front end</a:t>
             </a:r>
-            <a:r>
-              <a:rPr lang="pt-BR" sz="1400" b="1" dirty="0" err="1">
-                <a:solidFill>
-                  <a:schemeClr val="tx1"/>
-                </a:solidFill>
-                <a:latin typeface="Arial" panose="020B0604020202020204" pitchFamily="34" charset="0"/>
-                <a:cs typeface="Arial" panose="020B0604020202020204" pitchFamily="34" charset="0"/>
-              </a:rPr>
-              <a:t>end</a:t>
-            </a:r>
-            <a:endParaRPr lang="pt-BR" sz="1400" b="1" dirty="0">
-              <a:solidFill>
-                <a:schemeClr val="tx1"/>
-              </a:solidFill>
-              <a:latin typeface="Arial" panose="020B0604020202020204" pitchFamily="34" charset="0"/>
-              <a:cs typeface="Arial" panose="020B0604020202020204" pitchFamily="34" charset="0"/>
-            </a:endParaRPr>
           </a:p>
           <a:p>
             <a:pPr marL="252049" lvl="1" indent="-252049">
@@ -31286,7 +32730,7 @@
           <a:lstStyle/>
           <a:p>
             <a:pPr algn="ctr"/>
-            <a:endParaRPr lang="pt-BR"/>
+            <a:endParaRPr lang="pt-BR" dirty="0"/>
           </a:p>
         </p:txBody>
       </p:sp>
@@ -31409,43 +32853,7 @@
                 </a:solidFill>
                 <a:latin typeface="Simplon BP Bold" pitchFamily="2" charset="0"/>
               </a:rPr>
-              <a:t>    </a:t>
-            </a:r>
-            <a:r>
-              <a:rPr lang="en-US" sz="1176" b="0" dirty="0" err="1">
-                <a:solidFill>
-                  <a:prstClr val="black"/>
-                </a:solidFill>
-                <a:latin typeface="Simplon BP Bold" pitchFamily="2" charset="0"/>
-              </a:rPr>
-              <a:t>Farol</a:t>
-            </a:r>
-            <a:r>
-              <a:rPr lang="en-US" sz="1176" b="0" dirty="0">
-                <a:solidFill>
-                  <a:prstClr val="black"/>
-                </a:solidFill>
-                <a:latin typeface="Simplon BP Bold" pitchFamily="2" charset="0"/>
-              </a:rPr>
-              <a:t> do </a:t>
-            </a:r>
-            <a:r>
-              <a:rPr lang="en-US" sz="1176" b="0" dirty="0" err="1">
-                <a:solidFill>
-                  <a:prstClr val="black"/>
-                </a:solidFill>
-                <a:latin typeface="Simplon BP Bold" pitchFamily="2" charset="0"/>
-              </a:rPr>
-              <a:t>Projeto</a:t>
-            </a:r>
-            <a:r>
-              <a:rPr lang="en-US" sz="1176" b="0" dirty="0">
-                <a:solidFill>
-                  <a:prstClr val="black"/>
-                </a:solidFill>
-                <a:latin typeface="Simplon BP Bold" pitchFamily="2" charset="0"/>
-              </a:rPr>
-              <a:t>   </a:t>
+              <a:t>    Farol do Projeto   </a:t>
             </a:r>
           </a:p>
         </p:txBody>
@@ -32452,7 +33860,7 @@
           <a:p>
             <a:pPr defTabSz="672130"/>
             <a:r>
-              <a:rPr lang="en-US" sz="1176" b="0" dirty="0" err="1">
+              <a:rPr lang="en-US" sz="1176" b="0" dirty="0">
                 <a:solidFill>
                   <a:prstClr val="black"/>
                 </a:solidFill>
@@ -32460,12 +33868,6 @@
               </a:rPr>
               <a:t>Equipe</a:t>
             </a:r>
-            <a:endParaRPr lang="en-US" sz="1176" b="0" dirty="0">
-              <a:solidFill>
-                <a:prstClr val="black"/>
-              </a:solidFill>
-              <a:latin typeface="Simplon BP Bold" pitchFamily="2" charset="0"/>
-            </a:endParaRPr>
           </a:p>
         </p:txBody>
       </p:sp>
@@ -32639,27 +34041,7 @@
                 <a:latin typeface="Arial" panose="020B0604020202020204" pitchFamily="34" charset="0"/>
                 <a:cs typeface="Arial" panose="020B0604020202020204" pitchFamily="34" charset="0"/>
               </a:rPr>
-              <a:t>Desenvolvemos a home do site institucional com </a:t>
-            </a:r>
-            <a:r>
-              <a:rPr lang="pt-BR" sz="1600" b="1" dirty="0" err="1">
-                <a:solidFill>
-                  <a:schemeClr val="tx1"/>
-                </a:solidFill>
-                <a:latin typeface="Arial" panose="020B0604020202020204" pitchFamily="34" charset="0"/>
-                <a:cs typeface="Arial" panose="020B0604020202020204" pitchFamily="34" charset="0"/>
-              </a:rPr>
-              <a:t>React</a:t>
-            </a:r>
-            <a:r>
-              <a:rPr lang="pt-BR" sz="1600" b="1" dirty="0">
-                <a:solidFill>
-                  <a:schemeClr val="tx1"/>
-                </a:solidFill>
-                <a:latin typeface="Arial" panose="020B0604020202020204" pitchFamily="34" charset="0"/>
-                <a:cs typeface="Arial" panose="020B0604020202020204" pitchFamily="34" charset="0"/>
-              </a:rPr>
-              <a:t> </a:t>
+              <a:t>Desenvolvemos a home do site institucional com React </a:t>
             </a:r>
           </a:p>
           <a:p>
@@ -32890,25 +34272,8 @@
                 <a:latin typeface="Arial" panose="020B0604020202020204" pitchFamily="34" charset="0"/>
                 <a:cs typeface="Arial" panose="020B0604020202020204" pitchFamily="34" charset="0"/>
               </a:rPr>
-              <a:t>Frente Front </a:t>
+              <a:t>Frente Front end</a:t>
             </a:r>
-            <a:r>
-              <a:rPr lang="pt-BR" sz="1400" b="1" dirty="0" err="1">
-                <a:solidFill>
-                  <a:schemeClr val="tx1"/>
-                </a:solidFill>
-                <a:latin typeface="Arial" panose="020B0604020202020204" pitchFamily="34" charset="0"/>
-                <a:cs typeface="Arial" panose="020B0604020202020204" pitchFamily="34" charset="0"/>
-              </a:rPr>
-              <a:t>end</a:t>
-            </a:r>
-            <a:endParaRPr lang="pt-BR" sz="1400" b="1" dirty="0">
-              <a:solidFill>
-                <a:schemeClr val="tx1"/>
-              </a:solidFill>
-              <a:latin typeface="Arial" panose="020B0604020202020204" pitchFamily="34" charset="0"/>
-              <a:cs typeface="Arial" panose="020B0604020202020204" pitchFamily="34" charset="0"/>
-            </a:endParaRPr>
           </a:p>
           <a:p>
             <a:pPr marL="252049" lvl="1" indent="-252049">
@@ -33001,7 +34366,7 @@
           <a:lstStyle/>
           <a:p>
             <a:pPr algn="ctr"/>
-            <a:endParaRPr lang="pt-BR"/>
+            <a:endParaRPr lang="pt-BR" dirty="0"/>
           </a:p>
         </p:txBody>
       </p:sp>
@@ -33124,43 +34489,7 @@
                 </a:solidFill>
                 <a:latin typeface="Simplon BP Bold" pitchFamily="2" charset="0"/>
               </a:rPr>
-              <a:t>    </a:t>
-            </a:r>
-            <a:r>
-              <a:rPr lang="en-US" sz="1176" b="0" dirty="0" err="1">
-                <a:solidFill>
-                  <a:prstClr val="black"/>
-                </a:solidFill>
-                <a:latin typeface="Simplon BP Bold" pitchFamily="2" charset="0"/>
-              </a:rPr>
-              <a:t>Farol</a:t>
-            </a:r>
-            <a:r>
-              <a:rPr lang="en-US" sz="1176" b="0" dirty="0">
-                <a:solidFill>
-                  <a:prstClr val="black"/>
-                </a:solidFill>
-                <a:latin typeface="Simplon BP Bold" pitchFamily="2" charset="0"/>
-              </a:rPr>
-              <a:t> do </a:t>
-            </a:r>
-            <a:r>
-              <a:rPr lang="en-US" sz="1176" b="0" dirty="0" err="1">
-                <a:solidFill>
-                  <a:prstClr val="black"/>
-                </a:solidFill>
-                <a:latin typeface="Simplon BP Bold" pitchFamily="2" charset="0"/>
-              </a:rPr>
-              <a:t>Projeto</a:t>
-            </a:r>
-            <a:r>
-              <a:rPr lang="en-US" sz="1176" b="0" dirty="0">
-                <a:solidFill>
-                  <a:prstClr val="black"/>
-                </a:solidFill>
-                <a:latin typeface="Simplon BP Bold" pitchFamily="2" charset="0"/>
-              </a:rPr>
-              <a:t>   </a:t>
+              <a:t>    Farol do Projeto   </a:t>
             </a:r>
           </a:p>
         </p:txBody>
@@ -34167,7 +35496,7 @@
           <a:p>
             <a:pPr defTabSz="672130"/>
             <a:r>
-              <a:rPr lang="en-US" sz="1176" b="0" dirty="0" err="1">
+              <a:rPr lang="en-US" sz="1176" b="0" dirty="0">
                 <a:solidFill>
                   <a:prstClr val="black"/>
                 </a:solidFill>
@@ -34175,12 +35504,6 @@
               </a:rPr>
               <a:t>Equipe</a:t>
             </a:r>
-            <a:endParaRPr lang="en-US" sz="1176" b="0" dirty="0">
-              <a:solidFill>
-                <a:prstClr val="black"/>
-              </a:solidFill>
-              <a:latin typeface="Simplon BP Bold" pitchFamily="2" charset="0"/>
-            </a:endParaRPr>
           </a:p>
         </p:txBody>
       </p:sp>
@@ -34557,25 +35880,8 @@
                 <a:latin typeface="Arial" panose="020B0604020202020204" pitchFamily="34" charset="0"/>
                 <a:cs typeface="Arial" panose="020B0604020202020204" pitchFamily="34" charset="0"/>
               </a:rPr>
-              <a:t>Frente Front-</a:t>
+              <a:t>Frente Front-end</a:t>
             </a:r>
-            <a:r>
-              <a:rPr lang="pt-BR" sz="1400" b="1" dirty="0" err="1">
-                <a:solidFill>
-                  <a:schemeClr val="tx1"/>
-                </a:solidFill>
-                <a:latin typeface="Arial" panose="020B0604020202020204" pitchFamily="34" charset="0"/>
-                <a:cs typeface="Arial" panose="020B0604020202020204" pitchFamily="34" charset="0"/>
-              </a:rPr>
-              <a:t>end</a:t>
-            </a:r>
-            <a:endParaRPr lang="pt-BR" sz="1400" b="1" dirty="0">
-              <a:solidFill>
-                <a:schemeClr val="tx1"/>
-              </a:solidFill>
-              <a:latin typeface="Arial" panose="020B0604020202020204" pitchFamily="34" charset="0"/>
-              <a:cs typeface="Arial" panose="020B0604020202020204" pitchFamily="34" charset="0"/>
-            </a:endParaRPr>
           </a:p>
           <a:p>
             <a:pPr marL="252049" lvl="1" indent="-252049">
@@ -34694,7 +36000,7 @@
           <a:lstStyle/>
           <a:p>
             <a:pPr algn="ctr"/>
-            <a:endParaRPr lang="pt-BR"/>
+            <a:endParaRPr lang="pt-BR" dirty="0"/>
           </a:p>
         </p:txBody>
       </p:sp>
@@ -34817,43 +36123,7 @@
                 </a:solidFill>
                 <a:latin typeface="Simplon BP Bold" pitchFamily="2" charset="0"/>
               </a:rPr>
-              <a:t>    </a:t>
-            </a:r>
-            <a:r>
-              <a:rPr lang="en-US" sz="1176" b="0" dirty="0" err="1">
-                <a:solidFill>
-                  <a:prstClr val="black"/>
-                </a:solidFill>
-                <a:latin typeface="Simplon BP Bold" pitchFamily="2" charset="0"/>
-              </a:rPr>
-              <a:t>Farol</a:t>
-            </a:r>
-            <a:r>
-              <a:rPr lang="en-US" sz="1176" b="0" dirty="0">
-                <a:solidFill>
-                  <a:prstClr val="black"/>
-                </a:solidFill>
-                <a:latin typeface="Simplon BP Bold" pitchFamily="2" charset="0"/>
-              </a:rPr>
-              <a:t> do </a:t>
-            </a:r>
-            <a:r>
-              <a:rPr lang="en-US" sz="1176" b="0" dirty="0" err="1">
-                <a:solidFill>
-                  <a:prstClr val="black"/>
-                </a:solidFill>
-                <a:latin typeface="Simplon BP Bold" pitchFamily="2" charset="0"/>
-              </a:rPr>
-              <a:t>Projeto</a:t>
-            </a:r>
-            <a:r>
-              <a:rPr lang="en-US" sz="1176" b="0" dirty="0">
-                <a:solidFill>
-                  <a:prstClr val="black"/>
-                </a:solidFill>
-                <a:latin typeface="Simplon BP Bold" pitchFamily="2" charset="0"/>
-              </a:rPr>
-              <a:t>   </a:t>
+              <a:t>    Farol do Projeto   </a:t>
             </a:r>
           </a:p>
         </p:txBody>
@@ -35860,7 +37130,7 @@
           <a:p>
             <a:pPr defTabSz="672130"/>
             <a:r>
-              <a:rPr lang="en-US" sz="1176" b="0" dirty="0" err="1">
+              <a:rPr lang="en-US" sz="1176" b="0" dirty="0">
                 <a:solidFill>
                   <a:prstClr val="black"/>
                 </a:solidFill>
@@ -35868,12 +37138,6 @@
               </a:rPr>
               <a:t>Equipe</a:t>
             </a:r>
-            <a:endParaRPr lang="en-US" sz="1176" b="0" dirty="0">
-              <a:solidFill>
-                <a:prstClr val="black"/>
-              </a:solidFill>
-              <a:latin typeface="Simplon BP Bold" pitchFamily="2" charset="0"/>
-            </a:endParaRPr>
           </a:p>
         </p:txBody>
       </p:sp>
@@ -36127,25 +37391,8 @@
                 <a:latin typeface="Arial" panose="020B0604020202020204" pitchFamily="34" charset="0"/>
                 <a:cs typeface="Arial" panose="020B0604020202020204" pitchFamily="34" charset="0"/>
               </a:rPr>
-              <a:t>Colocamos a tela de login e cadastro em </a:t>
+              <a:t>Colocamos a tela de login e cadastro em React</a:t>
             </a:r>
-            <a:r>
-              <a:rPr lang="pt-BR" sz="1600" b="1" dirty="0" err="1">
-                <a:solidFill>
-                  <a:schemeClr val="tx1"/>
-                </a:solidFill>
-                <a:latin typeface="Arial" panose="020B0604020202020204" pitchFamily="34" charset="0"/>
-                <a:cs typeface="Arial" panose="020B0604020202020204" pitchFamily="34" charset="0"/>
-              </a:rPr>
-              <a:t>React</a:t>
-            </a:r>
-            <a:endParaRPr lang="pt-BR" sz="1600" b="1" dirty="0">
-              <a:solidFill>
-                <a:schemeClr val="tx1"/>
-              </a:solidFill>
-              <a:latin typeface="Arial" panose="020B0604020202020204" pitchFamily="34" charset="0"/>
-              <a:cs typeface="Arial" panose="020B0604020202020204" pitchFamily="34" charset="0"/>
-            </a:endParaRPr>
           </a:p>
           <a:p>
             <a:pPr marL="252049" indent="-252049" fontAlgn="base">
@@ -36270,27 +37517,7 @@
                 <a:latin typeface="Arial" panose="020B0604020202020204" pitchFamily="34" charset="0"/>
                 <a:cs typeface="Arial" panose="020B0604020202020204" pitchFamily="34" charset="0"/>
               </a:rPr>
-              <a:t>Login/</a:t>
-            </a:r>
-            <a:r>
-              <a:rPr lang="pt-BR" sz="1400" b="1" dirty="0" err="1">
-                <a:solidFill>
-                  <a:schemeClr val="tx1"/>
-                </a:solidFill>
-                <a:latin typeface="Arial" panose="020B0604020202020204" pitchFamily="34" charset="0"/>
-                <a:cs typeface="Arial" panose="020B0604020202020204" pitchFamily="34" charset="0"/>
-              </a:rPr>
-              <a:t>LogOff</a:t>
-            </a:r>
-            <a:r>
-              <a:rPr lang="pt-BR" sz="1400" b="1" dirty="0">
-                <a:solidFill>
-                  <a:schemeClr val="tx1"/>
-                </a:solidFill>
-                <a:latin typeface="Arial" panose="020B0604020202020204" pitchFamily="34" charset="0"/>
-                <a:cs typeface="Arial" panose="020B0604020202020204" pitchFamily="34" charset="0"/>
-              </a:rPr>
-              <a:t> ORM</a:t>
+              <a:t>Login/LogOff ORM</a:t>
             </a:r>
           </a:p>
           <a:p>
@@ -36351,25 +37578,8 @@
                 <a:latin typeface="Arial" panose="020B0604020202020204" pitchFamily="34" charset="0"/>
                 <a:cs typeface="Arial" panose="020B0604020202020204" pitchFamily="34" charset="0"/>
               </a:rPr>
-              <a:t>Frente Front-</a:t>
+              <a:t>Frente Front-end</a:t>
             </a:r>
-            <a:r>
-              <a:rPr lang="pt-BR" sz="1400" b="1" dirty="0" err="1">
-                <a:solidFill>
-                  <a:schemeClr val="tx1"/>
-                </a:solidFill>
-                <a:latin typeface="Arial" panose="020B0604020202020204" pitchFamily="34" charset="0"/>
-                <a:cs typeface="Arial" panose="020B0604020202020204" pitchFamily="34" charset="0"/>
-              </a:rPr>
-              <a:t>end</a:t>
-            </a:r>
-            <a:endParaRPr lang="pt-BR" sz="1400" b="1" dirty="0">
-              <a:solidFill>
-                <a:schemeClr val="tx1"/>
-              </a:solidFill>
-              <a:latin typeface="Arial" panose="020B0604020202020204" pitchFamily="34" charset="0"/>
-              <a:cs typeface="Arial" panose="020B0604020202020204" pitchFamily="34" charset="0"/>
-            </a:endParaRPr>
           </a:p>
           <a:p>
             <a:pPr marL="252049" lvl="1" indent="-252049">
@@ -36504,7 +37714,7 @@
           <a:lstStyle/>
           <a:p>
             <a:pPr algn="ctr"/>
-            <a:endParaRPr lang="pt-BR"/>
+            <a:endParaRPr lang="pt-BR" dirty="0"/>
           </a:p>
         </p:txBody>
       </p:sp>
@@ -36627,43 +37837,7 @@
                 </a:solidFill>
                 <a:latin typeface="Simplon BP Bold" pitchFamily="2" charset="0"/>
               </a:rPr>
-              <a:t>    </a:t>
-            </a:r>
-            <a:r>
-              <a:rPr lang="en-US" sz="1176" b="0" dirty="0" err="1">
-                <a:solidFill>
-                  <a:prstClr val="black"/>
-                </a:solidFill>
-                <a:latin typeface="Simplon BP Bold" pitchFamily="2" charset="0"/>
-              </a:rPr>
-              <a:t>Farol</a:t>
-            </a:r>
-            <a:r>
-              <a:rPr lang="en-US" sz="1176" b="0" dirty="0">
-                <a:solidFill>
-                  <a:prstClr val="black"/>
-                </a:solidFill>
-                <a:latin typeface="Simplon BP Bold" pitchFamily="2" charset="0"/>
-              </a:rPr>
-              <a:t> do </a:t>
-            </a:r>
-            <a:r>
-              <a:rPr lang="en-US" sz="1176" b="0" dirty="0" err="1">
-                <a:solidFill>
-                  <a:prstClr val="black"/>
-                </a:solidFill>
-                <a:latin typeface="Simplon BP Bold" pitchFamily="2" charset="0"/>
-              </a:rPr>
-              <a:t>Projeto</a:t>
-            </a:r>
-            <a:r>
-              <a:rPr lang="en-US" sz="1176" b="0" dirty="0">
-                <a:solidFill>
-                  <a:prstClr val="black"/>
-                </a:solidFill>
-                <a:latin typeface="Simplon BP Bold" pitchFamily="2" charset="0"/>
-              </a:rPr>
-              <a:t>   </a:t>
+              <a:t>    Farol do Projeto   </a:t>
             </a:r>
           </a:p>
         </p:txBody>
@@ -37670,7 +38844,7 @@
           <a:p>
             <a:pPr defTabSz="672130"/>
             <a:r>
-              <a:rPr lang="en-US" sz="1176" b="0" dirty="0" err="1">
+              <a:rPr lang="en-US" sz="1176" b="0" dirty="0">
                 <a:solidFill>
                   <a:prstClr val="black"/>
                 </a:solidFill>
@@ -37678,12 +38852,6 @@
               </a:rPr>
               <a:t>Equipe</a:t>
             </a:r>
-            <a:endParaRPr lang="en-US" sz="1176" b="0" dirty="0">
-              <a:solidFill>
-                <a:prstClr val="black"/>
-              </a:solidFill>
-              <a:latin typeface="Simplon BP Bold" pitchFamily="2" charset="0"/>
-            </a:endParaRPr>
           </a:p>
         </p:txBody>
       </p:sp>
@@ -37857,27 +39025,7 @@
                 <a:latin typeface="Arial" panose="020B0604020202020204" pitchFamily="34" charset="0"/>
                 <a:cs typeface="Arial" panose="020B0604020202020204" pitchFamily="34" charset="0"/>
               </a:rPr>
-              <a:t>Finalizamos o Login/</a:t>
-            </a:r>
-            <a:r>
-              <a:rPr lang="pt-BR" sz="1600" b="1" dirty="0" err="1">
-                <a:solidFill>
-                  <a:schemeClr val="tx1"/>
-                </a:solidFill>
-                <a:latin typeface="Arial" panose="020B0604020202020204" pitchFamily="34" charset="0"/>
-                <a:cs typeface="Arial" panose="020B0604020202020204" pitchFamily="34" charset="0"/>
-              </a:rPr>
-              <a:t>LogOffi</a:t>
-            </a:r>
-            <a:r>
-              <a:rPr lang="pt-BR" sz="1600" b="1" dirty="0">
-                <a:solidFill>
-                  <a:schemeClr val="tx1"/>
-                </a:solidFill>
-                <a:latin typeface="Arial" panose="020B0604020202020204" pitchFamily="34" charset="0"/>
-                <a:cs typeface="Arial" panose="020B0604020202020204" pitchFamily="34" charset="0"/>
-              </a:rPr>
-              <a:t> com ORM</a:t>
+              <a:t>Finalizamos o Login/LogOffi com ORM</a:t>
             </a:r>
           </a:p>
           <a:p>
@@ -37957,27 +39105,7 @@
                 <a:latin typeface="Arial" panose="020B0604020202020204" pitchFamily="34" charset="0"/>
                 <a:cs typeface="Arial" panose="020B0604020202020204" pitchFamily="34" charset="0"/>
               </a:rPr>
-              <a:t>Finalizamos o </a:t>
-            </a:r>
-            <a:r>
-              <a:rPr lang="pt-BR" sz="1600" b="1" dirty="0" err="1">
-                <a:solidFill>
-                  <a:schemeClr val="tx1"/>
-                </a:solidFill>
-                <a:latin typeface="Arial" panose="020B0604020202020204" pitchFamily="34" charset="0"/>
-                <a:cs typeface="Arial" panose="020B0604020202020204" pitchFamily="34" charset="0"/>
-              </a:rPr>
-              <a:t>power</a:t>
-            </a:r>
-            <a:r>
-              <a:rPr lang="pt-BR" sz="1600" b="1" dirty="0">
-                <a:solidFill>
-                  <a:schemeClr val="tx1"/>
-                </a:solidFill>
-                <a:latin typeface="Arial" panose="020B0604020202020204" pitchFamily="34" charset="0"/>
-                <a:cs typeface="Arial" panose="020B0604020202020204" pitchFamily="34" charset="0"/>
-              </a:rPr>
-              <a:t> point da SPRINT 2</a:t>
+              <a:t>Finalizamos o power point da SPRINT 2</a:t>
             </a:r>
           </a:p>
           <a:p>
@@ -38115,7 +39243,7 @@
           <a:lstStyle/>
           <a:p>
             <a:pPr algn="ctr"/>
-            <a:endParaRPr lang="pt-BR"/>
+            <a:endParaRPr lang="pt-BR" dirty="0"/>
           </a:p>
         </p:txBody>
       </p:sp>
@@ -38238,43 +39366,7 @@
                 </a:solidFill>
                 <a:latin typeface="Simplon BP Bold" pitchFamily="2" charset="0"/>
               </a:rPr>
-              <a:t>    </a:t>
-            </a:r>
-            <a:r>
-              <a:rPr lang="en-US" sz="1176" b="0" dirty="0" err="1">
-                <a:solidFill>
-                  <a:prstClr val="black"/>
-                </a:solidFill>
-                <a:latin typeface="Simplon BP Bold" pitchFamily="2" charset="0"/>
-              </a:rPr>
-              <a:t>Farol</a:t>
-            </a:r>
-            <a:r>
-              <a:rPr lang="en-US" sz="1176" b="0" dirty="0">
-                <a:solidFill>
-                  <a:prstClr val="black"/>
-                </a:solidFill>
-                <a:latin typeface="Simplon BP Bold" pitchFamily="2" charset="0"/>
-              </a:rPr>
-              <a:t> do </a:t>
-            </a:r>
-            <a:r>
-              <a:rPr lang="en-US" sz="1176" b="0" dirty="0" err="1">
-                <a:solidFill>
-                  <a:prstClr val="black"/>
-                </a:solidFill>
-                <a:latin typeface="Simplon BP Bold" pitchFamily="2" charset="0"/>
-              </a:rPr>
-              <a:t>Projeto</a:t>
-            </a:r>
-            <a:r>
-              <a:rPr lang="en-US" sz="1176" b="0" dirty="0">
-                <a:solidFill>
-                  <a:prstClr val="black"/>
-                </a:solidFill>
-                <a:latin typeface="Simplon BP Bold" pitchFamily="2" charset="0"/>
-              </a:rPr>
-              <a:t>   </a:t>
+              <a:t>    Farol do Projeto   </a:t>
             </a:r>
           </a:p>
         </p:txBody>
@@ -40051,15 +41143,6 @@
 </file>
 
 <file path=customXml/item2.xml><?xml version="1.0" encoding="utf-8"?>
-<?mso-contentType ?>
-<FormTemplates xmlns="http://schemas.microsoft.com/sharepoint/v3/contenttype/forms">
-  <Display>DocumentLibraryForm</Display>
-  <Edit>DocumentLibraryForm</Edit>
-  <New>DocumentLibraryForm</New>
-</FormTemplates>
-</file>
-
-<file path=customXml/item3.xml><?xml version="1.0" encoding="utf-8"?>
 <ct:contentTypeSchema xmlns:ct="http://schemas.microsoft.com/office/2006/metadata/contentType" xmlns:ma="http://schemas.microsoft.com/office/2006/metadata/properties/metaAttributes" ct:_="" ma:_="" ma:contentTypeName="Document" ma:contentTypeID="0x0101001132905C37EA9847A7207C4BBCCCD8F4" ma:contentTypeVersion="34" ma:contentTypeDescription="Create a new document." ma:contentTypeScope="" ma:versionID="2f28daba72ca6e92be87ea70ebe5bb94">
   <xsd:schema xmlns:xsd="http://www.w3.org/2001/XMLSchema" xmlns:xs="http://www.w3.org/2001/XMLSchema" xmlns:p="http://schemas.microsoft.com/office/2006/metadata/properties" xmlns:ns3="4327b14a-fe89-488e-9f6d-9658cacf372b" xmlns:ns4="bbcd8c33-6940-4d4c-a587-bbc736ca1e4d" targetNamespace="http://schemas.microsoft.com/office/2006/metadata/properties" ma:root="true" ma:fieldsID="df18e839ce2650f1975b41376e6cdb6b" ns3:_="" ns4:_="">
     <xsd:import namespace="4327b14a-fe89-488e-9f6d-9658cacf372b"/>
@@ -40476,6 +41559,15 @@
 </ct:contentTypeSchema>
 </file>
 
+<file path=customXml/item3.xml><?xml version="1.0" encoding="utf-8"?>
+<?mso-contentType ?>
+<FormTemplates xmlns="http://schemas.microsoft.com/sharepoint/v3/contenttype/forms">
+  <Display>DocumentLibraryForm</Display>
+  <Edit>DocumentLibraryForm</Edit>
+  <New>DocumentLibraryForm</New>
+</FormTemplates>
+</file>
+
 <file path=customXml/itemProps1.xml><?xml version="1.0" encoding="utf-8"?>
 <ds:datastoreItem xmlns:ds="http://schemas.openxmlformats.org/officeDocument/2006/customXml" ds:itemID="{4B31267F-D399-4A8A-87F8-B75F56828412}">
   <ds:schemaRefs>
@@ -40494,14 +41586,6 @@
 </file>
 
 <file path=customXml/itemProps2.xml><?xml version="1.0" encoding="utf-8"?>
-<ds:datastoreItem xmlns:ds="http://schemas.openxmlformats.org/officeDocument/2006/customXml" ds:itemID="{E2481852-F24E-4532-AF30-C154D705D105}">
-  <ds:schemaRefs>
-    <ds:schemaRef ds:uri="http://schemas.microsoft.com/sharepoint/v3/contenttype/forms"/>
-  </ds:schemaRefs>
-</ds:datastoreItem>
-</file>
-
-<file path=customXml/itemProps3.xml><?xml version="1.0" encoding="utf-8"?>
 <ds:datastoreItem xmlns:ds="http://schemas.openxmlformats.org/officeDocument/2006/customXml" ds:itemID="{3BE6CAF6-1F55-4A70-B10C-21633F74987A}">
   <ds:schemaRefs>
     <ds:schemaRef ds:uri="http://schemas.microsoft.com/office/2006/metadata/contentType"/>
@@ -40518,4 +41602,12 @@
     <ds:schemaRef ds:uri="http://schemas.microsoft.com/internal/obd"/>
   </ds:schemaRefs>
 </ds:datastoreItem>
+</file>
+
+<file path=customXml/itemProps3.xml><?xml version="1.0" encoding="utf-8"?>
+<ds:datastoreItem xmlns:ds="http://schemas.openxmlformats.org/officeDocument/2006/customXml" ds:itemID="{E2481852-F24E-4532-AF30-C154D705D105}">
+  <ds:schemaRefs>
+    <ds:schemaRef ds:uri="http://schemas.microsoft.com/sharepoint/v3/contenttype/forms"/>
+  </ds:schemaRefs>
+</ds:datastoreItem>
 </file>